--- a/what_are_we_watching_tonight final.pptx
+++ b/what_are_we_watching_tonight final.pptx
@@ -15,18 +15,18 @@
     <p:sldId id="260" r:id="rId6"/>
     <p:sldId id="262" r:id="rId7"/>
     <p:sldId id="263" r:id="rId8"/>
-    <p:sldId id="273" r:id="rId9"/>
-    <p:sldId id="276" r:id="rId10"/>
-    <p:sldId id="267" r:id="rId11"/>
-    <p:sldId id="277" r:id="rId12"/>
-    <p:sldId id="278" r:id="rId13"/>
-    <p:sldId id="279" r:id="rId14"/>
-    <p:sldId id="280" r:id="rId15"/>
-    <p:sldId id="281" r:id="rId16"/>
-    <p:sldId id="282" r:id="rId17"/>
-    <p:sldId id="272" r:id="rId18"/>
-    <p:sldId id="265" r:id="rId19"/>
-    <p:sldId id="268" r:id="rId20"/>
+    <p:sldId id="272" r:id="rId9"/>
+    <p:sldId id="265" r:id="rId10"/>
+    <p:sldId id="268" r:id="rId11"/>
+    <p:sldId id="273" r:id="rId12"/>
+    <p:sldId id="276" r:id="rId13"/>
+    <p:sldId id="267" r:id="rId14"/>
+    <p:sldId id="277" r:id="rId15"/>
+    <p:sldId id="278" r:id="rId16"/>
+    <p:sldId id="279" r:id="rId17"/>
+    <p:sldId id="280" r:id="rId18"/>
+    <p:sldId id="281" r:id="rId19"/>
+    <p:sldId id="282" r:id="rId20"/>
     <p:sldId id="271" r:id="rId21"/>
     <p:sldId id="266" r:id="rId22"/>
     <p:sldId id="269" r:id="rId23"/>
@@ -221,7 +221,7 @@
           <a:p>
             <a:fld id="{71BD10CF-F22E-4F66-9E77-E9638DB18C5A}" type="datetimeFigureOut">
               <a:rPr lang="en-US" smtClean="0"/>
-              <a:t>5/13/2024</a:t>
+              <a:t>5/15/2024</a:t>
             </a:fld>
             <a:endParaRPr lang="en-US"/>
           </a:p>
@@ -719,258 +719,6 @@
           <a:bodyPr/>
           <a:lstStyle/>
           <a:p>
-            <a:fld id="{921AF3DF-4AF8-436B-A96F-8A28546A46DA}" type="slidenum">
-              <a:rPr lang="en-US" smtClean="0"/>
-              <a:t>10</a:t>
-            </a:fld>
-            <a:endParaRPr lang="en-US"/>
-          </a:p>
-        </p:txBody>
-      </p:sp>
-    </p:spTree>
-    <p:extLst>
-      <p:ext uri="{BB962C8B-B14F-4D97-AF65-F5344CB8AC3E}">
-        <p14:creationId xmlns:p14="http://schemas.microsoft.com/office/powerpoint/2010/main" val="3306252767"/>
-      </p:ext>
-    </p:extLst>
-  </p:cSld>
-  <p:clrMapOvr>
-    <a:masterClrMapping/>
-  </p:clrMapOvr>
-</p:notes>
-</file>
-
-<file path=ppt/notesSlides/notesSlide4.xml><?xml version="1.0" encoding="utf-8"?>
-<p:notes xmlns:a="http://schemas.openxmlformats.org/drawingml/2006/main" xmlns:r="http://schemas.openxmlformats.org/officeDocument/2006/relationships" xmlns:p="http://schemas.openxmlformats.org/presentationml/2006/main">
-  <p:cSld>
-    <p:spTree>
-      <p:nvGrpSpPr>
-        <p:cNvPr id="1" name=""/>
-        <p:cNvGrpSpPr/>
-        <p:nvPr/>
-      </p:nvGrpSpPr>
-      <p:grpSpPr>
-        <a:xfrm>
-          <a:off x="0" y="0"/>
-          <a:ext cx="0" cy="0"/>
-          <a:chOff x="0" y="0"/>
-          <a:chExt cx="0" cy="0"/>
-        </a:xfrm>
-      </p:grpSpPr>
-      <p:sp>
-        <p:nvSpPr>
-          <p:cNvPr id="2" name="Slide Image Placeholder 1"/>
-          <p:cNvSpPr>
-            <a:spLocks noGrp="1" noRot="1" noChangeAspect="1"/>
-          </p:cNvSpPr>
-          <p:nvPr>
-            <p:ph type="sldImg"/>
-          </p:nvPr>
-        </p:nvSpPr>
-        <p:spPr/>
-      </p:sp>
-      <p:sp>
-        <p:nvSpPr>
-          <p:cNvPr id="3" name="Notes Placeholder 2"/>
-          <p:cNvSpPr>
-            <a:spLocks noGrp="1"/>
-          </p:cNvSpPr>
-          <p:nvPr>
-            <p:ph type="body" idx="1"/>
-          </p:nvPr>
-        </p:nvSpPr>
-        <p:spPr/>
-        <p:txBody>
-          <a:bodyPr/>
-          <a:lstStyle/>
-          <a:p>
-            <a:endParaRPr lang="en-US" dirty="0"/>
-          </a:p>
-        </p:txBody>
-      </p:sp>
-      <p:sp>
-        <p:nvSpPr>
-          <p:cNvPr id="4" name="Slide Number Placeholder 3"/>
-          <p:cNvSpPr>
-            <a:spLocks noGrp="1"/>
-          </p:cNvSpPr>
-          <p:nvPr>
-            <p:ph type="sldNum" sz="quarter" idx="5"/>
-          </p:nvPr>
-        </p:nvSpPr>
-        <p:spPr/>
-        <p:txBody>
-          <a:bodyPr/>
-          <a:lstStyle/>
-          <a:p>
-            <a:fld id="{921AF3DF-4AF8-436B-A96F-8A28546A46DA}" type="slidenum">
-              <a:rPr lang="en-US" smtClean="0"/>
-              <a:t>11</a:t>
-            </a:fld>
-            <a:endParaRPr lang="en-US"/>
-          </a:p>
-        </p:txBody>
-      </p:sp>
-    </p:spTree>
-    <p:extLst>
-      <p:ext uri="{BB962C8B-B14F-4D97-AF65-F5344CB8AC3E}">
-        <p14:creationId xmlns:p14="http://schemas.microsoft.com/office/powerpoint/2010/main" val="3306252767"/>
-      </p:ext>
-    </p:extLst>
-  </p:cSld>
-  <p:clrMapOvr>
-    <a:masterClrMapping/>
-  </p:clrMapOvr>
-</p:notes>
-</file>
-
-<file path=ppt/notesSlides/notesSlide5.xml><?xml version="1.0" encoding="utf-8"?>
-<p:notes xmlns:a="http://schemas.openxmlformats.org/drawingml/2006/main" xmlns:r="http://schemas.openxmlformats.org/officeDocument/2006/relationships" xmlns:p="http://schemas.openxmlformats.org/presentationml/2006/main">
-  <p:cSld>
-    <p:spTree>
-      <p:nvGrpSpPr>
-        <p:cNvPr id="1" name=""/>
-        <p:cNvGrpSpPr/>
-        <p:nvPr/>
-      </p:nvGrpSpPr>
-      <p:grpSpPr>
-        <a:xfrm>
-          <a:off x="0" y="0"/>
-          <a:ext cx="0" cy="0"/>
-          <a:chOff x="0" y="0"/>
-          <a:chExt cx="0" cy="0"/>
-        </a:xfrm>
-      </p:grpSpPr>
-      <p:sp>
-        <p:nvSpPr>
-          <p:cNvPr id="2" name="Slide Image Placeholder 1"/>
-          <p:cNvSpPr>
-            <a:spLocks noGrp="1" noRot="1" noChangeAspect="1"/>
-          </p:cNvSpPr>
-          <p:nvPr>
-            <p:ph type="sldImg"/>
-          </p:nvPr>
-        </p:nvSpPr>
-        <p:spPr/>
-      </p:sp>
-      <p:sp>
-        <p:nvSpPr>
-          <p:cNvPr id="3" name="Notes Placeholder 2"/>
-          <p:cNvSpPr>
-            <a:spLocks noGrp="1"/>
-          </p:cNvSpPr>
-          <p:nvPr>
-            <p:ph type="body" idx="1"/>
-          </p:nvPr>
-        </p:nvSpPr>
-        <p:spPr/>
-        <p:txBody>
-          <a:bodyPr/>
-          <a:lstStyle/>
-          <a:p>
-            <a:endParaRPr lang="en-US" dirty="0"/>
-          </a:p>
-        </p:txBody>
-      </p:sp>
-      <p:sp>
-        <p:nvSpPr>
-          <p:cNvPr id="4" name="Slide Number Placeholder 3"/>
-          <p:cNvSpPr>
-            <a:spLocks noGrp="1"/>
-          </p:cNvSpPr>
-          <p:nvPr>
-            <p:ph type="sldNum" sz="quarter" idx="5"/>
-          </p:nvPr>
-        </p:nvSpPr>
-        <p:spPr/>
-        <p:txBody>
-          <a:bodyPr/>
-          <a:lstStyle/>
-          <a:p>
-            <a:fld id="{921AF3DF-4AF8-436B-A96F-8A28546A46DA}" type="slidenum">
-              <a:rPr lang="en-US" smtClean="0"/>
-              <a:t>16</a:t>
-            </a:fld>
-            <a:endParaRPr lang="en-US"/>
-          </a:p>
-        </p:txBody>
-      </p:sp>
-    </p:spTree>
-    <p:extLst>
-      <p:ext uri="{BB962C8B-B14F-4D97-AF65-F5344CB8AC3E}">
-        <p14:creationId xmlns:p14="http://schemas.microsoft.com/office/powerpoint/2010/main" val="3854181641"/>
-      </p:ext>
-    </p:extLst>
-  </p:cSld>
-  <p:clrMapOvr>
-    <a:masterClrMapping/>
-  </p:clrMapOvr>
-</p:notes>
-</file>
-
-<file path=ppt/notesSlides/notesSlide6.xml><?xml version="1.0" encoding="utf-8"?>
-<p:notes xmlns:a="http://schemas.openxmlformats.org/drawingml/2006/main" xmlns:r="http://schemas.openxmlformats.org/officeDocument/2006/relationships" xmlns:p="http://schemas.openxmlformats.org/presentationml/2006/main">
-  <p:cSld>
-    <p:spTree>
-      <p:nvGrpSpPr>
-        <p:cNvPr id="1" name=""/>
-        <p:cNvGrpSpPr/>
-        <p:nvPr/>
-      </p:nvGrpSpPr>
-      <p:grpSpPr>
-        <a:xfrm>
-          <a:off x="0" y="0"/>
-          <a:ext cx="0" cy="0"/>
-          <a:chOff x="0" y="0"/>
-          <a:chExt cx="0" cy="0"/>
-        </a:xfrm>
-      </p:grpSpPr>
-      <p:sp>
-        <p:nvSpPr>
-          <p:cNvPr id="2" name="Slide Image Placeholder 1"/>
-          <p:cNvSpPr>
-            <a:spLocks noGrp="1" noRot="1" noChangeAspect="1"/>
-          </p:cNvSpPr>
-          <p:nvPr>
-            <p:ph type="sldImg"/>
-          </p:nvPr>
-        </p:nvSpPr>
-        <p:spPr/>
-      </p:sp>
-      <p:sp>
-        <p:nvSpPr>
-          <p:cNvPr id="3" name="Notes Placeholder 2"/>
-          <p:cNvSpPr>
-            <a:spLocks noGrp="1"/>
-          </p:cNvSpPr>
-          <p:nvPr>
-            <p:ph type="body" idx="1"/>
-          </p:nvPr>
-        </p:nvSpPr>
-        <p:spPr/>
-        <p:txBody>
-          <a:bodyPr/>
-          <a:lstStyle/>
-          <a:p>
-            <a:endParaRPr lang="en-US" dirty="0"/>
-          </a:p>
-        </p:txBody>
-      </p:sp>
-      <p:sp>
-        <p:nvSpPr>
-          <p:cNvPr id="4" name="Slide Number Placeholder 3"/>
-          <p:cNvSpPr>
-            <a:spLocks noGrp="1"/>
-          </p:cNvSpPr>
-          <p:nvPr>
-            <p:ph type="sldNum" sz="quarter" idx="5"/>
-          </p:nvPr>
-        </p:nvSpPr>
-        <p:spPr/>
-        <p:txBody>
-          <a:bodyPr/>
-          <a:lstStyle/>
-          <a:p>
             <a:pPr marL="0" marR="0" lvl="0" indent="0" algn="r" defTabSz="914400" rtl="0" eaLnBrk="1" fontAlgn="auto" latinLnBrk="0" hangingPunct="1">
               <a:lnSpc>
                 <a:spcPct val="100000"/>
@@ -1020,7 +768,7 @@
                 <a:tabLst/>
                 <a:defRPr/>
               </a:pPr>
-              <a:t>18</a:t>
+              <a:t>9</a:t>
             </a:fld>
             <a:endParaRPr kumimoji="0" lang="en-US" sz="1200" b="0" i="0" u="none" strike="noStrike" kern="1200" cap="none" spc="0" normalizeH="0" baseline="0" noProof="0">
               <a:ln>
@@ -1043,6 +791,258 @@
     <p:extLst>
       <p:ext uri="{BB962C8B-B14F-4D97-AF65-F5344CB8AC3E}">
         <p14:creationId xmlns:p14="http://schemas.microsoft.com/office/powerpoint/2010/main" val="1365320800"/>
+      </p:ext>
+    </p:extLst>
+  </p:cSld>
+  <p:clrMapOvr>
+    <a:masterClrMapping/>
+  </p:clrMapOvr>
+</p:notes>
+</file>
+
+<file path=ppt/notesSlides/notesSlide4.xml><?xml version="1.0" encoding="utf-8"?>
+<p:notes xmlns:a="http://schemas.openxmlformats.org/drawingml/2006/main" xmlns:r="http://schemas.openxmlformats.org/officeDocument/2006/relationships" xmlns:p="http://schemas.openxmlformats.org/presentationml/2006/main">
+  <p:cSld>
+    <p:spTree>
+      <p:nvGrpSpPr>
+        <p:cNvPr id="1" name=""/>
+        <p:cNvGrpSpPr/>
+        <p:nvPr/>
+      </p:nvGrpSpPr>
+      <p:grpSpPr>
+        <a:xfrm>
+          <a:off x="0" y="0"/>
+          <a:ext cx="0" cy="0"/>
+          <a:chOff x="0" y="0"/>
+          <a:chExt cx="0" cy="0"/>
+        </a:xfrm>
+      </p:grpSpPr>
+      <p:sp>
+        <p:nvSpPr>
+          <p:cNvPr id="2" name="Slide Image Placeholder 1"/>
+          <p:cNvSpPr>
+            <a:spLocks noGrp="1" noRot="1" noChangeAspect="1"/>
+          </p:cNvSpPr>
+          <p:nvPr>
+            <p:ph type="sldImg"/>
+          </p:nvPr>
+        </p:nvSpPr>
+        <p:spPr/>
+      </p:sp>
+      <p:sp>
+        <p:nvSpPr>
+          <p:cNvPr id="3" name="Notes Placeholder 2"/>
+          <p:cNvSpPr>
+            <a:spLocks noGrp="1"/>
+          </p:cNvSpPr>
+          <p:nvPr>
+            <p:ph type="body" idx="1"/>
+          </p:nvPr>
+        </p:nvSpPr>
+        <p:spPr/>
+        <p:txBody>
+          <a:bodyPr/>
+          <a:lstStyle/>
+          <a:p>
+            <a:endParaRPr lang="en-US" dirty="0"/>
+          </a:p>
+        </p:txBody>
+      </p:sp>
+      <p:sp>
+        <p:nvSpPr>
+          <p:cNvPr id="4" name="Slide Number Placeholder 3"/>
+          <p:cNvSpPr>
+            <a:spLocks noGrp="1"/>
+          </p:cNvSpPr>
+          <p:nvPr>
+            <p:ph type="sldNum" sz="quarter" idx="5"/>
+          </p:nvPr>
+        </p:nvSpPr>
+        <p:spPr/>
+        <p:txBody>
+          <a:bodyPr/>
+          <a:lstStyle/>
+          <a:p>
+            <a:fld id="{921AF3DF-4AF8-436B-A96F-8A28546A46DA}" type="slidenum">
+              <a:rPr lang="en-US" smtClean="0"/>
+              <a:t>13</a:t>
+            </a:fld>
+            <a:endParaRPr lang="en-US"/>
+          </a:p>
+        </p:txBody>
+      </p:sp>
+    </p:spTree>
+    <p:extLst>
+      <p:ext uri="{BB962C8B-B14F-4D97-AF65-F5344CB8AC3E}">
+        <p14:creationId xmlns:p14="http://schemas.microsoft.com/office/powerpoint/2010/main" val="3306252767"/>
+      </p:ext>
+    </p:extLst>
+  </p:cSld>
+  <p:clrMapOvr>
+    <a:masterClrMapping/>
+  </p:clrMapOvr>
+</p:notes>
+</file>
+
+<file path=ppt/notesSlides/notesSlide5.xml><?xml version="1.0" encoding="utf-8"?>
+<p:notes xmlns:a="http://schemas.openxmlformats.org/drawingml/2006/main" xmlns:r="http://schemas.openxmlformats.org/officeDocument/2006/relationships" xmlns:p="http://schemas.openxmlformats.org/presentationml/2006/main">
+  <p:cSld>
+    <p:spTree>
+      <p:nvGrpSpPr>
+        <p:cNvPr id="1" name=""/>
+        <p:cNvGrpSpPr/>
+        <p:nvPr/>
+      </p:nvGrpSpPr>
+      <p:grpSpPr>
+        <a:xfrm>
+          <a:off x="0" y="0"/>
+          <a:ext cx="0" cy="0"/>
+          <a:chOff x="0" y="0"/>
+          <a:chExt cx="0" cy="0"/>
+        </a:xfrm>
+      </p:grpSpPr>
+      <p:sp>
+        <p:nvSpPr>
+          <p:cNvPr id="2" name="Slide Image Placeholder 1"/>
+          <p:cNvSpPr>
+            <a:spLocks noGrp="1" noRot="1" noChangeAspect="1"/>
+          </p:cNvSpPr>
+          <p:nvPr>
+            <p:ph type="sldImg"/>
+          </p:nvPr>
+        </p:nvSpPr>
+        <p:spPr/>
+      </p:sp>
+      <p:sp>
+        <p:nvSpPr>
+          <p:cNvPr id="3" name="Notes Placeholder 2"/>
+          <p:cNvSpPr>
+            <a:spLocks noGrp="1"/>
+          </p:cNvSpPr>
+          <p:nvPr>
+            <p:ph type="body" idx="1"/>
+          </p:nvPr>
+        </p:nvSpPr>
+        <p:spPr/>
+        <p:txBody>
+          <a:bodyPr/>
+          <a:lstStyle/>
+          <a:p>
+            <a:endParaRPr lang="en-US" dirty="0"/>
+          </a:p>
+        </p:txBody>
+      </p:sp>
+      <p:sp>
+        <p:nvSpPr>
+          <p:cNvPr id="4" name="Slide Number Placeholder 3"/>
+          <p:cNvSpPr>
+            <a:spLocks noGrp="1"/>
+          </p:cNvSpPr>
+          <p:nvPr>
+            <p:ph type="sldNum" sz="quarter" idx="5"/>
+          </p:nvPr>
+        </p:nvSpPr>
+        <p:spPr/>
+        <p:txBody>
+          <a:bodyPr/>
+          <a:lstStyle/>
+          <a:p>
+            <a:fld id="{921AF3DF-4AF8-436B-A96F-8A28546A46DA}" type="slidenum">
+              <a:rPr lang="en-US" smtClean="0"/>
+              <a:t>14</a:t>
+            </a:fld>
+            <a:endParaRPr lang="en-US"/>
+          </a:p>
+        </p:txBody>
+      </p:sp>
+    </p:spTree>
+    <p:extLst>
+      <p:ext uri="{BB962C8B-B14F-4D97-AF65-F5344CB8AC3E}">
+        <p14:creationId xmlns:p14="http://schemas.microsoft.com/office/powerpoint/2010/main" val="3306252767"/>
+      </p:ext>
+    </p:extLst>
+  </p:cSld>
+  <p:clrMapOvr>
+    <a:masterClrMapping/>
+  </p:clrMapOvr>
+</p:notes>
+</file>
+
+<file path=ppt/notesSlides/notesSlide6.xml><?xml version="1.0" encoding="utf-8"?>
+<p:notes xmlns:a="http://schemas.openxmlformats.org/drawingml/2006/main" xmlns:r="http://schemas.openxmlformats.org/officeDocument/2006/relationships" xmlns:p="http://schemas.openxmlformats.org/presentationml/2006/main">
+  <p:cSld>
+    <p:spTree>
+      <p:nvGrpSpPr>
+        <p:cNvPr id="1" name=""/>
+        <p:cNvGrpSpPr/>
+        <p:nvPr/>
+      </p:nvGrpSpPr>
+      <p:grpSpPr>
+        <a:xfrm>
+          <a:off x="0" y="0"/>
+          <a:ext cx="0" cy="0"/>
+          <a:chOff x="0" y="0"/>
+          <a:chExt cx="0" cy="0"/>
+        </a:xfrm>
+      </p:grpSpPr>
+      <p:sp>
+        <p:nvSpPr>
+          <p:cNvPr id="2" name="Slide Image Placeholder 1"/>
+          <p:cNvSpPr>
+            <a:spLocks noGrp="1" noRot="1" noChangeAspect="1"/>
+          </p:cNvSpPr>
+          <p:nvPr>
+            <p:ph type="sldImg"/>
+          </p:nvPr>
+        </p:nvSpPr>
+        <p:spPr/>
+      </p:sp>
+      <p:sp>
+        <p:nvSpPr>
+          <p:cNvPr id="3" name="Notes Placeholder 2"/>
+          <p:cNvSpPr>
+            <a:spLocks noGrp="1"/>
+          </p:cNvSpPr>
+          <p:nvPr>
+            <p:ph type="body" idx="1"/>
+          </p:nvPr>
+        </p:nvSpPr>
+        <p:spPr/>
+        <p:txBody>
+          <a:bodyPr/>
+          <a:lstStyle/>
+          <a:p>
+            <a:endParaRPr lang="en-US" dirty="0"/>
+          </a:p>
+        </p:txBody>
+      </p:sp>
+      <p:sp>
+        <p:nvSpPr>
+          <p:cNvPr id="4" name="Slide Number Placeholder 3"/>
+          <p:cNvSpPr>
+            <a:spLocks noGrp="1"/>
+          </p:cNvSpPr>
+          <p:nvPr>
+            <p:ph type="sldNum" sz="quarter" idx="5"/>
+          </p:nvPr>
+        </p:nvSpPr>
+        <p:spPr/>
+        <p:txBody>
+          <a:bodyPr/>
+          <a:lstStyle/>
+          <a:p>
+            <a:fld id="{921AF3DF-4AF8-436B-A96F-8A28546A46DA}" type="slidenum">
+              <a:rPr lang="en-US" smtClean="0"/>
+              <a:t>19</a:t>
+            </a:fld>
+            <a:endParaRPr lang="en-US"/>
+          </a:p>
+        </p:txBody>
+      </p:sp>
+    </p:spTree>
+    <p:extLst>
+      <p:ext uri="{BB962C8B-B14F-4D97-AF65-F5344CB8AC3E}">
+        <p14:creationId xmlns:p14="http://schemas.microsoft.com/office/powerpoint/2010/main" val="3854181641"/>
       </p:ext>
     </p:extLst>
   </p:cSld>
@@ -1183,7 +1183,7 @@
           <a:p>
             <a:fld id="{01DB1436-ED8F-4574-8D2D-21F8FB310577}" type="datetimeFigureOut">
               <a:rPr lang="en-US" smtClean="0"/>
-              <a:t>5/13/2024</a:t>
+              <a:t>5/15/2024</a:t>
             </a:fld>
             <a:endParaRPr lang="en-US"/>
           </a:p>
@@ -1353,7 +1353,7 @@
           <a:p>
             <a:fld id="{01DB1436-ED8F-4574-8D2D-21F8FB310577}" type="datetimeFigureOut">
               <a:rPr lang="en-US" smtClean="0"/>
-              <a:t>5/13/2024</a:t>
+              <a:t>5/15/2024</a:t>
             </a:fld>
             <a:endParaRPr lang="en-US"/>
           </a:p>
@@ -1533,7 +1533,7 @@
           <a:p>
             <a:fld id="{01DB1436-ED8F-4574-8D2D-21F8FB310577}" type="datetimeFigureOut">
               <a:rPr lang="en-US" smtClean="0"/>
-              <a:t>5/13/2024</a:t>
+              <a:t>5/15/2024</a:t>
             </a:fld>
             <a:endParaRPr lang="en-US"/>
           </a:p>
@@ -1703,7 +1703,7 @@
           <a:p>
             <a:fld id="{01DB1436-ED8F-4574-8D2D-21F8FB310577}" type="datetimeFigureOut">
               <a:rPr lang="en-US" smtClean="0"/>
-              <a:t>5/13/2024</a:t>
+              <a:t>5/15/2024</a:t>
             </a:fld>
             <a:endParaRPr lang="en-US"/>
           </a:p>
@@ -1949,7 +1949,7 @@
           <a:p>
             <a:fld id="{01DB1436-ED8F-4574-8D2D-21F8FB310577}" type="datetimeFigureOut">
               <a:rPr lang="en-US" smtClean="0"/>
-              <a:t>5/13/2024</a:t>
+              <a:t>5/15/2024</a:t>
             </a:fld>
             <a:endParaRPr lang="en-US"/>
           </a:p>
@@ -2181,7 +2181,7 @@
           <a:p>
             <a:fld id="{01DB1436-ED8F-4574-8D2D-21F8FB310577}" type="datetimeFigureOut">
               <a:rPr lang="en-US" smtClean="0"/>
-              <a:t>5/13/2024</a:t>
+              <a:t>5/15/2024</a:t>
             </a:fld>
             <a:endParaRPr lang="en-US"/>
           </a:p>
@@ -2548,7 +2548,7 @@
           <a:p>
             <a:fld id="{01DB1436-ED8F-4574-8D2D-21F8FB310577}" type="datetimeFigureOut">
               <a:rPr lang="en-US" smtClean="0"/>
-              <a:t>5/13/2024</a:t>
+              <a:t>5/15/2024</a:t>
             </a:fld>
             <a:endParaRPr lang="en-US"/>
           </a:p>
@@ -2666,7 +2666,7 @@
           <a:p>
             <a:fld id="{01DB1436-ED8F-4574-8D2D-21F8FB310577}" type="datetimeFigureOut">
               <a:rPr lang="en-US" smtClean="0"/>
-              <a:t>5/13/2024</a:t>
+              <a:t>5/15/2024</a:t>
             </a:fld>
             <a:endParaRPr lang="en-US"/>
           </a:p>
@@ -2761,7 +2761,7 @@
           <a:p>
             <a:fld id="{01DB1436-ED8F-4574-8D2D-21F8FB310577}" type="datetimeFigureOut">
               <a:rPr lang="en-US" smtClean="0"/>
-              <a:t>5/13/2024</a:t>
+              <a:t>5/15/2024</a:t>
             </a:fld>
             <a:endParaRPr lang="en-US"/>
           </a:p>
@@ -3038,7 +3038,7 @@
           <a:p>
             <a:fld id="{01DB1436-ED8F-4574-8D2D-21F8FB310577}" type="datetimeFigureOut">
               <a:rPr lang="en-US" smtClean="0"/>
-              <a:t>5/13/2024</a:t>
+              <a:t>5/15/2024</a:t>
             </a:fld>
             <a:endParaRPr lang="en-US"/>
           </a:p>
@@ -3295,7 +3295,7 @@
           <a:p>
             <a:fld id="{01DB1436-ED8F-4574-8D2D-21F8FB310577}" type="datetimeFigureOut">
               <a:rPr lang="en-US" smtClean="0"/>
-              <a:t>5/13/2024</a:t>
+              <a:t>5/15/2024</a:t>
             </a:fld>
             <a:endParaRPr lang="en-US"/>
           </a:p>
@@ -3508,7 +3508,7 @@
           <a:p>
             <a:fld id="{01DB1436-ED8F-4574-8D2D-21F8FB310577}" type="datetimeFigureOut">
               <a:rPr lang="en-US" smtClean="0"/>
-              <a:t>5/13/2024</a:t>
+              <a:t>5/15/2024</a:t>
             </a:fld>
             <a:endParaRPr lang="en-US"/>
           </a:p>
@@ -4215,1688 +4215,6 @@
 <file path=ppt/slides/slide10.xml><?xml version="1.0" encoding="utf-8"?>
 <p:sld xmlns:a="http://schemas.openxmlformats.org/drawingml/2006/main" xmlns:r="http://schemas.openxmlformats.org/officeDocument/2006/relationships" xmlns:p="http://schemas.openxmlformats.org/presentationml/2006/main">
   <p:cSld>
-    <p:spTree>
-      <p:nvGrpSpPr>
-        <p:cNvPr id="1" name=""/>
-        <p:cNvGrpSpPr/>
-        <p:nvPr/>
-      </p:nvGrpSpPr>
-      <p:grpSpPr>
-        <a:xfrm>
-          <a:off x="0" y="0"/>
-          <a:ext cx="0" cy="0"/>
-          <a:chOff x="0" y="0"/>
-          <a:chExt cx="0" cy="0"/>
-        </a:xfrm>
-      </p:grpSpPr>
-      <p:sp>
-        <p:nvSpPr>
-          <p:cNvPr id="2" name="Title 1">
-            <a:extLst>
-              <a:ext uri="{FF2B5EF4-FFF2-40B4-BE49-F238E27FC236}">
-                <a16:creationId xmlns:a16="http://schemas.microsoft.com/office/drawing/2014/main" id="{6F77E0AD-D824-6B6E-5453-12456358687B}"/>
-              </a:ext>
-            </a:extLst>
-          </p:cNvPr>
-          <p:cNvSpPr>
-            <a:spLocks noGrp="1"/>
-          </p:cNvSpPr>
-          <p:nvPr>
-            <p:ph type="title"/>
-          </p:nvPr>
-        </p:nvSpPr>
-        <p:spPr>
-          <a:xfrm>
-            <a:off x="838200" y="365126"/>
-            <a:ext cx="10515600" cy="1082370"/>
-          </a:xfrm>
-        </p:spPr>
-        <p:txBody>
-          <a:bodyPr/>
-          <a:lstStyle/>
-          <a:p>
-            <a:r>
-              <a:rPr lang="en-US" dirty="0"/>
-              <a:t>IMDb</a:t>
-            </a:r>
-          </a:p>
-        </p:txBody>
-      </p:sp>
-      <p:sp>
-        <p:nvSpPr>
-          <p:cNvPr id="3" name="Content Placeholder 2">
-            <a:extLst>
-              <a:ext uri="{FF2B5EF4-FFF2-40B4-BE49-F238E27FC236}">
-                <a16:creationId xmlns:a16="http://schemas.microsoft.com/office/drawing/2014/main" id="{C5F98696-3B9B-AD74-9AC6-930A9AFECF41}"/>
-              </a:ext>
-            </a:extLst>
-          </p:cNvPr>
-          <p:cNvSpPr>
-            <a:spLocks noGrp="1"/>
-          </p:cNvSpPr>
-          <p:nvPr>
-            <p:ph idx="1"/>
-          </p:nvPr>
-        </p:nvSpPr>
-        <p:spPr>
-          <a:xfrm>
-            <a:off x="838200" y="1447496"/>
-            <a:ext cx="10515600" cy="4729467"/>
-          </a:xfrm>
-        </p:spPr>
-        <p:txBody>
-          <a:bodyPr/>
-          <a:lstStyle/>
-          <a:p>
-            <a:pPr marL="0" indent="0">
-              <a:buNone/>
-            </a:pPr>
-            <a:r>
-              <a:rPr lang="en-US" dirty="0"/>
-              <a:t>Only pull data that greater than or equal to 80 on IMDb column:</a:t>
-            </a:r>
-          </a:p>
-          <a:p>
-            <a:pPr marL="0" indent="0">
-              <a:buNone/>
-            </a:pPr>
-            <a:endParaRPr lang="en-US" dirty="0"/>
-          </a:p>
-        </p:txBody>
-      </p:sp>
-      <p:pic>
-        <p:nvPicPr>
-          <p:cNvPr id="4" name="Picture 3">
-            <a:extLst>
-              <a:ext uri="{FF2B5EF4-FFF2-40B4-BE49-F238E27FC236}">
-                <a16:creationId xmlns:a16="http://schemas.microsoft.com/office/drawing/2014/main" id="{DDB7CAA9-04B7-54AA-E731-11A9229875CD}"/>
-              </a:ext>
-            </a:extLst>
-          </p:cNvPr>
-          <p:cNvPicPr>
-            <a:picLocks noChangeAspect="1"/>
-          </p:cNvPicPr>
-          <p:nvPr/>
-        </p:nvPicPr>
-        <p:blipFill>
-          <a:blip r:embed="rId3"/>
-          <a:stretch>
-            <a:fillRect/>
-          </a:stretch>
-        </p:blipFill>
-        <p:spPr>
-          <a:xfrm>
-            <a:off x="1021080" y="2160814"/>
-            <a:ext cx="9489141" cy="1181447"/>
-          </a:xfrm>
-          <a:prstGeom prst="rect">
-            <a:avLst/>
-          </a:prstGeom>
-        </p:spPr>
-      </p:pic>
-      <p:pic>
-        <p:nvPicPr>
-          <p:cNvPr id="5" name="Picture 4">
-            <a:extLst>
-              <a:ext uri="{FF2B5EF4-FFF2-40B4-BE49-F238E27FC236}">
-                <a16:creationId xmlns:a16="http://schemas.microsoft.com/office/drawing/2014/main" id="{37CC5A4A-B2E6-3FC8-9564-CBEB55DF2A5E}"/>
-              </a:ext>
-            </a:extLst>
-          </p:cNvPr>
-          <p:cNvPicPr>
-            <a:picLocks noChangeAspect="1"/>
-          </p:cNvPicPr>
-          <p:nvPr/>
-        </p:nvPicPr>
-        <p:blipFill>
-          <a:blip r:embed="rId4"/>
-          <a:stretch>
-            <a:fillRect/>
-          </a:stretch>
-        </p:blipFill>
-        <p:spPr>
-          <a:xfrm>
-            <a:off x="932802" y="3515741"/>
-            <a:ext cx="9324909" cy="3162452"/>
-          </a:xfrm>
-          <a:prstGeom prst="rect">
-            <a:avLst/>
-          </a:prstGeom>
-        </p:spPr>
-      </p:pic>
-    </p:spTree>
-    <p:extLst>
-      <p:ext uri="{BB962C8B-B14F-4D97-AF65-F5344CB8AC3E}">
-        <p14:creationId xmlns:p14="http://schemas.microsoft.com/office/powerpoint/2010/main" val="3901284342"/>
-      </p:ext>
-    </p:extLst>
-  </p:cSld>
-  <p:clrMapOvr>
-    <a:masterClrMapping/>
-  </p:clrMapOvr>
-</p:sld>
-</file>
-
-<file path=ppt/slides/slide11.xml><?xml version="1.0" encoding="utf-8"?>
-<p:sld xmlns:a="http://schemas.openxmlformats.org/drawingml/2006/main" xmlns:r="http://schemas.openxmlformats.org/officeDocument/2006/relationships" xmlns:p="http://schemas.openxmlformats.org/presentationml/2006/main">
-  <p:cSld>
-    <p:spTree>
-      <p:nvGrpSpPr>
-        <p:cNvPr id="1" name=""/>
-        <p:cNvGrpSpPr/>
-        <p:nvPr/>
-      </p:nvGrpSpPr>
-      <p:grpSpPr>
-        <a:xfrm>
-          <a:off x="0" y="0"/>
-          <a:ext cx="0" cy="0"/>
-          <a:chOff x="0" y="0"/>
-          <a:chExt cx="0" cy="0"/>
-        </a:xfrm>
-      </p:grpSpPr>
-      <p:sp>
-        <p:nvSpPr>
-          <p:cNvPr id="2" name="Title 1">
-            <a:extLst>
-              <a:ext uri="{FF2B5EF4-FFF2-40B4-BE49-F238E27FC236}">
-                <a16:creationId xmlns:a16="http://schemas.microsoft.com/office/drawing/2014/main" id="{6F77E0AD-D824-6B6E-5453-12456358687B}"/>
-              </a:ext>
-            </a:extLst>
-          </p:cNvPr>
-          <p:cNvSpPr>
-            <a:spLocks noGrp="1"/>
-          </p:cNvSpPr>
-          <p:nvPr>
-            <p:ph type="title"/>
-          </p:nvPr>
-        </p:nvSpPr>
-        <p:spPr>
-          <a:xfrm>
-            <a:off x="838200" y="365126"/>
-            <a:ext cx="10515600" cy="1082370"/>
-          </a:xfrm>
-        </p:spPr>
-        <p:txBody>
-          <a:bodyPr/>
-          <a:lstStyle/>
-          <a:p>
-            <a:r>
-              <a:rPr lang="en-US" dirty="0"/>
-              <a:t>IMDb</a:t>
-            </a:r>
-          </a:p>
-        </p:txBody>
-      </p:sp>
-      <p:sp>
-        <p:nvSpPr>
-          <p:cNvPr id="3" name="Content Placeholder 2">
-            <a:extLst>
-              <a:ext uri="{FF2B5EF4-FFF2-40B4-BE49-F238E27FC236}">
-                <a16:creationId xmlns:a16="http://schemas.microsoft.com/office/drawing/2014/main" id="{C5F98696-3B9B-AD74-9AC6-930A9AFECF41}"/>
-              </a:ext>
-            </a:extLst>
-          </p:cNvPr>
-          <p:cNvSpPr>
-            <a:spLocks noGrp="1"/>
-          </p:cNvSpPr>
-          <p:nvPr>
-            <p:ph idx="1"/>
-          </p:nvPr>
-        </p:nvSpPr>
-        <p:spPr>
-          <a:xfrm>
-            <a:off x="838200" y="1447496"/>
-            <a:ext cx="10515600" cy="4729467"/>
-          </a:xfrm>
-        </p:spPr>
-        <p:txBody>
-          <a:bodyPr/>
-          <a:lstStyle/>
-          <a:p>
-            <a:pPr marL="0" indent="0">
-              <a:buNone/>
-            </a:pPr>
-            <a:r>
-              <a:rPr lang="en-US" dirty="0"/>
-              <a:t>Only pull data that greater than or equal to 80 on IMDb column:</a:t>
-            </a:r>
-          </a:p>
-          <a:p>
-            <a:pPr marL="0" indent="0">
-              <a:buNone/>
-            </a:pPr>
-            <a:endParaRPr lang="en-US" dirty="0"/>
-          </a:p>
-        </p:txBody>
-      </p:sp>
-      <p:pic>
-        <p:nvPicPr>
-          <p:cNvPr id="4" name="Picture 3">
-            <a:extLst>
-              <a:ext uri="{FF2B5EF4-FFF2-40B4-BE49-F238E27FC236}">
-                <a16:creationId xmlns:a16="http://schemas.microsoft.com/office/drawing/2014/main" id="{DDB7CAA9-04B7-54AA-E731-11A9229875CD}"/>
-              </a:ext>
-            </a:extLst>
-          </p:cNvPr>
-          <p:cNvPicPr>
-            <a:picLocks noChangeAspect="1"/>
-          </p:cNvPicPr>
-          <p:nvPr/>
-        </p:nvPicPr>
-        <p:blipFill>
-          <a:blip r:embed="rId3"/>
-          <a:stretch>
-            <a:fillRect/>
-          </a:stretch>
-        </p:blipFill>
-        <p:spPr>
-          <a:xfrm>
-            <a:off x="1021080" y="2160814"/>
-            <a:ext cx="9489141" cy="1181447"/>
-          </a:xfrm>
-          <a:prstGeom prst="rect">
-            <a:avLst/>
-          </a:prstGeom>
-        </p:spPr>
-      </p:pic>
-      <p:pic>
-        <p:nvPicPr>
-          <p:cNvPr id="5" name="Picture 4">
-            <a:extLst>
-              <a:ext uri="{FF2B5EF4-FFF2-40B4-BE49-F238E27FC236}">
-                <a16:creationId xmlns:a16="http://schemas.microsoft.com/office/drawing/2014/main" id="{37CC5A4A-B2E6-3FC8-9564-CBEB55DF2A5E}"/>
-              </a:ext>
-            </a:extLst>
-          </p:cNvPr>
-          <p:cNvPicPr>
-            <a:picLocks noChangeAspect="1"/>
-          </p:cNvPicPr>
-          <p:nvPr/>
-        </p:nvPicPr>
-        <p:blipFill>
-          <a:blip r:embed="rId4"/>
-          <a:stretch>
-            <a:fillRect/>
-          </a:stretch>
-        </p:blipFill>
-        <p:spPr>
-          <a:xfrm>
-            <a:off x="932802" y="3515741"/>
-            <a:ext cx="9324909" cy="3162452"/>
-          </a:xfrm>
-          <a:prstGeom prst="rect">
-            <a:avLst/>
-          </a:prstGeom>
-        </p:spPr>
-      </p:pic>
-    </p:spTree>
-    <p:extLst>
-      <p:ext uri="{BB962C8B-B14F-4D97-AF65-F5344CB8AC3E}">
-        <p14:creationId xmlns:p14="http://schemas.microsoft.com/office/powerpoint/2010/main" val="4240056639"/>
-      </p:ext>
-    </p:extLst>
-  </p:cSld>
-  <p:clrMapOvr>
-    <a:masterClrMapping/>
-  </p:clrMapOvr>
-</p:sld>
-</file>
-
-<file path=ppt/slides/slide12.xml><?xml version="1.0" encoding="utf-8"?>
-<p:sld xmlns:a="http://schemas.openxmlformats.org/drawingml/2006/main" xmlns:r="http://schemas.openxmlformats.org/officeDocument/2006/relationships" xmlns:p="http://schemas.openxmlformats.org/presentationml/2006/main">
-  <p:cSld>
-    <p:spTree>
-      <p:nvGrpSpPr>
-        <p:cNvPr id="1" name=""/>
-        <p:cNvGrpSpPr/>
-        <p:nvPr/>
-      </p:nvGrpSpPr>
-      <p:grpSpPr>
-        <a:xfrm>
-          <a:off x="0" y="0"/>
-          <a:ext cx="0" cy="0"/>
-          <a:chOff x="0" y="0"/>
-          <a:chExt cx="0" cy="0"/>
-        </a:xfrm>
-      </p:grpSpPr>
-      <p:sp>
-        <p:nvSpPr>
-          <p:cNvPr id="2" name="Title 1">
-            <a:extLst>
-              <a:ext uri="{FF2B5EF4-FFF2-40B4-BE49-F238E27FC236}">
-                <a16:creationId xmlns:a16="http://schemas.microsoft.com/office/drawing/2014/main" id="{16AF27ED-EDDB-2E5E-F46B-6C56CF7FB713}"/>
-              </a:ext>
-            </a:extLst>
-          </p:cNvPr>
-          <p:cNvSpPr>
-            <a:spLocks noGrp="1"/>
-          </p:cNvSpPr>
-          <p:nvPr>
-            <p:ph type="title"/>
-          </p:nvPr>
-        </p:nvSpPr>
-        <p:spPr/>
-        <p:txBody>
-          <a:bodyPr/>
-          <a:lstStyle/>
-          <a:p>
-            <a:r>
-              <a:rPr lang="en-US" dirty="0"/>
-              <a:t>IMDb</a:t>
-            </a:r>
-          </a:p>
-        </p:txBody>
-      </p:sp>
-      <p:pic>
-        <p:nvPicPr>
-          <p:cNvPr id="3" name="Content Placeholder 4">
-            <a:extLst>
-              <a:ext uri="{FF2B5EF4-FFF2-40B4-BE49-F238E27FC236}">
-                <a16:creationId xmlns:a16="http://schemas.microsoft.com/office/drawing/2014/main" id="{02BFCE09-3C5B-7BCD-655C-A25376F0CE83}"/>
-              </a:ext>
-            </a:extLst>
-          </p:cNvPr>
-          <p:cNvPicPr>
-            <a:picLocks noChangeAspect="1"/>
-          </p:cNvPicPr>
-          <p:nvPr/>
-        </p:nvPicPr>
-        <p:blipFill>
-          <a:blip r:embed="rId2"/>
-          <a:stretch>
-            <a:fillRect/>
-          </a:stretch>
-        </p:blipFill>
-        <p:spPr>
-          <a:xfrm>
-            <a:off x="595934" y="1690688"/>
-            <a:ext cx="4928566" cy="4748212"/>
-          </a:xfrm>
-          <a:prstGeom prst="rect">
-            <a:avLst/>
-          </a:prstGeom>
-        </p:spPr>
-      </p:pic>
-      <p:pic>
-        <p:nvPicPr>
-          <p:cNvPr id="5" name="Picture 4">
-            <a:extLst>
-              <a:ext uri="{FF2B5EF4-FFF2-40B4-BE49-F238E27FC236}">
-                <a16:creationId xmlns:a16="http://schemas.microsoft.com/office/drawing/2014/main" id="{962A7796-1D5F-9BF9-9516-9B15CD6D6E55}"/>
-              </a:ext>
-            </a:extLst>
-          </p:cNvPr>
-          <p:cNvPicPr>
-            <a:picLocks noChangeAspect="1"/>
-          </p:cNvPicPr>
-          <p:nvPr/>
-        </p:nvPicPr>
-        <p:blipFill>
-          <a:blip r:embed="rId3"/>
-          <a:stretch>
-            <a:fillRect/>
-          </a:stretch>
-        </p:blipFill>
-        <p:spPr>
-          <a:xfrm>
-            <a:off x="5237154" y="1545771"/>
-            <a:ext cx="7089071" cy="4844271"/>
-          </a:xfrm>
-          <a:prstGeom prst="rect">
-            <a:avLst/>
-          </a:prstGeom>
-        </p:spPr>
-      </p:pic>
-    </p:spTree>
-    <p:extLst>
-      <p:ext uri="{BB962C8B-B14F-4D97-AF65-F5344CB8AC3E}">
-        <p14:creationId xmlns:p14="http://schemas.microsoft.com/office/powerpoint/2010/main" val="3107476628"/>
-      </p:ext>
-    </p:extLst>
-  </p:cSld>
-  <p:clrMapOvr>
-    <a:masterClrMapping/>
-  </p:clrMapOvr>
-</p:sld>
-</file>
-
-<file path=ppt/slides/slide13.xml><?xml version="1.0" encoding="utf-8"?>
-<p:sld xmlns:a="http://schemas.openxmlformats.org/drawingml/2006/main" xmlns:r="http://schemas.openxmlformats.org/officeDocument/2006/relationships" xmlns:p="http://schemas.openxmlformats.org/presentationml/2006/main">
-  <p:cSld>
-    <p:spTree>
-      <p:nvGrpSpPr>
-        <p:cNvPr id="1" name=""/>
-        <p:cNvGrpSpPr/>
-        <p:nvPr/>
-      </p:nvGrpSpPr>
-      <p:grpSpPr>
-        <a:xfrm>
-          <a:off x="0" y="0"/>
-          <a:ext cx="0" cy="0"/>
-          <a:chOff x="0" y="0"/>
-          <a:chExt cx="0" cy="0"/>
-        </a:xfrm>
-      </p:grpSpPr>
-      <p:sp>
-        <p:nvSpPr>
-          <p:cNvPr id="2" name="Title 1">
-            <a:extLst>
-              <a:ext uri="{FF2B5EF4-FFF2-40B4-BE49-F238E27FC236}">
-                <a16:creationId xmlns:a16="http://schemas.microsoft.com/office/drawing/2014/main" id="{2863DA95-0437-ABA5-780A-BCA53F46030F}"/>
-              </a:ext>
-            </a:extLst>
-          </p:cNvPr>
-          <p:cNvSpPr>
-            <a:spLocks noGrp="1"/>
-          </p:cNvSpPr>
-          <p:nvPr>
-            <p:ph type="title"/>
-          </p:nvPr>
-        </p:nvSpPr>
-        <p:spPr/>
-        <p:txBody>
-          <a:bodyPr/>
-          <a:lstStyle/>
-          <a:p>
-            <a:r>
-              <a:rPr lang="en-US" sz="4400" dirty="0"/>
-              <a:t>Rotten Tomatoes</a:t>
-            </a:r>
-            <a:endParaRPr lang="en-US" dirty="0"/>
-          </a:p>
-        </p:txBody>
-      </p:sp>
-      <p:sp>
-        <p:nvSpPr>
-          <p:cNvPr id="3" name="Content Placeholder 2">
-            <a:extLst>
-              <a:ext uri="{FF2B5EF4-FFF2-40B4-BE49-F238E27FC236}">
-                <a16:creationId xmlns:a16="http://schemas.microsoft.com/office/drawing/2014/main" id="{E681FB12-1D6D-5298-E03C-CB13B80B937B}"/>
-              </a:ext>
-            </a:extLst>
-          </p:cNvPr>
-          <p:cNvSpPr>
-            <a:spLocks noGrp="1"/>
-          </p:cNvSpPr>
-          <p:nvPr>
-            <p:ph idx="1"/>
-          </p:nvPr>
-        </p:nvSpPr>
-        <p:spPr>
-          <a:xfrm>
-            <a:off x="838200" y="1646011"/>
-            <a:ext cx="10515600" cy="4351338"/>
-          </a:xfrm>
-        </p:spPr>
-        <p:txBody>
-          <a:bodyPr/>
-          <a:lstStyle/>
-          <a:p>
-            <a:r>
-              <a:rPr lang="en-US" dirty="0"/>
-              <a:t>Calculate the total TV shows on each service</a:t>
-            </a:r>
-          </a:p>
-        </p:txBody>
-      </p:sp>
-      <p:pic>
-        <p:nvPicPr>
-          <p:cNvPr id="4" name="Picture 3">
-            <a:extLst>
-              <a:ext uri="{FF2B5EF4-FFF2-40B4-BE49-F238E27FC236}">
-                <a16:creationId xmlns:a16="http://schemas.microsoft.com/office/drawing/2014/main" id="{87B58A4C-7A3E-5671-F3CB-3BE7CF1EFB1B}"/>
-              </a:ext>
-            </a:extLst>
-          </p:cNvPr>
-          <p:cNvPicPr>
-            <a:picLocks noChangeAspect="1"/>
-          </p:cNvPicPr>
-          <p:nvPr/>
-        </p:nvPicPr>
-        <p:blipFill>
-          <a:blip r:embed="rId2"/>
-          <a:stretch>
-            <a:fillRect/>
-          </a:stretch>
-        </p:blipFill>
-        <p:spPr>
-          <a:xfrm>
-            <a:off x="967355" y="2302025"/>
-            <a:ext cx="8982187" cy="1078822"/>
-          </a:xfrm>
-          <a:prstGeom prst="rect">
-            <a:avLst/>
-          </a:prstGeom>
-        </p:spPr>
-      </p:pic>
-      <p:pic>
-        <p:nvPicPr>
-          <p:cNvPr id="5" name="Picture 4">
-            <a:extLst>
-              <a:ext uri="{FF2B5EF4-FFF2-40B4-BE49-F238E27FC236}">
-                <a16:creationId xmlns:a16="http://schemas.microsoft.com/office/drawing/2014/main" id="{1BF98F28-14F2-F27F-2338-C54FA0B27F45}"/>
-              </a:ext>
-            </a:extLst>
-          </p:cNvPr>
-          <p:cNvPicPr>
-            <a:picLocks noChangeAspect="1"/>
-          </p:cNvPicPr>
-          <p:nvPr/>
-        </p:nvPicPr>
-        <p:blipFill>
-          <a:blip r:embed="rId3"/>
-          <a:stretch>
-            <a:fillRect/>
-          </a:stretch>
-        </p:blipFill>
-        <p:spPr>
-          <a:xfrm>
-            <a:off x="1054442" y="3596000"/>
-            <a:ext cx="8982187" cy="3062336"/>
-          </a:xfrm>
-          <a:prstGeom prst="rect">
-            <a:avLst/>
-          </a:prstGeom>
-        </p:spPr>
-      </p:pic>
-    </p:spTree>
-    <p:extLst>
-      <p:ext uri="{BB962C8B-B14F-4D97-AF65-F5344CB8AC3E}">
-        <p14:creationId xmlns:p14="http://schemas.microsoft.com/office/powerpoint/2010/main" val="765938102"/>
-      </p:ext>
-    </p:extLst>
-  </p:cSld>
-  <p:clrMapOvr>
-    <a:masterClrMapping/>
-  </p:clrMapOvr>
-</p:sld>
-</file>
-
-<file path=ppt/slides/slide14.xml><?xml version="1.0" encoding="utf-8"?>
-<p:sld xmlns:a="http://schemas.openxmlformats.org/drawingml/2006/main" xmlns:r="http://schemas.openxmlformats.org/officeDocument/2006/relationships" xmlns:p="http://schemas.openxmlformats.org/presentationml/2006/main">
-  <p:cSld>
-    <p:spTree>
-      <p:nvGrpSpPr>
-        <p:cNvPr id="1" name=""/>
-        <p:cNvGrpSpPr/>
-        <p:nvPr/>
-      </p:nvGrpSpPr>
-      <p:grpSpPr>
-        <a:xfrm>
-          <a:off x="0" y="0"/>
-          <a:ext cx="0" cy="0"/>
-          <a:chOff x="0" y="0"/>
-          <a:chExt cx="0" cy="0"/>
-        </a:xfrm>
-      </p:grpSpPr>
-      <p:sp>
-        <p:nvSpPr>
-          <p:cNvPr id="6" name="Content Placeholder 2">
-            <a:extLst>
-              <a:ext uri="{FF2B5EF4-FFF2-40B4-BE49-F238E27FC236}">
-                <a16:creationId xmlns:a16="http://schemas.microsoft.com/office/drawing/2014/main" id="{1C5B3B9E-8C6D-3857-4465-5588A4A829B0}"/>
-              </a:ext>
-            </a:extLst>
-          </p:cNvPr>
-          <p:cNvSpPr txBox="1">
-            <a:spLocks/>
-          </p:cNvSpPr>
-          <p:nvPr/>
-        </p:nvSpPr>
-        <p:spPr>
-          <a:xfrm>
-            <a:off x="838200" y="688489"/>
-            <a:ext cx="10515600" cy="5488474"/>
-          </a:xfrm>
-          <a:prstGeom prst="rect">
-            <a:avLst/>
-          </a:prstGeom>
-        </p:spPr>
-        <p:txBody>
-          <a:bodyPr/>
-          <a:lstStyle>
-            <a:lvl1pPr marL="228600" indent="-228600" algn="l" defTabSz="914400" rtl="0" eaLnBrk="1" latinLnBrk="0" hangingPunct="1">
-              <a:lnSpc>
-                <a:spcPct val="90000"/>
-              </a:lnSpc>
-              <a:spcBef>
-                <a:spcPts val="1000"/>
-              </a:spcBef>
-              <a:buFont typeface="Arial" panose="020B0604020202020204" pitchFamily="34" charset="0"/>
-              <a:buChar char="•"/>
-              <a:defRPr sz="2800" kern="1200">
-                <a:solidFill>
-                  <a:schemeClr val="tx1"/>
-                </a:solidFill>
-                <a:latin typeface="+mn-lt"/>
-                <a:ea typeface="+mn-ea"/>
-                <a:cs typeface="+mn-cs"/>
-              </a:defRPr>
-            </a:lvl1pPr>
-            <a:lvl2pPr marL="685800" indent="-228600" algn="l" defTabSz="914400" rtl="0" eaLnBrk="1" latinLnBrk="0" hangingPunct="1">
-              <a:lnSpc>
-                <a:spcPct val="90000"/>
-              </a:lnSpc>
-              <a:spcBef>
-                <a:spcPts val="500"/>
-              </a:spcBef>
-              <a:buFont typeface="Arial" panose="020B0604020202020204" pitchFamily="34" charset="0"/>
-              <a:buChar char="•"/>
-              <a:defRPr sz="2400" kern="1200">
-                <a:solidFill>
-                  <a:schemeClr val="tx1"/>
-                </a:solidFill>
-                <a:latin typeface="+mn-lt"/>
-                <a:ea typeface="+mn-ea"/>
-                <a:cs typeface="+mn-cs"/>
-              </a:defRPr>
-            </a:lvl2pPr>
-            <a:lvl3pPr marL="1143000" indent="-228600" algn="l" defTabSz="914400" rtl="0" eaLnBrk="1" latinLnBrk="0" hangingPunct="1">
-              <a:lnSpc>
-                <a:spcPct val="90000"/>
-              </a:lnSpc>
-              <a:spcBef>
-                <a:spcPts val="500"/>
-              </a:spcBef>
-              <a:buFont typeface="Arial" panose="020B0604020202020204" pitchFamily="34" charset="0"/>
-              <a:buChar char="•"/>
-              <a:defRPr sz="2000" kern="1200">
-                <a:solidFill>
-                  <a:schemeClr val="tx1"/>
-                </a:solidFill>
-                <a:latin typeface="+mn-lt"/>
-                <a:ea typeface="+mn-ea"/>
-                <a:cs typeface="+mn-cs"/>
-              </a:defRPr>
-            </a:lvl3pPr>
-            <a:lvl4pPr marL="1600200" indent="-228600" algn="l" defTabSz="914400" rtl="0" eaLnBrk="1" latinLnBrk="0" hangingPunct="1">
-              <a:lnSpc>
-                <a:spcPct val="90000"/>
-              </a:lnSpc>
-              <a:spcBef>
-                <a:spcPts val="500"/>
-              </a:spcBef>
-              <a:buFont typeface="Arial" panose="020B0604020202020204" pitchFamily="34" charset="0"/>
-              <a:buChar char="•"/>
-              <a:defRPr sz="1800" kern="1200">
-                <a:solidFill>
-                  <a:schemeClr val="tx1"/>
-                </a:solidFill>
-                <a:latin typeface="+mn-lt"/>
-                <a:ea typeface="+mn-ea"/>
-                <a:cs typeface="+mn-cs"/>
-              </a:defRPr>
-            </a:lvl4pPr>
-            <a:lvl5pPr marL="2057400" indent="-228600" algn="l" defTabSz="914400" rtl="0" eaLnBrk="1" latinLnBrk="0" hangingPunct="1">
-              <a:lnSpc>
-                <a:spcPct val="90000"/>
-              </a:lnSpc>
-              <a:spcBef>
-                <a:spcPts val="500"/>
-              </a:spcBef>
-              <a:buFont typeface="Arial" panose="020B0604020202020204" pitchFamily="34" charset="0"/>
-              <a:buChar char="•"/>
-              <a:defRPr sz="1800" kern="1200">
-                <a:solidFill>
-                  <a:schemeClr val="tx1"/>
-                </a:solidFill>
-                <a:latin typeface="+mn-lt"/>
-                <a:ea typeface="+mn-ea"/>
-                <a:cs typeface="+mn-cs"/>
-              </a:defRPr>
-            </a:lvl5pPr>
-            <a:lvl6pPr marL="2514600" indent="-228600" algn="l" defTabSz="914400" rtl="0" eaLnBrk="1" latinLnBrk="0" hangingPunct="1">
-              <a:lnSpc>
-                <a:spcPct val="90000"/>
-              </a:lnSpc>
-              <a:spcBef>
-                <a:spcPts val="500"/>
-              </a:spcBef>
-              <a:buFont typeface="Arial" panose="020B0604020202020204" pitchFamily="34" charset="0"/>
-              <a:buChar char="•"/>
-              <a:defRPr sz="1800" kern="1200">
-                <a:solidFill>
-                  <a:schemeClr val="tx1"/>
-                </a:solidFill>
-                <a:latin typeface="+mn-lt"/>
-                <a:ea typeface="+mn-ea"/>
-                <a:cs typeface="+mn-cs"/>
-              </a:defRPr>
-            </a:lvl6pPr>
-            <a:lvl7pPr marL="2971800" indent="-228600" algn="l" defTabSz="914400" rtl="0" eaLnBrk="1" latinLnBrk="0" hangingPunct="1">
-              <a:lnSpc>
-                <a:spcPct val="90000"/>
-              </a:lnSpc>
-              <a:spcBef>
-                <a:spcPts val="500"/>
-              </a:spcBef>
-              <a:buFont typeface="Arial" panose="020B0604020202020204" pitchFamily="34" charset="0"/>
-              <a:buChar char="•"/>
-              <a:defRPr sz="1800" kern="1200">
-                <a:solidFill>
-                  <a:schemeClr val="tx1"/>
-                </a:solidFill>
-                <a:latin typeface="+mn-lt"/>
-                <a:ea typeface="+mn-ea"/>
-                <a:cs typeface="+mn-cs"/>
-              </a:defRPr>
-            </a:lvl7pPr>
-            <a:lvl8pPr marL="3429000" indent="-228600" algn="l" defTabSz="914400" rtl="0" eaLnBrk="1" latinLnBrk="0" hangingPunct="1">
-              <a:lnSpc>
-                <a:spcPct val="90000"/>
-              </a:lnSpc>
-              <a:spcBef>
-                <a:spcPts val="500"/>
-              </a:spcBef>
-              <a:buFont typeface="Arial" panose="020B0604020202020204" pitchFamily="34" charset="0"/>
-              <a:buChar char="•"/>
-              <a:defRPr sz="1800" kern="1200">
-                <a:solidFill>
-                  <a:schemeClr val="tx1"/>
-                </a:solidFill>
-                <a:latin typeface="+mn-lt"/>
-                <a:ea typeface="+mn-ea"/>
-                <a:cs typeface="+mn-cs"/>
-              </a:defRPr>
-            </a:lvl8pPr>
-            <a:lvl9pPr marL="3886200" indent="-228600" algn="l" defTabSz="914400" rtl="0" eaLnBrk="1" latinLnBrk="0" hangingPunct="1">
-              <a:lnSpc>
-                <a:spcPct val="90000"/>
-              </a:lnSpc>
-              <a:spcBef>
-                <a:spcPts val="500"/>
-              </a:spcBef>
-              <a:buFont typeface="Arial" panose="020B0604020202020204" pitchFamily="34" charset="0"/>
-              <a:buChar char="•"/>
-              <a:defRPr sz="1800" kern="1200">
-                <a:solidFill>
-                  <a:schemeClr val="tx1"/>
-                </a:solidFill>
-                <a:latin typeface="+mn-lt"/>
-                <a:ea typeface="+mn-ea"/>
-                <a:cs typeface="+mn-cs"/>
-              </a:defRPr>
-            </a:lvl9pPr>
-          </a:lstStyle>
-          <a:p>
-            <a:r>
-              <a:rPr lang="en-US" dirty="0"/>
-              <a:t>Calculate the total TV shows on each service</a:t>
-            </a:r>
-          </a:p>
-          <a:p>
-            <a:pPr lvl="1"/>
-            <a:r>
-              <a:rPr lang="en-US" dirty="0"/>
-              <a:t>Coding:</a:t>
-            </a:r>
-          </a:p>
-          <a:p>
-            <a:pPr lvl="1"/>
-            <a:endParaRPr lang="en-US" dirty="0"/>
-          </a:p>
-          <a:p>
-            <a:pPr lvl="1"/>
-            <a:endParaRPr lang="en-US" dirty="0"/>
-          </a:p>
-          <a:p>
-            <a:pPr lvl="1"/>
-            <a:endParaRPr lang="en-US" dirty="0"/>
-          </a:p>
-          <a:p>
-            <a:pPr lvl="1"/>
-            <a:endParaRPr lang="en-US" dirty="0"/>
-          </a:p>
-          <a:p>
-            <a:pPr lvl="1"/>
-            <a:endParaRPr lang="en-US" dirty="0"/>
-          </a:p>
-          <a:p>
-            <a:pPr lvl="1"/>
-            <a:endParaRPr lang="en-US" dirty="0"/>
-          </a:p>
-          <a:p>
-            <a:pPr lvl="1"/>
-            <a:endParaRPr lang="en-US" dirty="0"/>
-          </a:p>
-          <a:p>
-            <a:pPr lvl="1"/>
-            <a:r>
-              <a:rPr lang="en-US" dirty="0"/>
-              <a:t>Result:</a:t>
-            </a:r>
-          </a:p>
-          <a:p>
-            <a:pPr lvl="1"/>
-            <a:endParaRPr lang="en-US" dirty="0"/>
-          </a:p>
-          <a:p>
-            <a:pPr lvl="1"/>
-            <a:endParaRPr lang="en-US" dirty="0"/>
-          </a:p>
-          <a:p>
-            <a:endParaRPr lang="en-US" dirty="0"/>
-          </a:p>
-        </p:txBody>
-      </p:sp>
-      <p:pic>
-        <p:nvPicPr>
-          <p:cNvPr id="7" name="Picture 6">
-            <a:extLst>
-              <a:ext uri="{FF2B5EF4-FFF2-40B4-BE49-F238E27FC236}">
-                <a16:creationId xmlns:a16="http://schemas.microsoft.com/office/drawing/2014/main" id="{4306A442-871D-03A5-3FB1-C498D0ECA43D}"/>
-              </a:ext>
-            </a:extLst>
-          </p:cNvPr>
-          <p:cNvPicPr>
-            <a:picLocks noChangeAspect="1"/>
-          </p:cNvPicPr>
-          <p:nvPr/>
-        </p:nvPicPr>
-        <p:blipFill>
-          <a:blip r:embed="rId2"/>
-          <a:stretch>
-            <a:fillRect/>
-          </a:stretch>
-        </p:blipFill>
-        <p:spPr>
-          <a:xfrm>
-            <a:off x="1429787" y="1556643"/>
-            <a:ext cx="9966161" cy="2526331"/>
-          </a:xfrm>
-          <a:prstGeom prst="rect">
-            <a:avLst/>
-          </a:prstGeom>
-        </p:spPr>
-      </p:pic>
-      <p:pic>
-        <p:nvPicPr>
-          <p:cNvPr id="8" name="Picture 7">
-            <a:extLst>
-              <a:ext uri="{FF2B5EF4-FFF2-40B4-BE49-F238E27FC236}">
-                <a16:creationId xmlns:a16="http://schemas.microsoft.com/office/drawing/2014/main" id="{61641E48-3DE9-0E2B-7050-A3CD09ED5C23}"/>
-              </a:ext>
-            </a:extLst>
-          </p:cNvPr>
-          <p:cNvPicPr>
-            <a:picLocks noChangeAspect="1"/>
-          </p:cNvPicPr>
-          <p:nvPr/>
-        </p:nvPicPr>
-        <p:blipFill>
-          <a:blip r:embed="rId3"/>
-          <a:stretch>
-            <a:fillRect/>
-          </a:stretch>
-        </p:blipFill>
-        <p:spPr>
-          <a:xfrm>
-            <a:off x="1477916" y="4882996"/>
-            <a:ext cx="3032738" cy="1293967"/>
-          </a:xfrm>
-          <a:prstGeom prst="rect">
-            <a:avLst/>
-          </a:prstGeom>
-        </p:spPr>
-      </p:pic>
-    </p:spTree>
-    <p:extLst>
-      <p:ext uri="{BB962C8B-B14F-4D97-AF65-F5344CB8AC3E}">
-        <p14:creationId xmlns:p14="http://schemas.microsoft.com/office/powerpoint/2010/main" val="4191402482"/>
-      </p:ext>
-    </p:extLst>
-  </p:cSld>
-  <p:clrMapOvr>
-    <a:masterClrMapping/>
-  </p:clrMapOvr>
-</p:sld>
-</file>
-
-<file path=ppt/slides/slide15.xml><?xml version="1.0" encoding="utf-8"?>
-<p:sld xmlns:a="http://schemas.openxmlformats.org/drawingml/2006/main" xmlns:r="http://schemas.openxmlformats.org/officeDocument/2006/relationships" xmlns:p="http://schemas.openxmlformats.org/presentationml/2006/main">
-  <p:cSld>
-    <p:spTree>
-      <p:nvGrpSpPr>
-        <p:cNvPr id="1" name=""/>
-        <p:cNvGrpSpPr/>
-        <p:nvPr/>
-      </p:nvGrpSpPr>
-      <p:grpSpPr>
-        <a:xfrm>
-          <a:off x="0" y="0"/>
-          <a:ext cx="0" cy="0"/>
-          <a:chOff x="0" y="0"/>
-          <a:chExt cx="0" cy="0"/>
-        </a:xfrm>
-      </p:grpSpPr>
-      <p:sp>
-        <p:nvSpPr>
-          <p:cNvPr id="5" name="Title 1">
-            <a:extLst>
-              <a:ext uri="{FF2B5EF4-FFF2-40B4-BE49-F238E27FC236}">
-                <a16:creationId xmlns:a16="http://schemas.microsoft.com/office/drawing/2014/main" id="{5E247702-C34D-8350-0C07-830E7CD6DAD8}"/>
-              </a:ext>
-            </a:extLst>
-          </p:cNvPr>
-          <p:cNvSpPr txBox="1">
-            <a:spLocks/>
-          </p:cNvSpPr>
-          <p:nvPr/>
-        </p:nvSpPr>
-        <p:spPr>
-          <a:xfrm>
-            <a:off x="838200" y="365126"/>
-            <a:ext cx="4027713" cy="739774"/>
-          </a:xfrm>
-          <a:prstGeom prst="rect">
-            <a:avLst/>
-          </a:prstGeom>
-        </p:spPr>
-        <p:txBody>
-          <a:bodyPr>
-            <a:noAutofit/>
-          </a:bodyPr>
-          <a:lstStyle>
-            <a:lvl1pPr algn="l" defTabSz="914400" rtl="0" eaLnBrk="1" latinLnBrk="0" hangingPunct="1">
-              <a:lnSpc>
-                <a:spcPct val="90000"/>
-              </a:lnSpc>
-              <a:spcBef>
-                <a:spcPct val="0"/>
-              </a:spcBef>
-              <a:buNone/>
-              <a:defRPr sz="4400" kern="1200">
-                <a:solidFill>
-                  <a:schemeClr val="tx1"/>
-                </a:solidFill>
-                <a:latin typeface="+mj-lt"/>
-                <a:ea typeface="+mj-ea"/>
-                <a:cs typeface="+mj-cs"/>
-              </a:defRPr>
-            </a:lvl1pPr>
-          </a:lstStyle>
-          <a:p>
-            <a:r>
-              <a:rPr lang="en-US" sz="3200"/>
-              <a:t>Rotten Tomatoes</a:t>
-            </a:r>
-            <a:endParaRPr lang="en-US" sz="3200" dirty="0"/>
-          </a:p>
-        </p:txBody>
-      </p:sp>
-      <p:pic>
-        <p:nvPicPr>
-          <p:cNvPr id="6" name="Content Placeholder 5">
-            <a:extLst>
-              <a:ext uri="{FF2B5EF4-FFF2-40B4-BE49-F238E27FC236}">
-                <a16:creationId xmlns:a16="http://schemas.microsoft.com/office/drawing/2014/main" id="{FC6B4594-A95E-6AD8-AEF2-A2BBE61EF80D}"/>
-              </a:ext>
-            </a:extLst>
-          </p:cNvPr>
-          <p:cNvPicPr>
-            <a:picLocks noChangeAspect="1"/>
-          </p:cNvPicPr>
-          <p:nvPr/>
-        </p:nvPicPr>
-        <p:blipFill>
-          <a:blip r:embed="rId2"/>
-          <a:stretch>
-            <a:fillRect/>
-          </a:stretch>
-        </p:blipFill>
-        <p:spPr>
-          <a:xfrm>
-            <a:off x="960488" y="1187370"/>
-            <a:ext cx="5135511" cy="4460395"/>
-          </a:xfrm>
-          <a:prstGeom prst="rect">
-            <a:avLst/>
-          </a:prstGeom>
-        </p:spPr>
-      </p:pic>
-      <p:pic>
-        <p:nvPicPr>
-          <p:cNvPr id="9" name="Content Placeholder 7">
-            <a:extLst>
-              <a:ext uri="{FF2B5EF4-FFF2-40B4-BE49-F238E27FC236}">
-                <a16:creationId xmlns:a16="http://schemas.microsoft.com/office/drawing/2014/main" id="{DDA3627B-00B0-989A-5E9D-4700B6F4AE7D}"/>
-              </a:ext>
-            </a:extLst>
-          </p:cNvPr>
-          <p:cNvPicPr>
-            <a:picLocks noChangeAspect="1"/>
-          </p:cNvPicPr>
-          <p:nvPr/>
-        </p:nvPicPr>
-        <p:blipFill>
-          <a:blip r:embed="rId3"/>
-          <a:stretch>
-            <a:fillRect/>
-          </a:stretch>
-        </p:blipFill>
-        <p:spPr>
-          <a:xfrm>
-            <a:off x="6312049" y="1187370"/>
-            <a:ext cx="5181600" cy="4460395"/>
-          </a:xfrm>
-          <a:prstGeom prst="rect">
-            <a:avLst/>
-          </a:prstGeom>
-        </p:spPr>
-      </p:pic>
-    </p:spTree>
-    <p:extLst>
-      <p:ext uri="{BB962C8B-B14F-4D97-AF65-F5344CB8AC3E}">
-        <p14:creationId xmlns:p14="http://schemas.microsoft.com/office/powerpoint/2010/main" val="3969003933"/>
-      </p:ext>
-    </p:extLst>
-  </p:cSld>
-  <p:clrMapOvr>
-    <a:masterClrMapping/>
-  </p:clrMapOvr>
-</p:sld>
-</file>
-
-<file path=ppt/slides/slide16.xml><?xml version="1.0" encoding="utf-8"?>
-<p:sld xmlns:a="http://schemas.openxmlformats.org/drawingml/2006/main" xmlns:r="http://schemas.openxmlformats.org/officeDocument/2006/relationships" xmlns:p="http://schemas.openxmlformats.org/presentationml/2006/main">
-  <p:cSld>
-    <p:spTree>
-      <p:nvGrpSpPr>
-        <p:cNvPr id="1" name=""/>
-        <p:cNvGrpSpPr/>
-        <p:nvPr/>
-      </p:nvGrpSpPr>
-      <p:grpSpPr>
-        <a:xfrm>
-          <a:off x="0" y="0"/>
-          <a:ext cx="0" cy="0"/>
-          <a:chOff x="0" y="0"/>
-          <a:chExt cx="0" cy="0"/>
-        </a:xfrm>
-      </p:grpSpPr>
-      <p:sp>
-        <p:nvSpPr>
-          <p:cNvPr id="2" name="Title 1">
-            <a:extLst>
-              <a:ext uri="{FF2B5EF4-FFF2-40B4-BE49-F238E27FC236}">
-                <a16:creationId xmlns:a16="http://schemas.microsoft.com/office/drawing/2014/main" id="{AC1DD1A5-0C6A-0F78-B1B9-526E851B938A}"/>
-              </a:ext>
-            </a:extLst>
-          </p:cNvPr>
-          <p:cNvSpPr txBox="1">
-            <a:spLocks/>
-          </p:cNvSpPr>
-          <p:nvPr/>
-        </p:nvSpPr>
-        <p:spPr>
-          <a:xfrm>
-            <a:off x="838200" y="365126"/>
-            <a:ext cx="10619014" cy="818216"/>
-          </a:xfrm>
-          <a:prstGeom prst="rect">
-            <a:avLst/>
-          </a:prstGeom>
-        </p:spPr>
-        <p:txBody>
-          <a:bodyPr>
-            <a:normAutofit/>
-          </a:bodyPr>
-          <a:lstStyle>
-            <a:lvl1pPr algn="l" defTabSz="914400" rtl="0" eaLnBrk="1" latinLnBrk="0" hangingPunct="1">
-              <a:lnSpc>
-                <a:spcPct val="90000"/>
-              </a:lnSpc>
-              <a:spcBef>
-                <a:spcPct val="0"/>
-              </a:spcBef>
-              <a:buNone/>
-              <a:defRPr sz="4400" kern="1200">
-                <a:solidFill>
-                  <a:schemeClr val="tx1"/>
-                </a:solidFill>
-                <a:latin typeface="+mj-lt"/>
-                <a:ea typeface="+mj-ea"/>
-                <a:cs typeface="+mj-cs"/>
-              </a:defRPr>
-            </a:lvl1pPr>
-          </a:lstStyle>
-          <a:p>
-            <a:pPr algn="ctr"/>
-            <a:r>
-              <a:rPr lang="en-US" sz="3200" b="1"/>
-              <a:t>Who is the winner?</a:t>
-            </a:r>
-            <a:endParaRPr lang="en-US" sz="3200" b="1" dirty="0"/>
-          </a:p>
-        </p:txBody>
-      </p:sp>
-      <p:pic>
-        <p:nvPicPr>
-          <p:cNvPr id="3" name="Content Placeholder 7">
-            <a:extLst>
-              <a:ext uri="{FF2B5EF4-FFF2-40B4-BE49-F238E27FC236}">
-                <a16:creationId xmlns:a16="http://schemas.microsoft.com/office/drawing/2014/main" id="{0A9FB8AE-8F72-96DC-CF4D-B6335E591C52}"/>
-              </a:ext>
-            </a:extLst>
-          </p:cNvPr>
-          <p:cNvPicPr>
-            <a:picLocks noChangeAspect="1"/>
-          </p:cNvPicPr>
-          <p:nvPr/>
-        </p:nvPicPr>
-        <p:blipFill>
-          <a:blip r:embed="rId3"/>
-          <a:stretch>
-            <a:fillRect/>
-          </a:stretch>
-        </p:blipFill>
-        <p:spPr>
-          <a:xfrm>
-            <a:off x="838200" y="1371600"/>
-            <a:ext cx="5181600" cy="4722477"/>
-          </a:xfrm>
-          <a:prstGeom prst="rect">
-            <a:avLst/>
-          </a:prstGeom>
-        </p:spPr>
-      </p:pic>
-      <p:pic>
-        <p:nvPicPr>
-          <p:cNvPr id="5" name="Content Placeholder 5">
-            <a:extLst>
-              <a:ext uri="{FF2B5EF4-FFF2-40B4-BE49-F238E27FC236}">
-                <a16:creationId xmlns:a16="http://schemas.microsoft.com/office/drawing/2014/main" id="{26503E6D-EBB6-849D-2C50-313FBC7F8C22}"/>
-              </a:ext>
-            </a:extLst>
-          </p:cNvPr>
-          <p:cNvPicPr>
-            <a:picLocks noChangeAspect="1"/>
-          </p:cNvPicPr>
-          <p:nvPr/>
-        </p:nvPicPr>
-        <p:blipFill>
-          <a:blip r:embed="rId4"/>
-          <a:stretch>
-            <a:fillRect/>
-          </a:stretch>
-        </p:blipFill>
-        <p:spPr>
-          <a:xfrm>
-            <a:off x="6275614" y="1594757"/>
-            <a:ext cx="5181600" cy="4499320"/>
-          </a:xfrm>
-          <a:prstGeom prst="rect">
-            <a:avLst/>
-          </a:prstGeom>
-        </p:spPr>
-      </p:pic>
-    </p:spTree>
-    <p:extLst>
-      <p:ext uri="{BB962C8B-B14F-4D97-AF65-F5344CB8AC3E}">
-        <p14:creationId xmlns:p14="http://schemas.microsoft.com/office/powerpoint/2010/main" val="2891437390"/>
-      </p:ext>
-    </p:extLst>
-  </p:cSld>
-  <p:clrMapOvr>
-    <a:masterClrMapping/>
-  </p:clrMapOvr>
-</p:sld>
-</file>
-
-<file path=ppt/slides/slide17.xml><?xml version="1.0" encoding="utf-8"?>
-<p:sld xmlns:a="http://schemas.openxmlformats.org/drawingml/2006/main" xmlns:r="http://schemas.openxmlformats.org/officeDocument/2006/relationships" xmlns:p="http://schemas.openxmlformats.org/presentationml/2006/main">
-  <p:cSld>
-    <p:spTree>
-      <p:nvGrpSpPr>
-        <p:cNvPr id="1" name=""/>
-        <p:cNvGrpSpPr/>
-        <p:nvPr/>
-      </p:nvGrpSpPr>
-      <p:grpSpPr>
-        <a:xfrm>
-          <a:off x="0" y="0"/>
-          <a:ext cx="0" cy="0"/>
-          <a:chOff x="0" y="0"/>
-          <a:chExt cx="0" cy="0"/>
-        </a:xfrm>
-      </p:grpSpPr>
-      <p:sp>
-        <p:nvSpPr>
-          <p:cNvPr id="9" name="Rectangle 1">
-            <a:extLst>
-              <a:ext uri="{FF2B5EF4-FFF2-40B4-BE49-F238E27FC236}">
-                <a16:creationId xmlns:a16="http://schemas.microsoft.com/office/drawing/2014/main" id="{9A3A5BC1-28C4-405D-9FF4-1EA93E88C494}"/>
-              </a:ext>
-            </a:extLst>
-          </p:cNvPr>
-          <p:cNvSpPr>
-            <a:spLocks noGrp="1" noChangeArrowheads="1"/>
-          </p:cNvSpPr>
-          <p:nvPr>
-            <p:ph type="title"/>
-          </p:nvPr>
-        </p:nvSpPr>
-        <p:spPr bwMode="auto">
-          <a:xfrm>
-            <a:off x="831850" y="2843719"/>
-            <a:ext cx="9052478" cy="584775"/>
-          </a:xfrm>
-          <a:prstGeom prst="rect">
-            <a:avLst/>
-          </a:prstGeom>
-          <a:noFill/>
-          <a:ln>
-            <a:noFill/>
-          </a:ln>
-          <a:effectLst/>
-          <a:extLst>
-            <a:ext uri="{909E8E84-426E-40DD-AFC4-6F175D3DCCD1}">
-              <a14:hiddenFill xmlns:a14="http://schemas.microsoft.com/office/drawing/2010/main">
-                <a:solidFill>
-                  <a:schemeClr val="accent1"/>
-                </a:solidFill>
-              </a14:hiddenFill>
-            </a:ext>
-            <a:ext uri="{91240B29-F687-4F45-9708-019B960494DF}">
-              <a14:hiddenLine xmlns:a14="http://schemas.microsoft.com/office/drawing/2010/main" w="9525">
-                <a:solidFill>
-                  <a:schemeClr val="tx1"/>
-                </a:solidFill>
-                <a:miter lim="800000"/>
-                <a:headEnd/>
-                <a:tailEnd/>
-              </a14:hiddenLine>
-            </a:ext>
-            <a:ext uri="{AF507438-7753-43E0-B8FC-AC1667EBCBE1}">
-              <a14:hiddenEffects xmlns:a14="http://schemas.microsoft.com/office/drawing/2010/main">
-                <a:effectLst>
-                  <a:outerShdw dist="35921" dir="2700000" algn="ctr" rotWithShape="0">
-                    <a:schemeClr val="bg2"/>
-                  </a:outerShdw>
-                </a:effectLst>
-              </a14:hiddenEffects>
-            </a:ext>
-          </a:extLst>
-        </p:spPr>
-        <p:txBody>
-          <a:bodyPr vert="horz" wrap="none" lIns="91440" tIns="45720" rIns="91440" bIns="45720" numCol="1" anchor="ctr" anchorCtr="0" compatLnSpc="1">
-            <a:prstTxWarp prst="textNoShape">
-              <a:avLst/>
-            </a:prstTxWarp>
-            <a:spAutoFit/>
-          </a:bodyPr>
-          <a:lstStyle/>
-          <a:p>
-            <a:pPr marL="0" marR="0" lvl="0" indent="0" algn="l" defTabSz="914400" rtl="0" eaLnBrk="0" fontAlgn="base" latinLnBrk="0" hangingPunct="0">
-              <a:lnSpc>
-                <a:spcPct val="100000"/>
-              </a:lnSpc>
-              <a:spcBef>
-                <a:spcPct val="0"/>
-              </a:spcBef>
-              <a:spcAft>
-                <a:spcPct val="0"/>
-              </a:spcAft>
-              <a:buClrTx/>
-              <a:buSzTx/>
-              <a:buFontTx/>
-              <a:buNone/>
-              <a:tabLst/>
-            </a:pPr>
-            <a:r>
-              <a:rPr kumimoji="0" lang="en-US" altLang="en-US" sz="3200" b="1" i="1" u="none" strike="noStrike" cap="none" normalizeH="0" baseline="0" dirty="0">
-                <a:ln>
-                  <a:noFill/>
-                </a:ln>
-                <a:effectLst/>
-                <a:latin typeface="Arial Unicode MS"/>
-              </a:rPr>
-              <a:t>Which </a:t>
-            </a:r>
-            <a:r>
-              <a:rPr lang="en-US" altLang="en-US" sz="3200" b="1" i="1" dirty="0">
-                <a:latin typeface="Arial Unicode MS"/>
-              </a:rPr>
-              <a:t>streaming service is best for families</a:t>
-            </a:r>
-            <a:r>
-              <a:rPr kumimoji="0" lang="en-US" altLang="en-US" sz="3200" b="1" i="1" u="none" strike="noStrike" cap="none" normalizeH="0" baseline="0" dirty="0">
-                <a:ln>
-                  <a:noFill/>
-                </a:ln>
-                <a:effectLst/>
-                <a:latin typeface="Arial Unicode MS"/>
-              </a:rPr>
-              <a:t>?</a:t>
-            </a:r>
-            <a:r>
-              <a:rPr kumimoji="0" lang="en-US" altLang="en-US" sz="3200" b="1" i="0" u="none" strike="noStrike" cap="none" normalizeH="0" baseline="0" dirty="0">
-                <a:ln>
-                  <a:noFill/>
-                </a:ln>
-                <a:effectLst/>
-              </a:rPr>
-              <a:t> </a:t>
-            </a:r>
-            <a:endParaRPr kumimoji="0" lang="en-US" altLang="en-US" sz="3200" b="1" i="0" u="none" strike="noStrike" cap="none" normalizeH="0" baseline="0" dirty="0">
-              <a:ln>
-                <a:noFill/>
-              </a:ln>
-              <a:effectLst/>
-              <a:latin typeface="Arial" panose="020B0604020202020204" pitchFamily="34" charset="0"/>
-            </a:endParaRPr>
-          </a:p>
-        </p:txBody>
-      </p:sp>
-    </p:spTree>
-    <p:extLst>
-      <p:ext uri="{BB962C8B-B14F-4D97-AF65-F5344CB8AC3E}">
-        <p14:creationId xmlns:p14="http://schemas.microsoft.com/office/powerpoint/2010/main" val="2270192941"/>
-      </p:ext>
-    </p:extLst>
-  </p:cSld>
-  <p:clrMapOvr>
-    <a:masterClrMapping/>
-  </p:clrMapOvr>
-</p:sld>
-</file>
-
-<file path=ppt/slides/slide18.xml><?xml version="1.0" encoding="utf-8"?>
-<p:sld xmlns:a="http://schemas.openxmlformats.org/drawingml/2006/main" xmlns:r="http://schemas.openxmlformats.org/officeDocument/2006/relationships" xmlns:p="http://schemas.openxmlformats.org/presentationml/2006/main">
-  <p:cSld>
-    <p:spTree>
-      <p:nvGrpSpPr>
-        <p:cNvPr id="1" name=""/>
-        <p:cNvGrpSpPr/>
-        <p:nvPr/>
-      </p:nvGrpSpPr>
-      <p:grpSpPr>
-        <a:xfrm>
-          <a:off x="0" y="0"/>
-          <a:ext cx="0" cy="0"/>
-          <a:chOff x="0" y="0"/>
-          <a:chExt cx="0" cy="0"/>
-        </a:xfrm>
-      </p:grpSpPr>
-      <p:sp>
-        <p:nvSpPr>
-          <p:cNvPr id="2" name="Title 1">
-            <a:extLst>
-              <a:ext uri="{FF2B5EF4-FFF2-40B4-BE49-F238E27FC236}">
-                <a16:creationId xmlns:a16="http://schemas.microsoft.com/office/drawing/2014/main" id="{6F77E0AD-D824-6B6E-5453-12456358687B}"/>
-              </a:ext>
-            </a:extLst>
-          </p:cNvPr>
-          <p:cNvSpPr>
-            <a:spLocks noGrp="1"/>
-          </p:cNvSpPr>
-          <p:nvPr>
-            <p:ph type="title"/>
-          </p:nvPr>
-        </p:nvSpPr>
-        <p:spPr/>
-        <p:txBody>
-          <a:bodyPr/>
-          <a:lstStyle/>
-          <a:p>
-            <a:r>
-              <a:rPr lang="en-US" dirty="0"/>
-              <a:t>Approach-</a:t>
-            </a:r>
-          </a:p>
-        </p:txBody>
-      </p:sp>
-      <p:sp>
-        <p:nvSpPr>
-          <p:cNvPr id="3" name="Content Placeholder 2">
-            <a:extLst>
-              <a:ext uri="{FF2B5EF4-FFF2-40B4-BE49-F238E27FC236}">
-                <a16:creationId xmlns:a16="http://schemas.microsoft.com/office/drawing/2014/main" id="{C5F98696-3B9B-AD74-9AC6-930A9AFECF41}"/>
-              </a:ext>
-            </a:extLst>
-          </p:cNvPr>
-          <p:cNvSpPr>
-            <a:spLocks noGrp="1"/>
-          </p:cNvSpPr>
-          <p:nvPr>
-            <p:ph idx="1"/>
-          </p:nvPr>
-        </p:nvSpPr>
-        <p:spPr>
-          <a:xfrm>
-            <a:off x="322729" y="1476001"/>
-            <a:ext cx="11031071" cy="1879039"/>
-          </a:xfrm>
-        </p:spPr>
-        <p:txBody>
-          <a:bodyPr>
-            <a:normAutofit fontScale="92500" lnSpcReduction="10000"/>
-          </a:bodyPr>
-          <a:lstStyle/>
-          <a:p>
-            <a:pPr marL="514350" indent="-514350">
-              <a:buFont typeface="+mj-lt"/>
-              <a:buAutoNum type="arabicPeriod"/>
-            </a:pPr>
-            <a:r>
-              <a:rPr lang="en-US" dirty="0"/>
-              <a:t>Clean up </a:t>
-            </a:r>
-            <a:r>
-              <a:rPr lang="en-US" dirty="0" err="1"/>
-              <a:t>dataframe</a:t>
-            </a:r>
-            <a:r>
-              <a:rPr lang="en-US" dirty="0"/>
-              <a:t> after pulling it from CSV file by dropping entries with no “Age” value</a:t>
-            </a:r>
-          </a:p>
-          <a:p>
-            <a:pPr marL="514350" indent="-514350">
-              <a:buFont typeface="+mj-lt"/>
-              <a:buAutoNum type="arabicPeriod"/>
-            </a:pPr>
-            <a:r>
-              <a:rPr lang="en-US" dirty="0"/>
-              <a:t>Create dictionaries to hold counters and loop through </a:t>
-            </a:r>
-            <a:r>
-              <a:rPr lang="en-US" dirty="0" err="1"/>
-              <a:t>dataframe</a:t>
-            </a:r>
-            <a:r>
-              <a:rPr lang="en-US" dirty="0"/>
-              <a:t>, counting the total number of shows and how many are for ages “all” or “7+”</a:t>
-            </a:r>
-          </a:p>
-        </p:txBody>
-      </p:sp>
-      <p:pic>
-        <p:nvPicPr>
-          <p:cNvPr id="5" name="Picture 4" descr="A screen shot of a computer program&#10;&#10;Description automatically generated">
-            <a:extLst>
-              <a:ext uri="{FF2B5EF4-FFF2-40B4-BE49-F238E27FC236}">
-                <a16:creationId xmlns:a16="http://schemas.microsoft.com/office/drawing/2014/main" id="{09945C50-E577-5A28-D2B2-045863EC8CA1}"/>
-              </a:ext>
-            </a:extLst>
-          </p:cNvPr>
-          <p:cNvPicPr>
-            <a:picLocks noChangeAspect="1"/>
-          </p:cNvPicPr>
-          <p:nvPr/>
-        </p:nvPicPr>
-        <p:blipFill>
-          <a:blip r:embed="rId3">
-            <a:extLst>
-              <a:ext uri="{28A0092B-C50C-407E-A947-70E740481C1C}">
-                <a14:useLocalDpi xmlns:a14="http://schemas.microsoft.com/office/drawing/2010/main" val="0"/>
-              </a:ext>
-            </a:extLst>
-          </a:blip>
-          <a:stretch>
-            <a:fillRect/>
-          </a:stretch>
-        </p:blipFill>
-        <p:spPr>
-          <a:xfrm>
-            <a:off x="3818715" y="3029455"/>
-            <a:ext cx="7889614" cy="3605660"/>
-          </a:xfrm>
-          <a:prstGeom prst="rect">
-            <a:avLst/>
-          </a:prstGeom>
-        </p:spPr>
-      </p:pic>
-      <p:sp>
-        <p:nvSpPr>
-          <p:cNvPr id="6" name="TextBox 5">
-            <a:extLst>
-              <a:ext uri="{FF2B5EF4-FFF2-40B4-BE49-F238E27FC236}">
-                <a16:creationId xmlns:a16="http://schemas.microsoft.com/office/drawing/2014/main" id="{C6A57549-4EF7-AC39-9342-71DC151802C8}"/>
-              </a:ext>
-            </a:extLst>
-          </p:cNvPr>
-          <p:cNvSpPr txBox="1"/>
-          <p:nvPr/>
-        </p:nvSpPr>
-        <p:spPr>
-          <a:xfrm>
-            <a:off x="322729" y="3220571"/>
-            <a:ext cx="3529853" cy="3570208"/>
-          </a:xfrm>
-          <a:prstGeom prst="rect">
-            <a:avLst/>
-          </a:prstGeom>
-          <a:noFill/>
-        </p:spPr>
-        <p:txBody>
-          <a:bodyPr wrap="square" rtlCol="0">
-            <a:spAutoFit/>
-          </a:bodyPr>
-          <a:lstStyle/>
-          <a:p>
-            <a:pPr marL="514350" marR="0" lvl="0" indent="-514350" algn="l" defTabSz="914400" rtl="0" eaLnBrk="1" fontAlgn="auto" latinLnBrk="0" hangingPunct="1">
-              <a:lnSpc>
-                <a:spcPct val="100000"/>
-              </a:lnSpc>
-              <a:spcBef>
-                <a:spcPts val="0"/>
-              </a:spcBef>
-              <a:spcAft>
-                <a:spcPts val="0"/>
-              </a:spcAft>
-              <a:buClrTx/>
-              <a:buSzTx/>
-              <a:buFont typeface="+mj-lt"/>
-              <a:buAutoNum type="arabicPeriod" startAt="3"/>
-              <a:tabLst/>
-              <a:defRPr/>
-            </a:pPr>
-            <a:r>
-              <a:rPr kumimoji="0" lang="en-US" sz="2600" b="0" i="0" u="none" strike="noStrike" kern="1200" cap="none" spc="0" normalizeH="0" baseline="0" noProof="0" dirty="0">
-                <a:ln>
-                  <a:noFill/>
-                </a:ln>
-                <a:solidFill>
-                  <a:prstClr val="black"/>
-                </a:solidFill>
-                <a:effectLst/>
-                <a:uLnTx/>
-                <a:uFillTx/>
-                <a:latin typeface="Aptos" panose="02110004020202020204"/>
-                <a:ea typeface="+mn-ea"/>
-                <a:cs typeface="+mn-cs"/>
-              </a:rPr>
-              <a:t>Calculate percentage of shows that are family friendly per service</a:t>
-            </a:r>
-          </a:p>
-          <a:p>
-            <a:pPr marL="514350" marR="0" lvl="0" indent="-514350" algn="l" defTabSz="914400" rtl="0" eaLnBrk="1" fontAlgn="auto" latinLnBrk="0" hangingPunct="1">
-              <a:lnSpc>
-                <a:spcPct val="100000"/>
-              </a:lnSpc>
-              <a:spcBef>
-                <a:spcPts val="0"/>
-              </a:spcBef>
-              <a:spcAft>
-                <a:spcPts val="0"/>
-              </a:spcAft>
-              <a:buClrTx/>
-              <a:buSzTx/>
-              <a:buFont typeface="+mj-lt"/>
-              <a:buAutoNum type="arabicPeriod" startAt="3"/>
-              <a:tabLst/>
-              <a:defRPr/>
-            </a:pPr>
-            <a:r>
-              <a:rPr kumimoji="0" lang="en-US" sz="2600" b="0" i="0" u="none" strike="noStrike" kern="1200" cap="none" spc="0" normalizeH="0" baseline="0" noProof="0" dirty="0">
-                <a:ln>
-                  <a:noFill/>
-                </a:ln>
-                <a:solidFill>
-                  <a:prstClr val="black"/>
-                </a:solidFill>
-                <a:effectLst/>
-                <a:uLnTx/>
-                <a:uFillTx/>
-                <a:latin typeface="Aptos" panose="02110004020202020204"/>
-                <a:ea typeface="+mn-ea"/>
-                <a:cs typeface="+mn-cs"/>
-              </a:rPr>
-              <a:t>Create visualizations using bar charts</a:t>
-            </a:r>
-          </a:p>
-          <a:p>
-            <a:pPr marL="0" marR="0" lvl="0" indent="0" algn="l" defTabSz="914400" rtl="0" eaLnBrk="1" fontAlgn="auto" latinLnBrk="0" hangingPunct="1">
-              <a:lnSpc>
-                <a:spcPct val="100000"/>
-              </a:lnSpc>
-              <a:spcBef>
-                <a:spcPts val="0"/>
-              </a:spcBef>
-              <a:spcAft>
-                <a:spcPts val="0"/>
-              </a:spcAft>
-              <a:buClrTx/>
-              <a:buSzTx/>
-              <a:buFontTx/>
-              <a:buNone/>
-              <a:tabLst/>
-              <a:defRPr/>
-            </a:pPr>
-            <a:endParaRPr kumimoji="0" lang="en-US" sz="1800" b="0" i="0" u="none" strike="noStrike" kern="1200" cap="none" spc="0" normalizeH="0" baseline="0" noProof="0" dirty="0">
-              <a:ln>
-                <a:noFill/>
-              </a:ln>
-              <a:solidFill>
-                <a:prstClr val="black"/>
-              </a:solidFill>
-              <a:effectLst/>
-              <a:uLnTx/>
-              <a:uFillTx/>
-              <a:latin typeface="Aptos" panose="02110004020202020204"/>
-              <a:ea typeface="+mn-ea"/>
-              <a:cs typeface="+mn-cs"/>
-            </a:endParaRPr>
-          </a:p>
-        </p:txBody>
-      </p:sp>
-    </p:spTree>
-    <p:extLst>
-      <p:ext uri="{BB962C8B-B14F-4D97-AF65-F5344CB8AC3E}">
-        <p14:creationId xmlns:p14="http://schemas.microsoft.com/office/powerpoint/2010/main" val="2546708889"/>
-      </p:ext>
-    </p:extLst>
-  </p:cSld>
-  <p:clrMapOvr>
-    <a:masterClrMapping/>
-  </p:clrMapOvr>
-</p:sld>
-</file>
-
-<file path=ppt/slides/slide19.xml><?xml version="1.0" encoding="utf-8"?>
-<p:sld xmlns:a="http://schemas.openxmlformats.org/drawingml/2006/main" xmlns:r="http://schemas.openxmlformats.org/officeDocument/2006/relationships" xmlns:p="http://schemas.openxmlformats.org/presentationml/2006/main">
-  <p:cSld>
     <p:bg>
       <p:bgPr>
         <a:solidFill>
@@ -6105,2706 +4423,7 @@
 </p:sld>
 </file>
 
-<file path=ppt/slides/slide2.xml><?xml version="1.0" encoding="utf-8"?>
-<p:sld xmlns:a="http://schemas.openxmlformats.org/drawingml/2006/main" xmlns:r="http://schemas.openxmlformats.org/officeDocument/2006/relationships" xmlns:p="http://schemas.openxmlformats.org/presentationml/2006/main">
-  <p:cSld>
-    <p:spTree>
-      <p:nvGrpSpPr>
-        <p:cNvPr id="1" name=""/>
-        <p:cNvGrpSpPr/>
-        <p:nvPr/>
-      </p:nvGrpSpPr>
-      <p:grpSpPr>
-        <a:xfrm>
-          <a:off x="0" y="0"/>
-          <a:ext cx="0" cy="0"/>
-          <a:chOff x="0" y="0"/>
-          <a:chExt cx="0" cy="0"/>
-        </a:xfrm>
-      </p:grpSpPr>
-      <p:sp>
-        <p:nvSpPr>
-          <p:cNvPr id="2" name="Title 1">
-            <a:extLst>
-              <a:ext uri="{FF2B5EF4-FFF2-40B4-BE49-F238E27FC236}">
-                <a16:creationId xmlns:a16="http://schemas.microsoft.com/office/drawing/2014/main" id="{46408683-B22D-3A70-9BB8-42088EC5BD7A}"/>
-              </a:ext>
-            </a:extLst>
-          </p:cNvPr>
-          <p:cNvSpPr>
-            <a:spLocks noGrp="1"/>
-          </p:cNvSpPr>
-          <p:nvPr>
-            <p:ph type="title"/>
-          </p:nvPr>
-        </p:nvSpPr>
-        <p:spPr/>
-        <p:txBody>
-          <a:bodyPr/>
-          <a:lstStyle/>
-          <a:p>
-            <a:r>
-              <a:rPr lang="en-US" dirty="0"/>
-              <a:t>Executive Summary</a:t>
-            </a:r>
-          </a:p>
-        </p:txBody>
-      </p:sp>
-      <p:sp>
-        <p:nvSpPr>
-          <p:cNvPr id="3" name="Content Placeholder 2">
-            <a:extLst>
-              <a:ext uri="{FF2B5EF4-FFF2-40B4-BE49-F238E27FC236}">
-                <a16:creationId xmlns:a16="http://schemas.microsoft.com/office/drawing/2014/main" id="{2A4AB622-10C2-BCAD-4D9C-935E257C73D5}"/>
-              </a:ext>
-            </a:extLst>
-          </p:cNvPr>
-          <p:cNvSpPr>
-            <a:spLocks noGrp="1"/>
-          </p:cNvSpPr>
-          <p:nvPr>
-            <p:ph idx="1"/>
-          </p:nvPr>
-        </p:nvSpPr>
-        <p:spPr/>
-        <p:txBody>
-          <a:bodyPr>
-            <a:normAutofit lnSpcReduction="10000"/>
-          </a:bodyPr>
-          <a:lstStyle/>
-          <a:p>
-            <a:r>
-              <a:rPr lang="en-US" dirty="0"/>
-              <a:t>Do you ever wonder which streaming service is right for your needs?</a:t>
-            </a:r>
-          </a:p>
-          <a:p>
-            <a:pPr lvl="1"/>
-            <a:r>
-              <a:rPr lang="en-US" dirty="0"/>
-              <a:t>Kids?</a:t>
-            </a:r>
-          </a:p>
-          <a:p>
-            <a:pPr lvl="1"/>
-            <a:r>
-              <a:rPr lang="en-US" dirty="0"/>
-              <a:t>Quality of content?</a:t>
-            </a:r>
-          </a:p>
-          <a:p>
-            <a:pPr lvl="1"/>
-            <a:r>
-              <a:rPr lang="en-US" dirty="0"/>
-              <a:t>Newest content?</a:t>
-            </a:r>
-          </a:p>
-          <a:p>
-            <a:r>
-              <a:rPr lang="en-US" dirty="0"/>
-              <a:t>Our project was reviewing data from streaming services to identify data trends-</a:t>
-            </a:r>
-          </a:p>
-          <a:p>
-            <a:pPr lvl="1"/>
-            <a:r>
-              <a:rPr lang="en-US" dirty="0"/>
-              <a:t>The focus was on four primary services:</a:t>
-            </a:r>
-          </a:p>
-          <a:p>
-            <a:pPr lvl="2"/>
-            <a:r>
-              <a:rPr lang="en-US" dirty="0"/>
-              <a:t>Netflix</a:t>
-            </a:r>
-          </a:p>
-          <a:p>
-            <a:pPr lvl="2"/>
-            <a:r>
-              <a:rPr lang="en-US" dirty="0"/>
-              <a:t>Hulu</a:t>
-            </a:r>
-          </a:p>
-          <a:p>
-            <a:pPr lvl="2"/>
-            <a:r>
-              <a:rPr lang="en-US" dirty="0"/>
-              <a:t>Amazon Prime</a:t>
-            </a:r>
-          </a:p>
-          <a:p>
-            <a:pPr lvl="2"/>
-            <a:r>
-              <a:rPr lang="en-US" dirty="0"/>
-              <a:t>Disney Plus</a:t>
-            </a:r>
-          </a:p>
-          <a:p>
-            <a:pPr marL="0" indent="0">
-              <a:buNone/>
-            </a:pPr>
-            <a:endParaRPr lang="en-US" dirty="0"/>
-          </a:p>
-        </p:txBody>
-      </p:sp>
-    </p:spTree>
-    <p:extLst>
-      <p:ext uri="{BB962C8B-B14F-4D97-AF65-F5344CB8AC3E}">
-        <p14:creationId xmlns:p14="http://schemas.microsoft.com/office/powerpoint/2010/main" val="1733622319"/>
-      </p:ext>
-    </p:extLst>
-  </p:cSld>
-  <p:clrMapOvr>
-    <a:masterClrMapping/>
-  </p:clrMapOvr>
-</p:sld>
-</file>
-
-<file path=ppt/slides/slide20.xml><?xml version="1.0" encoding="utf-8"?>
-<p:sld xmlns:a="http://schemas.openxmlformats.org/drawingml/2006/main" xmlns:r="http://schemas.openxmlformats.org/officeDocument/2006/relationships" xmlns:p="http://schemas.openxmlformats.org/presentationml/2006/main">
-  <p:cSld>
-    <p:spTree>
-      <p:nvGrpSpPr>
-        <p:cNvPr id="1" name=""/>
-        <p:cNvGrpSpPr/>
-        <p:nvPr/>
-      </p:nvGrpSpPr>
-      <p:grpSpPr>
-        <a:xfrm>
-          <a:off x="0" y="0"/>
-          <a:ext cx="0" cy="0"/>
-          <a:chOff x="0" y="0"/>
-          <a:chExt cx="0" cy="0"/>
-        </a:xfrm>
-      </p:grpSpPr>
-      <p:sp>
-        <p:nvSpPr>
-          <p:cNvPr id="9" name="Rectangle 1">
-            <a:extLst>
-              <a:ext uri="{FF2B5EF4-FFF2-40B4-BE49-F238E27FC236}">
-                <a16:creationId xmlns:a16="http://schemas.microsoft.com/office/drawing/2014/main" id="{9A3A5BC1-28C4-405D-9FF4-1EA93E88C494}"/>
-              </a:ext>
-            </a:extLst>
-          </p:cNvPr>
-          <p:cNvSpPr>
-            <a:spLocks noGrp="1" noChangeArrowheads="1"/>
-          </p:cNvSpPr>
-          <p:nvPr>
-            <p:ph type="title"/>
-          </p:nvPr>
-        </p:nvSpPr>
-        <p:spPr bwMode="auto">
-          <a:xfrm>
-            <a:off x="831850" y="2843719"/>
-            <a:ext cx="9685665" cy="584775"/>
-          </a:xfrm>
-          <a:prstGeom prst="rect">
-            <a:avLst/>
-          </a:prstGeom>
-          <a:noFill/>
-          <a:ln>
-            <a:noFill/>
-          </a:ln>
-          <a:effectLst/>
-          <a:extLst>
-            <a:ext uri="{909E8E84-426E-40DD-AFC4-6F175D3DCCD1}">
-              <a14:hiddenFill xmlns:a14="http://schemas.microsoft.com/office/drawing/2010/main">
-                <a:solidFill>
-                  <a:schemeClr val="accent1"/>
-                </a:solidFill>
-              </a14:hiddenFill>
-            </a:ext>
-            <a:ext uri="{91240B29-F687-4F45-9708-019B960494DF}">
-              <a14:hiddenLine xmlns:a14="http://schemas.microsoft.com/office/drawing/2010/main" w="9525">
-                <a:solidFill>
-                  <a:schemeClr val="tx1"/>
-                </a:solidFill>
-                <a:miter lim="800000"/>
-                <a:headEnd/>
-                <a:tailEnd/>
-              </a14:hiddenLine>
-            </a:ext>
-            <a:ext uri="{AF507438-7753-43E0-B8FC-AC1667EBCBE1}">
-              <a14:hiddenEffects xmlns:a14="http://schemas.microsoft.com/office/drawing/2010/main">
-                <a:effectLst>
-                  <a:outerShdw dist="35921" dir="2700000" algn="ctr" rotWithShape="0">
-                    <a:schemeClr val="bg2"/>
-                  </a:outerShdw>
-                </a:effectLst>
-              </a14:hiddenEffects>
-            </a:ext>
-          </a:extLst>
-        </p:spPr>
-        <p:txBody>
-          <a:bodyPr vert="horz" wrap="none" lIns="91440" tIns="45720" rIns="91440" bIns="45720" numCol="1" anchor="ctr" anchorCtr="0" compatLnSpc="1">
-            <a:prstTxWarp prst="textNoShape">
-              <a:avLst/>
-            </a:prstTxWarp>
-            <a:spAutoFit/>
-          </a:bodyPr>
-          <a:lstStyle/>
-          <a:p>
-            <a:pPr marL="0" marR="0" lvl="0" indent="0" algn="l" defTabSz="914400" rtl="0" eaLnBrk="0" fontAlgn="base" latinLnBrk="0" hangingPunct="0">
-              <a:lnSpc>
-                <a:spcPct val="100000"/>
-              </a:lnSpc>
-              <a:spcBef>
-                <a:spcPct val="0"/>
-              </a:spcBef>
-              <a:spcAft>
-                <a:spcPct val="0"/>
-              </a:spcAft>
-              <a:buClrTx/>
-              <a:buSzTx/>
-              <a:buFontTx/>
-              <a:buNone/>
-              <a:tabLst/>
-            </a:pPr>
-            <a:r>
-              <a:rPr kumimoji="0" lang="en-US" altLang="en-US" sz="3200" b="1" i="1" u="none" strike="noStrike" cap="none" normalizeH="0" baseline="0" dirty="0">
-                <a:ln>
-                  <a:noFill/>
-                </a:ln>
-                <a:effectLst/>
-                <a:latin typeface="Arial Unicode MS"/>
-              </a:rPr>
-              <a:t>Which year(s) had the most highly rated shows?</a:t>
-            </a:r>
-            <a:r>
-              <a:rPr kumimoji="0" lang="en-US" altLang="en-US" sz="3200" b="1" i="0" u="none" strike="noStrike" cap="none" normalizeH="0" baseline="0" dirty="0">
-                <a:ln>
-                  <a:noFill/>
-                </a:ln>
-                <a:effectLst/>
-              </a:rPr>
-              <a:t> </a:t>
-            </a:r>
-            <a:endParaRPr kumimoji="0" lang="en-US" altLang="en-US" sz="3200" b="1" i="0" u="none" strike="noStrike" cap="none" normalizeH="0" baseline="0" dirty="0">
-              <a:ln>
-                <a:noFill/>
-              </a:ln>
-              <a:effectLst/>
-              <a:latin typeface="Arial" panose="020B0604020202020204" pitchFamily="34" charset="0"/>
-            </a:endParaRPr>
-          </a:p>
-        </p:txBody>
-      </p:sp>
-    </p:spTree>
-    <p:extLst>
-      <p:ext uri="{BB962C8B-B14F-4D97-AF65-F5344CB8AC3E}">
-        <p14:creationId xmlns:p14="http://schemas.microsoft.com/office/powerpoint/2010/main" val="1431633947"/>
-      </p:ext>
-    </p:extLst>
-  </p:cSld>
-  <p:clrMapOvr>
-    <a:masterClrMapping/>
-  </p:clrMapOvr>
-</p:sld>
-</file>
-
-<file path=ppt/slides/slide21.xml><?xml version="1.0" encoding="utf-8"?>
-<p:sld xmlns:a="http://schemas.openxmlformats.org/drawingml/2006/main" xmlns:r="http://schemas.openxmlformats.org/officeDocument/2006/relationships" xmlns:p="http://schemas.openxmlformats.org/presentationml/2006/main">
-  <p:cSld>
-    <p:bg>
-      <p:bgPr>
-        <a:solidFill>
-          <a:schemeClr val="bg1"/>
-        </a:solidFill>
-        <a:effectLst/>
-      </p:bgPr>
-    </p:bg>
-    <p:spTree>
-      <p:nvGrpSpPr>
-        <p:cNvPr id="1" name=""/>
-        <p:cNvGrpSpPr/>
-        <p:nvPr/>
-      </p:nvGrpSpPr>
-      <p:grpSpPr>
-        <a:xfrm>
-          <a:off x="0" y="0"/>
-          <a:ext cx="0" cy="0"/>
-          <a:chOff x="0" y="0"/>
-          <a:chExt cx="0" cy="0"/>
-        </a:xfrm>
-      </p:grpSpPr>
-      <p:sp useBgFill="1">
-        <p:nvSpPr>
-          <p:cNvPr id="32" name="Rectangle 31">
-            <a:extLst>
-              <a:ext uri="{FF2B5EF4-FFF2-40B4-BE49-F238E27FC236}">
-                <a16:creationId xmlns:a16="http://schemas.microsoft.com/office/drawing/2014/main" id="{53B021B3-DE93-4AB7-8A18-CF5F1CED88B8}"/>
-              </a:ext>
-              <a:ext uri="{C183D7F6-B498-43B3-948B-1728B52AA6E4}">
-                <adec:decorative xmlns:adec="http://schemas.microsoft.com/office/drawing/2017/decorative" val="1"/>
-              </a:ext>
-            </a:extLst>
-          </p:cNvPr>
-          <p:cNvSpPr>
-            <a:spLocks noGrp="1" noRot="1" noChangeAspect="1" noMove="1" noResize="1" noEditPoints="1" noAdjustHandles="1" noChangeArrowheads="1" noChangeShapeType="1" noTextEdit="1"/>
-          </p:cNvSpPr>
-          <p:nvPr>
-            <p:extLst>
-              <p:ext uri="{386F3935-93C4-4BCD-93E2-E3B085C9AB24}">
-                <p16:designElem xmlns:p16="http://schemas.microsoft.com/office/powerpoint/2015/main" val="1"/>
-              </p:ext>
-            </p:extLst>
-          </p:nvPr>
-        </p:nvSpPr>
-        <p:spPr>
-          <a:xfrm>
-            <a:off x="0" y="0"/>
-            <a:ext cx="12192000" cy="6858000"/>
-          </a:xfrm>
-          <a:prstGeom prst="rect">
-            <a:avLst/>
-          </a:prstGeom>
-          <a:ln>
-            <a:noFill/>
-          </a:ln>
-        </p:spPr>
-        <p:style>
-          <a:lnRef idx="2">
-            <a:schemeClr val="accent1">
-              <a:shade val="50000"/>
-            </a:schemeClr>
-          </a:lnRef>
-          <a:fillRef idx="1">
-            <a:schemeClr val="accent1"/>
-          </a:fillRef>
-          <a:effectRef idx="0">
-            <a:schemeClr val="accent1"/>
-          </a:effectRef>
-          <a:fontRef idx="minor">
-            <a:schemeClr val="lt1"/>
-          </a:fontRef>
-        </p:style>
-        <p:txBody>
-          <a:bodyPr rtlCol="0" anchor="ctr"/>
-          <a:lstStyle/>
-          <a:p>
-            <a:pPr algn="ctr"/>
-            <a:endParaRPr lang="en-US"/>
-          </a:p>
-        </p:txBody>
-      </p:sp>
-      <p:sp>
-        <p:nvSpPr>
-          <p:cNvPr id="2" name="Title 1">
-            <a:extLst>
-              <a:ext uri="{FF2B5EF4-FFF2-40B4-BE49-F238E27FC236}">
-                <a16:creationId xmlns:a16="http://schemas.microsoft.com/office/drawing/2014/main" id="{6F77E0AD-D824-6B6E-5453-12456358687B}"/>
-              </a:ext>
-            </a:extLst>
-          </p:cNvPr>
-          <p:cNvSpPr>
-            <a:spLocks noGrp="1"/>
-          </p:cNvSpPr>
-          <p:nvPr>
-            <p:ph type="title"/>
-          </p:nvPr>
-        </p:nvSpPr>
-        <p:spPr>
-          <a:xfrm>
-            <a:off x="841248" y="256032"/>
-            <a:ext cx="10506456" cy="1014984"/>
-          </a:xfrm>
-        </p:spPr>
-        <p:txBody>
-          <a:bodyPr vert="horz" lIns="91440" tIns="45720" rIns="91440" bIns="45720" rtlCol="0" anchor="b">
-            <a:normAutofit/>
-          </a:bodyPr>
-          <a:lstStyle/>
-          <a:p>
-            <a:r>
-              <a:rPr lang="en-US" sz="3100" kern="1200">
-                <a:solidFill>
-                  <a:schemeClr val="tx1"/>
-                </a:solidFill>
-                <a:latin typeface="+mj-lt"/>
-                <a:ea typeface="+mj-ea"/>
-                <a:cs typeface="+mj-cs"/>
-              </a:rPr>
-              <a:t>Approach –</a:t>
-            </a:r>
-            <a:br>
-              <a:rPr lang="en-US" sz="3100" kern="1200">
-                <a:solidFill>
-                  <a:schemeClr val="tx1"/>
-                </a:solidFill>
-                <a:latin typeface="+mj-lt"/>
-                <a:ea typeface="+mj-ea"/>
-                <a:cs typeface="+mj-cs"/>
-              </a:rPr>
-            </a:br>
-            <a:r>
-              <a:rPr lang="en-US" sz="3100" kern="1200">
-                <a:solidFill>
-                  <a:schemeClr val="tx1"/>
-                </a:solidFill>
-                <a:latin typeface="+mj-lt"/>
-                <a:ea typeface="+mj-ea"/>
-                <a:cs typeface="+mj-cs"/>
-              </a:rPr>
-              <a:t>Modifying data</a:t>
-            </a:r>
-          </a:p>
-        </p:txBody>
-      </p:sp>
-      <p:sp>
-        <p:nvSpPr>
-          <p:cNvPr id="33" name="Rectangle 32">
-            <a:extLst>
-              <a:ext uri="{FF2B5EF4-FFF2-40B4-BE49-F238E27FC236}">
-                <a16:creationId xmlns:a16="http://schemas.microsoft.com/office/drawing/2014/main" id="{52D502E5-F6B4-4D58-B4AE-FC466FF15EE8}"/>
-              </a:ext>
-              <a:ext uri="{C183D7F6-B498-43B3-948B-1728B52AA6E4}">
-                <adec:decorative xmlns:adec="http://schemas.microsoft.com/office/drawing/2017/decorative" val="1"/>
-              </a:ext>
-            </a:extLst>
-          </p:cNvPr>
-          <p:cNvSpPr>
-            <a:spLocks noGrp="1" noRot="1" noChangeAspect="1" noMove="1" noResize="1" noEditPoints="1" noAdjustHandles="1" noChangeArrowheads="1" noChangeShapeType="1" noTextEdit="1"/>
-          </p:cNvSpPr>
-          <p:nvPr>
-            <p:extLst>
-              <p:ext uri="{386F3935-93C4-4BCD-93E2-E3B085C9AB24}">
-                <p16:designElem xmlns:p16="http://schemas.microsoft.com/office/powerpoint/2015/main" val="1"/>
-              </p:ext>
-            </p:extLst>
-          </p:nvPr>
-        </p:nvSpPr>
-        <p:spPr>
-          <a:xfrm>
-            <a:off x="865953" y="1634502"/>
-            <a:ext cx="10451592" cy="18288"/>
-          </a:xfrm>
-          <a:prstGeom prst="rect">
-            <a:avLst/>
-          </a:prstGeom>
-          <a:solidFill>
-            <a:srgbClr val="D5D5D5"/>
-          </a:solidFill>
-          <a:ln w="3175">
-            <a:noFill/>
-          </a:ln>
-          <a:effectLst/>
-        </p:spPr>
-        <p:style>
-          <a:lnRef idx="2">
-            <a:schemeClr val="accent1">
-              <a:shade val="50000"/>
-            </a:schemeClr>
-          </a:lnRef>
-          <a:fillRef idx="1">
-            <a:schemeClr val="accent1"/>
-          </a:fillRef>
-          <a:effectRef idx="0">
-            <a:schemeClr val="accent1"/>
-          </a:effectRef>
-          <a:fontRef idx="minor">
-            <a:schemeClr val="lt1"/>
-          </a:fontRef>
-        </p:style>
-        <p:txBody>
-          <a:bodyPr rtlCol="0" anchor="ctr"/>
-          <a:lstStyle/>
-          <a:p>
-            <a:pPr algn="ctr"/>
-            <a:endParaRPr lang="en-US">
-              <a:solidFill>
-                <a:prstClr val="white"/>
-              </a:solidFill>
-              <a:latin typeface="Calibri" panose="020F0502020204030204"/>
-            </a:endParaRPr>
-          </a:p>
-        </p:txBody>
-      </p:sp>
-      <p:sp>
-        <p:nvSpPr>
-          <p:cNvPr id="31" name="Rectangle 30">
-            <a:extLst>
-              <a:ext uri="{FF2B5EF4-FFF2-40B4-BE49-F238E27FC236}">
-                <a16:creationId xmlns:a16="http://schemas.microsoft.com/office/drawing/2014/main" id="{9DECDBF4-02B6-4BB4-B65B-B8107AD6A9E8}"/>
-              </a:ext>
-              <a:ext uri="{C183D7F6-B498-43B3-948B-1728B52AA6E4}">
-                <adec:decorative xmlns:adec="http://schemas.microsoft.com/office/drawing/2017/decorative" val="1"/>
-              </a:ext>
-            </a:extLst>
-          </p:cNvPr>
-          <p:cNvSpPr>
-            <a:spLocks noGrp="1" noRot="1" noChangeAspect="1" noMove="1" noResize="1" noEditPoints="1" noAdjustHandles="1" noChangeArrowheads="1" noChangeShapeType="1" noTextEdit="1"/>
-          </p:cNvSpPr>
-          <p:nvPr>
-            <p:extLst>
-              <p:ext uri="{386F3935-93C4-4BCD-93E2-E3B085C9AB24}">
-                <p16:designElem xmlns:p16="http://schemas.microsoft.com/office/powerpoint/2015/main" val="1"/>
-              </p:ext>
-            </p:extLst>
-          </p:nvPr>
-        </p:nvSpPr>
-        <p:spPr>
-          <a:xfrm flipV="1">
-            <a:off x="841248" y="1538176"/>
-            <a:ext cx="1873457" cy="109814"/>
-          </a:xfrm>
-          <a:prstGeom prst="rect">
-            <a:avLst/>
-          </a:prstGeom>
-          <a:solidFill>
-            <a:schemeClr val="accent2"/>
-          </a:solidFill>
-          <a:ln>
-            <a:noFill/>
-          </a:ln>
-        </p:spPr>
-        <p:style>
-          <a:lnRef idx="2">
-            <a:schemeClr val="accent1">
-              <a:shade val="50000"/>
-            </a:schemeClr>
-          </a:lnRef>
-          <a:fillRef idx="1">
-            <a:schemeClr val="accent1"/>
-          </a:fillRef>
-          <a:effectRef idx="0">
-            <a:schemeClr val="accent1"/>
-          </a:effectRef>
-          <a:fontRef idx="minor">
-            <a:schemeClr val="lt1"/>
-          </a:fontRef>
-        </p:style>
-        <p:txBody>
-          <a:bodyPr rtlCol="0" anchor="ctr"/>
-          <a:lstStyle/>
-          <a:p>
-            <a:pPr algn="ctr"/>
-            <a:endParaRPr lang="en-US">
-              <a:solidFill>
-                <a:prstClr val="white"/>
-              </a:solidFill>
-              <a:latin typeface="Calibri" panose="020F0502020204030204"/>
-            </a:endParaRPr>
-          </a:p>
-        </p:txBody>
-      </p:sp>
-      <p:pic>
-        <p:nvPicPr>
-          <p:cNvPr id="11" name="Picture 10">
-            <a:extLst>
-              <a:ext uri="{FF2B5EF4-FFF2-40B4-BE49-F238E27FC236}">
-                <a16:creationId xmlns:a16="http://schemas.microsoft.com/office/drawing/2014/main" id="{7AF43B50-865E-2137-67D1-D586E2596EB4}"/>
-              </a:ext>
-            </a:extLst>
-          </p:cNvPr>
-          <p:cNvPicPr>
-            <a:picLocks noChangeAspect="1"/>
-          </p:cNvPicPr>
-          <p:nvPr/>
-        </p:nvPicPr>
-        <p:blipFill>
-          <a:blip r:embed="rId2"/>
-          <a:stretch>
-            <a:fillRect/>
-          </a:stretch>
-        </p:blipFill>
-        <p:spPr>
-          <a:xfrm>
-            <a:off x="6356435" y="2917017"/>
-            <a:ext cx="4052196" cy="3366773"/>
-          </a:xfrm>
-          <a:prstGeom prst="rect">
-            <a:avLst/>
-          </a:prstGeom>
-        </p:spPr>
-      </p:pic>
-      <p:pic>
-        <p:nvPicPr>
-          <p:cNvPr id="13" name="Picture 12">
-            <a:extLst>
-              <a:ext uri="{FF2B5EF4-FFF2-40B4-BE49-F238E27FC236}">
-                <a16:creationId xmlns:a16="http://schemas.microsoft.com/office/drawing/2014/main" id="{99B63D77-7C28-79A8-5BD6-92F0F293F466}"/>
-              </a:ext>
-            </a:extLst>
-          </p:cNvPr>
-          <p:cNvPicPr>
-            <a:picLocks noChangeAspect="1"/>
-          </p:cNvPicPr>
-          <p:nvPr/>
-        </p:nvPicPr>
-        <p:blipFill>
-          <a:blip r:embed="rId3"/>
-          <a:stretch>
-            <a:fillRect/>
-          </a:stretch>
-        </p:blipFill>
-        <p:spPr>
-          <a:xfrm>
-            <a:off x="1670820" y="3599679"/>
-            <a:ext cx="4210803" cy="2684111"/>
-          </a:xfrm>
-          <a:prstGeom prst="rect">
-            <a:avLst/>
-          </a:prstGeom>
-        </p:spPr>
-      </p:pic>
-      <p:pic>
-        <p:nvPicPr>
-          <p:cNvPr id="15" name="Picture 14">
-            <a:extLst>
-              <a:ext uri="{FF2B5EF4-FFF2-40B4-BE49-F238E27FC236}">
-                <a16:creationId xmlns:a16="http://schemas.microsoft.com/office/drawing/2014/main" id="{2734C4F8-2762-6588-4597-AF743E455A5D}"/>
-              </a:ext>
-            </a:extLst>
-          </p:cNvPr>
-          <p:cNvPicPr>
-            <a:picLocks noChangeAspect="1"/>
-          </p:cNvPicPr>
-          <p:nvPr/>
-        </p:nvPicPr>
-        <p:blipFill>
-          <a:blip r:embed="rId4"/>
-          <a:stretch>
-            <a:fillRect/>
-          </a:stretch>
-        </p:blipFill>
-        <p:spPr>
-          <a:xfrm>
-            <a:off x="1670820" y="2588640"/>
-            <a:ext cx="3794834" cy="742720"/>
-          </a:xfrm>
-          <a:prstGeom prst="rect">
-            <a:avLst/>
-          </a:prstGeom>
-        </p:spPr>
-      </p:pic>
-      <p:sp>
-        <p:nvSpPr>
-          <p:cNvPr id="16" name="Rectangle 15">
-            <a:extLst>
-              <a:ext uri="{FF2B5EF4-FFF2-40B4-BE49-F238E27FC236}">
-                <a16:creationId xmlns:a16="http://schemas.microsoft.com/office/drawing/2014/main" id="{0A8210A1-9065-E871-2709-8EFD9C310BE4}"/>
-              </a:ext>
-            </a:extLst>
-          </p:cNvPr>
-          <p:cNvSpPr/>
-          <p:nvPr/>
-        </p:nvSpPr>
-        <p:spPr>
-          <a:xfrm>
-            <a:off x="3457731" y="4258279"/>
-            <a:ext cx="928566" cy="142856"/>
-          </a:xfrm>
-          <a:prstGeom prst="rect">
-            <a:avLst/>
-          </a:prstGeom>
-          <a:noFill/>
-          <a:ln w="38100">
-            <a:solidFill>
-              <a:srgbClr val="FF0000"/>
-            </a:solidFill>
-          </a:ln>
-        </p:spPr>
-        <p:style>
-          <a:lnRef idx="2">
-            <a:schemeClr val="accent1">
-              <a:shade val="15000"/>
-            </a:schemeClr>
-          </a:lnRef>
-          <a:fillRef idx="1">
-            <a:schemeClr val="accent1"/>
-          </a:fillRef>
-          <a:effectRef idx="0">
-            <a:schemeClr val="accent1"/>
-          </a:effectRef>
-          <a:fontRef idx="minor">
-            <a:schemeClr val="lt1"/>
-          </a:fontRef>
-        </p:style>
-        <p:txBody>
-          <a:bodyPr rtlCol="0" anchor="ctr"/>
-          <a:lstStyle/>
-          <a:p>
-            <a:pPr algn="ctr"/>
-            <a:endParaRPr lang="en-US"/>
-          </a:p>
-        </p:txBody>
-      </p:sp>
-      <p:cxnSp>
-        <p:nvCxnSpPr>
-          <p:cNvPr id="18" name="Straight Arrow Connector 17">
-            <a:extLst>
-              <a:ext uri="{FF2B5EF4-FFF2-40B4-BE49-F238E27FC236}">
-                <a16:creationId xmlns:a16="http://schemas.microsoft.com/office/drawing/2014/main" id="{281EDDC0-A984-1B43-86CF-3F09CABD2FDB}"/>
-              </a:ext>
-            </a:extLst>
-          </p:cNvPr>
-          <p:cNvCxnSpPr>
-            <a:cxnSpLocks/>
-          </p:cNvCxnSpPr>
-          <p:nvPr/>
-        </p:nvCxnSpPr>
-        <p:spPr>
-          <a:xfrm flipV="1">
-            <a:off x="3613816" y="3323423"/>
-            <a:ext cx="185183" cy="666536"/>
-          </a:xfrm>
-          <a:prstGeom prst="straightConnector1">
-            <a:avLst/>
-          </a:prstGeom>
-          <a:ln>
-            <a:solidFill>
-              <a:srgbClr val="FF0000"/>
-            </a:solidFill>
-            <a:tailEnd type="triangle"/>
-          </a:ln>
-        </p:spPr>
-        <p:style>
-          <a:lnRef idx="2">
-            <a:schemeClr val="accent1"/>
-          </a:lnRef>
-          <a:fillRef idx="0">
-            <a:schemeClr val="accent1"/>
-          </a:fillRef>
-          <a:effectRef idx="1">
-            <a:schemeClr val="accent1"/>
-          </a:effectRef>
-          <a:fontRef idx="minor">
-            <a:schemeClr val="tx1"/>
-          </a:fontRef>
-        </p:style>
-      </p:cxnSp>
-      <p:cxnSp>
-        <p:nvCxnSpPr>
-          <p:cNvPr id="19" name="Straight Arrow Connector 18">
-            <a:extLst>
-              <a:ext uri="{FF2B5EF4-FFF2-40B4-BE49-F238E27FC236}">
-                <a16:creationId xmlns:a16="http://schemas.microsoft.com/office/drawing/2014/main" id="{030F1A03-7E4A-C111-3318-A69633ACA387}"/>
-              </a:ext>
-            </a:extLst>
-          </p:cNvPr>
-          <p:cNvCxnSpPr>
-            <a:cxnSpLocks/>
-          </p:cNvCxnSpPr>
-          <p:nvPr/>
-        </p:nvCxnSpPr>
-        <p:spPr>
-          <a:xfrm flipV="1">
-            <a:off x="4185240" y="3331359"/>
-            <a:ext cx="708991" cy="761579"/>
-          </a:xfrm>
-          <a:prstGeom prst="straightConnector1">
-            <a:avLst/>
-          </a:prstGeom>
-          <a:ln>
-            <a:solidFill>
-              <a:srgbClr val="FF0000"/>
-            </a:solidFill>
-            <a:tailEnd type="triangle"/>
-          </a:ln>
-        </p:spPr>
-        <p:style>
-          <a:lnRef idx="2">
-            <a:schemeClr val="accent1"/>
-          </a:lnRef>
-          <a:fillRef idx="0">
-            <a:schemeClr val="accent1"/>
-          </a:fillRef>
-          <a:effectRef idx="1">
-            <a:schemeClr val="accent1"/>
-          </a:effectRef>
-          <a:fontRef idx="minor">
-            <a:schemeClr val="tx1"/>
-          </a:fontRef>
-        </p:style>
-      </p:cxnSp>
-      <p:sp>
-        <p:nvSpPr>
-          <p:cNvPr id="22" name="TextBox 21">
-            <a:extLst>
-              <a:ext uri="{FF2B5EF4-FFF2-40B4-BE49-F238E27FC236}">
-                <a16:creationId xmlns:a16="http://schemas.microsoft.com/office/drawing/2014/main" id="{89133814-EF85-98BA-6D32-3D03171D3958}"/>
-              </a:ext>
-            </a:extLst>
-          </p:cNvPr>
-          <p:cNvSpPr txBox="1"/>
-          <p:nvPr/>
-        </p:nvSpPr>
-        <p:spPr>
-          <a:xfrm>
-            <a:off x="703333" y="1717024"/>
-            <a:ext cx="10356580" cy="584775"/>
-          </a:xfrm>
-          <a:prstGeom prst="rect">
-            <a:avLst/>
-          </a:prstGeom>
-          <a:noFill/>
-        </p:spPr>
-        <p:txBody>
-          <a:bodyPr wrap="square" rtlCol="0">
-            <a:spAutoFit/>
-          </a:bodyPr>
-          <a:lstStyle/>
-          <a:p>
-            <a:pPr marL="457200" indent="-457200" defTabSz="352044">
-              <a:spcAft>
-                <a:spcPts val="600"/>
-              </a:spcAft>
-              <a:buAutoNum type="arabicPeriod"/>
-            </a:pPr>
-            <a:r>
-              <a:rPr lang="en-US" sz="1600" kern="1200" dirty="0">
-                <a:solidFill>
-                  <a:schemeClr val="tx1"/>
-                </a:solidFill>
-                <a:latin typeface="+mn-lt"/>
-                <a:ea typeface="+mn-ea"/>
-                <a:cs typeface="+mn-cs"/>
-              </a:rPr>
-              <a:t>One important modification was from string data (involving a / ) in the rating information to integers for data analysis</a:t>
-            </a:r>
-            <a:endParaRPr lang="en-US" dirty="0"/>
-          </a:p>
-        </p:txBody>
-      </p:sp>
-    </p:spTree>
-    <p:extLst>
-      <p:ext uri="{BB962C8B-B14F-4D97-AF65-F5344CB8AC3E}">
-        <p14:creationId xmlns:p14="http://schemas.microsoft.com/office/powerpoint/2010/main" val="4249368755"/>
-      </p:ext>
-    </p:extLst>
-  </p:cSld>
-  <p:clrMapOvr>
-    <a:masterClrMapping/>
-  </p:clrMapOvr>
-</p:sld>
-</file>
-
-<file path=ppt/slides/slide22.xml><?xml version="1.0" encoding="utf-8"?>
-<p:sld xmlns:a="http://schemas.openxmlformats.org/drawingml/2006/main" xmlns:r="http://schemas.openxmlformats.org/officeDocument/2006/relationships" xmlns:p="http://schemas.openxmlformats.org/presentationml/2006/main">
-  <p:cSld>
-    <p:spTree>
-      <p:nvGrpSpPr>
-        <p:cNvPr id="1" name=""/>
-        <p:cNvGrpSpPr/>
-        <p:nvPr/>
-      </p:nvGrpSpPr>
-      <p:grpSpPr>
-        <a:xfrm>
-          <a:off x="0" y="0"/>
-          <a:ext cx="0" cy="0"/>
-          <a:chOff x="0" y="0"/>
-          <a:chExt cx="0" cy="0"/>
-        </a:xfrm>
-      </p:grpSpPr>
-      <p:sp>
-        <p:nvSpPr>
-          <p:cNvPr id="2" name="Title 1">
-            <a:extLst>
-              <a:ext uri="{FF2B5EF4-FFF2-40B4-BE49-F238E27FC236}">
-                <a16:creationId xmlns:a16="http://schemas.microsoft.com/office/drawing/2014/main" id="{6F77E0AD-D824-6B6E-5453-12456358687B}"/>
-              </a:ext>
-            </a:extLst>
-          </p:cNvPr>
-          <p:cNvSpPr>
-            <a:spLocks noGrp="1"/>
-          </p:cNvSpPr>
-          <p:nvPr>
-            <p:ph type="title"/>
-          </p:nvPr>
-        </p:nvSpPr>
-        <p:spPr/>
-        <p:txBody>
-          <a:bodyPr/>
-          <a:lstStyle/>
-          <a:p>
-            <a:r>
-              <a:rPr lang="en-US" dirty="0"/>
-              <a:t>Approach</a:t>
-            </a:r>
-            <a:br>
-              <a:rPr lang="en-US" dirty="0"/>
-            </a:br>
-            <a:endParaRPr lang="en-US" dirty="0"/>
-          </a:p>
-        </p:txBody>
-      </p:sp>
-      <p:sp>
-        <p:nvSpPr>
-          <p:cNvPr id="5" name="Text Placeholder 4">
-            <a:extLst>
-              <a:ext uri="{FF2B5EF4-FFF2-40B4-BE49-F238E27FC236}">
-                <a16:creationId xmlns:a16="http://schemas.microsoft.com/office/drawing/2014/main" id="{9E47819A-D1CA-406C-AFE6-774D546979EB}"/>
-              </a:ext>
-            </a:extLst>
-          </p:cNvPr>
-          <p:cNvSpPr>
-            <a:spLocks noGrp="1"/>
-          </p:cNvSpPr>
-          <p:nvPr>
-            <p:ph type="body" sz="half" idx="2"/>
-          </p:nvPr>
-        </p:nvSpPr>
-        <p:spPr>
-          <a:xfrm>
-            <a:off x="839788" y="2057400"/>
-            <a:ext cx="3932237" cy="2648164"/>
-          </a:xfrm>
-        </p:spPr>
-        <p:txBody>
-          <a:bodyPr/>
-          <a:lstStyle/>
-          <a:p>
-            <a:pPr marL="342900" indent="-342900">
-              <a:buAutoNum type="arabicPeriod" startAt="2"/>
-            </a:pPr>
-            <a:r>
-              <a:rPr lang="en-US" dirty="0"/>
-              <a:t>Filtering down to a specific score, which was decided amongst the team to be &gt; 80 for each ratings system</a:t>
-            </a:r>
-          </a:p>
-          <a:p>
-            <a:pPr marL="342900" indent="-342900">
-              <a:buAutoNum type="arabicPeriod" startAt="2"/>
-            </a:pPr>
-            <a:r>
-              <a:rPr lang="en-US" dirty="0"/>
-              <a:t>Plotting a line graph to display the counts for each year to visualize the continuum of years covered in each line graph</a:t>
-            </a:r>
-          </a:p>
-          <a:p>
-            <a:pPr marL="800100" lvl="1" indent="-342900">
-              <a:buFont typeface="Arial" panose="020B0604020202020204" pitchFamily="34" charset="0"/>
-              <a:buChar char="•"/>
-            </a:pPr>
-            <a:r>
-              <a:rPr lang="en-US" dirty="0"/>
-              <a:t>Because these ratings systems cover different years, plotting two lines on one graph is complicated </a:t>
-            </a:r>
-          </a:p>
-        </p:txBody>
-      </p:sp>
-      <p:pic>
-        <p:nvPicPr>
-          <p:cNvPr id="7" name="Picture 6">
-            <a:extLst>
-              <a:ext uri="{FF2B5EF4-FFF2-40B4-BE49-F238E27FC236}">
-                <a16:creationId xmlns:a16="http://schemas.microsoft.com/office/drawing/2014/main" id="{561ABE0C-0E80-72F2-68BA-5CB083E66F98}"/>
-              </a:ext>
-            </a:extLst>
-          </p:cNvPr>
-          <p:cNvPicPr>
-            <a:picLocks noChangeAspect="1"/>
-          </p:cNvPicPr>
-          <p:nvPr/>
-        </p:nvPicPr>
-        <p:blipFill>
-          <a:blip r:embed="rId2"/>
-          <a:stretch>
-            <a:fillRect/>
-          </a:stretch>
-        </p:blipFill>
-        <p:spPr>
-          <a:xfrm>
-            <a:off x="6368821" y="1040641"/>
-            <a:ext cx="4572000" cy="4776718"/>
-          </a:xfrm>
-          <a:prstGeom prst="rect">
-            <a:avLst/>
-          </a:prstGeom>
-        </p:spPr>
-      </p:pic>
-    </p:spTree>
-    <p:extLst>
-      <p:ext uri="{BB962C8B-B14F-4D97-AF65-F5344CB8AC3E}">
-        <p14:creationId xmlns:p14="http://schemas.microsoft.com/office/powerpoint/2010/main" val="3658290793"/>
-      </p:ext>
-    </p:extLst>
-  </p:cSld>
-  <p:clrMapOvr>
-    <a:masterClrMapping/>
-  </p:clrMapOvr>
-</p:sld>
-</file>
-
-<file path=ppt/slides/slide23.xml><?xml version="1.0" encoding="utf-8"?>
-<p:sld xmlns:a="http://schemas.openxmlformats.org/drawingml/2006/main" xmlns:r="http://schemas.openxmlformats.org/officeDocument/2006/relationships" xmlns:p="http://schemas.openxmlformats.org/presentationml/2006/main">
-  <p:cSld>
-    <p:bg>
-      <p:bgPr>
-        <a:solidFill>
-          <a:schemeClr val="bg1"/>
-        </a:solidFill>
-        <a:effectLst/>
-      </p:bgPr>
-    </p:bg>
-    <p:spTree>
-      <p:nvGrpSpPr>
-        <p:cNvPr id="1" name=""/>
-        <p:cNvGrpSpPr/>
-        <p:nvPr/>
-      </p:nvGrpSpPr>
-      <p:grpSpPr>
-        <a:xfrm>
-          <a:off x="0" y="0"/>
-          <a:ext cx="0" cy="0"/>
-          <a:chOff x="0" y="0"/>
-          <a:chExt cx="0" cy="0"/>
-        </a:xfrm>
-      </p:grpSpPr>
-      <p:sp>
-        <p:nvSpPr>
-          <p:cNvPr id="2" name="Title 1">
-            <a:extLst>
-              <a:ext uri="{FF2B5EF4-FFF2-40B4-BE49-F238E27FC236}">
-                <a16:creationId xmlns:a16="http://schemas.microsoft.com/office/drawing/2014/main" id="{6F77E0AD-D824-6B6E-5453-12456358687B}"/>
-              </a:ext>
-            </a:extLst>
-          </p:cNvPr>
-          <p:cNvSpPr>
-            <a:spLocks noGrp="1"/>
-          </p:cNvSpPr>
-          <p:nvPr>
-            <p:ph type="title"/>
-          </p:nvPr>
-        </p:nvSpPr>
-        <p:spPr>
-          <a:xfrm>
-            <a:off x="1295400" y="669925"/>
-            <a:ext cx="4800600" cy="1325563"/>
-          </a:xfrm>
-        </p:spPr>
-        <p:txBody>
-          <a:bodyPr vert="horz" lIns="91440" tIns="45720" rIns="91440" bIns="45720" rtlCol="0" anchor="b">
-            <a:normAutofit/>
-          </a:bodyPr>
-          <a:lstStyle/>
-          <a:p>
-            <a:r>
-              <a:rPr lang="en-US" sz="3200" b="1" dirty="0"/>
-              <a:t>Results</a:t>
-            </a:r>
-          </a:p>
-        </p:txBody>
-      </p:sp>
-      <p:sp>
-        <p:nvSpPr>
-          <p:cNvPr id="8" name="TextBox 7">
-            <a:extLst>
-              <a:ext uri="{FF2B5EF4-FFF2-40B4-BE49-F238E27FC236}">
-                <a16:creationId xmlns:a16="http://schemas.microsoft.com/office/drawing/2014/main" id="{4DEAA03B-287A-3FB8-E504-4D7AFD25CE6D}"/>
-              </a:ext>
-            </a:extLst>
-          </p:cNvPr>
-          <p:cNvSpPr txBox="1"/>
-          <p:nvPr/>
-        </p:nvSpPr>
-        <p:spPr>
-          <a:xfrm>
-            <a:off x="1295400" y="2288833"/>
-            <a:ext cx="4800600" cy="3444147"/>
-          </a:xfrm>
-          <a:prstGeom prst="rect">
-            <a:avLst/>
-          </a:prstGeom>
-        </p:spPr>
-        <p:txBody>
-          <a:bodyPr vert="horz" lIns="91440" tIns="45720" rIns="91440" bIns="45720" rtlCol="0">
-            <a:normAutofit/>
-          </a:bodyPr>
-          <a:lstStyle/>
-          <a:p>
-            <a:pPr marL="0" marR="0" lvl="0" indent="-228600" algn="l" defTabSz="914400" rtl="0" eaLnBrk="1" fontAlgn="auto" latinLnBrk="0" hangingPunct="1">
-              <a:lnSpc>
-                <a:spcPct val="90000"/>
-              </a:lnSpc>
-              <a:spcBef>
-                <a:spcPts val="0"/>
-              </a:spcBef>
-              <a:spcAft>
-                <a:spcPts val="600"/>
-              </a:spcAft>
-              <a:buClrTx/>
-              <a:buSzTx/>
-              <a:buFont typeface="Arial" panose="020B0604020202020204" pitchFamily="34" charset="0"/>
-              <a:buChar char="•"/>
-              <a:tabLst/>
-              <a:defRPr/>
-            </a:pPr>
-            <a:r>
-              <a:rPr kumimoji="0" lang="en-US" sz="1600" b="0" i="0" u="none" strike="noStrike" kern="1200" cap="none" spc="0" normalizeH="0" baseline="0" noProof="0" dirty="0">
-                <a:ln>
-                  <a:noFill/>
-                </a:ln>
-                <a:solidFill>
-                  <a:prstClr val="white"/>
-                </a:solidFill>
-                <a:effectLst/>
-                <a:uLnTx/>
-                <a:uFillTx/>
-                <a:latin typeface="Aptos" panose="02110004020202020204"/>
-                <a:ea typeface="+mn-ea"/>
-                <a:cs typeface="+mn-cs"/>
-              </a:rPr>
-              <a:t>IMDb’s year with the most highly rated shows is </a:t>
-            </a:r>
-            <a:r>
-              <a:rPr kumimoji="0" lang="en-US" sz="1600" b="1" i="0" u="none" strike="noStrike" kern="1200" cap="none" spc="0" normalizeH="0" baseline="0" noProof="0" dirty="0">
-                <a:ln>
-                  <a:noFill/>
-                </a:ln>
-                <a:solidFill>
-                  <a:prstClr val="white"/>
-                </a:solidFill>
-                <a:effectLst/>
-                <a:uLnTx/>
-                <a:uFillTx/>
-                <a:latin typeface="Aptos" panose="02110004020202020204"/>
-                <a:ea typeface="+mn-ea"/>
-                <a:cs typeface="+mn-cs"/>
-              </a:rPr>
-              <a:t>2019</a:t>
-            </a:r>
-            <a:r>
-              <a:rPr kumimoji="0" lang="en-US" sz="1600" b="0" i="0" u="none" strike="noStrike" kern="1200" cap="none" spc="0" normalizeH="0" baseline="0" noProof="0" dirty="0">
-                <a:ln>
-                  <a:noFill/>
-                </a:ln>
-                <a:solidFill>
-                  <a:prstClr val="white"/>
-                </a:solidFill>
-                <a:effectLst/>
-                <a:uLnTx/>
-                <a:uFillTx/>
-                <a:latin typeface="Aptos" panose="02110004020202020204"/>
-                <a:ea typeface="+mn-ea"/>
-                <a:cs typeface="+mn-cs"/>
-              </a:rPr>
-              <a:t>:</a:t>
-            </a:r>
-          </a:p>
-          <a:p>
-            <a:pPr lvl="1" indent="-228600" defTabSz="914400">
-              <a:lnSpc>
-                <a:spcPct val="90000"/>
-              </a:lnSpc>
-              <a:spcAft>
-                <a:spcPts val="600"/>
-              </a:spcAft>
-              <a:buFont typeface="Arial" panose="020B0604020202020204" pitchFamily="34" charset="0"/>
-              <a:buChar char="•"/>
-              <a:defRPr/>
-            </a:pPr>
-            <a:r>
-              <a:rPr kumimoji="0" lang="en-US" sz="1600" b="0" i="0" u="none" strike="noStrike" kern="1200" cap="none" spc="0" normalizeH="0" baseline="0" noProof="0" dirty="0">
-                <a:ln>
-                  <a:noFill/>
-                </a:ln>
-                <a:solidFill>
-                  <a:prstClr val="white"/>
-                </a:solidFill>
-                <a:effectLst/>
-                <a:uLnTx/>
-                <a:uFillTx/>
-                <a:latin typeface="Aptos" panose="02110004020202020204"/>
-                <a:ea typeface="+mn-ea"/>
-                <a:cs typeface="+mn-cs"/>
-              </a:rPr>
-              <a:t> in which they had 85 unique shows with an IMDb rating &gt; 80 (or 80/100 in their system)</a:t>
-            </a:r>
-          </a:p>
-          <a:p>
-            <a:pPr lvl="1" indent="-228600" defTabSz="914400">
-              <a:lnSpc>
-                <a:spcPct val="90000"/>
-              </a:lnSpc>
-              <a:spcAft>
-                <a:spcPts val="600"/>
-              </a:spcAft>
-              <a:buFont typeface="Arial" panose="020B0604020202020204" pitchFamily="34" charset="0"/>
-              <a:buChar char="•"/>
-              <a:defRPr/>
-            </a:pPr>
-            <a:r>
-              <a:rPr lang="en-US" sz="1600" dirty="0">
-                <a:solidFill>
-                  <a:prstClr val="white"/>
-                </a:solidFill>
-                <a:latin typeface="Aptos" panose="02110004020202020204"/>
-              </a:rPr>
-              <a:t>IMDb’s</a:t>
-            </a:r>
-            <a:r>
-              <a:rPr kumimoji="0" lang="en-US" sz="1600" b="0" i="0" u="none" strike="noStrike" kern="1200" cap="none" spc="0" normalizeH="0" baseline="0" noProof="0" dirty="0">
-                <a:ln>
-                  <a:noFill/>
-                </a:ln>
-                <a:solidFill>
-                  <a:prstClr val="white"/>
-                </a:solidFill>
-                <a:effectLst/>
-                <a:uLnTx/>
-                <a:uFillTx/>
-                <a:latin typeface="Aptos" panose="02110004020202020204"/>
-                <a:ea typeface="+mn-ea"/>
-                <a:cs typeface="+mn-cs"/>
-              </a:rPr>
-              <a:t> shows stretch back to 1934</a:t>
-            </a:r>
-          </a:p>
-          <a:p>
-            <a:pPr marL="0" marR="0" lvl="0" indent="-228600" algn="l" defTabSz="914400" rtl="0" eaLnBrk="1" fontAlgn="auto" latinLnBrk="0" hangingPunct="1">
-              <a:lnSpc>
-                <a:spcPct val="90000"/>
-              </a:lnSpc>
-              <a:spcBef>
-                <a:spcPts val="0"/>
-              </a:spcBef>
-              <a:spcAft>
-                <a:spcPts val="600"/>
-              </a:spcAft>
-              <a:buClrTx/>
-              <a:buSzTx/>
-              <a:buFont typeface="Arial" panose="020B0604020202020204" pitchFamily="34" charset="0"/>
-              <a:buChar char="•"/>
-              <a:tabLst/>
-              <a:defRPr/>
-            </a:pPr>
-            <a:r>
-              <a:rPr lang="en-US" sz="1600" dirty="0">
-                <a:solidFill>
-                  <a:prstClr val="white"/>
-                </a:solidFill>
-                <a:latin typeface="Aptos" panose="02110004020202020204"/>
-              </a:rPr>
-              <a:t>Rotten Tomatoes’ year with the most highly rated shows is </a:t>
-            </a:r>
-            <a:r>
-              <a:rPr lang="en-US" sz="1600" b="1" dirty="0">
-                <a:solidFill>
-                  <a:prstClr val="white"/>
-                </a:solidFill>
-                <a:latin typeface="Aptos" panose="02110004020202020204"/>
-              </a:rPr>
-              <a:t>2015</a:t>
-            </a:r>
-          </a:p>
-          <a:p>
-            <a:pPr lvl="1" indent="-228600" defTabSz="914400">
-              <a:lnSpc>
-                <a:spcPct val="90000"/>
-              </a:lnSpc>
-              <a:spcAft>
-                <a:spcPts val="600"/>
-              </a:spcAft>
-              <a:buFont typeface="Arial" panose="020B0604020202020204" pitchFamily="34" charset="0"/>
-              <a:buChar char="•"/>
-              <a:defRPr/>
-            </a:pPr>
-            <a:r>
-              <a:rPr lang="en-US" sz="1600" dirty="0">
-                <a:solidFill>
-                  <a:prstClr val="white"/>
-                </a:solidFill>
-                <a:latin typeface="Aptos" panose="02110004020202020204"/>
-              </a:rPr>
-              <a:t>in case they had 23 unique shows with a Rotten Tomatoes rating &gt; 8.0/10</a:t>
-            </a:r>
-          </a:p>
-          <a:p>
-            <a:pPr lvl="1" indent="-228600" defTabSz="914400">
-              <a:lnSpc>
-                <a:spcPct val="90000"/>
-              </a:lnSpc>
-              <a:spcAft>
-                <a:spcPts val="600"/>
-              </a:spcAft>
-              <a:buFont typeface="Arial" panose="020B0604020202020204" pitchFamily="34" charset="0"/>
-              <a:buChar char="•"/>
-              <a:defRPr/>
-            </a:pPr>
-            <a:r>
-              <a:rPr lang="en-US" sz="1600" dirty="0">
-                <a:solidFill>
-                  <a:prstClr val="white"/>
-                </a:solidFill>
-                <a:latin typeface="Aptos" panose="02110004020202020204"/>
-              </a:rPr>
-              <a:t>Rotten Tomatoes’ shows date back to 1959</a:t>
-            </a:r>
-          </a:p>
-          <a:p>
-            <a:pPr marL="0" marR="0" lvl="0" indent="-228600" algn="l" defTabSz="914400" rtl="0" eaLnBrk="1" fontAlgn="auto" latinLnBrk="0" hangingPunct="1">
-              <a:lnSpc>
-                <a:spcPct val="90000"/>
-              </a:lnSpc>
-              <a:spcBef>
-                <a:spcPts val="0"/>
-              </a:spcBef>
-              <a:spcAft>
-                <a:spcPts val="600"/>
-              </a:spcAft>
-              <a:buClrTx/>
-              <a:buSzTx/>
-              <a:buFont typeface="Arial" panose="020B0604020202020204" pitchFamily="34" charset="0"/>
-              <a:buChar char="•"/>
-              <a:tabLst/>
-              <a:defRPr/>
-            </a:pPr>
-            <a:r>
-              <a:rPr kumimoji="0" lang="en-US" sz="1600" b="0" i="0" u="none" strike="noStrike" kern="1200" cap="none" spc="0" normalizeH="0" baseline="0" noProof="0" dirty="0">
-                <a:ln>
-                  <a:noFill/>
-                </a:ln>
-                <a:solidFill>
-                  <a:prstClr val="white"/>
-                </a:solidFill>
-                <a:effectLst/>
-                <a:uLnTx/>
-                <a:uFillTx/>
-                <a:latin typeface="Aptos" panose="02110004020202020204"/>
-                <a:ea typeface="+mn-ea"/>
-                <a:cs typeface="+mn-cs"/>
-              </a:rPr>
-              <a:t>These differences hi</a:t>
-            </a:r>
-            <a:r>
-              <a:rPr lang="en-US" sz="1600" dirty="0" err="1">
-                <a:solidFill>
-                  <a:prstClr val="white"/>
-                </a:solidFill>
-                <a:latin typeface="Aptos" panose="02110004020202020204"/>
-              </a:rPr>
-              <a:t>ghlight</a:t>
-            </a:r>
-            <a:r>
-              <a:rPr lang="en-US" sz="1600" dirty="0">
-                <a:solidFill>
-                  <a:prstClr val="white"/>
-                </a:solidFill>
-                <a:latin typeface="Aptos" panose="02110004020202020204"/>
-              </a:rPr>
-              <a:t> an important difference that will be discussed on the next slide</a:t>
-            </a:r>
-            <a:endParaRPr kumimoji="0" lang="en-US" sz="1600" b="0" i="0" u="none" strike="noStrike" kern="1200" cap="none" spc="0" normalizeH="0" baseline="0" noProof="0" dirty="0">
-              <a:ln>
-                <a:noFill/>
-              </a:ln>
-              <a:solidFill>
-                <a:prstClr val="white"/>
-              </a:solidFill>
-              <a:effectLst/>
-              <a:uLnTx/>
-              <a:uFillTx/>
-              <a:latin typeface="Aptos" panose="02110004020202020204"/>
-              <a:ea typeface="+mn-ea"/>
-              <a:cs typeface="+mn-cs"/>
-            </a:endParaRPr>
-          </a:p>
-        </p:txBody>
-      </p:sp>
-      <p:pic>
-        <p:nvPicPr>
-          <p:cNvPr id="9" name="Picture 8" descr="A graph showing the number of years&#10;&#10;Description automatically generated">
-            <a:extLst>
-              <a:ext uri="{FF2B5EF4-FFF2-40B4-BE49-F238E27FC236}">
-                <a16:creationId xmlns:a16="http://schemas.microsoft.com/office/drawing/2014/main" id="{EA2DDBDA-5F57-8693-A12F-193326944B44}"/>
-              </a:ext>
-            </a:extLst>
-          </p:cNvPr>
-          <p:cNvPicPr>
-            <a:picLocks noChangeAspect="1"/>
-          </p:cNvPicPr>
-          <p:nvPr/>
-        </p:nvPicPr>
-        <p:blipFill>
-          <a:blip r:embed="rId2">
-            <a:extLst>
-              <a:ext uri="{28A0092B-C50C-407E-A947-70E740481C1C}">
-                <a14:useLocalDpi xmlns:a14="http://schemas.microsoft.com/office/drawing/2010/main" val="0"/>
-              </a:ext>
-            </a:extLst>
-          </a:blip>
-          <a:stretch>
-            <a:fillRect/>
-          </a:stretch>
-        </p:blipFill>
-        <p:spPr>
-          <a:xfrm>
-            <a:off x="6272709" y="669926"/>
-            <a:ext cx="3415821" cy="2561866"/>
-          </a:xfrm>
-          <a:prstGeom prst="rect">
-            <a:avLst/>
-          </a:prstGeom>
-        </p:spPr>
-      </p:pic>
-      <p:pic>
-        <p:nvPicPr>
-          <p:cNvPr id="11" name="Picture 10" descr="A graph showing the growth of tomatoes&#10;&#10;Description automatically generated">
-            <a:extLst>
-              <a:ext uri="{FF2B5EF4-FFF2-40B4-BE49-F238E27FC236}">
-                <a16:creationId xmlns:a16="http://schemas.microsoft.com/office/drawing/2014/main" id="{C408DE99-3B3F-DAA4-38A0-B157620D5822}"/>
-              </a:ext>
-            </a:extLst>
-          </p:cNvPr>
-          <p:cNvPicPr>
-            <a:picLocks noChangeAspect="1"/>
-          </p:cNvPicPr>
-          <p:nvPr/>
-        </p:nvPicPr>
-        <p:blipFill>
-          <a:blip r:embed="rId3">
-            <a:extLst>
-              <a:ext uri="{28A0092B-C50C-407E-A947-70E740481C1C}">
-                <a14:useLocalDpi xmlns:a14="http://schemas.microsoft.com/office/drawing/2010/main" val="0"/>
-              </a:ext>
-            </a:extLst>
-          </a:blip>
-          <a:stretch>
-            <a:fillRect/>
-          </a:stretch>
-        </p:blipFill>
-        <p:spPr>
-          <a:xfrm>
-            <a:off x="8152880" y="3627754"/>
-            <a:ext cx="3413760" cy="2560320"/>
-          </a:xfrm>
-          <a:prstGeom prst="rect">
-            <a:avLst/>
-          </a:prstGeom>
-        </p:spPr>
-      </p:pic>
-      <p:pic>
-        <p:nvPicPr>
-          <p:cNvPr id="13" name="Picture 12">
-            <a:extLst>
-              <a:ext uri="{FF2B5EF4-FFF2-40B4-BE49-F238E27FC236}">
-                <a16:creationId xmlns:a16="http://schemas.microsoft.com/office/drawing/2014/main" id="{6E9A6646-5A75-B475-8D0F-5EBD1DAC3864}"/>
-              </a:ext>
-            </a:extLst>
-          </p:cNvPr>
-          <p:cNvPicPr>
-            <a:picLocks noChangeAspect="1"/>
-          </p:cNvPicPr>
-          <p:nvPr/>
-        </p:nvPicPr>
-        <p:blipFill>
-          <a:blip r:embed="rId4"/>
-          <a:stretch>
-            <a:fillRect/>
-          </a:stretch>
-        </p:blipFill>
-        <p:spPr>
-          <a:xfrm>
-            <a:off x="6641507" y="3623277"/>
-            <a:ext cx="1543265" cy="543001"/>
-          </a:xfrm>
-          <a:prstGeom prst="rect">
-            <a:avLst/>
-          </a:prstGeom>
-        </p:spPr>
-      </p:pic>
-      <p:pic>
-        <p:nvPicPr>
-          <p:cNvPr id="15" name="Picture 14">
-            <a:extLst>
-              <a:ext uri="{FF2B5EF4-FFF2-40B4-BE49-F238E27FC236}">
-                <a16:creationId xmlns:a16="http://schemas.microsoft.com/office/drawing/2014/main" id="{31CFD8D0-7724-F0A8-FB7E-7B4C9837EC3C}"/>
-              </a:ext>
-            </a:extLst>
-          </p:cNvPr>
-          <p:cNvPicPr>
-            <a:picLocks noChangeAspect="1"/>
-          </p:cNvPicPr>
-          <p:nvPr/>
-        </p:nvPicPr>
-        <p:blipFill>
-          <a:blip r:embed="rId5"/>
-          <a:stretch>
-            <a:fillRect/>
-          </a:stretch>
-        </p:blipFill>
-        <p:spPr>
-          <a:xfrm>
-            <a:off x="9688530" y="671027"/>
-            <a:ext cx="905001" cy="552527"/>
-          </a:xfrm>
-          <a:prstGeom prst="rect">
-            <a:avLst/>
-          </a:prstGeom>
-        </p:spPr>
-      </p:pic>
-    </p:spTree>
-    <p:extLst>
-      <p:ext uri="{BB962C8B-B14F-4D97-AF65-F5344CB8AC3E}">
-        <p14:creationId xmlns:p14="http://schemas.microsoft.com/office/powerpoint/2010/main" val="491760267"/>
-      </p:ext>
-    </p:extLst>
-  </p:cSld>
-  <p:clrMapOvr>
-    <a:masterClrMapping/>
-  </p:clrMapOvr>
-</p:sld>
-</file>
-
-<file path=ppt/slides/slide24.xml><?xml version="1.0" encoding="utf-8"?>
-<p:sld xmlns:a="http://schemas.openxmlformats.org/drawingml/2006/main" xmlns:r="http://schemas.openxmlformats.org/officeDocument/2006/relationships" xmlns:p="http://schemas.openxmlformats.org/presentationml/2006/main">
-  <p:cSld>
-    <p:bg>
-      <p:bgPr>
-        <a:solidFill>
-          <a:schemeClr val="bg1"/>
-        </a:solidFill>
-        <a:effectLst/>
-      </p:bgPr>
-    </p:bg>
-    <p:spTree>
-      <p:nvGrpSpPr>
-        <p:cNvPr id="1" name=""/>
-        <p:cNvGrpSpPr/>
-        <p:nvPr/>
-      </p:nvGrpSpPr>
-      <p:grpSpPr>
-        <a:xfrm>
-          <a:off x="0" y="0"/>
-          <a:ext cx="0" cy="0"/>
-          <a:chOff x="0" y="0"/>
-          <a:chExt cx="0" cy="0"/>
-        </a:xfrm>
-      </p:grpSpPr>
-      <p:sp>
-        <p:nvSpPr>
-          <p:cNvPr id="2" name="Title 1">
-            <a:extLst>
-              <a:ext uri="{FF2B5EF4-FFF2-40B4-BE49-F238E27FC236}">
-                <a16:creationId xmlns:a16="http://schemas.microsoft.com/office/drawing/2014/main" id="{6F77E0AD-D824-6B6E-5453-12456358687B}"/>
-              </a:ext>
-            </a:extLst>
-          </p:cNvPr>
-          <p:cNvSpPr>
-            <a:spLocks noGrp="1"/>
-          </p:cNvSpPr>
-          <p:nvPr>
-            <p:ph type="title"/>
-          </p:nvPr>
-        </p:nvSpPr>
-        <p:spPr>
-          <a:xfrm>
-            <a:off x="1295400" y="669925"/>
-            <a:ext cx="4800600" cy="1325563"/>
-          </a:xfrm>
-        </p:spPr>
-        <p:txBody>
-          <a:bodyPr vert="horz" lIns="91440" tIns="45720" rIns="91440" bIns="45720" rtlCol="0" anchor="b">
-            <a:normAutofit/>
-          </a:bodyPr>
-          <a:lstStyle/>
-          <a:p>
-            <a:r>
-              <a:rPr lang="en-US" sz="3400" b="1" dirty="0"/>
-              <a:t>Equivalence</a:t>
-            </a:r>
-          </a:p>
-        </p:txBody>
-      </p:sp>
-      <p:sp>
-        <p:nvSpPr>
-          <p:cNvPr id="8" name="TextBox 7">
-            <a:extLst>
-              <a:ext uri="{FF2B5EF4-FFF2-40B4-BE49-F238E27FC236}">
-                <a16:creationId xmlns:a16="http://schemas.microsoft.com/office/drawing/2014/main" id="{4DEAA03B-287A-3FB8-E504-4D7AFD25CE6D}"/>
-              </a:ext>
-            </a:extLst>
-          </p:cNvPr>
-          <p:cNvSpPr txBox="1"/>
-          <p:nvPr/>
-        </p:nvSpPr>
-        <p:spPr>
-          <a:xfrm>
-            <a:off x="1295400" y="2288833"/>
-            <a:ext cx="4800600" cy="3546888"/>
-          </a:xfrm>
-          <a:prstGeom prst="rect">
-            <a:avLst/>
-          </a:prstGeom>
-        </p:spPr>
-        <p:txBody>
-          <a:bodyPr vert="horz" lIns="91440" tIns="45720" rIns="91440" bIns="45720" rtlCol="0">
-            <a:normAutofit lnSpcReduction="10000"/>
-          </a:bodyPr>
-          <a:lstStyle/>
-          <a:p>
-            <a:pPr marL="0" marR="0" lvl="0" indent="-228600" algn="l" defTabSz="914400" rtl="0" eaLnBrk="1" fontAlgn="auto" latinLnBrk="0" hangingPunct="1">
-              <a:lnSpc>
-                <a:spcPct val="90000"/>
-              </a:lnSpc>
-              <a:spcBef>
-                <a:spcPts val="0"/>
-              </a:spcBef>
-              <a:spcAft>
-                <a:spcPts val="600"/>
-              </a:spcAft>
-              <a:buClrTx/>
-              <a:buSzTx/>
-              <a:buFont typeface="Arial" panose="020B0604020202020204" pitchFamily="34" charset="0"/>
-              <a:buChar char="•"/>
-              <a:tabLst/>
-              <a:defRPr/>
-            </a:pPr>
-            <a:r>
-              <a:rPr lang="en-US" sz="2000" dirty="0">
-                <a:solidFill>
-                  <a:prstClr val="white"/>
-                </a:solidFill>
-                <a:latin typeface="Aptos" panose="02110004020202020204"/>
-              </a:rPr>
-              <a:t>Using linear regression, we can determine that there is only a moderate amount of correlation as noted in </a:t>
-            </a:r>
-            <a:r>
-              <a:rPr lang="en-US" sz="2000" dirty="0" err="1">
-                <a:solidFill>
-                  <a:prstClr val="white"/>
-                </a:solidFill>
-                <a:latin typeface="Aptos" panose="02110004020202020204"/>
-              </a:rPr>
-              <a:t>r-values</a:t>
-            </a:r>
-            <a:r>
-              <a:rPr lang="en-US" sz="2000" dirty="0">
-                <a:solidFill>
-                  <a:prstClr val="white"/>
-                </a:solidFill>
-                <a:latin typeface="Aptos" panose="02110004020202020204"/>
-              </a:rPr>
-              <a:t>:</a:t>
-            </a:r>
-          </a:p>
-          <a:p>
-            <a:pPr lvl="1" indent="-228600" defTabSz="914400">
-              <a:lnSpc>
-                <a:spcPct val="90000"/>
-              </a:lnSpc>
-              <a:spcAft>
-                <a:spcPts val="600"/>
-              </a:spcAft>
-              <a:buFont typeface="Arial" panose="020B0604020202020204" pitchFamily="34" charset="0"/>
-              <a:buChar char="•"/>
-              <a:defRPr/>
-            </a:pPr>
-            <a:r>
-              <a:rPr lang="en-US" sz="2000" dirty="0">
-                <a:solidFill>
-                  <a:prstClr val="white"/>
-                </a:solidFill>
-                <a:latin typeface="Aptos" panose="02110004020202020204"/>
-              </a:rPr>
-              <a:t>There are only modest association between IMDb ratings and Rotten Tomatoes ratings for:</a:t>
-            </a:r>
-          </a:p>
-          <a:p>
-            <a:pPr lvl="2" indent="-228600" defTabSz="914400">
-              <a:lnSpc>
-                <a:spcPct val="90000"/>
-              </a:lnSpc>
-              <a:spcAft>
-                <a:spcPts val="600"/>
-              </a:spcAft>
-              <a:buFont typeface="Arial" panose="020B0604020202020204" pitchFamily="34" charset="0"/>
-              <a:buChar char="•"/>
-              <a:defRPr/>
-            </a:pPr>
-            <a:r>
-              <a:rPr lang="en-US" sz="2000" dirty="0">
-                <a:solidFill>
-                  <a:prstClr val="white"/>
-                </a:solidFill>
-                <a:latin typeface="Aptos" panose="02110004020202020204"/>
-              </a:rPr>
-              <a:t>2019 alone</a:t>
-            </a:r>
-          </a:p>
-          <a:p>
-            <a:pPr lvl="2" indent="-228600" defTabSz="914400">
-              <a:lnSpc>
-                <a:spcPct val="90000"/>
-              </a:lnSpc>
-              <a:spcAft>
-                <a:spcPts val="600"/>
-              </a:spcAft>
-              <a:buFont typeface="Arial" panose="020B0604020202020204" pitchFamily="34" charset="0"/>
-              <a:buChar char="•"/>
-              <a:defRPr/>
-            </a:pPr>
-            <a:r>
-              <a:rPr lang="en-US" sz="2000" dirty="0">
-                <a:solidFill>
-                  <a:prstClr val="white"/>
-                </a:solidFill>
-                <a:latin typeface="Aptos" panose="02110004020202020204"/>
-              </a:rPr>
-              <a:t>2015-2019</a:t>
-            </a:r>
-          </a:p>
-          <a:p>
-            <a:pPr lvl="1" indent="-228600" defTabSz="914400">
-              <a:lnSpc>
-                <a:spcPct val="90000"/>
-              </a:lnSpc>
-              <a:spcAft>
-                <a:spcPts val="600"/>
-              </a:spcAft>
-              <a:buFont typeface="Arial" panose="020B0604020202020204" pitchFamily="34" charset="0"/>
-              <a:buChar char="•"/>
-              <a:defRPr/>
-            </a:pPr>
-            <a:r>
-              <a:rPr lang="en-US" sz="2000" dirty="0">
-                <a:solidFill>
-                  <a:prstClr val="white"/>
-                </a:solidFill>
-                <a:latin typeface="Aptos" panose="02110004020202020204"/>
-              </a:rPr>
-              <a:t>Meaning not every IMDb rating represents its counterpart in Rotten Tomatoes </a:t>
-            </a:r>
-          </a:p>
-          <a:p>
-            <a:pPr lvl="1" indent="-228600" defTabSz="914400">
-              <a:lnSpc>
-                <a:spcPct val="90000"/>
-              </a:lnSpc>
-              <a:spcAft>
-                <a:spcPts val="600"/>
-              </a:spcAft>
-              <a:buFont typeface="Arial" panose="020B0604020202020204" pitchFamily="34" charset="0"/>
-              <a:buChar char="•"/>
-              <a:defRPr/>
-            </a:pPr>
-            <a:endParaRPr kumimoji="0" lang="en-US" sz="2000" b="0" i="0" u="none" strike="noStrike" kern="1200" cap="none" spc="0" normalizeH="0" baseline="0" noProof="0" dirty="0">
-              <a:ln>
-                <a:noFill/>
-              </a:ln>
-              <a:solidFill>
-                <a:prstClr val="white"/>
-              </a:solidFill>
-              <a:effectLst/>
-              <a:uLnTx/>
-              <a:uFillTx/>
-              <a:latin typeface="Aptos" panose="02110004020202020204"/>
-              <a:ea typeface="+mn-ea"/>
-              <a:cs typeface="+mn-cs"/>
-            </a:endParaRPr>
-          </a:p>
-        </p:txBody>
-      </p:sp>
-      <p:pic>
-        <p:nvPicPr>
-          <p:cNvPr id="4" name="Picture 3" descr="A graph with blue dots and red line&#10;&#10;Description automatically generated">
-            <a:extLst>
-              <a:ext uri="{FF2B5EF4-FFF2-40B4-BE49-F238E27FC236}">
-                <a16:creationId xmlns:a16="http://schemas.microsoft.com/office/drawing/2014/main" id="{03B617EF-1173-57FD-E7D3-A6B64A601BDB}"/>
-              </a:ext>
-            </a:extLst>
-          </p:cNvPr>
-          <p:cNvPicPr>
-            <a:picLocks noChangeAspect="1"/>
-          </p:cNvPicPr>
-          <p:nvPr/>
-        </p:nvPicPr>
-        <p:blipFill>
-          <a:blip r:embed="rId2">
-            <a:extLst>
-              <a:ext uri="{28A0092B-C50C-407E-A947-70E740481C1C}">
-                <a14:useLocalDpi xmlns:a14="http://schemas.microsoft.com/office/drawing/2010/main" val="0"/>
-              </a:ext>
-            </a:extLst>
-          </a:blip>
-          <a:stretch>
-            <a:fillRect/>
-          </a:stretch>
-        </p:blipFill>
-        <p:spPr>
-          <a:xfrm>
-            <a:off x="6437096" y="575154"/>
-            <a:ext cx="3413760" cy="2560320"/>
-          </a:xfrm>
-          <a:prstGeom prst="rect">
-            <a:avLst/>
-          </a:prstGeom>
-        </p:spPr>
-      </p:pic>
-      <p:pic>
-        <p:nvPicPr>
-          <p:cNvPr id="6" name="Picture 5" descr="A graph with numbers and a red line&#10;&#10;Description automatically generated">
-            <a:extLst>
-              <a:ext uri="{FF2B5EF4-FFF2-40B4-BE49-F238E27FC236}">
-                <a16:creationId xmlns:a16="http://schemas.microsoft.com/office/drawing/2014/main" id="{7C1FDB7B-1668-F660-EB91-98CD18C0E5C3}"/>
-              </a:ext>
-            </a:extLst>
-          </p:cNvPr>
-          <p:cNvPicPr>
-            <a:picLocks noChangeAspect="1"/>
-          </p:cNvPicPr>
-          <p:nvPr/>
-        </p:nvPicPr>
-        <p:blipFill>
-          <a:blip r:embed="rId3">
-            <a:extLst>
-              <a:ext uri="{28A0092B-C50C-407E-A947-70E740481C1C}">
-                <a14:useLocalDpi xmlns:a14="http://schemas.microsoft.com/office/drawing/2010/main" val="0"/>
-              </a:ext>
-            </a:extLst>
-          </a:blip>
-          <a:stretch>
-            <a:fillRect/>
-          </a:stretch>
-        </p:blipFill>
-        <p:spPr>
-          <a:xfrm>
-            <a:off x="8265896" y="3650607"/>
-            <a:ext cx="3413760" cy="2560320"/>
-          </a:xfrm>
-          <a:prstGeom prst="rect">
-            <a:avLst/>
-          </a:prstGeom>
-        </p:spPr>
-      </p:pic>
-      <p:sp>
-        <p:nvSpPr>
-          <p:cNvPr id="7" name="TextBox 6">
-            <a:extLst>
-              <a:ext uri="{FF2B5EF4-FFF2-40B4-BE49-F238E27FC236}">
-                <a16:creationId xmlns:a16="http://schemas.microsoft.com/office/drawing/2014/main" id="{19C028BF-8F48-5E8F-5145-17B6CA9D245A}"/>
-              </a:ext>
-            </a:extLst>
-          </p:cNvPr>
-          <p:cNvSpPr txBox="1"/>
-          <p:nvPr/>
-        </p:nvSpPr>
-        <p:spPr>
-          <a:xfrm>
-            <a:off x="1387011" y="5835721"/>
-            <a:ext cx="4956421" cy="646331"/>
-          </a:xfrm>
-          <a:prstGeom prst="rect">
-            <a:avLst/>
-          </a:prstGeom>
-          <a:noFill/>
-        </p:spPr>
-        <p:txBody>
-          <a:bodyPr wrap="none" rtlCol="0">
-            <a:spAutoFit/>
-          </a:bodyPr>
-          <a:lstStyle/>
-          <a:p>
-            <a:r>
-              <a:rPr lang="en-US" dirty="0"/>
-              <a:t>YOUR CHOICE MAY COME DOWN TO WHO YOU</a:t>
-            </a:r>
-          </a:p>
-          <a:p>
-            <a:r>
-              <a:rPr lang="en-US" dirty="0"/>
-              <a:t>BELIEVE MORE!</a:t>
-            </a:r>
-          </a:p>
-        </p:txBody>
-      </p:sp>
-    </p:spTree>
-    <p:extLst>
-      <p:ext uri="{BB962C8B-B14F-4D97-AF65-F5344CB8AC3E}">
-        <p14:creationId xmlns:p14="http://schemas.microsoft.com/office/powerpoint/2010/main" val="2016141535"/>
-      </p:ext>
-    </p:extLst>
-  </p:cSld>
-  <p:clrMapOvr>
-    <a:masterClrMapping/>
-  </p:clrMapOvr>
-</p:sld>
-</file>
-
-<file path=ppt/slides/slide25.xml><?xml version="1.0" encoding="utf-8"?>
-<p:sld xmlns:a="http://schemas.openxmlformats.org/drawingml/2006/main" xmlns:r="http://schemas.openxmlformats.org/officeDocument/2006/relationships" xmlns:p="http://schemas.openxmlformats.org/presentationml/2006/main">
-  <p:cSld>
-    <p:spTree>
-      <p:nvGrpSpPr>
-        <p:cNvPr id="1" name=""/>
-        <p:cNvGrpSpPr/>
-        <p:nvPr/>
-      </p:nvGrpSpPr>
-      <p:grpSpPr>
-        <a:xfrm>
-          <a:off x="0" y="0"/>
-          <a:ext cx="0" cy="0"/>
-          <a:chOff x="0" y="0"/>
-          <a:chExt cx="0" cy="0"/>
-        </a:xfrm>
-      </p:grpSpPr>
-      <p:sp>
-        <p:nvSpPr>
-          <p:cNvPr id="2" name="Title 1">
-            <a:extLst>
-              <a:ext uri="{FF2B5EF4-FFF2-40B4-BE49-F238E27FC236}">
-                <a16:creationId xmlns:a16="http://schemas.microsoft.com/office/drawing/2014/main" id="{B04BA152-366A-6DC3-A56C-CA3D5B9EC720}"/>
-              </a:ext>
-            </a:extLst>
-          </p:cNvPr>
-          <p:cNvSpPr>
-            <a:spLocks noGrp="1"/>
-          </p:cNvSpPr>
-          <p:nvPr>
-            <p:ph type="title"/>
-          </p:nvPr>
-        </p:nvSpPr>
-        <p:spPr/>
-        <p:txBody>
-          <a:bodyPr/>
-          <a:lstStyle/>
-          <a:p>
-            <a:r>
-              <a:rPr lang="en-US" dirty="0"/>
-              <a:t>Next Steps</a:t>
-            </a:r>
-          </a:p>
-        </p:txBody>
-      </p:sp>
-      <p:sp>
-        <p:nvSpPr>
-          <p:cNvPr id="3" name="Content Placeholder 2">
-            <a:extLst>
-              <a:ext uri="{FF2B5EF4-FFF2-40B4-BE49-F238E27FC236}">
-                <a16:creationId xmlns:a16="http://schemas.microsoft.com/office/drawing/2014/main" id="{BFF6859F-5BC6-76A3-F7A4-87AB7AFAE14C}"/>
-              </a:ext>
-            </a:extLst>
-          </p:cNvPr>
-          <p:cNvSpPr>
-            <a:spLocks noGrp="1"/>
-          </p:cNvSpPr>
-          <p:nvPr>
-            <p:ph idx="1"/>
-          </p:nvPr>
-        </p:nvSpPr>
-        <p:spPr/>
-        <p:txBody>
-          <a:bodyPr>
-            <a:normAutofit/>
-          </a:bodyPr>
-          <a:lstStyle/>
-          <a:p>
-            <a:r>
-              <a:rPr lang="en-US" dirty="0"/>
-              <a:t>Expanding the scope to include more streaming services most likely by using an API-based approach</a:t>
-            </a:r>
-          </a:p>
-          <a:p>
-            <a:r>
-              <a:rPr lang="en-US" dirty="0"/>
-              <a:t>Asking additional questions to further our understanding of which streaming service may be best</a:t>
-            </a:r>
-          </a:p>
-          <a:p>
-            <a:pPr lvl="1"/>
-            <a:r>
-              <a:rPr lang="en-US" dirty="0"/>
-              <a:t>The API would afford us the opportunity to ask further questions at much greater depth</a:t>
-            </a:r>
-          </a:p>
-          <a:p>
-            <a:r>
-              <a:rPr lang="en-US" dirty="0"/>
-              <a:t>Using current (2023-2024) data to analyze and confirm our findings</a:t>
-            </a:r>
-          </a:p>
-          <a:p>
-            <a:r>
-              <a:rPr lang="en-US" dirty="0"/>
-              <a:t>A more comprehensive initial dataset could allow for more testing, including hypothesis testing</a:t>
-            </a:r>
-          </a:p>
-          <a:p>
-            <a:pPr marL="0" indent="0">
-              <a:buNone/>
-            </a:pPr>
-            <a:endParaRPr lang="en-US" dirty="0"/>
-          </a:p>
-          <a:p>
-            <a:endParaRPr lang="en-US" dirty="0"/>
-          </a:p>
-        </p:txBody>
-      </p:sp>
-    </p:spTree>
-    <p:extLst>
-      <p:ext uri="{BB962C8B-B14F-4D97-AF65-F5344CB8AC3E}">
-        <p14:creationId xmlns:p14="http://schemas.microsoft.com/office/powerpoint/2010/main" val="3789982252"/>
-      </p:ext>
-    </p:extLst>
-  </p:cSld>
-  <p:clrMapOvr>
-    <a:masterClrMapping/>
-  </p:clrMapOvr>
-</p:sld>
-</file>
-
-<file path=ppt/slides/slide3.xml><?xml version="1.0" encoding="utf-8"?>
-<p:sld xmlns:a="http://schemas.openxmlformats.org/drawingml/2006/main" xmlns:r="http://schemas.openxmlformats.org/officeDocument/2006/relationships" xmlns:p="http://schemas.openxmlformats.org/presentationml/2006/main">
-  <p:cSld>
-    <p:spTree>
-      <p:nvGrpSpPr>
-        <p:cNvPr id="1" name=""/>
-        <p:cNvGrpSpPr/>
-        <p:nvPr/>
-      </p:nvGrpSpPr>
-      <p:grpSpPr>
-        <a:xfrm>
-          <a:off x="0" y="0"/>
-          <a:ext cx="0" cy="0"/>
-          <a:chOff x="0" y="0"/>
-          <a:chExt cx="0" cy="0"/>
-        </a:xfrm>
-      </p:grpSpPr>
-      <p:sp>
-        <p:nvSpPr>
-          <p:cNvPr id="2" name="Title 1">
-            <a:extLst>
-              <a:ext uri="{FF2B5EF4-FFF2-40B4-BE49-F238E27FC236}">
-                <a16:creationId xmlns:a16="http://schemas.microsoft.com/office/drawing/2014/main" id="{46408683-B22D-3A70-9BB8-42088EC5BD7A}"/>
-              </a:ext>
-            </a:extLst>
-          </p:cNvPr>
-          <p:cNvSpPr>
-            <a:spLocks noGrp="1"/>
-          </p:cNvSpPr>
-          <p:nvPr>
-            <p:ph type="title"/>
-          </p:nvPr>
-        </p:nvSpPr>
-        <p:spPr/>
-        <p:txBody>
-          <a:bodyPr/>
-          <a:lstStyle/>
-          <a:p>
-            <a:r>
-              <a:rPr lang="en-US" dirty="0"/>
-              <a:t>Project Goals</a:t>
-            </a:r>
-          </a:p>
-        </p:txBody>
-      </p:sp>
-      <p:sp>
-        <p:nvSpPr>
-          <p:cNvPr id="3" name="Content Placeholder 2">
-            <a:extLst>
-              <a:ext uri="{FF2B5EF4-FFF2-40B4-BE49-F238E27FC236}">
-                <a16:creationId xmlns:a16="http://schemas.microsoft.com/office/drawing/2014/main" id="{2A4AB622-10C2-BCAD-4D9C-935E257C73D5}"/>
-              </a:ext>
-            </a:extLst>
-          </p:cNvPr>
-          <p:cNvSpPr>
-            <a:spLocks noGrp="1"/>
-          </p:cNvSpPr>
-          <p:nvPr>
-            <p:ph idx="1"/>
-          </p:nvPr>
-        </p:nvSpPr>
-        <p:spPr/>
-        <p:txBody>
-          <a:bodyPr>
-            <a:normAutofit/>
-          </a:bodyPr>
-          <a:lstStyle/>
-          <a:p>
-            <a:pPr marR="0" lvl="0">
-              <a:lnSpc>
-                <a:spcPct val="107000"/>
-              </a:lnSpc>
-              <a:spcBef>
-                <a:spcPts val="600"/>
-              </a:spcBef>
-              <a:spcAft>
-                <a:spcPts val="600"/>
-              </a:spcAft>
-            </a:pPr>
-            <a:r>
-              <a:rPr lang="en-US" kern="100" dirty="0">
-                <a:effectLst/>
-                <a:latin typeface="Aptos" panose="020B0004020202020204" pitchFamily="34" charset="0"/>
-                <a:ea typeface="Aptos" panose="020B0004020202020204" pitchFamily="34" charset="0"/>
-                <a:cs typeface="Times New Roman" panose="02020603050405020304" pitchFamily="18" charset="0"/>
-              </a:rPr>
-              <a:t>Which is the best service for families?</a:t>
-            </a:r>
-          </a:p>
-          <a:p>
-            <a:pPr>
-              <a:lnSpc>
-                <a:spcPct val="107000"/>
-              </a:lnSpc>
-              <a:spcBef>
-                <a:spcPts val="600"/>
-              </a:spcBef>
-              <a:spcAft>
-                <a:spcPts val="600"/>
-              </a:spcAft>
-            </a:pPr>
-            <a:r>
-              <a:rPr lang="en-US" kern="100" dirty="0">
-                <a:effectLst/>
-                <a:latin typeface="Aptos" panose="020B0004020202020204" pitchFamily="34" charset="0"/>
-                <a:ea typeface="Aptos" panose="020B0004020202020204" pitchFamily="34" charset="0"/>
-                <a:cs typeface="Times New Roman" panose="02020603050405020304" pitchFamily="18" charset="0"/>
-              </a:rPr>
-              <a:t>Which service has the most highly rated shows?</a:t>
-            </a:r>
-          </a:p>
-          <a:p>
-            <a:pPr marR="0" lvl="0">
-              <a:lnSpc>
-                <a:spcPct val="107000"/>
-              </a:lnSpc>
-              <a:spcBef>
-                <a:spcPts val="600"/>
-              </a:spcBef>
-              <a:spcAft>
-                <a:spcPts val="600"/>
-              </a:spcAft>
-            </a:pPr>
-            <a:r>
-              <a:rPr lang="en-US" kern="100" dirty="0">
-                <a:effectLst/>
-                <a:latin typeface="Aptos" panose="020B0004020202020204" pitchFamily="34" charset="0"/>
-                <a:ea typeface="Aptos" panose="020B0004020202020204" pitchFamily="34" charset="0"/>
-                <a:cs typeface="Times New Roman" panose="02020603050405020304" pitchFamily="18" charset="0"/>
-              </a:rPr>
-              <a:t>Which year(s) had the most highly rated shows?</a:t>
-            </a:r>
-          </a:p>
-          <a:p>
-            <a:pPr marL="0" indent="0">
-              <a:buNone/>
-            </a:pPr>
-            <a:endParaRPr lang="en-US" dirty="0"/>
-          </a:p>
-        </p:txBody>
-      </p:sp>
-    </p:spTree>
-    <p:extLst>
-      <p:ext uri="{BB962C8B-B14F-4D97-AF65-F5344CB8AC3E}">
-        <p14:creationId xmlns:p14="http://schemas.microsoft.com/office/powerpoint/2010/main" val="649062940"/>
-      </p:ext>
-    </p:extLst>
-  </p:cSld>
-  <p:clrMapOvr>
-    <a:masterClrMapping/>
-  </p:clrMapOvr>
-</p:sld>
-</file>
-
-<file path=ppt/slides/slide4.xml><?xml version="1.0" encoding="utf-8"?>
-<p:sld xmlns:a="http://schemas.openxmlformats.org/drawingml/2006/main" xmlns:r="http://schemas.openxmlformats.org/officeDocument/2006/relationships" xmlns:p="http://schemas.openxmlformats.org/presentationml/2006/main">
-  <p:cSld>
-    <p:spTree>
-      <p:nvGrpSpPr>
-        <p:cNvPr id="1" name=""/>
-        <p:cNvGrpSpPr/>
-        <p:nvPr/>
-      </p:nvGrpSpPr>
-      <p:grpSpPr>
-        <a:xfrm>
-          <a:off x="0" y="0"/>
-          <a:ext cx="0" cy="0"/>
-          <a:chOff x="0" y="0"/>
-          <a:chExt cx="0" cy="0"/>
-        </a:xfrm>
-      </p:grpSpPr>
-      <p:sp>
-        <p:nvSpPr>
-          <p:cNvPr id="2" name="Title 1">
-            <a:extLst>
-              <a:ext uri="{FF2B5EF4-FFF2-40B4-BE49-F238E27FC236}">
-                <a16:creationId xmlns:a16="http://schemas.microsoft.com/office/drawing/2014/main" id="{E052D89C-C7E8-B767-F6BE-AB7299240473}"/>
-              </a:ext>
-            </a:extLst>
-          </p:cNvPr>
-          <p:cNvSpPr>
-            <a:spLocks noGrp="1"/>
-          </p:cNvSpPr>
-          <p:nvPr>
-            <p:ph type="title"/>
-          </p:nvPr>
-        </p:nvSpPr>
-        <p:spPr/>
-        <p:txBody>
-          <a:bodyPr/>
-          <a:lstStyle/>
-          <a:p>
-            <a:r>
-              <a:rPr lang="en-US" dirty="0"/>
-              <a:t>Applicability</a:t>
-            </a:r>
-          </a:p>
-        </p:txBody>
-      </p:sp>
-      <p:sp>
-        <p:nvSpPr>
-          <p:cNvPr id="3" name="Content Placeholder 2">
-            <a:extLst>
-              <a:ext uri="{FF2B5EF4-FFF2-40B4-BE49-F238E27FC236}">
-                <a16:creationId xmlns:a16="http://schemas.microsoft.com/office/drawing/2014/main" id="{3F22A18E-448E-1502-E766-48A1402EF473}"/>
-              </a:ext>
-            </a:extLst>
-          </p:cNvPr>
-          <p:cNvSpPr>
-            <a:spLocks noGrp="1"/>
-          </p:cNvSpPr>
-          <p:nvPr>
-            <p:ph idx="1"/>
-          </p:nvPr>
-        </p:nvSpPr>
-        <p:spPr/>
-        <p:txBody>
-          <a:bodyPr/>
-          <a:lstStyle/>
-          <a:p>
-            <a:r>
-              <a:rPr lang="en-US" dirty="0"/>
-              <a:t>As more streaming services are being offered as time passes, this type of question is very prevalent in most homes</a:t>
-            </a:r>
-          </a:p>
-          <a:p>
-            <a:r>
-              <a:rPr lang="en-US" dirty="0"/>
-              <a:t>Everyone is trying to save money and lower the number of subscriptions they need (and avoiding having subscriptions for items that don’t fit the bill for your home and family)</a:t>
-            </a:r>
-          </a:p>
-        </p:txBody>
-      </p:sp>
-    </p:spTree>
-    <p:extLst>
-      <p:ext uri="{BB962C8B-B14F-4D97-AF65-F5344CB8AC3E}">
-        <p14:creationId xmlns:p14="http://schemas.microsoft.com/office/powerpoint/2010/main" val="3299086077"/>
-      </p:ext>
-    </p:extLst>
-  </p:cSld>
-  <p:clrMapOvr>
-    <a:masterClrMapping/>
-  </p:clrMapOvr>
-</p:sld>
-</file>
-
-<file path=ppt/slides/slide5.xml><?xml version="1.0" encoding="utf-8"?>
-<p:sld xmlns:a="http://schemas.openxmlformats.org/drawingml/2006/main" xmlns:r="http://schemas.openxmlformats.org/officeDocument/2006/relationships" xmlns:p="http://schemas.openxmlformats.org/presentationml/2006/main">
-  <p:cSld>
-    <p:spTree>
-      <p:nvGrpSpPr>
-        <p:cNvPr id="1" name=""/>
-        <p:cNvGrpSpPr/>
-        <p:nvPr/>
-      </p:nvGrpSpPr>
-      <p:grpSpPr>
-        <a:xfrm>
-          <a:off x="0" y="0"/>
-          <a:ext cx="0" cy="0"/>
-          <a:chOff x="0" y="0"/>
-          <a:chExt cx="0" cy="0"/>
-        </a:xfrm>
-      </p:grpSpPr>
-      <p:sp>
-        <p:nvSpPr>
-          <p:cNvPr id="2" name="Title 1">
-            <a:extLst>
-              <a:ext uri="{FF2B5EF4-FFF2-40B4-BE49-F238E27FC236}">
-                <a16:creationId xmlns:a16="http://schemas.microsoft.com/office/drawing/2014/main" id="{DAEDCF7F-79D1-4C39-B577-848D13B5DB16}"/>
-              </a:ext>
-            </a:extLst>
-          </p:cNvPr>
-          <p:cNvSpPr>
-            <a:spLocks noGrp="1"/>
-          </p:cNvSpPr>
-          <p:nvPr>
-            <p:ph type="title"/>
-          </p:nvPr>
-        </p:nvSpPr>
-        <p:spPr/>
-        <p:txBody>
-          <a:bodyPr/>
-          <a:lstStyle/>
-          <a:p>
-            <a:r>
-              <a:rPr lang="en-US" dirty="0"/>
-              <a:t>Our datasets</a:t>
-            </a:r>
-          </a:p>
-        </p:txBody>
-      </p:sp>
-      <p:sp>
-        <p:nvSpPr>
-          <p:cNvPr id="3" name="Content Placeholder 2">
-            <a:extLst>
-              <a:ext uri="{FF2B5EF4-FFF2-40B4-BE49-F238E27FC236}">
-                <a16:creationId xmlns:a16="http://schemas.microsoft.com/office/drawing/2014/main" id="{D8292D7E-DF72-B303-3D37-6B573E45FE92}"/>
-              </a:ext>
-            </a:extLst>
-          </p:cNvPr>
-          <p:cNvSpPr>
-            <a:spLocks noGrp="1"/>
-          </p:cNvSpPr>
-          <p:nvPr>
-            <p:ph idx="1"/>
-          </p:nvPr>
-        </p:nvSpPr>
-        <p:spPr/>
-        <p:txBody>
-          <a:bodyPr/>
-          <a:lstStyle/>
-          <a:p>
-            <a:r>
-              <a:rPr lang="en-US" dirty="0"/>
-              <a:t>Data selected:</a:t>
-            </a:r>
-          </a:p>
-          <a:p>
-            <a:pPr lvl="1"/>
-            <a:r>
-              <a:rPr lang="en-US" dirty="0"/>
-              <a:t>A </a:t>
-            </a:r>
-            <a:r>
-              <a:rPr lang="en-US" dirty="0">
-                <a:hlinkClick r:id="rId2"/>
-              </a:rPr>
-              <a:t>Kaggle</a:t>
-            </a:r>
-            <a:r>
-              <a:rPr lang="en-US" dirty="0"/>
-              <a:t> dataset for Television (TV) shows on various streaming services</a:t>
-            </a:r>
-          </a:p>
-          <a:p>
-            <a:pPr lvl="2"/>
-            <a:r>
-              <a:rPr lang="en-US" dirty="0"/>
-              <a:t>This dataset gives us more than 5,000 shows across four streaming services</a:t>
-            </a:r>
-          </a:p>
-          <a:p>
-            <a:pPr lvl="2"/>
-            <a:r>
-              <a:rPr lang="en-US" dirty="0"/>
-              <a:t>It provides:</a:t>
-            </a:r>
-          </a:p>
-          <a:p>
-            <a:pPr lvl="3"/>
-            <a:r>
-              <a:rPr lang="en-US" dirty="0"/>
-              <a:t>Year produced</a:t>
-            </a:r>
-          </a:p>
-          <a:p>
-            <a:pPr lvl="3"/>
-            <a:r>
-              <a:rPr lang="en-US" dirty="0"/>
-              <a:t>Target age group</a:t>
-            </a:r>
-          </a:p>
-          <a:p>
-            <a:pPr lvl="3"/>
-            <a:r>
-              <a:rPr lang="en-US" dirty="0"/>
-              <a:t>Ratings from two unique sources, Internet Movie Database (IMDb) and Rotten Tomatoes</a:t>
-            </a:r>
-          </a:p>
-          <a:p>
-            <a:pPr lvl="2"/>
-            <a:r>
-              <a:rPr lang="en-US" dirty="0"/>
-              <a:t>Chosen by the team because the dataset provides the variables we needed to answer any research proposal questions we defined during the planning phase</a:t>
-            </a:r>
-          </a:p>
-          <a:p>
-            <a:pPr lvl="1"/>
-            <a:endParaRPr lang="en-US" dirty="0"/>
-          </a:p>
-        </p:txBody>
-      </p:sp>
-    </p:spTree>
-    <p:extLst>
-      <p:ext uri="{BB962C8B-B14F-4D97-AF65-F5344CB8AC3E}">
-        <p14:creationId xmlns:p14="http://schemas.microsoft.com/office/powerpoint/2010/main" val="3677560437"/>
-      </p:ext>
-    </p:extLst>
-  </p:cSld>
-  <p:clrMapOvr>
-    <a:masterClrMapping/>
-  </p:clrMapOvr>
-</p:sld>
-</file>
-
-<file path=ppt/slides/slide6.xml><?xml version="1.0" encoding="utf-8"?>
-<p:sld xmlns:a="http://schemas.openxmlformats.org/drawingml/2006/main" xmlns:r="http://schemas.openxmlformats.org/officeDocument/2006/relationships" xmlns:p="http://schemas.openxmlformats.org/presentationml/2006/main">
-  <p:cSld>
-    <p:spTree>
-      <p:nvGrpSpPr>
-        <p:cNvPr id="1" name=""/>
-        <p:cNvGrpSpPr/>
-        <p:nvPr/>
-      </p:nvGrpSpPr>
-      <p:grpSpPr>
-        <a:xfrm>
-          <a:off x="0" y="0"/>
-          <a:ext cx="0" cy="0"/>
-          <a:chOff x="0" y="0"/>
-          <a:chExt cx="0" cy="0"/>
-        </a:xfrm>
-      </p:grpSpPr>
-      <p:sp>
-        <p:nvSpPr>
-          <p:cNvPr id="2" name="Title 1">
-            <a:extLst>
-              <a:ext uri="{FF2B5EF4-FFF2-40B4-BE49-F238E27FC236}">
-                <a16:creationId xmlns:a16="http://schemas.microsoft.com/office/drawing/2014/main" id="{10827BA6-373B-21A4-C82A-1AB90D33A82B}"/>
-              </a:ext>
-            </a:extLst>
-          </p:cNvPr>
-          <p:cNvSpPr>
-            <a:spLocks noGrp="1"/>
-          </p:cNvSpPr>
-          <p:nvPr>
-            <p:ph type="title"/>
-          </p:nvPr>
-        </p:nvSpPr>
-        <p:spPr/>
-        <p:txBody>
-          <a:bodyPr/>
-          <a:lstStyle/>
-          <a:p>
-            <a:r>
-              <a:rPr lang="en-US" dirty="0"/>
-              <a:t>Working with the dataset</a:t>
-            </a:r>
-          </a:p>
-        </p:txBody>
-      </p:sp>
-      <p:sp>
-        <p:nvSpPr>
-          <p:cNvPr id="3" name="Content Placeholder 2">
-            <a:extLst>
-              <a:ext uri="{FF2B5EF4-FFF2-40B4-BE49-F238E27FC236}">
-                <a16:creationId xmlns:a16="http://schemas.microsoft.com/office/drawing/2014/main" id="{09D39FD1-EFB3-B4C6-4040-2377C5383461}"/>
-              </a:ext>
-            </a:extLst>
-          </p:cNvPr>
-          <p:cNvSpPr>
-            <a:spLocks noGrp="1"/>
-          </p:cNvSpPr>
-          <p:nvPr>
-            <p:ph idx="1"/>
-          </p:nvPr>
-        </p:nvSpPr>
-        <p:spPr/>
-        <p:txBody>
-          <a:bodyPr/>
-          <a:lstStyle/>
-          <a:p>
-            <a:r>
-              <a:rPr lang="en-US" dirty="0"/>
-              <a:t>Read in the .csv files into </a:t>
-            </a:r>
-            <a:r>
-              <a:rPr lang="en-US" dirty="0" err="1"/>
-              <a:t>DataFrames</a:t>
-            </a:r>
-            <a:endParaRPr lang="en-US" dirty="0"/>
-          </a:p>
-          <a:p>
-            <a:r>
-              <a:rPr lang="en-US" dirty="0"/>
-              <a:t>Deleted unnecessary columns</a:t>
-            </a:r>
-          </a:p>
-          <a:p>
-            <a:r>
-              <a:rPr lang="en-US" dirty="0"/>
-              <a:t>Dropped rows without data (e.g., </a:t>
-            </a:r>
-            <a:r>
-              <a:rPr lang="en-US" dirty="0" err="1"/>
-              <a:t>NaN</a:t>
-            </a:r>
-            <a:r>
-              <a:rPr lang="en-US" dirty="0"/>
-              <a:t>)</a:t>
-            </a:r>
-          </a:p>
-          <a:p>
-            <a:r>
-              <a:rPr lang="en-US" dirty="0"/>
-              <a:t>Looped through </a:t>
-            </a:r>
-            <a:r>
-              <a:rPr lang="en-US" dirty="0" err="1"/>
-              <a:t>DataFrame</a:t>
-            </a:r>
-            <a:r>
-              <a:rPr lang="en-US" dirty="0"/>
-              <a:t> to find data relevant to our research questions</a:t>
-            </a:r>
-          </a:p>
-          <a:p>
-            <a:r>
-              <a:rPr lang="en-US" dirty="0"/>
-              <a:t>Created plots and figures to visualize the data relevant to our research questions</a:t>
-            </a:r>
-          </a:p>
-          <a:p>
-            <a:pPr marL="0" indent="0">
-              <a:buNone/>
-            </a:pPr>
-            <a:endParaRPr lang="en-US" dirty="0"/>
-          </a:p>
-        </p:txBody>
-      </p:sp>
-    </p:spTree>
-    <p:extLst>
-      <p:ext uri="{BB962C8B-B14F-4D97-AF65-F5344CB8AC3E}">
-        <p14:creationId xmlns:p14="http://schemas.microsoft.com/office/powerpoint/2010/main" val="1144404274"/>
-      </p:ext>
-    </p:extLst>
-  </p:cSld>
-  <p:clrMapOvr>
-    <a:masterClrMapping/>
-  </p:clrMapOvr>
-</p:sld>
-</file>
-
-<file path=ppt/slides/slide7.xml><?xml version="1.0" encoding="utf-8"?>
-<p:sld xmlns:a="http://schemas.openxmlformats.org/drawingml/2006/main" xmlns:r="http://schemas.openxmlformats.org/officeDocument/2006/relationships" xmlns:p="http://schemas.openxmlformats.org/presentationml/2006/main">
-  <p:cSld>
-    <p:spTree>
-      <p:nvGrpSpPr>
-        <p:cNvPr id="1" name=""/>
-        <p:cNvGrpSpPr/>
-        <p:nvPr/>
-      </p:nvGrpSpPr>
-      <p:grpSpPr>
-        <a:xfrm>
-          <a:off x="0" y="0"/>
-          <a:ext cx="0" cy="0"/>
-          <a:chOff x="0" y="0"/>
-          <a:chExt cx="0" cy="0"/>
-        </a:xfrm>
-      </p:grpSpPr>
-      <p:sp>
-        <p:nvSpPr>
-          <p:cNvPr id="2" name="Title 1">
-            <a:extLst>
-              <a:ext uri="{FF2B5EF4-FFF2-40B4-BE49-F238E27FC236}">
-                <a16:creationId xmlns:a16="http://schemas.microsoft.com/office/drawing/2014/main" id="{6F77E0AD-D824-6B6E-5453-12456358687B}"/>
-              </a:ext>
-            </a:extLst>
-          </p:cNvPr>
-          <p:cNvSpPr>
-            <a:spLocks noGrp="1"/>
-          </p:cNvSpPr>
-          <p:nvPr>
-            <p:ph type="title"/>
-          </p:nvPr>
-        </p:nvSpPr>
-        <p:spPr/>
-        <p:txBody>
-          <a:bodyPr/>
-          <a:lstStyle/>
-          <a:p>
-            <a:r>
-              <a:rPr lang="en-US" dirty="0"/>
-              <a:t>Approach Overview</a:t>
-            </a:r>
-          </a:p>
-        </p:txBody>
-      </p:sp>
-      <p:sp>
-        <p:nvSpPr>
-          <p:cNvPr id="3" name="Content Placeholder 2">
-            <a:extLst>
-              <a:ext uri="{FF2B5EF4-FFF2-40B4-BE49-F238E27FC236}">
-                <a16:creationId xmlns:a16="http://schemas.microsoft.com/office/drawing/2014/main" id="{C5F98696-3B9B-AD74-9AC6-930A9AFECF41}"/>
-              </a:ext>
-            </a:extLst>
-          </p:cNvPr>
-          <p:cNvSpPr>
-            <a:spLocks noGrp="1"/>
-          </p:cNvSpPr>
-          <p:nvPr>
-            <p:ph idx="1"/>
-          </p:nvPr>
-        </p:nvSpPr>
-        <p:spPr/>
-        <p:txBody>
-          <a:bodyPr/>
-          <a:lstStyle/>
-          <a:p>
-            <a:r>
-              <a:rPr lang="en-US" dirty="0"/>
-              <a:t>Approach to achieve project goals:</a:t>
-            </a:r>
-          </a:p>
-          <a:p>
-            <a:pPr lvl="1"/>
-            <a:r>
-              <a:rPr lang="en-US" dirty="0"/>
-              <a:t>Initially, the team planned to scrape data from one API; however, this was cost prohibitive and had to be abandoned</a:t>
-            </a:r>
-          </a:p>
-          <a:p>
-            <a:pPr lvl="1"/>
-            <a:r>
-              <a:rPr lang="en-US" dirty="0"/>
-              <a:t>Also, there were more initial questions to answer, but ultimately decided which ones to pursue based on team discussion</a:t>
-            </a:r>
-          </a:p>
-          <a:p>
-            <a:r>
-              <a:rPr lang="en-US" dirty="0"/>
-              <a:t>Unexpected insights:</a:t>
-            </a:r>
-          </a:p>
-          <a:p>
-            <a:pPr lvl="1"/>
-            <a:r>
-              <a:rPr lang="en-US" dirty="0"/>
-              <a:t>Don’t pick an API with less free access that you require if you have a budgetary restriction</a:t>
-            </a:r>
-          </a:p>
-          <a:p>
-            <a:pPr lvl="1"/>
-            <a:r>
-              <a:rPr lang="en-US" dirty="0"/>
-              <a:t>Dataset was limited to information up to and including 2021</a:t>
-            </a:r>
-          </a:p>
-          <a:p>
-            <a:pPr lvl="1"/>
-            <a:r>
-              <a:rPr lang="en-US" dirty="0"/>
-              <a:t>The research questions may have more than one correct answer</a:t>
-            </a:r>
-          </a:p>
-        </p:txBody>
-      </p:sp>
-    </p:spTree>
-    <p:extLst>
-      <p:ext uri="{BB962C8B-B14F-4D97-AF65-F5344CB8AC3E}">
-        <p14:creationId xmlns:p14="http://schemas.microsoft.com/office/powerpoint/2010/main" val="2035357408"/>
-      </p:ext>
-    </p:extLst>
-  </p:cSld>
-  <p:clrMapOvr>
-    <a:masterClrMapping/>
-  </p:clrMapOvr>
-</p:sld>
-</file>
-
-<file path=ppt/slides/slide8.xml><?xml version="1.0" encoding="utf-8"?>
+<file path=ppt/slides/slide11.xml><?xml version="1.0" encoding="utf-8"?>
 <p:sld xmlns:a="http://schemas.openxmlformats.org/drawingml/2006/main" xmlns:r="http://schemas.openxmlformats.org/officeDocument/2006/relationships" xmlns:p="http://schemas.openxmlformats.org/presentationml/2006/main">
   <p:cSld>
     <p:spTree>
@@ -8946,7 +4565,7 @@
 </p:sld>
 </file>
 
-<file path=ppt/slides/slide9.xml><?xml version="1.0" encoding="utf-8"?>
+<file path=ppt/slides/slide12.xml><?xml version="1.0" encoding="utf-8"?>
 <p:sld xmlns:a="http://schemas.openxmlformats.org/drawingml/2006/main" xmlns:r="http://schemas.openxmlformats.org/officeDocument/2006/relationships" xmlns:p="http://schemas.openxmlformats.org/presentationml/2006/main">
   <p:cSld>
     <p:spTree>
@@ -9293,6 +4912,4387 @@
     <p:extLst>
       <p:ext uri="{BB962C8B-B14F-4D97-AF65-F5344CB8AC3E}">
         <p14:creationId xmlns:p14="http://schemas.microsoft.com/office/powerpoint/2010/main" val="2473587330"/>
+      </p:ext>
+    </p:extLst>
+  </p:cSld>
+  <p:clrMapOvr>
+    <a:masterClrMapping/>
+  </p:clrMapOvr>
+</p:sld>
+</file>
+
+<file path=ppt/slides/slide13.xml><?xml version="1.0" encoding="utf-8"?>
+<p:sld xmlns:a="http://schemas.openxmlformats.org/drawingml/2006/main" xmlns:r="http://schemas.openxmlformats.org/officeDocument/2006/relationships" xmlns:p="http://schemas.openxmlformats.org/presentationml/2006/main">
+  <p:cSld>
+    <p:spTree>
+      <p:nvGrpSpPr>
+        <p:cNvPr id="1" name=""/>
+        <p:cNvGrpSpPr/>
+        <p:nvPr/>
+      </p:nvGrpSpPr>
+      <p:grpSpPr>
+        <a:xfrm>
+          <a:off x="0" y="0"/>
+          <a:ext cx="0" cy="0"/>
+          <a:chOff x="0" y="0"/>
+          <a:chExt cx="0" cy="0"/>
+        </a:xfrm>
+      </p:grpSpPr>
+      <p:sp>
+        <p:nvSpPr>
+          <p:cNvPr id="2" name="Title 1">
+            <a:extLst>
+              <a:ext uri="{FF2B5EF4-FFF2-40B4-BE49-F238E27FC236}">
+                <a16:creationId xmlns:a16="http://schemas.microsoft.com/office/drawing/2014/main" id="{6F77E0AD-D824-6B6E-5453-12456358687B}"/>
+              </a:ext>
+            </a:extLst>
+          </p:cNvPr>
+          <p:cNvSpPr>
+            <a:spLocks noGrp="1"/>
+          </p:cNvSpPr>
+          <p:nvPr>
+            <p:ph type="title"/>
+          </p:nvPr>
+        </p:nvSpPr>
+        <p:spPr>
+          <a:xfrm>
+            <a:off x="838200" y="365126"/>
+            <a:ext cx="10515600" cy="1082370"/>
+          </a:xfrm>
+        </p:spPr>
+        <p:txBody>
+          <a:bodyPr/>
+          <a:lstStyle/>
+          <a:p>
+            <a:r>
+              <a:rPr lang="en-US" dirty="0"/>
+              <a:t>IMDb</a:t>
+            </a:r>
+          </a:p>
+        </p:txBody>
+      </p:sp>
+      <p:sp>
+        <p:nvSpPr>
+          <p:cNvPr id="3" name="Content Placeholder 2">
+            <a:extLst>
+              <a:ext uri="{FF2B5EF4-FFF2-40B4-BE49-F238E27FC236}">
+                <a16:creationId xmlns:a16="http://schemas.microsoft.com/office/drawing/2014/main" id="{C5F98696-3B9B-AD74-9AC6-930A9AFECF41}"/>
+              </a:ext>
+            </a:extLst>
+          </p:cNvPr>
+          <p:cNvSpPr>
+            <a:spLocks noGrp="1"/>
+          </p:cNvSpPr>
+          <p:nvPr>
+            <p:ph idx="1"/>
+          </p:nvPr>
+        </p:nvSpPr>
+        <p:spPr>
+          <a:xfrm>
+            <a:off x="838200" y="1447496"/>
+            <a:ext cx="10515600" cy="4729467"/>
+          </a:xfrm>
+        </p:spPr>
+        <p:txBody>
+          <a:bodyPr/>
+          <a:lstStyle/>
+          <a:p>
+            <a:pPr marL="0" indent="0">
+              <a:buNone/>
+            </a:pPr>
+            <a:r>
+              <a:rPr lang="en-US" dirty="0"/>
+              <a:t>Only pull data that greater than or equal to 80 on IMDb column:</a:t>
+            </a:r>
+          </a:p>
+          <a:p>
+            <a:pPr marL="0" indent="0">
+              <a:buNone/>
+            </a:pPr>
+            <a:endParaRPr lang="en-US" dirty="0"/>
+          </a:p>
+        </p:txBody>
+      </p:sp>
+      <p:pic>
+        <p:nvPicPr>
+          <p:cNvPr id="4" name="Picture 3">
+            <a:extLst>
+              <a:ext uri="{FF2B5EF4-FFF2-40B4-BE49-F238E27FC236}">
+                <a16:creationId xmlns:a16="http://schemas.microsoft.com/office/drawing/2014/main" id="{DDB7CAA9-04B7-54AA-E731-11A9229875CD}"/>
+              </a:ext>
+            </a:extLst>
+          </p:cNvPr>
+          <p:cNvPicPr>
+            <a:picLocks noChangeAspect="1"/>
+          </p:cNvPicPr>
+          <p:nvPr/>
+        </p:nvPicPr>
+        <p:blipFill>
+          <a:blip r:embed="rId3"/>
+          <a:stretch>
+            <a:fillRect/>
+          </a:stretch>
+        </p:blipFill>
+        <p:spPr>
+          <a:xfrm>
+            <a:off x="1021080" y="2160814"/>
+            <a:ext cx="9489141" cy="1181447"/>
+          </a:xfrm>
+          <a:prstGeom prst="rect">
+            <a:avLst/>
+          </a:prstGeom>
+        </p:spPr>
+      </p:pic>
+      <p:pic>
+        <p:nvPicPr>
+          <p:cNvPr id="5" name="Picture 4">
+            <a:extLst>
+              <a:ext uri="{FF2B5EF4-FFF2-40B4-BE49-F238E27FC236}">
+                <a16:creationId xmlns:a16="http://schemas.microsoft.com/office/drawing/2014/main" id="{37CC5A4A-B2E6-3FC8-9564-CBEB55DF2A5E}"/>
+              </a:ext>
+            </a:extLst>
+          </p:cNvPr>
+          <p:cNvPicPr>
+            <a:picLocks noChangeAspect="1"/>
+          </p:cNvPicPr>
+          <p:nvPr/>
+        </p:nvPicPr>
+        <p:blipFill>
+          <a:blip r:embed="rId4"/>
+          <a:stretch>
+            <a:fillRect/>
+          </a:stretch>
+        </p:blipFill>
+        <p:spPr>
+          <a:xfrm>
+            <a:off x="932802" y="3515741"/>
+            <a:ext cx="9324909" cy="3162452"/>
+          </a:xfrm>
+          <a:prstGeom prst="rect">
+            <a:avLst/>
+          </a:prstGeom>
+        </p:spPr>
+      </p:pic>
+    </p:spTree>
+    <p:extLst>
+      <p:ext uri="{BB962C8B-B14F-4D97-AF65-F5344CB8AC3E}">
+        <p14:creationId xmlns:p14="http://schemas.microsoft.com/office/powerpoint/2010/main" val="3901284342"/>
+      </p:ext>
+    </p:extLst>
+  </p:cSld>
+  <p:clrMapOvr>
+    <a:masterClrMapping/>
+  </p:clrMapOvr>
+</p:sld>
+</file>
+
+<file path=ppt/slides/slide14.xml><?xml version="1.0" encoding="utf-8"?>
+<p:sld xmlns:a="http://schemas.openxmlformats.org/drawingml/2006/main" xmlns:r="http://schemas.openxmlformats.org/officeDocument/2006/relationships" xmlns:p="http://schemas.openxmlformats.org/presentationml/2006/main">
+  <p:cSld>
+    <p:spTree>
+      <p:nvGrpSpPr>
+        <p:cNvPr id="1" name=""/>
+        <p:cNvGrpSpPr/>
+        <p:nvPr/>
+      </p:nvGrpSpPr>
+      <p:grpSpPr>
+        <a:xfrm>
+          <a:off x="0" y="0"/>
+          <a:ext cx="0" cy="0"/>
+          <a:chOff x="0" y="0"/>
+          <a:chExt cx="0" cy="0"/>
+        </a:xfrm>
+      </p:grpSpPr>
+      <p:sp>
+        <p:nvSpPr>
+          <p:cNvPr id="2" name="Title 1">
+            <a:extLst>
+              <a:ext uri="{FF2B5EF4-FFF2-40B4-BE49-F238E27FC236}">
+                <a16:creationId xmlns:a16="http://schemas.microsoft.com/office/drawing/2014/main" id="{6F77E0AD-D824-6B6E-5453-12456358687B}"/>
+              </a:ext>
+            </a:extLst>
+          </p:cNvPr>
+          <p:cNvSpPr>
+            <a:spLocks noGrp="1"/>
+          </p:cNvSpPr>
+          <p:nvPr>
+            <p:ph type="title"/>
+          </p:nvPr>
+        </p:nvSpPr>
+        <p:spPr>
+          <a:xfrm>
+            <a:off x="838200" y="365126"/>
+            <a:ext cx="10515600" cy="1082370"/>
+          </a:xfrm>
+        </p:spPr>
+        <p:txBody>
+          <a:bodyPr/>
+          <a:lstStyle/>
+          <a:p>
+            <a:r>
+              <a:rPr lang="en-US" dirty="0"/>
+              <a:t>IMDb</a:t>
+            </a:r>
+          </a:p>
+        </p:txBody>
+      </p:sp>
+      <p:sp>
+        <p:nvSpPr>
+          <p:cNvPr id="3" name="Content Placeholder 2">
+            <a:extLst>
+              <a:ext uri="{FF2B5EF4-FFF2-40B4-BE49-F238E27FC236}">
+                <a16:creationId xmlns:a16="http://schemas.microsoft.com/office/drawing/2014/main" id="{C5F98696-3B9B-AD74-9AC6-930A9AFECF41}"/>
+              </a:ext>
+            </a:extLst>
+          </p:cNvPr>
+          <p:cNvSpPr>
+            <a:spLocks noGrp="1"/>
+          </p:cNvSpPr>
+          <p:nvPr>
+            <p:ph idx="1"/>
+          </p:nvPr>
+        </p:nvSpPr>
+        <p:spPr>
+          <a:xfrm>
+            <a:off x="838200" y="1447496"/>
+            <a:ext cx="10515600" cy="4729467"/>
+          </a:xfrm>
+        </p:spPr>
+        <p:txBody>
+          <a:bodyPr/>
+          <a:lstStyle/>
+          <a:p>
+            <a:pPr marL="0" indent="0">
+              <a:buNone/>
+            </a:pPr>
+            <a:r>
+              <a:rPr lang="en-US" dirty="0"/>
+              <a:t>Only pull data that greater than or equal to 80 on IMDb column:</a:t>
+            </a:r>
+          </a:p>
+          <a:p>
+            <a:pPr marL="0" indent="0">
+              <a:buNone/>
+            </a:pPr>
+            <a:endParaRPr lang="en-US" dirty="0"/>
+          </a:p>
+        </p:txBody>
+      </p:sp>
+      <p:pic>
+        <p:nvPicPr>
+          <p:cNvPr id="4" name="Picture 3">
+            <a:extLst>
+              <a:ext uri="{FF2B5EF4-FFF2-40B4-BE49-F238E27FC236}">
+                <a16:creationId xmlns:a16="http://schemas.microsoft.com/office/drawing/2014/main" id="{DDB7CAA9-04B7-54AA-E731-11A9229875CD}"/>
+              </a:ext>
+            </a:extLst>
+          </p:cNvPr>
+          <p:cNvPicPr>
+            <a:picLocks noChangeAspect="1"/>
+          </p:cNvPicPr>
+          <p:nvPr/>
+        </p:nvPicPr>
+        <p:blipFill>
+          <a:blip r:embed="rId3"/>
+          <a:stretch>
+            <a:fillRect/>
+          </a:stretch>
+        </p:blipFill>
+        <p:spPr>
+          <a:xfrm>
+            <a:off x="1021080" y="2160814"/>
+            <a:ext cx="9489141" cy="1181447"/>
+          </a:xfrm>
+          <a:prstGeom prst="rect">
+            <a:avLst/>
+          </a:prstGeom>
+        </p:spPr>
+      </p:pic>
+      <p:pic>
+        <p:nvPicPr>
+          <p:cNvPr id="5" name="Picture 4">
+            <a:extLst>
+              <a:ext uri="{FF2B5EF4-FFF2-40B4-BE49-F238E27FC236}">
+                <a16:creationId xmlns:a16="http://schemas.microsoft.com/office/drawing/2014/main" id="{37CC5A4A-B2E6-3FC8-9564-CBEB55DF2A5E}"/>
+              </a:ext>
+            </a:extLst>
+          </p:cNvPr>
+          <p:cNvPicPr>
+            <a:picLocks noChangeAspect="1"/>
+          </p:cNvPicPr>
+          <p:nvPr/>
+        </p:nvPicPr>
+        <p:blipFill>
+          <a:blip r:embed="rId4"/>
+          <a:stretch>
+            <a:fillRect/>
+          </a:stretch>
+        </p:blipFill>
+        <p:spPr>
+          <a:xfrm>
+            <a:off x="932802" y="3515741"/>
+            <a:ext cx="9324909" cy="3162452"/>
+          </a:xfrm>
+          <a:prstGeom prst="rect">
+            <a:avLst/>
+          </a:prstGeom>
+        </p:spPr>
+      </p:pic>
+    </p:spTree>
+    <p:extLst>
+      <p:ext uri="{BB962C8B-B14F-4D97-AF65-F5344CB8AC3E}">
+        <p14:creationId xmlns:p14="http://schemas.microsoft.com/office/powerpoint/2010/main" val="4240056639"/>
+      </p:ext>
+    </p:extLst>
+  </p:cSld>
+  <p:clrMapOvr>
+    <a:masterClrMapping/>
+  </p:clrMapOvr>
+</p:sld>
+</file>
+
+<file path=ppt/slides/slide15.xml><?xml version="1.0" encoding="utf-8"?>
+<p:sld xmlns:a="http://schemas.openxmlformats.org/drawingml/2006/main" xmlns:r="http://schemas.openxmlformats.org/officeDocument/2006/relationships" xmlns:p="http://schemas.openxmlformats.org/presentationml/2006/main">
+  <p:cSld>
+    <p:spTree>
+      <p:nvGrpSpPr>
+        <p:cNvPr id="1" name=""/>
+        <p:cNvGrpSpPr/>
+        <p:nvPr/>
+      </p:nvGrpSpPr>
+      <p:grpSpPr>
+        <a:xfrm>
+          <a:off x="0" y="0"/>
+          <a:ext cx="0" cy="0"/>
+          <a:chOff x="0" y="0"/>
+          <a:chExt cx="0" cy="0"/>
+        </a:xfrm>
+      </p:grpSpPr>
+      <p:sp>
+        <p:nvSpPr>
+          <p:cNvPr id="2" name="Title 1">
+            <a:extLst>
+              <a:ext uri="{FF2B5EF4-FFF2-40B4-BE49-F238E27FC236}">
+                <a16:creationId xmlns:a16="http://schemas.microsoft.com/office/drawing/2014/main" id="{16AF27ED-EDDB-2E5E-F46B-6C56CF7FB713}"/>
+              </a:ext>
+            </a:extLst>
+          </p:cNvPr>
+          <p:cNvSpPr>
+            <a:spLocks noGrp="1"/>
+          </p:cNvSpPr>
+          <p:nvPr>
+            <p:ph type="title"/>
+          </p:nvPr>
+        </p:nvSpPr>
+        <p:spPr/>
+        <p:txBody>
+          <a:bodyPr/>
+          <a:lstStyle/>
+          <a:p>
+            <a:r>
+              <a:rPr lang="en-US" dirty="0"/>
+              <a:t>IMDb</a:t>
+            </a:r>
+          </a:p>
+        </p:txBody>
+      </p:sp>
+      <p:pic>
+        <p:nvPicPr>
+          <p:cNvPr id="3" name="Content Placeholder 4">
+            <a:extLst>
+              <a:ext uri="{FF2B5EF4-FFF2-40B4-BE49-F238E27FC236}">
+                <a16:creationId xmlns:a16="http://schemas.microsoft.com/office/drawing/2014/main" id="{02BFCE09-3C5B-7BCD-655C-A25376F0CE83}"/>
+              </a:ext>
+            </a:extLst>
+          </p:cNvPr>
+          <p:cNvPicPr>
+            <a:picLocks noChangeAspect="1"/>
+          </p:cNvPicPr>
+          <p:nvPr/>
+        </p:nvPicPr>
+        <p:blipFill>
+          <a:blip r:embed="rId2"/>
+          <a:stretch>
+            <a:fillRect/>
+          </a:stretch>
+        </p:blipFill>
+        <p:spPr>
+          <a:xfrm>
+            <a:off x="595934" y="1690688"/>
+            <a:ext cx="4928566" cy="4748212"/>
+          </a:xfrm>
+          <a:prstGeom prst="rect">
+            <a:avLst/>
+          </a:prstGeom>
+        </p:spPr>
+      </p:pic>
+      <p:pic>
+        <p:nvPicPr>
+          <p:cNvPr id="5" name="Picture 4">
+            <a:extLst>
+              <a:ext uri="{FF2B5EF4-FFF2-40B4-BE49-F238E27FC236}">
+                <a16:creationId xmlns:a16="http://schemas.microsoft.com/office/drawing/2014/main" id="{962A7796-1D5F-9BF9-9516-9B15CD6D6E55}"/>
+              </a:ext>
+            </a:extLst>
+          </p:cNvPr>
+          <p:cNvPicPr>
+            <a:picLocks noChangeAspect="1"/>
+          </p:cNvPicPr>
+          <p:nvPr/>
+        </p:nvPicPr>
+        <p:blipFill>
+          <a:blip r:embed="rId3"/>
+          <a:stretch>
+            <a:fillRect/>
+          </a:stretch>
+        </p:blipFill>
+        <p:spPr>
+          <a:xfrm>
+            <a:off x="5237154" y="1545771"/>
+            <a:ext cx="7089071" cy="4844271"/>
+          </a:xfrm>
+          <a:prstGeom prst="rect">
+            <a:avLst/>
+          </a:prstGeom>
+        </p:spPr>
+      </p:pic>
+    </p:spTree>
+    <p:extLst>
+      <p:ext uri="{BB962C8B-B14F-4D97-AF65-F5344CB8AC3E}">
+        <p14:creationId xmlns:p14="http://schemas.microsoft.com/office/powerpoint/2010/main" val="3107476628"/>
+      </p:ext>
+    </p:extLst>
+  </p:cSld>
+  <p:clrMapOvr>
+    <a:masterClrMapping/>
+  </p:clrMapOvr>
+</p:sld>
+</file>
+
+<file path=ppt/slides/slide16.xml><?xml version="1.0" encoding="utf-8"?>
+<p:sld xmlns:a="http://schemas.openxmlformats.org/drawingml/2006/main" xmlns:r="http://schemas.openxmlformats.org/officeDocument/2006/relationships" xmlns:p="http://schemas.openxmlformats.org/presentationml/2006/main">
+  <p:cSld>
+    <p:spTree>
+      <p:nvGrpSpPr>
+        <p:cNvPr id="1" name=""/>
+        <p:cNvGrpSpPr/>
+        <p:nvPr/>
+      </p:nvGrpSpPr>
+      <p:grpSpPr>
+        <a:xfrm>
+          <a:off x="0" y="0"/>
+          <a:ext cx="0" cy="0"/>
+          <a:chOff x="0" y="0"/>
+          <a:chExt cx="0" cy="0"/>
+        </a:xfrm>
+      </p:grpSpPr>
+      <p:sp>
+        <p:nvSpPr>
+          <p:cNvPr id="2" name="Title 1">
+            <a:extLst>
+              <a:ext uri="{FF2B5EF4-FFF2-40B4-BE49-F238E27FC236}">
+                <a16:creationId xmlns:a16="http://schemas.microsoft.com/office/drawing/2014/main" id="{2863DA95-0437-ABA5-780A-BCA53F46030F}"/>
+              </a:ext>
+            </a:extLst>
+          </p:cNvPr>
+          <p:cNvSpPr>
+            <a:spLocks noGrp="1"/>
+          </p:cNvSpPr>
+          <p:nvPr>
+            <p:ph type="title"/>
+          </p:nvPr>
+        </p:nvSpPr>
+        <p:spPr/>
+        <p:txBody>
+          <a:bodyPr/>
+          <a:lstStyle/>
+          <a:p>
+            <a:r>
+              <a:rPr lang="en-US" sz="4400" dirty="0"/>
+              <a:t>Rotten Tomatoes</a:t>
+            </a:r>
+            <a:endParaRPr lang="en-US" dirty="0"/>
+          </a:p>
+        </p:txBody>
+      </p:sp>
+      <p:sp>
+        <p:nvSpPr>
+          <p:cNvPr id="3" name="Content Placeholder 2">
+            <a:extLst>
+              <a:ext uri="{FF2B5EF4-FFF2-40B4-BE49-F238E27FC236}">
+                <a16:creationId xmlns:a16="http://schemas.microsoft.com/office/drawing/2014/main" id="{E681FB12-1D6D-5298-E03C-CB13B80B937B}"/>
+              </a:ext>
+            </a:extLst>
+          </p:cNvPr>
+          <p:cNvSpPr>
+            <a:spLocks noGrp="1"/>
+          </p:cNvSpPr>
+          <p:nvPr>
+            <p:ph idx="1"/>
+          </p:nvPr>
+        </p:nvSpPr>
+        <p:spPr>
+          <a:xfrm>
+            <a:off x="838200" y="1646011"/>
+            <a:ext cx="10515600" cy="4351338"/>
+          </a:xfrm>
+        </p:spPr>
+        <p:txBody>
+          <a:bodyPr/>
+          <a:lstStyle/>
+          <a:p>
+            <a:r>
+              <a:rPr lang="en-US" dirty="0"/>
+              <a:t>Calculate the total TV shows on each service</a:t>
+            </a:r>
+          </a:p>
+        </p:txBody>
+      </p:sp>
+      <p:pic>
+        <p:nvPicPr>
+          <p:cNvPr id="4" name="Picture 3">
+            <a:extLst>
+              <a:ext uri="{FF2B5EF4-FFF2-40B4-BE49-F238E27FC236}">
+                <a16:creationId xmlns:a16="http://schemas.microsoft.com/office/drawing/2014/main" id="{87B58A4C-7A3E-5671-F3CB-3BE7CF1EFB1B}"/>
+              </a:ext>
+            </a:extLst>
+          </p:cNvPr>
+          <p:cNvPicPr>
+            <a:picLocks noChangeAspect="1"/>
+          </p:cNvPicPr>
+          <p:nvPr/>
+        </p:nvPicPr>
+        <p:blipFill>
+          <a:blip r:embed="rId2"/>
+          <a:stretch>
+            <a:fillRect/>
+          </a:stretch>
+        </p:blipFill>
+        <p:spPr>
+          <a:xfrm>
+            <a:off x="967355" y="2302025"/>
+            <a:ext cx="8982187" cy="1078822"/>
+          </a:xfrm>
+          <a:prstGeom prst="rect">
+            <a:avLst/>
+          </a:prstGeom>
+        </p:spPr>
+      </p:pic>
+      <p:pic>
+        <p:nvPicPr>
+          <p:cNvPr id="5" name="Picture 4">
+            <a:extLst>
+              <a:ext uri="{FF2B5EF4-FFF2-40B4-BE49-F238E27FC236}">
+                <a16:creationId xmlns:a16="http://schemas.microsoft.com/office/drawing/2014/main" id="{1BF98F28-14F2-F27F-2338-C54FA0B27F45}"/>
+              </a:ext>
+            </a:extLst>
+          </p:cNvPr>
+          <p:cNvPicPr>
+            <a:picLocks noChangeAspect="1"/>
+          </p:cNvPicPr>
+          <p:nvPr/>
+        </p:nvPicPr>
+        <p:blipFill>
+          <a:blip r:embed="rId3"/>
+          <a:stretch>
+            <a:fillRect/>
+          </a:stretch>
+        </p:blipFill>
+        <p:spPr>
+          <a:xfrm>
+            <a:off x="1054442" y="3596000"/>
+            <a:ext cx="8982187" cy="3062336"/>
+          </a:xfrm>
+          <a:prstGeom prst="rect">
+            <a:avLst/>
+          </a:prstGeom>
+        </p:spPr>
+      </p:pic>
+    </p:spTree>
+    <p:extLst>
+      <p:ext uri="{BB962C8B-B14F-4D97-AF65-F5344CB8AC3E}">
+        <p14:creationId xmlns:p14="http://schemas.microsoft.com/office/powerpoint/2010/main" val="765938102"/>
+      </p:ext>
+    </p:extLst>
+  </p:cSld>
+  <p:clrMapOvr>
+    <a:masterClrMapping/>
+  </p:clrMapOvr>
+</p:sld>
+</file>
+
+<file path=ppt/slides/slide17.xml><?xml version="1.0" encoding="utf-8"?>
+<p:sld xmlns:a="http://schemas.openxmlformats.org/drawingml/2006/main" xmlns:r="http://schemas.openxmlformats.org/officeDocument/2006/relationships" xmlns:p="http://schemas.openxmlformats.org/presentationml/2006/main">
+  <p:cSld>
+    <p:spTree>
+      <p:nvGrpSpPr>
+        <p:cNvPr id="1" name=""/>
+        <p:cNvGrpSpPr/>
+        <p:nvPr/>
+      </p:nvGrpSpPr>
+      <p:grpSpPr>
+        <a:xfrm>
+          <a:off x="0" y="0"/>
+          <a:ext cx="0" cy="0"/>
+          <a:chOff x="0" y="0"/>
+          <a:chExt cx="0" cy="0"/>
+        </a:xfrm>
+      </p:grpSpPr>
+      <p:sp>
+        <p:nvSpPr>
+          <p:cNvPr id="6" name="Content Placeholder 2">
+            <a:extLst>
+              <a:ext uri="{FF2B5EF4-FFF2-40B4-BE49-F238E27FC236}">
+                <a16:creationId xmlns:a16="http://schemas.microsoft.com/office/drawing/2014/main" id="{1C5B3B9E-8C6D-3857-4465-5588A4A829B0}"/>
+              </a:ext>
+            </a:extLst>
+          </p:cNvPr>
+          <p:cNvSpPr txBox="1">
+            <a:spLocks/>
+          </p:cNvSpPr>
+          <p:nvPr/>
+        </p:nvSpPr>
+        <p:spPr>
+          <a:xfrm>
+            <a:off x="838200" y="688489"/>
+            <a:ext cx="10515600" cy="5488474"/>
+          </a:xfrm>
+          <a:prstGeom prst="rect">
+            <a:avLst/>
+          </a:prstGeom>
+        </p:spPr>
+        <p:txBody>
+          <a:bodyPr/>
+          <a:lstStyle>
+            <a:lvl1pPr marL="228600" indent="-228600" algn="l" defTabSz="914400" rtl="0" eaLnBrk="1" latinLnBrk="0" hangingPunct="1">
+              <a:lnSpc>
+                <a:spcPct val="90000"/>
+              </a:lnSpc>
+              <a:spcBef>
+                <a:spcPts val="1000"/>
+              </a:spcBef>
+              <a:buFont typeface="Arial" panose="020B0604020202020204" pitchFamily="34" charset="0"/>
+              <a:buChar char="•"/>
+              <a:defRPr sz="2800" kern="1200">
+                <a:solidFill>
+                  <a:schemeClr val="tx1"/>
+                </a:solidFill>
+                <a:latin typeface="+mn-lt"/>
+                <a:ea typeface="+mn-ea"/>
+                <a:cs typeface="+mn-cs"/>
+              </a:defRPr>
+            </a:lvl1pPr>
+            <a:lvl2pPr marL="685800" indent="-228600" algn="l" defTabSz="914400" rtl="0" eaLnBrk="1" latinLnBrk="0" hangingPunct="1">
+              <a:lnSpc>
+                <a:spcPct val="90000"/>
+              </a:lnSpc>
+              <a:spcBef>
+                <a:spcPts val="500"/>
+              </a:spcBef>
+              <a:buFont typeface="Arial" panose="020B0604020202020204" pitchFamily="34" charset="0"/>
+              <a:buChar char="•"/>
+              <a:defRPr sz="2400" kern="1200">
+                <a:solidFill>
+                  <a:schemeClr val="tx1"/>
+                </a:solidFill>
+                <a:latin typeface="+mn-lt"/>
+                <a:ea typeface="+mn-ea"/>
+                <a:cs typeface="+mn-cs"/>
+              </a:defRPr>
+            </a:lvl2pPr>
+            <a:lvl3pPr marL="1143000" indent="-228600" algn="l" defTabSz="914400" rtl="0" eaLnBrk="1" latinLnBrk="0" hangingPunct="1">
+              <a:lnSpc>
+                <a:spcPct val="90000"/>
+              </a:lnSpc>
+              <a:spcBef>
+                <a:spcPts val="500"/>
+              </a:spcBef>
+              <a:buFont typeface="Arial" panose="020B0604020202020204" pitchFamily="34" charset="0"/>
+              <a:buChar char="•"/>
+              <a:defRPr sz="2000" kern="1200">
+                <a:solidFill>
+                  <a:schemeClr val="tx1"/>
+                </a:solidFill>
+                <a:latin typeface="+mn-lt"/>
+                <a:ea typeface="+mn-ea"/>
+                <a:cs typeface="+mn-cs"/>
+              </a:defRPr>
+            </a:lvl3pPr>
+            <a:lvl4pPr marL="1600200" indent="-228600" algn="l" defTabSz="914400" rtl="0" eaLnBrk="1" latinLnBrk="0" hangingPunct="1">
+              <a:lnSpc>
+                <a:spcPct val="90000"/>
+              </a:lnSpc>
+              <a:spcBef>
+                <a:spcPts val="500"/>
+              </a:spcBef>
+              <a:buFont typeface="Arial" panose="020B0604020202020204" pitchFamily="34" charset="0"/>
+              <a:buChar char="•"/>
+              <a:defRPr sz="1800" kern="1200">
+                <a:solidFill>
+                  <a:schemeClr val="tx1"/>
+                </a:solidFill>
+                <a:latin typeface="+mn-lt"/>
+                <a:ea typeface="+mn-ea"/>
+                <a:cs typeface="+mn-cs"/>
+              </a:defRPr>
+            </a:lvl4pPr>
+            <a:lvl5pPr marL="2057400" indent="-228600" algn="l" defTabSz="914400" rtl="0" eaLnBrk="1" latinLnBrk="0" hangingPunct="1">
+              <a:lnSpc>
+                <a:spcPct val="90000"/>
+              </a:lnSpc>
+              <a:spcBef>
+                <a:spcPts val="500"/>
+              </a:spcBef>
+              <a:buFont typeface="Arial" panose="020B0604020202020204" pitchFamily="34" charset="0"/>
+              <a:buChar char="•"/>
+              <a:defRPr sz="1800" kern="1200">
+                <a:solidFill>
+                  <a:schemeClr val="tx1"/>
+                </a:solidFill>
+                <a:latin typeface="+mn-lt"/>
+                <a:ea typeface="+mn-ea"/>
+                <a:cs typeface="+mn-cs"/>
+              </a:defRPr>
+            </a:lvl5pPr>
+            <a:lvl6pPr marL="2514600" indent="-228600" algn="l" defTabSz="914400" rtl="0" eaLnBrk="1" latinLnBrk="0" hangingPunct="1">
+              <a:lnSpc>
+                <a:spcPct val="90000"/>
+              </a:lnSpc>
+              <a:spcBef>
+                <a:spcPts val="500"/>
+              </a:spcBef>
+              <a:buFont typeface="Arial" panose="020B0604020202020204" pitchFamily="34" charset="0"/>
+              <a:buChar char="•"/>
+              <a:defRPr sz="1800" kern="1200">
+                <a:solidFill>
+                  <a:schemeClr val="tx1"/>
+                </a:solidFill>
+                <a:latin typeface="+mn-lt"/>
+                <a:ea typeface="+mn-ea"/>
+                <a:cs typeface="+mn-cs"/>
+              </a:defRPr>
+            </a:lvl6pPr>
+            <a:lvl7pPr marL="2971800" indent="-228600" algn="l" defTabSz="914400" rtl="0" eaLnBrk="1" latinLnBrk="0" hangingPunct="1">
+              <a:lnSpc>
+                <a:spcPct val="90000"/>
+              </a:lnSpc>
+              <a:spcBef>
+                <a:spcPts val="500"/>
+              </a:spcBef>
+              <a:buFont typeface="Arial" panose="020B0604020202020204" pitchFamily="34" charset="0"/>
+              <a:buChar char="•"/>
+              <a:defRPr sz="1800" kern="1200">
+                <a:solidFill>
+                  <a:schemeClr val="tx1"/>
+                </a:solidFill>
+                <a:latin typeface="+mn-lt"/>
+                <a:ea typeface="+mn-ea"/>
+                <a:cs typeface="+mn-cs"/>
+              </a:defRPr>
+            </a:lvl7pPr>
+            <a:lvl8pPr marL="3429000" indent="-228600" algn="l" defTabSz="914400" rtl="0" eaLnBrk="1" latinLnBrk="0" hangingPunct="1">
+              <a:lnSpc>
+                <a:spcPct val="90000"/>
+              </a:lnSpc>
+              <a:spcBef>
+                <a:spcPts val="500"/>
+              </a:spcBef>
+              <a:buFont typeface="Arial" panose="020B0604020202020204" pitchFamily="34" charset="0"/>
+              <a:buChar char="•"/>
+              <a:defRPr sz="1800" kern="1200">
+                <a:solidFill>
+                  <a:schemeClr val="tx1"/>
+                </a:solidFill>
+                <a:latin typeface="+mn-lt"/>
+                <a:ea typeface="+mn-ea"/>
+                <a:cs typeface="+mn-cs"/>
+              </a:defRPr>
+            </a:lvl8pPr>
+            <a:lvl9pPr marL="3886200" indent="-228600" algn="l" defTabSz="914400" rtl="0" eaLnBrk="1" latinLnBrk="0" hangingPunct="1">
+              <a:lnSpc>
+                <a:spcPct val="90000"/>
+              </a:lnSpc>
+              <a:spcBef>
+                <a:spcPts val="500"/>
+              </a:spcBef>
+              <a:buFont typeface="Arial" panose="020B0604020202020204" pitchFamily="34" charset="0"/>
+              <a:buChar char="•"/>
+              <a:defRPr sz="1800" kern="1200">
+                <a:solidFill>
+                  <a:schemeClr val="tx1"/>
+                </a:solidFill>
+                <a:latin typeface="+mn-lt"/>
+                <a:ea typeface="+mn-ea"/>
+                <a:cs typeface="+mn-cs"/>
+              </a:defRPr>
+            </a:lvl9pPr>
+          </a:lstStyle>
+          <a:p>
+            <a:r>
+              <a:rPr lang="en-US" dirty="0"/>
+              <a:t>Calculate the total TV shows on each service</a:t>
+            </a:r>
+          </a:p>
+          <a:p>
+            <a:pPr lvl="1"/>
+            <a:r>
+              <a:rPr lang="en-US" dirty="0"/>
+              <a:t>Coding:</a:t>
+            </a:r>
+          </a:p>
+          <a:p>
+            <a:pPr lvl="1"/>
+            <a:endParaRPr lang="en-US" dirty="0"/>
+          </a:p>
+          <a:p>
+            <a:pPr lvl="1"/>
+            <a:endParaRPr lang="en-US" dirty="0"/>
+          </a:p>
+          <a:p>
+            <a:pPr lvl="1"/>
+            <a:endParaRPr lang="en-US" dirty="0"/>
+          </a:p>
+          <a:p>
+            <a:pPr lvl="1"/>
+            <a:endParaRPr lang="en-US" dirty="0"/>
+          </a:p>
+          <a:p>
+            <a:pPr lvl="1"/>
+            <a:endParaRPr lang="en-US" dirty="0"/>
+          </a:p>
+          <a:p>
+            <a:pPr lvl="1"/>
+            <a:endParaRPr lang="en-US" dirty="0"/>
+          </a:p>
+          <a:p>
+            <a:pPr lvl="1"/>
+            <a:endParaRPr lang="en-US" dirty="0"/>
+          </a:p>
+          <a:p>
+            <a:pPr lvl="1"/>
+            <a:r>
+              <a:rPr lang="en-US" dirty="0"/>
+              <a:t>Result:</a:t>
+            </a:r>
+          </a:p>
+          <a:p>
+            <a:pPr lvl="1"/>
+            <a:endParaRPr lang="en-US" dirty="0"/>
+          </a:p>
+          <a:p>
+            <a:pPr lvl="1"/>
+            <a:endParaRPr lang="en-US" dirty="0"/>
+          </a:p>
+          <a:p>
+            <a:endParaRPr lang="en-US" dirty="0"/>
+          </a:p>
+        </p:txBody>
+      </p:sp>
+      <p:pic>
+        <p:nvPicPr>
+          <p:cNvPr id="7" name="Picture 6">
+            <a:extLst>
+              <a:ext uri="{FF2B5EF4-FFF2-40B4-BE49-F238E27FC236}">
+                <a16:creationId xmlns:a16="http://schemas.microsoft.com/office/drawing/2014/main" id="{4306A442-871D-03A5-3FB1-C498D0ECA43D}"/>
+              </a:ext>
+            </a:extLst>
+          </p:cNvPr>
+          <p:cNvPicPr>
+            <a:picLocks noChangeAspect="1"/>
+          </p:cNvPicPr>
+          <p:nvPr/>
+        </p:nvPicPr>
+        <p:blipFill>
+          <a:blip r:embed="rId2"/>
+          <a:stretch>
+            <a:fillRect/>
+          </a:stretch>
+        </p:blipFill>
+        <p:spPr>
+          <a:xfrm>
+            <a:off x="1429787" y="1556643"/>
+            <a:ext cx="9966161" cy="2526331"/>
+          </a:xfrm>
+          <a:prstGeom prst="rect">
+            <a:avLst/>
+          </a:prstGeom>
+        </p:spPr>
+      </p:pic>
+      <p:pic>
+        <p:nvPicPr>
+          <p:cNvPr id="8" name="Picture 7">
+            <a:extLst>
+              <a:ext uri="{FF2B5EF4-FFF2-40B4-BE49-F238E27FC236}">
+                <a16:creationId xmlns:a16="http://schemas.microsoft.com/office/drawing/2014/main" id="{61641E48-3DE9-0E2B-7050-A3CD09ED5C23}"/>
+              </a:ext>
+            </a:extLst>
+          </p:cNvPr>
+          <p:cNvPicPr>
+            <a:picLocks noChangeAspect="1"/>
+          </p:cNvPicPr>
+          <p:nvPr/>
+        </p:nvPicPr>
+        <p:blipFill>
+          <a:blip r:embed="rId3"/>
+          <a:stretch>
+            <a:fillRect/>
+          </a:stretch>
+        </p:blipFill>
+        <p:spPr>
+          <a:xfrm>
+            <a:off x="1477916" y="4882996"/>
+            <a:ext cx="3032738" cy="1293967"/>
+          </a:xfrm>
+          <a:prstGeom prst="rect">
+            <a:avLst/>
+          </a:prstGeom>
+        </p:spPr>
+      </p:pic>
+    </p:spTree>
+    <p:extLst>
+      <p:ext uri="{BB962C8B-B14F-4D97-AF65-F5344CB8AC3E}">
+        <p14:creationId xmlns:p14="http://schemas.microsoft.com/office/powerpoint/2010/main" val="4191402482"/>
+      </p:ext>
+    </p:extLst>
+  </p:cSld>
+  <p:clrMapOvr>
+    <a:masterClrMapping/>
+  </p:clrMapOvr>
+</p:sld>
+</file>
+
+<file path=ppt/slides/slide18.xml><?xml version="1.0" encoding="utf-8"?>
+<p:sld xmlns:a="http://schemas.openxmlformats.org/drawingml/2006/main" xmlns:r="http://schemas.openxmlformats.org/officeDocument/2006/relationships" xmlns:p="http://schemas.openxmlformats.org/presentationml/2006/main">
+  <p:cSld>
+    <p:spTree>
+      <p:nvGrpSpPr>
+        <p:cNvPr id="1" name=""/>
+        <p:cNvGrpSpPr/>
+        <p:nvPr/>
+      </p:nvGrpSpPr>
+      <p:grpSpPr>
+        <a:xfrm>
+          <a:off x="0" y="0"/>
+          <a:ext cx="0" cy="0"/>
+          <a:chOff x="0" y="0"/>
+          <a:chExt cx="0" cy="0"/>
+        </a:xfrm>
+      </p:grpSpPr>
+      <p:sp>
+        <p:nvSpPr>
+          <p:cNvPr id="5" name="Title 1">
+            <a:extLst>
+              <a:ext uri="{FF2B5EF4-FFF2-40B4-BE49-F238E27FC236}">
+                <a16:creationId xmlns:a16="http://schemas.microsoft.com/office/drawing/2014/main" id="{5E247702-C34D-8350-0C07-830E7CD6DAD8}"/>
+              </a:ext>
+            </a:extLst>
+          </p:cNvPr>
+          <p:cNvSpPr txBox="1">
+            <a:spLocks/>
+          </p:cNvSpPr>
+          <p:nvPr/>
+        </p:nvSpPr>
+        <p:spPr>
+          <a:xfrm>
+            <a:off x="838200" y="365126"/>
+            <a:ext cx="4027713" cy="739774"/>
+          </a:xfrm>
+          <a:prstGeom prst="rect">
+            <a:avLst/>
+          </a:prstGeom>
+        </p:spPr>
+        <p:txBody>
+          <a:bodyPr>
+            <a:noAutofit/>
+          </a:bodyPr>
+          <a:lstStyle>
+            <a:lvl1pPr algn="l" defTabSz="914400" rtl="0" eaLnBrk="1" latinLnBrk="0" hangingPunct="1">
+              <a:lnSpc>
+                <a:spcPct val="90000"/>
+              </a:lnSpc>
+              <a:spcBef>
+                <a:spcPct val="0"/>
+              </a:spcBef>
+              <a:buNone/>
+              <a:defRPr sz="4400" kern="1200">
+                <a:solidFill>
+                  <a:schemeClr val="tx1"/>
+                </a:solidFill>
+                <a:latin typeface="+mj-lt"/>
+                <a:ea typeface="+mj-ea"/>
+                <a:cs typeface="+mj-cs"/>
+              </a:defRPr>
+            </a:lvl1pPr>
+          </a:lstStyle>
+          <a:p>
+            <a:r>
+              <a:rPr lang="en-US" sz="3200"/>
+              <a:t>Rotten Tomatoes</a:t>
+            </a:r>
+            <a:endParaRPr lang="en-US" sz="3200" dirty="0"/>
+          </a:p>
+        </p:txBody>
+      </p:sp>
+      <p:pic>
+        <p:nvPicPr>
+          <p:cNvPr id="6" name="Content Placeholder 5">
+            <a:extLst>
+              <a:ext uri="{FF2B5EF4-FFF2-40B4-BE49-F238E27FC236}">
+                <a16:creationId xmlns:a16="http://schemas.microsoft.com/office/drawing/2014/main" id="{FC6B4594-A95E-6AD8-AEF2-A2BBE61EF80D}"/>
+              </a:ext>
+            </a:extLst>
+          </p:cNvPr>
+          <p:cNvPicPr>
+            <a:picLocks noChangeAspect="1"/>
+          </p:cNvPicPr>
+          <p:nvPr/>
+        </p:nvPicPr>
+        <p:blipFill>
+          <a:blip r:embed="rId2"/>
+          <a:stretch>
+            <a:fillRect/>
+          </a:stretch>
+        </p:blipFill>
+        <p:spPr>
+          <a:xfrm>
+            <a:off x="960488" y="1187370"/>
+            <a:ext cx="5135511" cy="4460395"/>
+          </a:xfrm>
+          <a:prstGeom prst="rect">
+            <a:avLst/>
+          </a:prstGeom>
+        </p:spPr>
+      </p:pic>
+      <p:pic>
+        <p:nvPicPr>
+          <p:cNvPr id="9" name="Content Placeholder 7">
+            <a:extLst>
+              <a:ext uri="{FF2B5EF4-FFF2-40B4-BE49-F238E27FC236}">
+                <a16:creationId xmlns:a16="http://schemas.microsoft.com/office/drawing/2014/main" id="{DDA3627B-00B0-989A-5E9D-4700B6F4AE7D}"/>
+              </a:ext>
+            </a:extLst>
+          </p:cNvPr>
+          <p:cNvPicPr>
+            <a:picLocks noChangeAspect="1"/>
+          </p:cNvPicPr>
+          <p:nvPr/>
+        </p:nvPicPr>
+        <p:blipFill>
+          <a:blip r:embed="rId3"/>
+          <a:stretch>
+            <a:fillRect/>
+          </a:stretch>
+        </p:blipFill>
+        <p:spPr>
+          <a:xfrm>
+            <a:off x="6312049" y="1187370"/>
+            <a:ext cx="5181600" cy="4460395"/>
+          </a:xfrm>
+          <a:prstGeom prst="rect">
+            <a:avLst/>
+          </a:prstGeom>
+        </p:spPr>
+      </p:pic>
+    </p:spTree>
+    <p:extLst>
+      <p:ext uri="{BB962C8B-B14F-4D97-AF65-F5344CB8AC3E}">
+        <p14:creationId xmlns:p14="http://schemas.microsoft.com/office/powerpoint/2010/main" val="3969003933"/>
+      </p:ext>
+    </p:extLst>
+  </p:cSld>
+  <p:clrMapOvr>
+    <a:masterClrMapping/>
+  </p:clrMapOvr>
+</p:sld>
+</file>
+
+<file path=ppt/slides/slide19.xml><?xml version="1.0" encoding="utf-8"?>
+<p:sld xmlns:a="http://schemas.openxmlformats.org/drawingml/2006/main" xmlns:r="http://schemas.openxmlformats.org/officeDocument/2006/relationships" xmlns:p="http://schemas.openxmlformats.org/presentationml/2006/main">
+  <p:cSld>
+    <p:spTree>
+      <p:nvGrpSpPr>
+        <p:cNvPr id="1" name=""/>
+        <p:cNvGrpSpPr/>
+        <p:nvPr/>
+      </p:nvGrpSpPr>
+      <p:grpSpPr>
+        <a:xfrm>
+          <a:off x="0" y="0"/>
+          <a:ext cx="0" cy="0"/>
+          <a:chOff x="0" y="0"/>
+          <a:chExt cx="0" cy="0"/>
+        </a:xfrm>
+      </p:grpSpPr>
+      <p:sp>
+        <p:nvSpPr>
+          <p:cNvPr id="2" name="Title 1">
+            <a:extLst>
+              <a:ext uri="{FF2B5EF4-FFF2-40B4-BE49-F238E27FC236}">
+                <a16:creationId xmlns:a16="http://schemas.microsoft.com/office/drawing/2014/main" id="{AC1DD1A5-0C6A-0F78-B1B9-526E851B938A}"/>
+              </a:ext>
+            </a:extLst>
+          </p:cNvPr>
+          <p:cNvSpPr txBox="1">
+            <a:spLocks/>
+          </p:cNvSpPr>
+          <p:nvPr/>
+        </p:nvSpPr>
+        <p:spPr>
+          <a:xfrm>
+            <a:off x="838200" y="365126"/>
+            <a:ext cx="10619014" cy="818216"/>
+          </a:xfrm>
+          <a:prstGeom prst="rect">
+            <a:avLst/>
+          </a:prstGeom>
+        </p:spPr>
+        <p:txBody>
+          <a:bodyPr>
+            <a:normAutofit/>
+          </a:bodyPr>
+          <a:lstStyle>
+            <a:lvl1pPr algn="l" defTabSz="914400" rtl="0" eaLnBrk="1" latinLnBrk="0" hangingPunct="1">
+              <a:lnSpc>
+                <a:spcPct val="90000"/>
+              </a:lnSpc>
+              <a:spcBef>
+                <a:spcPct val="0"/>
+              </a:spcBef>
+              <a:buNone/>
+              <a:defRPr sz="4400" kern="1200">
+                <a:solidFill>
+                  <a:schemeClr val="tx1"/>
+                </a:solidFill>
+                <a:latin typeface="+mj-lt"/>
+                <a:ea typeface="+mj-ea"/>
+                <a:cs typeface="+mj-cs"/>
+              </a:defRPr>
+            </a:lvl1pPr>
+          </a:lstStyle>
+          <a:p>
+            <a:pPr algn="ctr"/>
+            <a:r>
+              <a:rPr lang="en-US" sz="3200" b="1"/>
+              <a:t>Who is the winner?</a:t>
+            </a:r>
+            <a:endParaRPr lang="en-US" sz="3200" b="1" dirty="0"/>
+          </a:p>
+        </p:txBody>
+      </p:sp>
+      <p:pic>
+        <p:nvPicPr>
+          <p:cNvPr id="3" name="Content Placeholder 7">
+            <a:extLst>
+              <a:ext uri="{FF2B5EF4-FFF2-40B4-BE49-F238E27FC236}">
+                <a16:creationId xmlns:a16="http://schemas.microsoft.com/office/drawing/2014/main" id="{0A9FB8AE-8F72-96DC-CF4D-B6335E591C52}"/>
+              </a:ext>
+            </a:extLst>
+          </p:cNvPr>
+          <p:cNvPicPr>
+            <a:picLocks noChangeAspect="1"/>
+          </p:cNvPicPr>
+          <p:nvPr/>
+        </p:nvPicPr>
+        <p:blipFill>
+          <a:blip r:embed="rId3"/>
+          <a:stretch>
+            <a:fillRect/>
+          </a:stretch>
+        </p:blipFill>
+        <p:spPr>
+          <a:xfrm>
+            <a:off x="838200" y="1371600"/>
+            <a:ext cx="5181600" cy="4722477"/>
+          </a:xfrm>
+          <a:prstGeom prst="rect">
+            <a:avLst/>
+          </a:prstGeom>
+        </p:spPr>
+      </p:pic>
+      <p:pic>
+        <p:nvPicPr>
+          <p:cNvPr id="5" name="Content Placeholder 5">
+            <a:extLst>
+              <a:ext uri="{FF2B5EF4-FFF2-40B4-BE49-F238E27FC236}">
+                <a16:creationId xmlns:a16="http://schemas.microsoft.com/office/drawing/2014/main" id="{26503E6D-EBB6-849D-2C50-313FBC7F8C22}"/>
+              </a:ext>
+            </a:extLst>
+          </p:cNvPr>
+          <p:cNvPicPr>
+            <a:picLocks noChangeAspect="1"/>
+          </p:cNvPicPr>
+          <p:nvPr/>
+        </p:nvPicPr>
+        <p:blipFill>
+          <a:blip r:embed="rId4"/>
+          <a:stretch>
+            <a:fillRect/>
+          </a:stretch>
+        </p:blipFill>
+        <p:spPr>
+          <a:xfrm>
+            <a:off x="6275614" y="1594757"/>
+            <a:ext cx="5181600" cy="4499320"/>
+          </a:xfrm>
+          <a:prstGeom prst="rect">
+            <a:avLst/>
+          </a:prstGeom>
+        </p:spPr>
+      </p:pic>
+    </p:spTree>
+    <p:extLst>
+      <p:ext uri="{BB962C8B-B14F-4D97-AF65-F5344CB8AC3E}">
+        <p14:creationId xmlns:p14="http://schemas.microsoft.com/office/powerpoint/2010/main" val="2891437390"/>
+      </p:ext>
+    </p:extLst>
+  </p:cSld>
+  <p:clrMapOvr>
+    <a:masterClrMapping/>
+  </p:clrMapOvr>
+</p:sld>
+</file>
+
+<file path=ppt/slides/slide2.xml><?xml version="1.0" encoding="utf-8"?>
+<p:sld xmlns:a="http://schemas.openxmlformats.org/drawingml/2006/main" xmlns:r="http://schemas.openxmlformats.org/officeDocument/2006/relationships" xmlns:p="http://schemas.openxmlformats.org/presentationml/2006/main">
+  <p:cSld>
+    <p:spTree>
+      <p:nvGrpSpPr>
+        <p:cNvPr id="1" name=""/>
+        <p:cNvGrpSpPr/>
+        <p:nvPr/>
+      </p:nvGrpSpPr>
+      <p:grpSpPr>
+        <a:xfrm>
+          <a:off x="0" y="0"/>
+          <a:ext cx="0" cy="0"/>
+          <a:chOff x="0" y="0"/>
+          <a:chExt cx="0" cy="0"/>
+        </a:xfrm>
+      </p:grpSpPr>
+      <p:sp>
+        <p:nvSpPr>
+          <p:cNvPr id="2" name="Title 1">
+            <a:extLst>
+              <a:ext uri="{FF2B5EF4-FFF2-40B4-BE49-F238E27FC236}">
+                <a16:creationId xmlns:a16="http://schemas.microsoft.com/office/drawing/2014/main" id="{46408683-B22D-3A70-9BB8-42088EC5BD7A}"/>
+              </a:ext>
+            </a:extLst>
+          </p:cNvPr>
+          <p:cNvSpPr>
+            <a:spLocks noGrp="1"/>
+          </p:cNvSpPr>
+          <p:nvPr>
+            <p:ph type="title"/>
+          </p:nvPr>
+        </p:nvSpPr>
+        <p:spPr/>
+        <p:txBody>
+          <a:bodyPr/>
+          <a:lstStyle/>
+          <a:p>
+            <a:r>
+              <a:rPr lang="en-US" dirty="0"/>
+              <a:t>Executive Summary</a:t>
+            </a:r>
+          </a:p>
+        </p:txBody>
+      </p:sp>
+      <p:sp>
+        <p:nvSpPr>
+          <p:cNvPr id="3" name="Content Placeholder 2">
+            <a:extLst>
+              <a:ext uri="{FF2B5EF4-FFF2-40B4-BE49-F238E27FC236}">
+                <a16:creationId xmlns:a16="http://schemas.microsoft.com/office/drawing/2014/main" id="{2A4AB622-10C2-BCAD-4D9C-935E257C73D5}"/>
+              </a:ext>
+            </a:extLst>
+          </p:cNvPr>
+          <p:cNvSpPr>
+            <a:spLocks noGrp="1"/>
+          </p:cNvSpPr>
+          <p:nvPr>
+            <p:ph idx="1"/>
+          </p:nvPr>
+        </p:nvSpPr>
+        <p:spPr/>
+        <p:txBody>
+          <a:bodyPr>
+            <a:normAutofit lnSpcReduction="10000"/>
+          </a:bodyPr>
+          <a:lstStyle/>
+          <a:p>
+            <a:r>
+              <a:rPr lang="en-US" dirty="0"/>
+              <a:t>Do you ever wonder which streaming service is right for your needs?</a:t>
+            </a:r>
+          </a:p>
+          <a:p>
+            <a:pPr lvl="1"/>
+            <a:r>
+              <a:rPr lang="en-US" dirty="0"/>
+              <a:t>Kids?</a:t>
+            </a:r>
+          </a:p>
+          <a:p>
+            <a:pPr lvl="1"/>
+            <a:r>
+              <a:rPr lang="en-US" dirty="0"/>
+              <a:t>Quality of content?</a:t>
+            </a:r>
+          </a:p>
+          <a:p>
+            <a:pPr lvl="1"/>
+            <a:r>
+              <a:rPr lang="en-US" dirty="0"/>
+              <a:t>Newest content?</a:t>
+            </a:r>
+          </a:p>
+          <a:p>
+            <a:r>
+              <a:rPr lang="en-US" dirty="0"/>
+              <a:t>Our project was reviewing data from streaming services to identify data trends-</a:t>
+            </a:r>
+          </a:p>
+          <a:p>
+            <a:pPr lvl="1"/>
+            <a:r>
+              <a:rPr lang="en-US" dirty="0"/>
+              <a:t>The focus was on four primary services:</a:t>
+            </a:r>
+          </a:p>
+          <a:p>
+            <a:pPr lvl="2"/>
+            <a:r>
+              <a:rPr lang="en-US" dirty="0"/>
+              <a:t>Netflix</a:t>
+            </a:r>
+          </a:p>
+          <a:p>
+            <a:pPr lvl="2"/>
+            <a:r>
+              <a:rPr lang="en-US" dirty="0"/>
+              <a:t>Hulu</a:t>
+            </a:r>
+          </a:p>
+          <a:p>
+            <a:pPr lvl="2"/>
+            <a:r>
+              <a:rPr lang="en-US" dirty="0"/>
+              <a:t>Amazon Prime</a:t>
+            </a:r>
+          </a:p>
+          <a:p>
+            <a:pPr lvl="2"/>
+            <a:r>
+              <a:rPr lang="en-US" dirty="0"/>
+              <a:t>Disney Plus</a:t>
+            </a:r>
+          </a:p>
+          <a:p>
+            <a:pPr marL="0" indent="0">
+              <a:buNone/>
+            </a:pPr>
+            <a:endParaRPr lang="en-US" dirty="0"/>
+          </a:p>
+        </p:txBody>
+      </p:sp>
+    </p:spTree>
+    <p:extLst>
+      <p:ext uri="{BB962C8B-B14F-4D97-AF65-F5344CB8AC3E}">
+        <p14:creationId xmlns:p14="http://schemas.microsoft.com/office/powerpoint/2010/main" val="1733622319"/>
+      </p:ext>
+    </p:extLst>
+  </p:cSld>
+  <p:clrMapOvr>
+    <a:masterClrMapping/>
+  </p:clrMapOvr>
+</p:sld>
+</file>
+
+<file path=ppt/slides/slide20.xml><?xml version="1.0" encoding="utf-8"?>
+<p:sld xmlns:a="http://schemas.openxmlformats.org/drawingml/2006/main" xmlns:r="http://schemas.openxmlformats.org/officeDocument/2006/relationships" xmlns:p="http://schemas.openxmlformats.org/presentationml/2006/main">
+  <p:cSld>
+    <p:spTree>
+      <p:nvGrpSpPr>
+        <p:cNvPr id="1" name=""/>
+        <p:cNvGrpSpPr/>
+        <p:nvPr/>
+      </p:nvGrpSpPr>
+      <p:grpSpPr>
+        <a:xfrm>
+          <a:off x="0" y="0"/>
+          <a:ext cx="0" cy="0"/>
+          <a:chOff x="0" y="0"/>
+          <a:chExt cx="0" cy="0"/>
+        </a:xfrm>
+      </p:grpSpPr>
+      <p:sp>
+        <p:nvSpPr>
+          <p:cNvPr id="9" name="Rectangle 1">
+            <a:extLst>
+              <a:ext uri="{FF2B5EF4-FFF2-40B4-BE49-F238E27FC236}">
+                <a16:creationId xmlns:a16="http://schemas.microsoft.com/office/drawing/2014/main" id="{9A3A5BC1-28C4-405D-9FF4-1EA93E88C494}"/>
+              </a:ext>
+            </a:extLst>
+          </p:cNvPr>
+          <p:cNvSpPr>
+            <a:spLocks noGrp="1" noChangeArrowheads="1"/>
+          </p:cNvSpPr>
+          <p:nvPr>
+            <p:ph type="title"/>
+          </p:nvPr>
+        </p:nvSpPr>
+        <p:spPr bwMode="auto">
+          <a:xfrm>
+            <a:off x="831850" y="2843719"/>
+            <a:ext cx="9685665" cy="584775"/>
+          </a:xfrm>
+          <a:prstGeom prst="rect">
+            <a:avLst/>
+          </a:prstGeom>
+          <a:noFill/>
+          <a:ln>
+            <a:noFill/>
+          </a:ln>
+          <a:effectLst/>
+          <a:extLst>
+            <a:ext uri="{909E8E84-426E-40DD-AFC4-6F175D3DCCD1}">
+              <a14:hiddenFill xmlns:a14="http://schemas.microsoft.com/office/drawing/2010/main">
+                <a:solidFill>
+                  <a:schemeClr val="accent1"/>
+                </a:solidFill>
+              </a14:hiddenFill>
+            </a:ext>
+            <a:ext uri="{91240B29-F687-4F45-9708-019B960494DF}">
+              <a14:hiddenLine xmlns:a14="http://schemas.microsoft.com/office/drawing/2010/main" w="9525">
+                <a:solidFill>
+                  <a:schemeClr val="tx1"/>
+                </a:solidFill>
+                <a:miter lim="800000"/>
+                <a:headEnd/>
+                <a:tailEnd/>
+              </a14:hiddenLine>
+            </a:ext>
+            <a:ext uri="{AF507438-7753-43E0-B8FC-AC1667EBCBE1}">
+              <a14:hiddenEffects xmlns:a14="http://schemas.microsoft.com/office/drawing/2010/main">
+                <a:effectLst>
+                  <a:outerShdw dist="35921" dir="2700000" algn="ctr" rotWithShape="0">
+                    <a:schemeClr val="bg2"/>
+                  </a:outerShdw>
+                </a:effectLst>
+              </a14:hiddenEffects>
+            </a:ext>
+          </a:extLst>
+        </p:spPr>
+        <p:txBody>
+          <a:bodyPr vert="horz" wrap="none" lIns="91440" tIns="45720" rIns="91440" bIns="45720" numCol="1" anchor="ctr" anchorCtr="0" compatLnSpc="1">
+            <a:prstTxWarp prst="textNoShape">
+              <a:avLst/>
+            </a:prstTxWarp>
+            <a:spAutoFit/>
+          </a:bodyPr>
+          <a:lstStyle/>
+          <a:p>
+            <a:pPr marL="0" marR="0" lvl="0" indent="0" algn="l" defTabSz="914400" rtl="0" eaLnBrk="0" fontAlgn="base" latinLnBrk="0" hangingPunct="0">
+              <a:lnSpc>
+                <a:spcPct val="100000"/>
+              </a:lnSpc>
+              <a:spcBef>
+                <a:spcPct val="0"/>
+              </a:spcBef>
+              <a:spcAft>
+                <a:spcPct val="0"/>
+              </a:spcAft>
+              <a:buClrTx/>
+              <a:buSzTx/>
+              <a:buFontTx/>
+              <a:buNone/>
+              <a:tabLst/>
+            </a:pPr>
+            <a:r>
+              <a:rPr kumimoji="0" lang="en-US" altLang="en-US" sz="3200" b="1" i="1" u="none" strike="noStrike" cap="none" normalizeH="0" baseline="0" dirty="0">
+                <a:ln>
+                  <a:noFill/>
+                </a:ln>
+                <a:effectLst/>
+                <a:latin typeface="Arial Unicode MS"/>
+              </a:rPr>
+              <a:t>Which year(s) had the most highly rated shows?</a:t>
+            </a:r>
+            <a:r>
+              <a:rPr kumimoji="0" lang="en-US" altLang="en-US" sz="3200" b="1" i="0" u="none" strike="noStrike" cap="none" normalizeH="0" baseline="0" dirty="0">
+                <a:ln>
+                  <a:noFill/>
+                </a:ln>
+                <a:effectLst/>
+              </a:rPr>
+              <a:t> </a:t>
+            </a:r>
+            <a:endParaRPr kumimoji="0" lang="en-US" altLang="en-US" sz="3200" b="1" i="0" u="none" strike="noStrike" cap="none" normalizeH="0" baseline="0" dirty="0">
+              <a:ln>
+                <a:noFill/>
+              </a:ln>
+              <a:effectLst/>
+              <a:latin typeface="Arial" panose="020B0604020202020204" pitchFamily="34" charset="0"/>
+            </a:endParaRPr>
+          </a:p>
+        </p:txBody>
+      </p:sp>
+    </p:spTree>
+    <p:extLst>
+      <p:ext uri="{BB962C8B-B14F-4D97-AF65-F5344CB8AC3E}">
+        <p14:creationId xmlns:p14="http://schemas.microsoft.com/office/powerpoint/2010/main" val="1431633947"/>
+      </p:ext>
+    </p:extLst>
+  </p:cSld>
+  <p:clrMapOvr>
+    <a:masterClrMapping/>
+  </p:clrMapOvr>
+</p:sld>
+</file>
+
+<file path=ppt/slides/slide21.xml><?xml version="1.0" encoding="utf-8"?>
+<p:sld xmlns:a="http://schemas.openxmlformats.org/drawingml/2006/main" xmlns:r="http://schemas.openxmlformats.org/officeDocument/2006/relationships" xmlns:p="http://schemas.openxmlformats.org/presentationml/2006/main">
+  <p:cSld>
+    <p:bg>
+      <p:bgPr>
+        <a:solidFill>
+          <a:schemeClr val="bg1"/>
+        </a:solidFill>
+        <a:effectLst/>
+      </p:bgPr>
+    </p:bg>
+    <p:spTree>
+      <p:nvGrpSpPr>
+        <p:cNvPr id="1" name=""/>
+        <p:cNvGrpSpPr/>
+        <p:nvPr/>
+      </p:nvGrpSpPr>
+      <p:grpSpPr>
+        <a:xfrm>
+          <a:off x="0" y="0"/>
+          <a:ext cx="0" cy="0"/>
+          <a:chOff x="0" y="0"/>
+          <a:chExt cx="0" cy="0"/>
+        </a:xfrm>
+      </p:grpSpPr>
+      <p:sp useBgFill="1">
+        <p:nvSpPr>
+          <p:cNvPr id="32" name="Rectangle 31">
+            <a:extLst>
+              <a:ext uri="{FF2B5EF4-FFF2-40B4-BE49-F238E27FC236}">
+                <a16:creationId xmlns:a16="http://schemas.microsoft.com/office/drawing/2014/main" id="{53B021B3-DE93-4AB7-8A18-CF5F1CED88B8}"/>
+              </a:ext>
+              <a:ext uri="{C183D7F6-B498-43B3-948B-1728B52AA6E4}">
+                <adec:decorative xmlns:adec="http://schemas.microsoft.com/office/drawing/2017/decorative" val="1"/>
+              </a:ext>
+            </a:extLst>
+          </p:cNvPr>
+          <p:cNvSpPr>
+            <a:spLocks noGrp="1" noRot="1" noChangeAspect="1" noMove="1" noResize="1" noEditPoints="1" noAdjustHandles="1" noChangeArrowheads="1" noChangeShapeType="1" noTextEdit="1"/>
+          </p:cNvSpPr>
+          <p:nvPr>
+            <p:extLst>
+              <p:ext uri="{386F3935-93C4-4BCD-93E2-E3B085C9AB24}">
+                <p16:designElem xmlns:p16="http://schemas.microsoft.com/office/powerpoint/2015/main" val="1"/>
+              </p:ext>
+            </p:extLst>
+          </p:nvPr>
+        </p:nvSpPr>
+        <p:spPr>
+          <a:xfrm>
+            <a:off x="0" y="0"/>
+            <a:ext cx="12192000" cy="6858000"/>
+          </a:xfrm>
+          <a:prstGeom prst="rect">
+            <a:avLst/>
+          </a:prstGeom>
+          <a:ln>
+            <a:noFill/>
+          </a:ln>
+        </p:spPr>
+        <p:style>
+          <a:lnRef idx="2">
+            <a:schemeClr val="accent1">
+              <a:shade val="50000"/>
+            </a:schemeClr>
+          </a:lnRef>
+          <a:fillRef idx="1">
+            <a:schemeClr val="accent1"/>
+          </a:fillRef>
+          <a:effectRef idx="0">
+            <a:schemeClr val="accent1"/>
+          </a:effectRef>
+          <a:fontRef idx="minor">
+            <a:schemeClr val="lt1"/>
+          </a:fontRef>
+        </p:style>
+        <p:txBody>
+          <a:bodyPr rtlCol="0" anchor="ctr"/>
+          <a:lstStyle/>
+          <a:p>
+            <a:pPr algn="ctr"/>
+            <a:endParaRPr lang="en-US"/>
+          </a:p>
+        </p:txBody>
+      </p:sp>
+      <p:sp>
+        <p:nvSpPr>
+          <p:cNvPr id="2" name="Title 1">
+            <a:extLst>
+              <a:ext uri="{FF2B5EF4-FFF2-40B4-BE49-F238E27FC236}">
+                <a16:creationId xmlns:a16="http://schemas.microsoft.com/office/drawing/2014/main" id="{6F77E0AD-D824-6B6E-5453-12456358687B}"/>
+              </a:ext>
+            </a:extLst>
+          </p:cNvPr>
+          <p:cNvSpPr>
+            <a:spLocks noGrp="1"/>
+          </p:cNvSpPr>
+          <p:nvPr>
+            <p:ph type="title"/>
+          </p:nvPr>
+        </p:nvSpPr>
+        <p:spPr>
+          <a:xfrm>
+            <a:off x="841248" y="256032"/>
+            <a:ext cx="10506456" cy="1014984"/>
+          </a:xfrm>
+        </p:spPr>
+        <p:txBody>
+          <a:bodyPr vert="horz" lIns="91440" tIns="45720" rIns="91440" bIns="45720" rtlCol="0" anchor="b">
+            <a:normAutofit/>
+          </a:bodyPr>
+          <a:lstStyle/>
+          <a:p>
+            <a:r>
+              <a:rPr lang="en-US" sz="3100" kern="1200">
+                <a:solidFill>
+                  <a:schemeClr val="tx1"/>
+                </a:solidFill>
+                <a:latin typeface="+mj-lt"/>
+                <a:ea typeface="+mj-ea"/>
+                <a:cs typeface="+mj-cs"/>
+              </a:rPr>
+              <a:t>Approach –</a:t>
+            </a:r>
+            <a:br>
+              <a:rPr lang="en-US" sz="3100" kern="1200">
+                <a:solidFill>
+                  <a:schemeClr val="tx1"/>
+                </a:solidFill>
+                <a:latin typeface="+mj-lt"/>
+                <a:ea typeface="+mj-ea"/>
+                <a:cs typeface="+mj-cs"/>
+              </a:rPr>
+            </a:br>
+            <a:r>
+              <a:rPr lang="en-US" sz="3100" kern="1200">
+                <a:solidFill>
+                  <a:schemeClr val="tx1"/>
+                </a:solidFill>
+                <a:latin typeface="+mj-lt"/>
+                <a:ea typeface="+mj-ea"/>
+                <a:cs typeface="+mj-cs"/>
+              </a:rPr>
+              <a:t>Modifying data</a:t>
+            </a:r>
+          </a:p>
+        </p:txBody>
+      </p:sp>
+      <p:sp>
+        <p:nvSpPr>
+          <p:cNvPr id="33" name="Rectangle 32">
+            <a:extLst>
+              <a:ext uri="{FF2B5EF4-FFF2-40B4-BE49-F238E27FC236}">
+                <a16:creationId xmlns:a16="http://schemas.microsoft.com/office/drawing/2014/main" id="{52D502E5-F6B4-4D58-B4AE-FC466FF15EE8}"/>
+              </a:ext>
+              <a:ext uri="{C183D7F6-B498-43B3-948B-1728B52AA6E4}">
+                <adec:decorative xmlns:adec="http://schemas.microsoft.com/office/drawing/2017/decorative" val="1"/>
+              </a:ext>
+            </a:extLst>
+          </p:cNvPr>
+          <p:cNvSpPr>
+            <a:spLocks noGrp="1" noRot="1" noChangeAspect="1" noMove="1" noResize="1" noEditPoints="1" noAdjustHandles="1" noChangeArrowheads="1" noChangeShapeType="1" noTextEdit="1"/>
+          </p:cNvSpPr>
+          <p:nvPr>
+            <p:extLst>
+              <p:ext uri="{386F3935-93C4-4BCD-93E2-E3B085C9AB24}">
+                <p16:designElem xmlns:p16="http://schemas.microsoft.com/office/powerpoint/2015/main" val="1"/>
+              </p:ext>
+            </p:extLst>
+          </p:nvPr>
+        </p:nvSpPr>
+        <p:spPr>
+          <a:xfrm>
+            <a:off x="865953" y="1634502"/>
+            <a:ext cx="10451592" cy="18288"/>
+          </a:xfrm>
+          <a:prstGeom prst="rect">
+            <a:avLst/>
+          </a:prstGeom>
+          <a:solidFill>
+            <a:srgbClr val="D5D5D5"/>
+          </a:solidFill>
+          <a:ln w="3175">
+            <a:noFill/>
+          </a:ln>
+          <a:effectLst/>
+        </p:spPr>
+        <p:style>
+          <a:lnRef idx="2">
+            <a:schemeClr val="accent1">
+              <a:shade val="50000"/>
+            </a:schemeClr>
+          </a:lnRef>
+          <a:fillRef idx="1">
+            <a:schemeClr val="accent1"/>
+          </a:fillRef>
+          <a:effectRef idx="0">
+            <a:schemeClr val="accent1"/>
+          </a:effectRef>
+          <a:fontRef idx="minor">
+            <a:schemeClr val="lt1"/>
+          </a:fontRef>
+        </p:style>
+        <p:txBody>
+          <a:bodyPr rtlCol="0" anchor="ctr"/>
+          <a:lstStyle/>
+          <a:p>
+            <a:pPr algn="ctr"/>
+            <a:endParaRPr lang="en-US">
+              <a:solidFill>
+                <a:prstClr val="white"/>
+              </a:solidFill>
+              <a:latin typeface="Calibri" panose="020F0502020204030204"/>
+            </a:endParaRPr>
+          </a:p>
+        </p:txBody>
+      </p:sp>
+      <p:sp>
+        <p:nvSpPr>
+          <p:cNvPr id="31" name="Rectangle 30">
+            <a:extLst>
+              <a:ext uri="{FF2B5EF4-FFF2-40B4-BE49-F238E27FC236}">
+                <a16:creationId xmlns:a16="http://schemas.microsoft.com/office/drawing/2014/main" id="{9DECDBF4-02B6-4BB4-B65B-B8107AD6A9E8}"/>
+              </a:ext>
+              <a:ext uri="{C183D7F6-B498-43B3-948B-1728B52AA6E4}">
+                <adec:decorative xmlns:adec="http://schemas.microsoft.com/office/drawing/2017/decorative" val="1"/>
+              </a:ext>
+            </a:extLst>
+          </p:cNvPr>
+          <p:cNvSpPr>
+            <a:spLocks noGrp="1" noRot="1" noChangeAspect="1" noMove="1" noResize="1" noEditPoints="1" noAdjustHandles="1" noChangeArrowheads="1" noChangeShapeType="1" noTextEdit="1"/>
+          </p:cNvSpPr>
+          <p:nvPr>
+            <p:extLst>
+              <p:ext uri="{386F3935-93C4-4BCD-93E2-E3B085C9AB24}">
+                <p16:designElem xmlns:p16="http://schemas.microsoft.com/office/powerpoint/2015/main" val="1"/>
+              </p:ext>
+            </p:extLst>
+          </p:nvPr>
+        </p:nvSpPr>
+        <p:spPr>
+          <a:xfrm flipV="1">
+            <a:off x="841248" y="1538176"/>
+            <a:ext cx="1873457" cy="109814"/>
+          </a:xfrm>
+          <a:prstGeom prst="rect">
+            <a:avLst/>
+          </a:prstGeom>
+          <a:solidFill>
+            <a:schemeClr val="accent2"/>
+          </a:solidFill>
+          <a:ln>
+            <a:noFill/>
+          </a:ln>
+        </p:spPr>
+        <p:style>
+          <a:lnRef idx="2">
+            <a:schemeClr val="accent1">
+              <a:shade val="50000"/>
+            </a:schemeClr>
+          </a:lnRef>
+          <a:fillRef idx="1">
+            <a:schemeClr val="accent1"/>
+          </a:fillRef>
+          <a:effectRef idx="0">
+            <a:schemeClr val="accent1"/>
+          </a:effectRef>
+          <a:fontRef idx="minor">
+            <a:schemeClr val="lt1"/>
+          </a:fontRef>
+        </p:style>
+        <p:txBody>
+          <a:bodyPr rtlCol="0" anchor="ctr"/>
+          <a:lstStyle/>
+          <a:p>
+            <a:pPr algn="ctr"/>
+            <a:endParaRPr lang="en-US">
+              <a:solidFill>
+                <a:prstClr val="white"/>
+              </a:solidFill>
+              <a:latin typeface="Calibri" panose="020F0502020204030204"/>
+            </a:endParaRPr>
+          </a:p>
+        </p:txBody>
+      </p:sp>
+      <p:pic>
+        <p:nvPicPr>
+          <p:cNvPr id="11" name="Picture 10">
+            <a:extLst>
+              <a:ext uri="{FF2B5EF4-FFF2-40B4-BE49-F238E27FC236}">
+                <a16:creationId xmlns:a16="http://schemas.microsoft.com/office/drawing/2014/main" id="{7AF43B50-865E-2137-67D1-D586E2596EB4}"/>
+              </a:ext>
+            </a:extLst>
+          </p:cNvPr>
+          <p:cNvPicPr>
+            <a:picLocks noChangeAspect="1"/>
+          </p:cNvPicPr>
+          <p:nvPr/>
+        </p:nvPicPr>
+        <p:blipFill>
+          <a:blip r:embed="rId2"/>
+          <a:stretch>
+            <a:fillRect/>
+          </a:stretch>
+        </p:blipFill>
+        <p:spPr>
+          <a:xfrm>
+            <a:off x="6356435" y="2917017"/>
+            <a:ext cx="4052196" cy="3366773"/>
+          </a:xfrm>
+          <a:prstGeom prst="rect">
+            <a:avLst/>
+          </a:prstGeom>
+        </p:spPr>
+      </p:pic>
+      <p:pic>
+        <p:nvPicPr>
+          <p:cNvPr id="13" name="Picture 12">
+            <a:extLst>
+              <a:ext uri="{FF2B5EF4-FFF2-40B4-BE49-F238E27FC236}">
+                <a16:creationId xmlns:a16="http://schemas.microsoft.com/office/drawing/2014/main" id="{99B63D77-7C28-79A8-5BD6-92F0F293F466}"/>
+              </a:ext>
+            </a:extLst>
+          </p:cNvPr>
+          <p:cNvPicPr>
+            <a:picLocks noChangeAspect="1"/>
+          </p:cNvPicPr>
+          <p:nvPr/>
+        </p:nvPicPr>
+        <p:blipFill>
+          <a:blip r:embed="rId3"/>
+          <a:stretch>
+            <a:fillRect/>
+          </a:stretch>
+        </p:blipFill>
+        <p:spPr>
+          <a:xfrm>
+            <a:off x="1670820" y="3599679"/>
+            <a:ext cx="4210803" cy="2684111"/>
+          </a:xfrm>
+          <a:prstGeom prst="rect">
+            <a:avLst/>
+          </a:prstGeom>
+        </p:spPr>
+      </p:pic>
+      <p:pic>
+        <p:nvPicPr>
+          <p:cNvPr id="15" name="Picture 14">
+            <a:extLst>
+              <a:ext uri="{FF2B5EF4-FFF2-40B4-BE49-F238E27FC236}">
+                <a16:creationId xmlns:a16="http://schemas.microsoft.com/office/drawing/2014/main" id="{2734C4F8-2762-6588-4597-AF743E455A5D}"/>
+              </a:ext>
+            </a:extLst>
+          </p:cNvPr>
+          <p:cNvPicPr>
+            <a:picLocks noChangeAspect="1"/>
+          </p:cNvPicPr>
+          <p:nvPr/>
+        </p:nvPicPr>
+        <p:blipFill>
+          <a:blip r:embed="rId4"/>
+          <a:stretch>
+            <a:fillRect/>
+          </a:stretch>
+        </p:blipFill>
+        <p:spPr>
+          <a:xfrm>
+            <a:off x="1670820" y="2588640"/>
+            <a:ext cx="3794834" cy="742720"/>
+          </a:xfrm>
+          <a:prstGeom prst="rect">
+            <a:avLst/>
+          </a:prstGeom>
+        </p:spPr>
+      </p:pic>
+      <p:sp>
+        <p:nvSpPr>
+          <p:cNvPr id="16" name="Rectangle 15">
+            <a:extLst>
+              <a:ext uri="{FF2B5EF4-FFF2-40B4-BE49-F238E27FC236}">
+                <a16:creationId xmlns:a16="http://schemas.microsoft.com/office/drawing/2014/main" id="{0A8210A1-9065-E871-2709-8EFD9C310BE4}"/>
+              </a:ext>
+            </a:extLst>
+          </p:cNvPr>
+          <p:cNvSpPr/>
+          <p:nvPr/>
+        </p:nvSpPr>
+        <p:spPr>
+          <a:xfrm>
+            <a:off x="3457731" y="4258279"/>
+            <a:ext cx="928566" cy="142856"/>
+          </a:xfrm>
+          <a:prstGeom prst="rect">
+            <a:avLst/>
+          </a:prstGeom>
+          <a:noFill/>
+          <a:ln w="38100">
+            <a:solidFill>
+              <a:srgbClr val="FF0000"/>
+            </a:solidFill>
+          </a:ln>
+        </p:spPr>
+        <p:style>
+          <a:lnRef idx="2">
+            <a:schemeClr val="accent1">
+              <a:shade val="15000"/>
+            </a:schemeClr>
+          </a:lnRef>
+          <a:fillRef idx="1">
+            <a:schemeClr val="accent1"/>
+          </a:fillRef>
+          <a:effectRef idx="0">
+            <a:schemeClr val="accent1"/>
+          </a:effectRef>
+          <a:fontRef idx="minor">
+            <a:schemeClr val="lt1"/>
+          </a:fontRef>
+        </p:style>
+        <p:txBody>
+          <a:bodyPr rtlCol="0" anchor="ctr"/>
+          <a:lstStyle/>
+          <a:p>
+            <a:pPr algn="ctr"/>
+            <a:endParaRPr lang="en-US"/>
+          </a:p>
+        </p:txBody>
+      </p:sp>
+      <p:cxnSp>
+        <p:nvCxnSpPr>
+          <p:cNvPr id="18" name="Straight Arrow Connector 17">
+            <a:extLst>
+              <a:ext uri="{FF2B5EF4-FFF2-40B4-BE49-F238E27FC236}">
+                <a16:creationId xmlns:a16="http://schemas.microsoft.com/office/drawing/2014/main" id="{281EDDC0-A984-1B43-86CF-3F09CABD2FDB}"/>
+              </a:ext>
+            </a:extLst>
+          </p:cNvPr>
+          <p:cNvCxnSpPr>
+            <a:cxnSpLocks/>
+          </p:cNvCxnSpPr>
+          <p:nvPr/>
+        </p:nvCxnSpPr>
+        <p:spPr>
+          <a:xfrm flipV="1">
+            <a:off x="3613816" y="3323423"/>
+            <a:ext cx="185183" cy="666536"/>
+          </a:xfrm>
+          <a:prstGeom prst="straightConnector1">
+            <a:avLst/>
+          </a:prstGeom>
+          <a:ln>
+            <a:solidFill>
+              <a:srgbClr val="FF0000"/>
+            </a:solidFill>
+            <a:tailEnd type="triangle"/>
+          </a:ln>
+        </p:spPr>
+        <p:style>
+          <a:lnRef idx="2">
+            <a:schemeClr val="accent1"/>
+          </a:lnRef>
+          <a:fillRef idx="0">
+            <a:schemeClr val="accent1"/>
+          </a:fillRef>
+          <a:effectRef idx="1">
+            <a:schemeClr val="accent1"/>
+          </a:effectRef>
+          <a:fontRef idx="minor">
+            <a:schemeClr val="tx1"/>
+          </a:fontRef>
+        </p:style>
+      </p:cxnSp>
+      <p:cxnSp>
+        <p:nvCxnSpPr>
+          <p:cNvPr id="19" name="Straight Arrow Connector 18">
+            <a:extLst>
+              <a:ext uri="{FF2B5EF4-FFF2-40B4-BE49-F238E27FC236}">
+                <a16:creationId xmlns:a16="http://schemas.microsoft.com/office/drawing/2014/main" id="{030F1A03-7E4A-C111-3318-A69633ACA387}"/>
+              </a:ext>
+            </a:extLst>
+          </p:cNvPr>
+          <p:cNvCxnSpPr>
+            <a:cxnSpLocks/>
+          </p:cNvCxnSpPr>
+          <p:nvPr/>
+        </p:nvCxnSpPr>
+        <p:spPr>
+          <a:xfrm flipV="1">
+            <a:off x="4185240" y="3331359"/>
+            <a:ext cx="708991" cy="761579"/>
+          </a:xfrm>
+          <a:prstGeom prst="straightConnector1">
+            <a:avLst/>
+          </a:prstGeom>
+          <a:ln>
+            <a:solidFill>
+              <a:srgbClr val="FF0000"/>
+            </a:solidFill>
+            <a:tailEnd type="triangle"/>
+          </a:ln>
+        </p:spPr>
+        <p:style>
+          <a:lnRef idx="2">
+            <a:schemeClr val="accent1"/>
+          </a:lnRef>
+          <a:fillRef idx="0">
+            <a:schemeClr val="accent1"/>
+          </a:fillRef>
+          <a:effectRef idx="1">
+            <a:schemeClr val="accent1"/>
+          </a:effectRef>
+          <a:fontRef idx="minor">
+            <a:schemeClr val="tx1"/>
+          </a:fontRef>
+        </p:style>
+      </p:cxnSp>
+      <p:sp>
+        <p:nvSpPr>
+          <p:cNvPr id="22" name="TextBox 21">
+            <a:extLst>
+              <a:ext uri="{FF2B5EF4-FFF2-40B4-BE49-F238E27FC236}">
+                <a16:creationId xmlns:a16="http://schemas.microsoft.com/office/drawing/2014/main" id="{89133814-EF85-98BA-6D32-3D03171D3958}"/>
+              </a:ext>
+            </a:extLst>
+          </p:cNvPr>
+          <p:cNvSpPr txBox="1"/>
+          <p:nvPr/>
+        </p:nvSpPr>
+        <p:spPr>
+          <a:xfrm>
+            <a:off x="703333" y="1717024"/>
+            <a:ext cx="10356580" cy="584775"/>
+          </a:xfrm>
+          <a:prstGeom prst="rect">
+            <a:avLst/>
+          </a:prstGeom>
+          <a:noFill/>
+        </p:spPr>
+        <p:txBody>
+          <a:bodyPr wrap="square" rtlCol="0">
+            <a:spAutoFit/>
+          </a:bodyPr>
+          <a:lstStyle/>
+          <a:p>
+            <a:pPr marL="457200" indent="-457200" defTabSz="352044">
+              <a:spcAft>
+                <a:spcPts val="600"/>
+              </a:spcAft>
+              <a:buAutoNum type="arabicPeriod"/>
+            </a:pPr>
+            <a:r>
+              <a:rPr lang="en-US" sz="1600" kern="1200" dirty="0">
+                <a:solidFill>
+                  <a:schemeClr val="tx1"/>
+                </a:solidFill>
+                <a:latin typeface="+mn-lt"/>
+                <a:ea typeface="+mn-ea"/>
+                <a:cs typeface="+mn-cs"/>
+              </a:rPr>
+              <a:t>One important modification was from string data (involving a / ) in the rating information to integers for data analysis</a:t>
+            </a:r>
+            <a:endParaRPr lang="en-US" dirty="0"/>
+          </a:p>
+        </p:txBody>
+      </p:sp>
+    </p:spTree>
+    <p:extLst>
+      <p:ext uri="{BB962C8B-B14F-4D97-AF65-F5344CB8AC3E}">
+        <p14:creationId xmlns:p14="http://schemas.microsoft.com/office/powerpoint/2010/main" val="4249368755"/>
+      </p:ext>
+    </p:extLst>
+  </p:cSld>
+  <p:clrMapOvr>
+    <a:masterClrMapping/>
+  </p:clrMapOvr>
+</p:sld>
+</file>
+
+<file path=ppt/slides/slide22.xml><?xml version="1.0" encoding="utf-8"?>
+<p:sld xmlns:a="http://schemas.openxmlformats.org/drawingml/2006/main" xmlns:r="http://schemas.openxmlformats.org/officeDocument/2006/relationships" xmlns:p="http://schemas.openxmlformats.org/presentationml/2006/main">
+  <p:cSld>
+    <p:spTree>
+      <p:nvGrpSpPr>
+        <p:cNvPr id="1" name=""/>
+        <p:cNvGrpSpPr/>
+        <p:nvPr/>
+      </p:nvGrpSpPr>
+      <p:grpSpPr>
+        <a:xfrm>
+          <a:off x="0" y="0"/>
+          <a:ext cx="0" cy="0"/>
+          <a:chOff x="0" y="0"/>
+          <a:chExt cx="0" cy="0"/>
+        </a:xfrm>
+      </p:grpSpPr>
+      <p:sp>
+        <p:nvSpPr>
+          <p:cNvPr id="2" name="Title 1">
+            <a:extLst>
+              <a:ext uri="{FF2B5EF4-FFF2-40B4-BE49-F238E27FC236}">
+                <a16:creationId xmlns:a16="http://schemas.microsoft.com/office/drawing/2014/main" id="{6F77E0AD-D824-6B6E-5453-12456358687B}"/>
+              </a:ext>
+            </a:extLst>
+          </p:cNvPr>
+          <p:cNvSpPr>
+            <a:spLocks noGrp="1"/>
+          </p:cNvSpPr>
+          <p:nvPr>
+            <p:ph type="title"/>
+          </p:nvPr>
+        </p:nvSpPr>
+        <p:spPr/>
+        <p:txBody>
+          <a:bodyPr/>
+          <a:lstStyle/>
+          <a:p>
+            <a:r>
+              <a:rPr lang="en-US" dirty="0"/>
+              <a:t>Approach</a:t>
+            </a:r>
+            <a:br>
+              <a:rPr lang="en-US" dirty="0"/>
+            </a:br>
+            <a:endParaRPr lang="en-US" dirty="0"/>
+          </a:p>
+        </p:txBody>
+      </p:sp>
+      <p:sp>
+        <p:nvSpPr>
+          <p:cNvPr id="5" name="Text Placeholder 4">
+            <a:extLst>
+              <a:ext uri="{FF2B5EF4-FFF2-40B4-BE49-F238E27FC236}">
+                <a16:creationId xmlns:a16="http://schemas.microsoft.com/office/drawing/2014/main" id="{9E47819A-D1CA-406C-AFE6-774D546979EB}"/>
+              </a:ext>
+            </a:extLst>
+          </p:cNvPr>
+          <p:cNvSpPr>
+            <a:spLocks noGrp="1"/>
+          </p:cNvSpPr>
+          <p:nvPr>
+            <p:ph type="body" sz="half" idx="2"/>
+          </p:nvPr>
+        </p:nvSpPr>
+        <p:spPr>
+          <a:xfrm>
+            <a:off x="839788" y="2057400"/>
+            <a:ext cx="3932237" cy="2648164"/>
+          </a:xfrm>
+        </p:spPr>
+        <p:txBody>
+          <a:bodyPr/>
+          <a:lstStyle/>
+          <a:p>
+            <a:pPr marL="342900" indent="-342900">
+              <a:buAutoNum type="arabicPeriod" startAt="2"/>
+            </a:pPr>
+            <a:r>
+              <a:rPr lang="en-US" dirty="0"/>
+              <a:t>Filtering down to a specific score, which was decided amongst the team to be &gt; 80 for each ratings system</a:t>
+            </a:r>
+          </a:p>
+          <a:p>
+            <a:pPr marL="342900" indent="-342900">
+              <a:buAutoNum type="arabicPeriod" startAt="2"/>
+            </a:pPr>
+            <a:r>
+              <a:rPr lang="en-US" dirty="0"/>
+              <a:t>Plotting a line graph to display the counts for each year to visualize the continuum of years covered in each line graph</a:t>
+            </a:r>
+          </a:p>
+          <a:p>
+            <a:pPr marL="800100" lvl="1" indent="-342900">
+              <a:buFont typeface="Arial" panose="020B0604020202020204" pitchFamily="34" charset="0"/>
+              <a:buChar char="•"/>
+            </a:pPr>
+            <a:r>
+              <a:rPr lang="en-US" dirty="0"/>
+              <a:t>Because these ratings systems cover different years, plotting two lines on one graph is complicated </a:t>
+            </a:r>
+          </a:p>
+        </p:txBody>
+      </p:sp>
+      <p:pic>
+        <p:nvPicPr>
+          <p:cNvPr id="7" name="Picture 6">
+            <a:extLst>
+              <a:ext uri="{FF2B5EF4-FFF2-40B4-BE49-F238E27FC236}">
+                <a16:creationId xmlns:a16="http://schemas.microsoft.com/office/drawing/2014/main" id="{561ABE0C-0E80-72F2-68BA-5CB083E66F98}"/>
+              </a:ext>
+            </a:extLst>
+          </p:cNvPr>
+          <p:cNvPicPr>
+            <a:picLocks noChangeAspect="1"/>
+          </p:cNvPicPr>
+          <p:nvPr/>
+        </p:nvPicPr>
+        <p:blipFill>
+          <a:blip r:embed="rId2"/>
+          <a:stretch>
+            <a:fillRect/>
+          </a:stretch>
+        </p:blipFill>
+        <p:spPr>
+          <a:xfrm>
+            <a:off x="6368821" y="1040641"/>
+            <a:ext cx="4572000" cy="4776718"/>
+          </a:xfrm>
+          <a:prstGeom prst="rect">
+            <a:avLst/>
+          </a:prstGeom>
+        </p:spPr>
+      </p:pic>
+    </p:spTree>
+    <p:extLst>
+      <p:ext uri="{BB962C8B-B14F-4D97-AF65-F5344CB8AC3E}">
+        <p14:creationId xmlns:p14="http://schemas.microsoft.com/office/powerpoint/2010/main" val="3658290793"/>
+      </p:ext>
+    </p:extLst>
+  </p:cSld>
+  <p:clrMapOvr>
+    <a:masterClrMapping/>
+  </p:clrMapOvr>
+</p:sld>
+</file>
+
+<file path=ppt/slides/slide23.xml><?xml version="1.0" encoding="utf-8"?>
+<p:sld xmlns:a="http://schemas.openxmlformats.org/drawingml/2006/main" xmlns:r="http://schemas.openxmlformats.org/officeDocument/2006/relationships" xmlns:p="http://schemas.openxmlformats.org/presentationml/2006/main">
+  <p:cSld>
+    <p:bg>
+      <p:bgPr>
+        <a:solidFill>
+          <a:schemeClr val="bg1"/>
+        </a:solidFill>
+        <a:effectLst/>
+      </p:bgPr>
+    </p:bg>
+    <p:spTree>
+      <p:nvGrpSpPr>
+        <p:cNvPr id="1" name=""/>
+        <p:cNvGrpSpPr/>
+        <p:nvPr/>
+      </p:nvGrpSpPr>
+      <p:grpSpPr>
+        <a:xfrm>
+          <a:off x="0" y="0"/>
+          <a:ext cx="0" cy="0"/>
+          <a:chOff x="0" y="0"/>
+          <a:chExt cx="0" cy="0"/>
+        </a:xfrm>
+      </p:grpSpPr>
+      <p:sp>
+        <p:nvSpPr>
+          <p:cNvPr id="2" name="Title 1">
+            <a:extLst>
+              <a:ext uri="{FF2B5EF4-FFF2-40B4-BE49-F238E27FC236}">
+                <a16:creationId xmlns:a16="http://schemas.microsoft.com/office/drawing/2014/main" id="{6F77E0AD-D824-6B6E-5453-12456358687B}"/>
+              </a:ext>
+            </a:extLst>
+          </p:cNvPr>
+          <p:cNvSpPr>
+            <a:spLocks noGrp="1"/>
+          </p:cNvSpPr>
+          <p:nvPr>
+            <p:ph type="title"/>
+          </p:nvPr>
+        </p:nvSpPr>
+        <p:spPr>
+          <a:xfrm>
+            <a:off x="1295400" y="669925"/>
+            <a:ext cx="4800600" cy="1325563"/>
+          </a:xfrm>
+        </p:spPr>
+        <p:txBody>
+          <a:bodyPr vert="horz" lIns="91440" tIns="45720" rIns="91440" bIns="45720" rtlCol="0" anchor="b">
+            <a:normAutofit/>
+          </a:bodyPr>
+          <a:lstStyle/>
+          <a:p>
+            <a:r>
+              <a:rPr lang="en-US" sz="3200" b="1" dirty="0"/>
+              <a:t>Results</a:t>
+            </a:r>
+          </a:p>
+        </p:txBody>
+      </p:sp>
+      <p:sp>
+        <p:nvSpPr>
+          <p:cNvPr id="8" name="TextBox 7">
+            <a:extLst>
+              <a:ext uri="{FF2B5EF4-FFF2-40B4-BE49-F238E27FC236}">
+                <a16:creationId xmlns:a16="http://schemas.microsoft.com/office/drawing/2014/main" id="{4DEAA03B-287A-3FB8-E504-4D7AFD25CE6D}"/>
+              </a:ext>
+            </a:extLst>
+          </p:cNvPr>
+          <p:cNvSpPr txBox="1"/>
+          <p:nvPr/>
+        </p:nvSpPr>
+        <p:spPr>
+          <a:xfrm>
+            <a:off x="1295400" y="2288833"/>
+            <a:ext cx="4800600" cy="3444147"/>
+          </a:xfrm>
+          <a:prstGeom prst="rect">
+            <a:avLst/>
+          </a:prstGeom>
+        </p:spPr>
+        <p:txBody>
+          <a:bodyPr vert="horz" lIns="91440" tIns="45720" rIns="91440" bIns="45720" rtlCol="0">
+            <a:normAutofit/>
+          </a:bodyPr>
+          <a:lstStyle/>
+          <a:p>
+            <a:pPr marL="0" marR="0" lvl="0" indent="-228600" algn="l" defTabSz="914400" rtl="0" eaLnBrk="1" fontAlgn="auto" latinLnBrk="0" hangingPunct="1">
+              <a:lnSpc>
+                <a:spcPct val="90000"/>
+              </a:lnSpc>
+              <a:spcBef>
+                <a:spcPts val="0"/>
+              </a:spcBef>
+              <a:spcAft>
+                <a:spcPts val="600"/>
+              </a:spcAft>
+              <a:buClrTx/>
+              <a:buSzTx/>
+              <a:buFont typeface="Arial" panose="020B0604020202020204" pitchFamily="34" charset="0"/>
+              <a:buChar char="•"/>
+              <a:tabLst/>
+              <a:defRPr/>
+            </a:pPr>
+            <a:r>
+              <a:rPr kumimoji="0" lang="en-US" sz="1600" b="0" i="0" u="none" strike="noStrike" kern="1200" cap="none" spc="0" normalizeH="0" baseline="0" noProof="0" dirty="0">
+                <a:ln>
+                  <a:noFill/>
+                </a:ln>
+                <a:solidFill>
+                  <a:prstClr val="white"/>
+                </a:solidFill>
+                <a:effectLst/>
+                <a:uLnTx/>
+                <a:uFillTx/>
+                <a:latin typeface="Aptos" panose="02110004020202020204"/>
+                <a:ea typeface="+mn-ea"/>
+                <a:cs typeface="+mn-cs"/>
+              </a:rPr>
+              <a:t>IMDb’s year with the most highly rated shows is </a:t>
+            </a:r>
+            <a:r>
+              <a:rPr kumimoji="0" lang="en-US" sz="1600" b="1" i="0" u="none" strike="noStrike" kern="1200" cap="none" spc="0" normalizeH="0" baseline="0" noProof="0" dirty="0">
+                <a:ln>
+                  <a:noFill/>
+                </a:ln>
+                <a:solidFill>
+                  <a:prstClr val="white"/>
+                </a:solidFill>
+                <a:effectLst/>
+                <a:uLnTx/>
+                <a:uFillTx/>
+                <a:latin typeface="Aptos" panose="02110004020202020204"/>
+                <a:ea typeface="+mn-ea"/>
+                <a:cs typeface="+mn-cs"/>
+              </a:rPr>
+              <a:t>2019</a:t>
+            </a:r>
+            <a:r>
+              <a:rPr kumimoji="0" lang="en-US" sz="1600" b="0" i="0" u="none" strike="noStrike" kern="1200" cap="none" spc="0" normalizeH="0" baseline="0" noProof="0" dirty="0">
+                <a:ln>
+                  <a:noFill/>
+                </a:ln>
+                <a:solidFill>
+                  <a:prstClr val="white"/>
+                </a:solidFill>
+                <a:effectLst/>
+                <a:uLnTx/>
+                <a:uFillTx/>
+                <a:latin typeface="Aptos" panose="02110004020202020204"/>
+                <a:ea typeface="+mn-ea"/>
+                <a:cs typeface="+mn-cs"/>
+              </a:rPr>
+              <a:t>:</a:t>
+            </a:r>
+          </a:p>
+          <a:p>
+            <a:pPr lvl="1" indent="-228600" defTabSz="914400">
+              <a:lnSpc>
+                <a:spcPct val="90000"/>
+              </a:lnSpc>
+              <a:spcAft>
+                <a:spcPts val="600"/>
+              </a:spcAft>
+              <a:buFont typeface="Arial" panose="020B0604020202020204" pitchFamily="34" charset="0"/>
+              <a:buChar char="•"/>
+              <a:defRPr/>
+            </a:pPr>
+            <a:r>
+              <a:rPr kumimoji="0" lang="en-US" sz="1600" b="0" i="0" u="none" strike="noStrike" kern="1200" cap="none" spc="0" normalizeH="0" baseline="0" noProof="0" dirty="0">
+                <a:ln>
+                  <a:noFill/>
+                </a:ln>
+                <a:solidFill>
+                  <a:prstClr val="white"/>
+                </a:solidFill>
+                <a:effectLst/>
+                <a:uLnTx/>
+                <a:uFillTx/>
+                <a:latin typeface="Aptos" panose="02110004020202020204"/>
+                <a:ea typeface="+mn-ea"/>
+                <a:cs typeface="+mn-cs"/>
+              </a:rPr>
+              <a:t> in which they had 85 unique shows with an IMDb rating &gt; 80 (or 80/100 in their system)</a:t>
+            </a:r>
+          </a:p>
+          <a:p>
+            <a:pPr lvl="1" indent="-228600" defTabSz="914400">
+              <a:lnSpc>
+                <a:spcPct val="90000"/>
+              </a:lnSpc>
+              <a:spcAft>
+                <a:spcPts val="600"/>
+              </a:spcAft>
+              <a:buFont typeface="Arial" panose="020B0604020202020204" pitchFamily="34" charset="0"/>
+              <a:buChar char="•"/>
+              <a:defRPr/>
+            </a:pPr>
+            <a:r>
+              <a:rPr lang="en-US" sz="1600" dirty="0">
+                <a:solidFill>
+                  <a:prstClr val="white"/>
+                </a:solidFill>
+                <a:latin typeface="Aptos" panose="02110004020202020204"/>
+              </a:rPr>
+              <a:t>IMDb’s</a:t>
+            </a:r>
+            <a:r>
+              <a:rPr kumimoji="0" lang="en-US" sz="1600" b="0" i="0" u="none" strike="noStrike" kern="1200" cap="none" spc="0" normalizeH="0" baseline="0" noProof="0" dirty="0">
+                <a:ln>
+                  <a:noFill/>
+                </a:ln>
+                <a:solidFill>
+                  <a:prstClr val="white"/>
+                </a:solidFill>
+                <a:effectLst/>
+                <a:uLnTx/>
+                <a:uFillTx/>
+                <a:latin typeface="Aptos" panose="02110004020202020204"/>
+                <a:ea typeface="+mn-ea"/>
+                <a:cs typeface="+mn-cs"/>
+              </a:rPr>
+              <a:t> shows stretch back to 1934</a:t>
+            </a:r>
+          </a:p>
+          <a:p>
+            <a:pPr marL="0" marR="0" lvl="0" indent="-228600" algn="l" defTabSz="914400" rtl="0" eaLnBrk="1" fontAlgn="auto" latinLnBrk="0" hangingPunct="1">
+              <a:lnSpc>
+                <a:spcPct val="90000"/>
+              </a:lnSpc>
+              <a:spcBef>
+                <a:spcPts val="0"/>
+              </a:spcBef>
+              <a:spcAft>
+                <a:spcPts val="600"/>
+              </a:spcAft>
+              <a:buClrTx/>
+              <a:buSzTx/>
+              <a:buFont typeface="Arial" panose="020B0604020202020204" pitchFamily="34" charset="0"/>
+              <a:buChar char="•"/>
+              <a:tabLst/>
+              <a:defRPr/>
+            </a:pPr>
+            <a:r>
+              <a:rPr lang="en-US" sz="1600" dirty="0">
+                <a:solidFill>
+                  <a:prstClr val="white"/>
+                </a:solidFill>
+                <a:latin typeface="Aptos" panose="02110004020202020204"/>
+              </a:rPr>
+              <a:t>Rotten Tomatoes’ year with the most highly rated shows is </a:t>
+            </a:r>
+            <a:r>
+              <a:rPr lang="en-US" sz="1600" b="1" dirty="0">
+                <a:solidFill>
+                  <a:prstClr val="white"/>
+                </a:solidFill>
+                <a:latin typeface="Aptos" panose="02110004020202020204"/>
+              </a:rPr>
+              <a:t>2015</a:t>
+            </a:r>
+          </a:p>
+          <a:p>
+            <a:pPr lvl="1" indent="-228600" defTabSz="914400">
+              <a:lnSpc>
+                <a:spcPct val="90000"/>
+              </a:lnSpc>
+              <a:spcAft>
+                <a:spcPts val="600"/>
+              </a:spcAft>
+              <a:buFont typeface="Arial" panose="020B0604020202020204" pitchFamily="34" charset="0"/>
+              <a:buChar char="•"/>
+              <a:defRPr/>
+            </a:pPr>
+            <a:r>
+              <a:rPr lang="en-US" sz="1600" dirty="0">
+                <a:solidFill>
+                  <a:prstClr val="white"/>
+                </a:solidFill>
+                <a:latin typeface="Aptos" panose="02110004020202020204"/>
+              </a:rPr>
+              <a:t>in case they had 23 unique shows with a Rotten Tomatoes rating &gt; 8.0/10</a:t>
+            </a:r>
+          </a:p>
+          <a:p>
+            <a:pPr lvl="1" indent="-228600" defTabSz="914400">
+              <a:lnSpc>
+                <a:spcPct val="90000"/>
+              </a:lnSpc>
+              <a:spcAft>
+                <a:spcPts val="600"/>
+              </a:spcAft>
+              <a:buFont typeface="Arial" panose="020B0604020202020204" pitchFamily="34" charset="0"/>
+              <a:buChar char="•"/>
+              <a:defRPr/>
+            </a:pPr>
+            <a:r>
+              <a:rPr lang="en-US" sz="1600" dirty="0">
+                <a:solidFill>
+                  <a:prstClr val="white"/>
+                </a:solidFill>
+                <a:latin typeface="Aptos" panose="02110004020202020204"/>
+              </a:rPr>
+              <a:t>Rotten Tomatoes’ shows date back to 1959</a:t>
+            </a:r>
+          </a:p>
+          <a:p>
+            <a:pPr marL="0" marR="0" lvl="0" indent="-228600" algn="l" defTabSz="914400" rtl="0" eaLnBrk="1" fontAlgn="auto" latinLnBrk="0" hangingPunct="1">
+              <a:lnSpc>
+                <a:spcPct val="90000"/>
+              </a:lnSpc>
+              <a:spcBef>
+                <a:spcPts val="0"/>
+              </a:spcBef>
+              <a:spcAft>
+                <a:spcPts val="600"/>
+              </a:spcAft>
+              <a:buClrTx/>
+              <a:buSzTx/>
+              <a:buFont typeface="Arial" panose="020B0604020202020204" pitchFamily="34" charset="0"/>
+              <a:buChar char="•"/>
+              <a:tabLst/>
+              <a:defRPr/>
+            </a:pPr>
+            <a:r>
+              <a:rPr kumimoji="0" lang="en-US" sz="1600" b="0" i="0" u="none" strike="noStrike" kern="1200" cap="none" spc="0" normalizeH="0" baseline="0" noProof="0" dirty="0">
+                <a:ln>
+                  <a:noFill/>
+                </a:ln>
+                <a:solidFill>
+                  <a:prstClr val="white"/>
+                </a:solidFill>
+                <a:effectLst/>
+                <a:uLnTx/>
+                <a:uFillTx/>
+                <a:latin typeface="Aptos" panose="02110004020202020204"/>
+                <a:ea typeface="+mn-ea"/>
+                <a:cs typeface="+mn-cs"/>
+              </a:rPr>
+              <a:t>These differences hi</a:t>
+            </a:r>
+            <a:r>
+              <a:rPr lang="en-US" sz="1600" dirty="0" err="1">
+                <a:solidFill>
+                  <a:prstClr val="white"/>
+                </a:solidFill>
+                <a:latin typeface="Aptos" panose="02110004020202020204"/>
+              </a:rPr>
+              <a:t>ghlight</a:t>
+            </a:r>
+            <a:r>
+              <a:rPr lang="en-US" sz="1600" dirty="0">
+                <a:solidFill>
+                  <a:prstClr val="white"/>
+                </a:solidFill>
+                <a:latin typeface="Aptos" panose="02110004020202020204"/>
+              </a:rPr>
+              <a:t> an important difference that will be discussed on the next slide</a:t>
+            </a:r>
+            <a:endParaRPr kumimoji="0" lang="en-US" sz="1600" b="0" i="0" u="none" strike="noStrike" kern="1200" cap="none" spc="0" normalizeH="0" baseline="0" noProof="0" dirty="0">
+              <a:ln>
+                <a:noFill/>
+              </a:ln>
+              <a:solidFill>
+                <a:prstClr val="white"/>
+              </a:solidFill>
+              <a:effectLst/>
+              <a:uLnTx/>
+              <a:uFillTx/>
+              <a:latin typeface="Aptos" panose="02110004020202020204"/>
+              <a:ea typeface="+mn-ea"/>
+              <a:cs typeface="+mn-cs"/>
+            </a:endParaRPr>
+          </a:p>
+        </p:txBody>
+      </p:sp>
+      <p:pic>
+        <p:nvPicPr>
+          <p:cNvPr id="9" name="Picture 8" descr="A graph showing the number of years&#10;&#10;Description automatically generated">
+            <a:extLst>
+              <a:ext uri="{FF2B5EF4-FFF2-40B4-BE49-F238E27FC236}">
+                <a16:creationId xmlns:a16="http://schemas.microsoft.com/office/drawing/2014/main" id="{EA2DDBDA-5F57-8693-A12F-193326944B44}"/>
+              </a:ext>
+            </a:extLst>
+          </p:cNvPr>
+          <p:cNvPicPr>
+            <a:picLocks noChangeAspect="1"/>
+          </p:cNvPicPr>
+          <p:nvPr/>
+        </p:nvPicPr>
+        <p:blipFill>
+          <a:blip r:embed="rId2">
+            <a:extLst>
+              <a:ext uri="{28A0092B-C50C-407E-A947-70E740481C1C}">
+                <a14:useLocalDpi xmlns:a14="http://schemas.microsoft.com/office/drawing/2010/main" val="0"/>
+              </a:ext>
+            </a:extLst>
+          </a:blip>
+          <a:stretch>
+            <a:fillRect/>
+          </a:stretch>
+        </p:blipFill>
+        <p:spPr>
+          <a:xfrm>
+            <a:off x="6272709" y="669926"/>
+            <a:ext cx="3415821" cy="2561866"/>
+          </a:xfrm>
+          <a:prstGeom prst="rect">
+            <a:avLst/>
+          </a:prstGeom>
+        </p:spPr>
+      </p:pic>
+      <p:pic>
+        <p:nvPicPr>
+          <p:cNvPr id="11" name="Picture 10" descr="A graph showing the growth of tomatoes&#10;&#10;Description automatically generated">
+            <a:extLst>
+              <a:ext uri="{FF2B5EF4-FFF2-40B4-BE49-F238E27FC236}">
+                <a16:creationId xmlns:a16="http://schemas.microsoft.com/office/drawing/2014/main" id="{C408DE99-3B3F-DAA4-38A0-B157620D5822}"/>
+              </a:ext>
+            </a:extLst>
+          </p:cNvPr>
+          <p:cNvPicPr>
+            <a:picLocks noChangeAspect="1"/>
+          </p:cNvPicPr>
+          <p:nvPr/>
+        </p:nvPicPr>
+        <p:blipFill>
+          <a:blip r:embed="rId3">
+            <a:extLst>
+              <a:ext uri="{28A0092B-C50C-407E-A947-70E740481C1C}">
+                <a14:useLocalDpi xmlns:a14="http://schemas.microsoft.com/office/drawing/2010/main" val="0"/>
+              </a:ext>
+            </a:extLst>
+          </a:blip>
+          <a:stretch>
+            <a:fillRect/>
+          </a:stretch>
+        </p:blipFill>
+        <p:spPr>
+          <a:xfrm>
+            <a:off x="8152880" y="3627754"/>
+            <a:ext cx="3413760" cy="2560320"/>
+          </a:xfrm>
+          <a:prstGeom prst="rect">
+            <a:avLst/>
+          </a:prstGeom>
+        </p:spPr>
+      </p:pic>
+      <p:pic>
+        <p:nvPicPr>
+          <p:cNvPr id="13" name="Picture 12">
+            <a:extLst>
+              <a:ext uri="{FF2B5EF4-FFF2-40B4-BE49-F238E27FC236}">
+                <a16:creationId xmlns:a16="http://schemas.microsoft.com/office/drawing/2014/main" id="{6E9A6646-5A75-B475-8D0F-5EBD1DAC3864}"/>
+              </a:ext>
+            </a:extLst>
+          </p:cNvPr>
+          <p:cNvPicPr>
+            <a:picLocks noChangeAspect="1"/>
+          </p:cNvPicPr>
+          <p:nvPr/>
+        </p:nvPicPr>
+        <p:blipFill>
+          <a:blip r:embed="rId4"/>
+          <a:stretch>
+            <a:fillRect/>
+          </a:stretch>
+        </p:blipFill>
+        <p:spPr>
+          <a:xfrm>
+            <a:off x="6641507" y="3623277"/>
+            <a:ext cx="1543265" cy="543001"/>
+          </a:xfrm>
+          <a:prstGeom prst="rect">
+            <a:avLst/>
+          </a:prstGeom>
+        </p:spPr>
+      </p:pic>
+      <p:pic>
+        <p:nvPicPr>
+          <p:cNvPr id="15" name="Picture 14">
+            <a:extLst>
+              <a:ext uri="{FF2B5EF4-FFF2-40B4-BE49-F238E27FC236}">
+                <a16:creationId xmlns:a16="http://schemas.microsoft.com/office/drawing/2014/main" id="{31CFD8D0-7724-F0A8-FB7E-7B4C9837EC3C}"/>
+              </a:ext>
+            </a:extLst>
+          </p:cNvPr>
+          <p:cNvPicPr>
+            <a:picLocks noChangeAspect="1"/>
+          </p:cNvPicPr>
+          <p:nvPr/>
+        </p:nvPicPr>
+        <p:blipFill>
+          <a:blip r:embed="rId5"/>
+          <a:stretch>
+            <a:fillRect/>
+          </a:stretch>
+        </p:blipFill>
+        <p:spPr>
+          <a:xfrm>
+            <a:off x="9688530" y="671027"/>
+            <a:ext cx="905001" cy="552527"/>
+          </a:xfrm>
+          <a:prstGeom prst="rect">
+            <a:avLst/>
+          </a:prstGeom>
+        </p:spPr>
+      </p:pic>
+    </p:spTree>
+    <p:extLst>
+      <p:ext uri="{BB962C8B-B14F-4D97-AF65-F5344CB8AC3E}">
+        <p14:creationId xmlns:p14="http://schemas.microsoft.com/office/powerpoint/2010/main" val="491760267"/>
+      </p:ext>
+    </p:extLst>
+  </p:cSld>
+  <p:clrMapOvr>
+    <a:masterClrMapping/>
+  </p:clrMapOvr>
+</p:sld>
+</file>
+
+<file path=ppt/slides/slide24.xml><?xml version="1.0" encoding="utf-8"?>
+<p:sld xmlns:a="http://schemas.openxmlformats.org/drawingml/2006/main" xmlns:r="http://schemas.openxmlformats.org/officeDocument/2006/relationships" xmlns:p="http://schemas.openxmlformats.org/presentationml/2006/main">
+  <p:cSld>
+    <p:bg>
+      <p:bgPr>
+        <a:solidFill>
+          <a:schemeClr val="bg1"/>
+        </a:solidFill>
+        <a:effectLst/>
+      </p:bgPr>
+    </p:bg>
+    <p:spTree>
+      <p:nvGrpSpPr>
+        <p:cNvPr id="1" name=""/>
+        <p:cNvGrpSpPr/>
+        <p:nvPr/>
+      </p:nvGrpSpPr>
+      <p:grpSpPr>
+        <a:xfrm>
+          <a:off x="0" y="0"/>
+          <a:ext cx="0" cy="0"/>
+          <a:chOff x="0" y="0"/>
+          <a:chExt cx="0" cy="0"/>
+        </a:xfrm>
+      </p:grpSpPr>
+      <p:sp>
+        <p:nvSpPr>
+          <p:cNvPr id="2" name="Title 1">
+            <a:extLst>
+              <a:ext uri="{FF2B5EF4-FFF2-40B4-BE49-F238E27FC236}">
+                <a16:creationId xmlns:a16="http://schemas.microsoft.com/office/drawing/2014/main" id="{6F77E0AD-D824-6B6E-5453-12456358687B}"/>
+              </a:ext>
+            </a:extLst>
+          </p:cNvPr>
+          <p:cNvSpPr>
+            <a:spLocks noGrp="1"/>
+          </p:cNvSpPr>
+          <p:nvPr>
+            <p:ph type="title"/>
+          </p:nvPr>
+        </p:nvSpPr>
+        <p:spPr>
+          <a:xfrm>
+            <a:off x="1295400" y="669925"/>
+            <a:ext cx="4800600" cy="1325563"/>
+          </a:xfrm>
+        </p:spPr>
+        <p:txBody>
+          <a:bodyPr vert="horz" lIns="91440" tIns="45720" rIns="91440" bIns="45720" rtlCol="0" anchor="b">
+            <a:normAutofit/>
+          </a:bodyPr>
+          <a:lstStyle/>
+          <a:p>
+            <a:r>
+              <a:rPr lang="en-US" sz="3400" b="1" dirty="0"/>
+              <a:t>Equivalence</a:t>
+            </a:r>
+          </a:p>
+        </p:txBody>
+      </p:sp>
+      <p:sp>
+        <p:nvSpPr>
+          <p:cNvPr id="8" name="TextBox 7">
+            <a:extLst>
+              <a:ext uri="{FF2B5EF4-FFF2-40B4-BE49-F238E27FC236}">
+                <a16:creationId xmlns:a16="http://schemas.microsoft.com/office/drawing/2014/main" id="{4DEAA03B-287A-3FB8-E504-4D7AFD25CE6D}"/>
+              </a:ext>
+            </a:extLst>
+          </p:cNvPr>
+          <p:cNvSpPr txBox="1"/>
+          <p:nvPr/>
+        </p:nvSpPr>
+        <p:spPr>
+          <a:xfrm>
+            <a:off x="1295400" y="2288833"/>
+            <a:ext cx="4800600" cy="3546888"/>
+          </a:xfrm>
+          <a:prstGeom prst="rect">
+            <a:avLst/>
+          </a:prstGeom>
+        </p:spPr>
+        <p:txBody>
+          <a:bodyPr vert="horz" lIns="91440" tIns="45720" rIns="91440" bIns="45720" rtlCol="0">
+            <a:normAutofit lnSpcReduction="10000"/>
+          </a:bodyPr>
+          <a:lstStyle/>
+          <a:p>
+            <a:pPr marL="0" marR="0" lvl="0" indent="-228600" algn="l" defTabSz="914400" rtl="0" eaLnBrk="1" fontAlgn="auto" latinLnBrk="0" hangingPunct="1">
+              <a:lnSpc>
+                <a:spcPct val="90000"/>
+              </a:lnSpc>
+              <a:spcBef>
+                <a:spcPts val="0"/>
+              </a:spcBef>
+              <a:spcAft>
+                <a:spcPts val="600"/>
+              </a:spcAft>
+              <a:buClrTx/>
+              <a:buSzTx/>
+              <a:buFont typeface="Arial" panose="020B0604020202020204" pitchFamily="34" charset="0"/>
+              <a:buChar char="•"/>
+              <a:tabLst/>
+              <a:defRPr/>
+            </a:pPr>
+            <a:r>
+              <a:rPr lang="en-US" sz="2000" dirty="0">
+                <a:solidFill>
+                  <a:prstClr val="white"/>
+                </a:solidFill>
+                <a:latin typeface="Aptos" panose="02110004020202020204"/>
+              </a:rPr>
+              <a:t>Using linear regression, we can determine that there is only a moderate amount of correlation as noted in </a:t>
+            </a:r>
+            <a:r>
+              <a:rPr lang="en-US" sz="2000" dirty="0" err="1">
+                <a:solidFill>
+                  <a:prstClr val="white"/>
+                </a:solidFill>
+                <a:latin typeface="Aptos" panose="02110004020202020204"/>
+              </a:rPr>
+              <a:t>r-values</a:t>
+            </a:r>
+            <a:r>
+              <a:rPr lang="en-US" sz="2000" dirty="0">
+                <a:solidFill>
+                  <a:prstClr val="white"/>
+                </a:solidFill>
+                <a:latin typeface="Aptos" panose="02110004020202020204"/>
+              </a:rPr>
+              <a:t>:</a:t>
+            </a:r>
+          </a:p>
+          <a:p>
+            <a:pPr lvl="1" indent="-228600" defTabSz="914400">
+              <a:lnSpc>
+                <a:spcPct val="90000"/>
+              </a:lnSpc>
+              <a:spcAft>
+                <a:spcPts val="600"/>
+              </a:spcAft>
+              <a:buFont typeface="Arial" panose="020B0604020202020204" pitchFamily="34" charset="0"/>
+              <a:buChar char="•"/>
+              <a:defRPr/>
+            </a:pPr>
+            <a:r>
+              <a:rPr lang="en-US" sz="2000" dirty="0">
+                <a:solidFill>
+                  <a:prstClr val="white"/>
+                </a:solidFill>
+                <a:latin typeface="Aptos" panose="02110004020202020204"/>
+              </a:rPr>
+              <a:t>There are only modest association between IMDb ratings and Rotten Tomatoes ratings for:</a:t>
+            </a:r>
+          </a:p>
+          <a:p>
+            <a:pPr lvl="2" indent="-228600" defTabSz="914400">
+              <a:lnSpc>
+                <a:spcPct val="90000"/>
+              </a:lnSpc>
+              <a:spcAft>
+                <a:spcPts val="600"/>
+              </a:spcAft>
+              <a:buFont typeface="Arial" panose="020B0604020202020204" pitchFamily="34" charset="0"/>
+              <a:buChar char="•"/>
+              <a:defRPr/>
+            </a:pPr>
+            <a:r>
+              <a:rPr lang="en-US" sz="2000" dirty="0">
+                <a:solidFill>
+                  <a:prstClr val="white"/>
+                </a:solidFill>
+                <a:latin typeface="Aptos" panose="02110004020202020204"/>
+              </a:rPr>
+              <a:t>2019 alone</a:t>
+            </a:r>
+          </a:p>
+          <a:p>
+            <a:pPr lvl="2" indent="-228600" defTabSz="914400">
+              <a:lnSpc>
+                <a:spcPct val="90000"/>
+              </a:lnSpc>
+              <a:spcAft>
+                <a:spcPts val="600"/>
+              </a:spcAft>
+              <a:buFont typeface="Arial" panose="020B0604020202020204" pitchFamily="34" charset="0"/>
+              <a:buChar char="•"/>
+              <a:defRPr/>
+            </a:pPr>
+            <a:r>
+              <a:rPr lang="en-US" sz="2000" dirty="0">
+                <a:solidFill>
+                  <a:prstClr val="white"/>
+                </a:solidFill>
+                <a:latin typeface="Aptos" panose="02110004020202020204"/>
+              </a:rPr>
+              <a:t>2015-2019</a:t>
+            </a:r>
+          </a:p>
+          <a:p>
+            <a:pPr lvl="1" indent="-228600" defTabSz="914400">
+              <a:lnSpc>
+                <a:spcPct val="90000"/>
+              </a:lnSpc>
+              <a:spcAft>
+                <a:spcPts val="600"/>
+              </a:spcAft>
+              <a:buFont typeface="Arial" panose="020B0604020202020204" pitchFamily="34" charset="0"/>
+              <a:buChar char="•"/>
+              <a:defRPr/>
+            </a:pPr>
+            <a:r>
+              <a:rPr lang="en-US" sz="2000" dirty="0">
+                <a:solidFill>
+                  <a:prstClr val="white"/>
+                </a:solidFill>
+                <a:latin typeface="Aptos" panose="02110004020202020204"/>
+              </a:rPr>
+              <a:t>Meaning not every IMDb rating represents its counterpart in Rotten Tomatoes </a:t>
+            </a:r>
+          </a:p>
+          <a:p>
+            <a:pPr lvl="1" indent="-228600" defTabSz="914400">
+              <a:lnSpc>
+                <a:spcPct val="90000"/>
+              </a:lnSpc>
+              <a:spcAft>
+                <a:spcPts val="600"/>
+              </a:spcAft>
+              <a:buFont typeface="Arial" panose="020B0604020202020204" pitchFamily="34" charset="0"/>
+              <a:buChar char="•"/>
+              <a:defRPr/>
+            </a:pPr>
+            <a:endParaRPr kumimoji="0" lang="en-US" sz="2000" b="0" i="0" u="none" strike="noStrike" kern="1200" cap="none" spc="0" normalizeH="0" baseline="0" noProof="0" dirty="0">
+              <a:ln>
+                <a:noFill/>
+              </a:ln>
+              <a:solidFill>
+                <a:prstClr val="white"/>
+              </a:solidFill>
+              <a:effectLst/>
+              <a:uLnTx/>
+              <a:uFillTx/>
+              <a:latin typeface="Aptos" panose="02110004020202020204"/>
+              <a:ea typeface="+mn-ea"/>
+              <a:cs typeface="+mn-cs"/>
+            </a:endParaRPr>
+          </a:p>
+        </p:txBody>
+      </p:sp>
+      <p:pic>
+        <p:nvPicPr>
+          <p:cNvPr id="4" name="Picture 3" descr="A graph with blue dots and red line&#10;&#10;Description automatically generated">
+            <a:extLst>
+              <a:ext uri="{FF2B5EF4-FFF2-40B4-BE49-F238E27FC236}">
+                <a16:creationId xmlns:a16="http://schemas.microsoft.com/office/drawing/2014/main" id="{03B617EF-1173-57FD-E7D3-A6B64A601BDB}"/>
+              </a:ext>
+            </a:extLst>
+          </p:cNvPr>
+          <p:cNvPicPr>
+            <a:picLocks noChangeAspect="1"/>
+          </p:cNvPicPr>
+          <p:nvPr/>
+        </p:nvPicPr>
+        <p:blipFill>
+          <a:blip r:embed="rId2">
+            <a:extLst>
+              <a:ext uri="{28A0092B-C50C-407E-A947-70E740481C1C}">
+                <a14:useLocalDpi xmlns:a14="http://schemas.microsoft.com/office/drawing/2010/main" val="0"/>
+              </a:ext>
+            </a:extLst>
+          </a:blip>
+          <a:stretch>
+            <a:fillRect/>
+          </a:stretch>
+        </p:blipFill>
+        <p:spPr>
+          <a:xfrm>
+            <a:off x="6437096" y="575154"/>
+            <a:ext cx="3413760" cy="2560320"/>
+          </a:xfrm>
+          <a:prstGeom prst="rect">
+            <a:avLst/>
+          </a:prstGeom>
+        </p:spPr>
+      </p:pic>
+      <p:pic>
+        <p:nvPicPr>
+          <p:cNvPr id="6" name="Picture 5" descr="A graph with numbers and a red line&#10;&#10;Description automatically generated">
+            <a:extLst>
+              <a:ext uri="{FF2B5EF4-FFF2-40B4-BE49-F238E27FC236}">
+                <a16:creationId xmlns:a16="http://schemas.microsoft.com/office/drawing/2014/main" id="{7C1FDB7B-1668-F660-EB91-98CD18C0E5C3}"/>
+              </a:ext>
+            </a:extLst>
+          </p:cNvPr>
+          <p:cNvPicPr>
+            <a:picLocks noChangeAspect="1"/>
+          </p:cNvPicPr>
+          <p:nvPr/>
+        </p:nvPicPr>
+        <p:blipFill>
+          <a:blip r:embed="rId3">
+            <a:extLst>
+              <a:ext uri="{28A0092B-C50C-407E-A947-70E740481C1C}">
+                <a14:useLocalDpi xmlns:a14="http://schemas.microsoft.com/office/drawing/2010/main" val="0"/>
+              </a:ext>
+            </a:extLst>
+          </a:blip>
+          <a:stretch>
+            <a:fillRect/>
+          </a:stretch>
+        </p:blipFill>
+        <p:spPr>
+          <a:xfrm>
+            <a:off x="8265896" y="3650607"/>
+            <a:ext cx="3413760" cy="2560320"/>
+          </a:xfrm>
+          <a:prstGeom prst="rect">
+            <a:avLst/>
+          </a:prstGeom>
+        </p:spPr>
+      </p:pic>
+      <p:sp>
+        <p:nvSpPr>
+          <p:cNvPr id="7" name="TextBox 6">
+            <a:extLst>
+              <a:ext uri="{FF2B5EF4-FFF2-40B4-BE49-F238E27FC236}">
+                <a16:creationId xmlns:a16="http://schemas.microsoft.com/office/drawing/2014/main" id="{19C028BF-8F48-5E8F-5145-17B6CA9D245A}"/>
+              </a:ext>
+            </a:extLst>
+          </p:cNvPr>
+          <p:cNvSpPr txBox="1"/>
+          <p:nvPr/>
+        </p:nvSpPr>
+        <p:spPr>
+          <a:xfrm>
+            <a:off x="1387011" y="5835721"/>
+            <a:ext cx="4956421" cy="646331"/>
+          </a:xfrm>
+          <a:prstGeom prst="rect">
+            <a:avLst/>
+          </a:prstGeom>
+          <a:noFill/>
+        </p:spPr>
+        <p:txBody>
+          <a:bodyPr wrap="none" rtlCol="0">
+            <a:spAutoFit/>
+          </a:bodyPr>
+          <a:lstStyle/>
+          <a:p>
+            <a:r>
+              <a:rPr lang="en-US" dirty="0"/>
+              <a:t>YOUR CHOICE MAY COME DOWN TO WHO YOU</a:t>
+            </a:r>
+          </a:p>
+          <a:p>
+            <a:r>
+              <a:rPr lang="en-US" dirty="0"/>
+              <a:t>BELIEVE MORE!</a:t>
+            </a:r>
+          </a:p>
+        </p:txBody>
+      </p:sp>
+    </p:spTree>
+    <p:extLst>
+      <p:ext uri="{BB962C8B-B14F-4D97-AF65-F5344CB8AC3E}">
+        <p14:creationId xmlns:p14="http://schemas.microsoft.com/office/powerpoint/2010/main" val="2016141535"/>
+      </p:ext>
+    </p:extLst>
+  </p:cSld>
+  <p:clrMapOvr>
+    <a:masterClrMapping/>
+  </p:clrMapOvr>
+</p:sld>
+</file>
+
+<file path=ppt/slides/slide25.xml><?xml version="1.0" encoding="utf-8"?>
+<p:sld xmlns:a="http://schemas.openxmlformats.org/drawingml/2006/main" xmlns:r="http://schemas.openxmlformats.org/officeDocument/2006/relationships" xmlns:p="http://schemas.openxmlformats.org/presentationml/2006/main">
+  <p:cSld>
+    <p:spTree>
+      <p:nvGrpSpPr>
+        <p:cNvPr id="1" name=""/>
+        <p:cNvGrpSpPr/>
+        <p:nvPr/>
+      </p:nvGrpSpPr>
+      <p:grpSpPr>
+        <a:xfrm>
+          <a:off x="0" y="0"/>
+          <a:ext cx="0" cy="0"/>
+          <a:chOff x="0" y="0"/>
+          <a:chExt cx="0" cy="0"/>
+        </a:xfrm>
+      </p:grpSpPr>
+      <p:sp>
+        <p:nvSpPr>
+          <p:cNvPr id="2" name="Title 1">
+            <a:extLst>
+              <a:ext uri="{FF2B5EF4-FFF2-40B4-BE49-F238E27FC236}">
+                <a16:creationId xmlns:a16="http://schemas.microsoft.com/office/drawing/2014/main" id="{B04BA152-366A-6DC3-A56C-CA3D5B9EC720}"/>
+              </a:ext>
+            </a:extLst>
+          </p:cNvPr>
+          <p:cNvSpPr>
+            <a:spLocks noGrp="1"/>
+          </p:cNvSpPr>
+          <p:nvPr>
+            <p:ph type="title"/>
+          </p:nvPr>
+        </p:nvSpPr>
+        <p:spPr/>
+        <p:txBody>
+          <a:bodyPr/>
+          <a:lstStyle/>
+          <a:p>
+            <a:r>
+              <a:rPr lang="en-US" dirty="0"/>
+              <a:t>Next Steps</a:t>
+            </a:r>
+          </a:p>
+        </p:txBody>
+      </p:sp>
+      <p:sp>
+        <p:nvSpPr>
+          <p:cNvPr id="3" name="Content Placeholder 2">
+            <a:extLst>
+              <a:ext uri="{FF2B5EF4-FFF2-40B4-BE49-F238E27FC236}">
+                <a16:creationId xmlns:a16="http://schemas.microsoft.com/office/drawing/2014/main" id="{BFF6859F-5BC6-76A3-F7A4-87AB7AFAE14C}"/>
+              </a:ext>
+            </a:extLst>
+          </p:cNvPr>
+          <p:cNvSpPr>
+            <a:spLocks noGrp="1"/>
+          </p:cNvSpPr>
+          <p:nvPr>
+            <p:ph idx="1"/>
+          </p:nvPr>
+        </p:nvSpPr>
+        <p:spPr/>
+        <p:txBody>
+          <a:bodyPr>
+            <a:normAutofit/>
+          </a:bodyPr>
+          <a:lstStyle/>
+          <a:p>
+            <a:r>
+              <a:rPr lang="en-US" dirty="0"/>
+              <a:t>Expanding the scope to include more streaming services most likely by using an API-based approach</a:t>
+            </a:r>
+          </a:p>
+          <a:p>
+            <a:r>
+              <a:rPr lang="en-US" dirty="0"/>
+              <a:t>Asking additional questions to further our understanding of which streaming service may be best</a:t>
+            </a:r>
+          </a:p>
+          <a:p>
+            <a:pPr lvl="1"/>
+            <a:r>
+              <a:rPr lang="en-US" dirty="0"/>
+              <a:t>The API would afford us the opportunity to ask further questions at much greater depth</a:t>
+            </a:r>
+          </a:p>
+          <a:p>
+            <a:r>
+              <a:rPr lang="en-US" dirty="0"/>
+              <a:t>Using current (2023-2024) data to analyze and confirm our findings</a:t>
+            </a:r>
+          </a:p>
+          <a:p>
+            <a:r>
+              <a:rPr lang="en-US" dirty="0"/>
+              <a:t>A more comprehensive initial dataset could allow for more testing, including hypothesis testing</a:t>
+            </a:r>
+          </a:p>
+          <a:p>
+            <a:pPr marL="0" indent="0">
+              <a:buNone/>
+            </a:pPr>
+            <a:endParaRPr lang="en-US" dirty="0"/>
+          </a:p>
+          <a:p>
+            <a:endParaRPr lang="en-US" dirty="0"/>
+          </a:p>
+        </p:txBody>
+      </p:sp>
+    </p:spTree>
+    <p:extLst>
+      <p:ext uri="{BB962C8B-B14F-4D97-AF65-F5344CB8AC3E}">
+        <p14:creationId xmlns:p14="http://schemas.microsoft.com/office/powerpoint/2010/main" val="3789982252"/>
+      </p:ext>
+    </p:extLst>
+  </p:cSld>
+  <p:clrMapOvr>
+    <a:masterClrMapping/>
+  </p:clrMapOvr>
+</p:sld>
+</file>
+
+<file path=ppt/slides/slide3.xml><?xml version="1.0" encoding="utf-8"?>
+<p:sld xmlns:a="http://schemas.openxmlformats.org/drawingml/2006/main" xmlns:r="http://schemas.openxmlformats.org/officeDocument/2006/relationships" xmlns:p="http://schemas.openxmlformats.org/presentationml/2006/main">
+  <p:cSld>
+    <p:spTree>
+      <p:nvGrpSpPr>
+        <p:cNvPr id="1" name=""/>
+        <p:cNvGrpSpPr/>
+        <p:nvPr/>
+      </p:nvGrpSpPr>
+      <p:grpSpPr>
+        <a:xfrm>
+          <a:off x="0" y="0"/>
+          <a:ext cx="0" cy="0"/>
+          <a:chOff x="0" y="0"/>
+          <a:chExt cx="0" cy="0"/>
+        </a:xfrm>
+      </p:grpSpPr>
+      <p:sp>
+        <p:nvSpPr>
+          <p:cNvPr id="2" name="Title 1">
+            <a:extLst>
+              <a:ext uri="{FF2B5EF4-FFF2-40B4-BE49-F238E27FC236}">
+                <a16:creationId xmlns:a16="http://schemas.microsoft.com/office/drawing/2014/main" id="{46408683-B22D-3A70-9BB8-42088EC5BD7A}"/>
+              </a:ext>
+            </a:extLst>
+          </p:cNvPr>
+          <p:cNvSpPr>
+            <a:spLocks noGrp="1"/>
+          </p:cNvSpPr>
+          <p:nvPr>
+            <p:ph type="title"/>
+          </p:nvPr>
+        </p:nvSpPr>
+        <p:spPr/>
+        <p:txBody>
+          <a:bodyPr/>
+          <a:lstStyle/>
+          <a:p>
+            <a:r>
+              <a:rPr lang="en-US" dirty="0"/>
+              <a:t>Project Goals</a:t>
+            </a:r>
+          </a:p>
+        </p:txBody>
+      </p:sp>
+      <p:sp>
+        <p:nvSpPr>
+          <p:cNvPr id="3" name="Content Placeholder 2">
+            <a:extLst>
+              <a:ext uri="{FF2B5EF4-FFF2-40B4-BE49-F238E27FC236}">
+                <a16:creationId xmlns:a16="http://schemas.microsoft.com/office/drawing/2014/main" id="{2A4AB622-10C2-BCAD-4D9C-935E257C73D5}"/>
+              </a:ext>
+            </a:extLst>
+          </p:cNvPr>
+          <p:cNvSpPr>
+            <a:spLocks noGrp="1"/>
+          </p:cNvSpPr>
+          <p:nvPr>
+            <p:ph idx="1"/>
+          </p:nvPr>
+        </p:nvSpPr>
+        <p:spPr/>
+        <p:txBody>
+          <a:bodyPr>
+            <a:normAutofit/>
+          </a:bodyPr>
+          <a:lstStyle/>
+          <a:p>
+            <a:pPr marR="0" lvl="0">
+              <a:lnSpc>
+                <a:spcPct val="107000"/>
+              </a:lnSpc>
+              <a:spcBef>
+                <a:spcPts val="600"/>
+              </a:spcBef>
+              <a:spcAft>
+                <a:spcPts val="600"/>
+              </a:spcAft>
+            </a:pPr>
+            <a:r>
+              <a:rPr lang="en-US" kern="100" dirty="0">
+                <a:effectLst/>
+                <a:latin typeface="Aptos" panose="020B0004020202020204" pitchFamily="34" charset="0"/>
+                <a:ea typeface="Aptos" panose="020B0004020202020204" pitchFamily="34" charset="0"/>
+                <a:cs typeface="Times New Roman" panose="02020603050405020304" pitchFamily="18" charset="0"/>
+              </a:rPr>
+              <a:t>Which is the best service for families?</a:t>
+            </a:r>
+          </a:p>
+          <a:p>
+            <a:pPr>
+              <a:lnSpc>
+                <a:spcPct val="107000"/>
+              </a:lnSpc>
+              <a:spcBef>
+                <a:spcPts val="600"/>
+              </a:spcBef>
+              <a:spcAft>
+                <a:spcPts val="600"/>
+              </a:spcAft>
+            </a:pPr>
+            <a:r>
+              <a:rPr lang="en-US" kern="100" dirty="0">
+                <a:effectLst/>
+                <a:latin typeface="Aptos" panose="020B0004020202020204" pitchFamily="34" charset="0"/>
+                <a:ea typeface="Aptos" panose="020B0004020202020204" pitchFamily="34" charset="0"/>
+                <a:cs typeface="Times New Roman" panose="02020603050405020304" pitchFamily="18" charset="0"/>
+              </a:rPr>
+              <a:t>Which service has the most highly rated shows?</a:t>
+            </a:r>
+          </a:p>
+          <a:p>
+            <a:pPr marR="0" lvl="0">
+              <a:lnSpc>
+                <a:spcPct val="107000"/>
+              </a:lnSpc>
+              <a:spcBef>
+                <a:spcPts val="600"/>
+              </a:spcBef>
+              <a:spcAft>
+                <a:spcPts val="600"/>
+              </a:spcAft>
+            </a:pPr>
+            <a:r>
+              <a:rPr lang="en-US" kern="100" dirty="0">
+                <a:effectLst/>
+                <a:latin typeface="Aptos" panose="020B0004020202020204" pitchFamily="34" charset="0"/>
+                <a:ea typeface="Aptos" panose="020B0004020202020204" pitchFamily="34" charset="0"/>
+                <a:cs typeface="Times New Roman" panose="02020603050405020304" pitchFamily="18" charset="0"/>
+              </a:rPr>
+              <a:t>Which year(s) had the most highly rated shows?</a:t>
+            </a:r>
+          </a:p>
+          <a:p>
+            <a:pPr marL="0" indent="0">
+              <a:buNone/>
+            </a:pPr>
+            <a:endParaRPr lang="en-US" dirty="0"/>
+          </a:p>
+        </p:txBody>
+      </p:sp>
+    </p:spTree>
+    <p:extLst>
+      <p:ext uri="{BB962C8B-B14F-4D97-AF65-F5344CB8AC3E}">
+        <p14:creationId xmlns:p14="http://schemas.microsoft.com/office/powerpoint/2010/main" val="649062940"/>
+      </p:ext>
+    </p:extLst>
+  </p:cSld>
+  <p:clrMapOvr>
+    <a:masterClrMapping/>
+  </p:clrMapOvr>
+</p:sld>
+</file>
+
+<file path=ppt/slides/slide4.xml><?xml version="1.0" encoding="utf-8"?>
+<p:sld xmlns:a="http://schemas.openxmlformats.org/drawingml/2006/main" xmlns:r="http://schemas.openxmlformats.org/officeDocument/2006/relationships" xmlns:p="http://schemas.openxmlformats.org/presentationml/2006/main">
+  <p:cSld>
+    <p:spTree>
+      <p:nvGrpSpPr>
+        <p:cNvPr id="1" name=""/>
+        <p:cNvGrpSpPr/>
+        <p:nvPr/>
+      </p:nvGrpSpPr>
+      <p:grpSpPr>
+        <a:xfrm>
+          <a:off x="0" y="0"/>
+          <a:ext cx="0" cy="0"/>
+          <a:chOff x="0" y="0"/>
+          <a:chExt cx="0" cy="0"/>
+        </a:xfrm>
+      </p:grpSpPr>
+      <p:sp>
+        <p:nvSpPr>
+          <p:cNvPr id="2" name="Title 1">
+            <a:extLst>
+              <a:ext uri="{FF2B5EF4-FFF2-40B4-BE49-F238E27FC236}">
+                <a16:creationId xmlns:a16="http://schemas.microsoft.com/office/drawing/2014/main" id="{E052D89C-C7E8-B767-F6BE-AB7299240473}"/>
+              </a:ext>
+            </a:extLst>
+          </p:cNvPr>
+          <p:cNvSpPr>
+            <a:spLocks noGrp="1"/>
+          </p:cNvSpPr>
+          <p:nvPr>
+            <p:ph type="title"/>
+          </p:nvPr>
+        </p:nvSpPr>
+        <p:spPr/>
+        <p:txBody>
+          <a:bodyPr/>
+          <a:lstStyle/>
+          <a:p>
+            <a:r>
+              <a:rPr lang="en-US" dirty="0"/>
+              <a:t>Applicability</a:t>
+            </a:r>
+          </a:p>
+        </p:txBody>
+      </p:sp>
+      <p:sp>
+        <p:nvSpPr>
+          <p:cNvPr id="3" name="Content Placeholder 2">
+            <a:extLst>
+              <a:ext uri="{FF2B5EF4-FFF2-40B4-BE49-F238E27FC236}">
+                <a16:creationId xmlns:a16="http://schemas.microsoft.com/office/drawing/2014/main" id="{3F22A18E-448E-1502-E766-48A1402EF473}"/>
+              </a:ext>
+            </a:extLst>
+          </p:cNvPr>
+          <p:cNvSpPr>
+            <a:spLocks noGrp="1"/>
+          </p:cNvSpPr>
+          <p:nvPr>
+            <p:ph idx="1"/>
+          </p:nvPr>
+        </p:nvSpPr>
+        <p:spPr/>
+        <p:txBody>
+          <a:bodyPr/>
+          <a:lstStyle/>
+          <a:p>
+            <a:r>
+              <a:rPr lang="en-US" dirty="0"/>
+              <a:t>As more streaming services are being offered as time passes, this type of question is very prevalent in most homes</a:t>
+            </a:r>
+          </a:p>
+          <a:p>
+            <a:r>
+              <a:rPr lang="en-US" dirty="0"/>
+              <a:t>Everyone is trying to save money and lower the number of subscriptions they need (and avoiding having subscriptions for items that don’t fit the bill for your home and family)</a:t>
+            </a:r>
+          </a:p>
+        </p:txBody>
+      </p:sp>
+    </p:spTree>
+    <p:extLst>
+      <p:ext uri="{BB962C8B-B14F-4D97-AF65-F5344CB8AC3E}">
+        <p14:creationId xmlns:p14="http://schemas.microsoft.com/office/powerpoint/2010/main" val="3299086077"/>
+      </p:ext>
+    </p:extLst>
+  </p:cSld>
+  <p:clrMapOvr>
+    <a:masterClrMapping/>
+  </p:clrMapOvr>
+</p:sld>
+</file>
+
+<file path=ppt/slides/slide5.xml><?xml version="1.0" encoding="utf-8"?>
+<p:sld xmlns:a="http://schemas.openxmlformats.org/drawingml/2006/main" xmlns:r="http://schemas.openxmlformats.org/officeDocument/2006/relationships" xmlns:p="http://schemas.openxmlformats.org/presentationml/2006/main">
+  <p:cSld>
+    <p:spTree>
+      <p:nvGrpSpPr>
+        <p:cNvPr id="1" name=""/>
+        <p:cNvGrpSpPr/>
+        <p:nvPr/>
+      </p:nvGrpSpPr>
+      <p:grpSpPr>
+        <a:xfrm>
+          <a:off x="0" y="0"/>
+          <a:ext cx="0" cy="0"/>
+          <a:chOff x="0" y="0"/>
+          <a:chExt cx="0" cy="0"/>
+        </a:xfrm>
+      </p:grpSpPr>
+      <p:sp>
+        <p:nvSpPr>
+          <p:cNvPr id="2" name="Title 1">
+            <a:extLst>
+              <a:ext uri="{FF2B5EF4-FFF2-40B4-BE49-F238E27FC236}">
+                <a16:creationId xmlns:a16="http://schemas.microsoft.com/office/drawing/2014/main" id="{DAEDCF7F-79D1-4C39-B577-848D13B5DB16}"/>
+              </a:ext>
+            </a:extLst>
+          </p:cNvPr>
+          <p:cNvSpPr>
+            <a:spLocks noGrp="1"/>
+          </p:cNvSpPr>
+          <p:nvPr>
+            <p:ph type="title"/>
+          </p:nvPr>
+        </p:nvSpPr>
+        <p:spPr/>
+        <p:txBody>
+          <a:bodyPr/>
+          <a:lstStyle/>
+          <a:p>
+            <a:r>
+              <a:rPr lang="en-US" dirty="0"/>
+              <a:t>Our datasets</a:t>
+            </a:r>
+          </a:p>
+        </p:txBody>
+      </p:sp>
+      <p:sp>
+        <p:nvSpPr>
+          <p:cNvPr id="3" name="Content Placeholder 2">
+            <a:extLst>
+              <a:ext uri="{FF2B5EF4-FFF2-40B4-BE49-F238E27FC236}">
+                <a16:creationId xmlns:a16="http://schemas.microsoft.com/office/drawing/2014/main" id="{D8292D7E-DF72-B303-3D37-6B573E45FE92}"/>
+              </a:ext>
+            </a:extLst>
+          </p:cNvPr>
+          <p:cNvSpPr>
+            <a:spLocks noGrp="1"/>
+          </p:cNvSpPr>
+          <p:nvPr>
+            <p:ph idx="1"/>
+          </p:nvPr>
+        </p:nvSpPr>
+        <p:spPr/>
+        <p:txBody>
+          <a:bodyPr/>
+          <a:lstStyle/>
+          <a:p>
+            <a:r>
+              <a:rPr lang="en-US" dirty="0"/>
+              <a:t>Data selected:</a:t>
+            </a:r>
+          </a:p>
+          <a:p>
+            <a:pPr lvl="1"/>
+            <a:r>
+              <a:rPr lang="en-US" dirty="0"/>
+              <a:t>A </a:t>
+            </a:r>
+            <a:r>
+              <a:rPr lang="en-US" dirty="0">
+                <a:hlinkClick r:id="rId2"/>
+              </a:rPr>
+              <a:t>Kaggle</a:t>
+            </a:r>
+            <a:r>
+              <a:rPr lang="en-US" dirty="0"/>
+              <a:t> dataset for Television (TV) shows on various streaming services</a:t>
+            </a:r>
+          </a:p>
+          <a:p>
+            <a:pPr lvl="2"/>
+            <a:r>
+              <a:rPr lang="en-US" dirty="0"/>
+              <a:t>This dataset gives us more than 5,000 shows across four streaming services</a:t>
+            </a:r>
+          </a:p>
+          <a:p>
+            <a:pPr lvl="2"/>
+            <a:r>
+              <a:rPr lang="en-US" dirty="0"/>
+              <a:t>It provides:</a:t>
+            </a:r>
+          </a:p>
+          <a:p>
+            <a:pPr lvl="3"/>
+            <a:r>
+              <a:rPr lang="en-US" dirty="0"/>
+              <a:t>Year produced</a:t>
+            </a:r>
+          </a:p>
+          <a:p>
+            <a:pPr lvl="3"/>
+            <a:r>
+              <a:rPr lang="en-US" dirty="0"/>
+              <a:t>Target age group</a:t>
+            </a:r>
+          </a:p>
+          <a:p>
+            <a:pPr lvl="3"/>
+            <a:r>
+              <a:rPr lang="en-US" dirty="0"/>
+              <a:t>Ratings from two unique sources, Internet Movie Database (IMDb) and Rotten Tomatoes</a:t>
+            </a:r>
+          </a:p>
+          <a:p>
+            <a:pPr lvl="2"/>
+            <a:r>
+              <a:rPr lang="en-US" dirty="0"/>
+              <a:t>Chosen by the team because the dataset provides the variables we needed to answer any research proposal questions we defined during the planning phase</a:t>
+            </a:r>
+          </a:p>
+          <a:p>
+            <a:pPr lvl="1"/>
+            <a:endParaRPr lang="en-US" dirty="0"/>
+          </a:p>
+        </p:txBody>
+      </p:sp>
+    </p:spTree>
+    <p:extLst>
+      <p:ext uri="{BB962C8B-B14F-4D97-AF65-F5344CB8AC3E}">
+        <p14:creationId xmlns:p14="http://schemas.microsoft.com/office/powerpoint/2010/main" val="3677560437"/>
+      </p:ext>
+    </p:extLst>
+  </p:cSld>
+  <p:clrMapOvr>
+    <a:masterClrMapping/>
+  </p:clrMapOvr>
+</p:sld>
+</file>
+
+<file path=ppt/slides/slide6.xml><?xml version="1.0" encoding="utf-8"?>
+<p:sld xmlns:a="http://schemas.openxmlformats.org/drawingml/2006/main" xmlns:r="http://schemas.openxmlformats.org/officeDocument/2006/relationships" xmlns:p="http://schemas.openxmlformats.org/presentationml/2006/main">
+  <p:cSld>
+    <p:spTree>
+      <p:nvGrpSpPr>
+        <p:cNvPr id="1" name=""/>
+        <p:cNvGrpSpPr/>
+        <p:nvPr/>
+      </p:nvGrpSpPr>
+      <p:grpSpPr>
+        <a:xfrm>
+          <a:off x="0" y="0"/>
+          <a:ext cx="0" cy="0"/>
+          <a:chOff x="0" y="0"/>
+          <a:chExt cx="0" cy="0"/>
+        </a:xfrm>
+      </p:grpSpPr>
+      <p:sp>
+        <p:nvSpPr>
+          <p:cNvPr id="2" name="Title 1">
+            <a:extLst>
+              <a:ext uri="{FF2B5EF4-FFF2-40B4-BE49-F238E27FC236}">
+                <a16:creationId xmlns:a16="http://schemas.microsoft.com/office/drawing/2014/main" id="{10827BA6-373B-21A4-C82A-1AB90D33A82B}"/>
+              </a:ext>
+            </a:extLst>
+          </p:cNvPr>
+          <p:cNvSpPr>
+            <a:spLocks noGrp="1"/>
+          </p:cNvSpPr>
+          <p:nvPr>
+            <p:ph type="title"/>
+          </p:nvPr>
+        </p:nvSpPr>
+        <p:spPr/>
+        <p:txBody>
+          <a:bodyPr/>
+          <a:lstStyle/>
+          <a:p>
+            <a:r>
+              <a:rPr lang="en-US" dirty="0"/>
+              <a:t>Working with the dataset</a:t>
+            </a:r>
+          </a:p>
+        </p:txBody>
+      </p:sp>
+      <p:sp>
+        <p:nvSpPr>
+          <p:cNvPr id="3" name="Content Placeholder 2">
+            <a:extLst>
+              <a:ext uri="{FF2B5EF4-FFF2-40B4-BE49-F238E27FC236}">
+                <a16:creationId xmlns:a16="http://schemas.microsoft.com/office/drawing/2014/main" id="{09D39FD1-EFB3-B4C6-4040-2377C5383461}"/>
+              </a:ext>
+            </a:extLst>
+          </p:cNvPr>
+          <p:cNvSpPr>
+            <a:spLocks noGrp="1"/>
+          </p:cNvSpPr>
+          <p:nvPr>
+            <p:ph idx="1"/>
+          </p:nvPr>
+        </p:nvSpPr>
+        <p:spPr/>
+        <p:txBody>
+          <a:bodyPr/>
+          <a:lstStyle/>
+          <a:p>
+            <a:r>
+              <a:rPr lang="en-US" dirty="0"/>
+              <a:t>Read in the .csv files into </a:t>
+            </a:r>
+            <a:r>
+              <a:rPr lang="en-US" dirty="0" err="1"/>
+              <a:t>DataFrames</a:t>
+            </a:r>
+            <a:endParaRPr lang="en-US" dirty="0"/>
+          </a:p>
+          <a:p>
+            <a:r>
+              <a:rPr lang="en-US" dirty="0"/>
+              <a:t>Deleted unnecessary columns</a:t>
+            </a:r>
+          </a:p>
+          <a:p>
+            <a:r>
+              <a:rPr lang="en-US" dirty="0"/>
+              <a:t>Dropped rows without data (e.g., </a:t>
+            </a:r>
+            <a:r>
+              <a:rPr lang="en-US" dirty="0" err="1"/>
+              <a:t>NaN</a:t>
+            </a:r>
+            <a:r>
+              <a:rPr lang="en-US" dirty="0"/>
+              <a:t>)</a:t>
+            </a:r>
+          </a:p>
+          <a:p>
+            <a:r>
+              <a:rPr lang="en-US" dirty="0"/>
+              <a:t>Looped through </a:t>
+            </a:r>
+            <a:r>
+              <a:rPr lang="en-US" dirty="0" err="1"/>
+              <a:t>DataFrame</a:t>
+            </a:r>
+            <a:r>
+              <a:rPr lang="en-US" dirty="0"/>
+              <a:t> to find data relevant to our research questions</a:t>
+            </a:r>
+          </a:p>
+          <a:p>
+            <a:r>
+              <a:rPr lang="en-US" dirty="0"/>
+              <a:t>Created plots and figures to visualize the data relevant to our research questions</a:t>
+            </a:r>
+          </a:p>
+          <a:p>
+            <a:pPr marL="0" indent="0">
+              <a:buNone/>
+            </a:pPr>
+            <a:endParaRPr lang="en-US" dirty="0"/>
+          </a:p>
+        </p:txBody>
+      </p:sp>
+    </p:spTree>
+    <p:extLst>
+      <p:ext uri="{BB962C8B-B14F-4D97-AF65-F5344CB8AC3E}">
+        <p14:creationId xmlns:p14="http://schemas.microsoft.com/office/powerpoint/2010/main" val="1144404274"/>
+      </p:ext>
+    </p:extLst>
+  </p:cSld>
+  <p:clrMapOvr>
+    <a:masterClrMapping/>
+  </p:clrMapOvr>
+</p:sld>
+</file>
+
+<file path=ppt/slides/slide7.xml><?xml version="1.0" encoding="utf-8"?>
+<p:sld xmlns:a="http://schemas.openxmlformats.org/drawingml/2006/main" xmlns:r="http://schemas.openxmlformats.org/officeDocument/2006/relationships" xmlns:p="http://schemas.openxmlformats.org/presentationml/2006/main">
+  <p:cSld>
+    <p:spTree>
+      <p:nvGrpSpPr>
+        <p:cNvPr id="1" name=""/>
+        <p:cNvGrpSpPr/>
+        <p:nvPr/>
+      </p:nvGrpSpPr>
+      <p:grpSpPr>
+        <a:xfrm>
+          <a:off x="0" y="0"/>
+          <a:ext cx="0" cy="0"/>
+          <a:chOff x="0" y="0"/>
+          <a:chExt cx="0" cy="0"/>
+        </a:xfrm>
+      </p:grpSpPr>
+      <p:sp>
+        <p:nvSpPr>
+          <p:cNvPr id="2" name="Title 1">
+            <a:extLst>
+              <a:ext uri="{FF2B5EF4-FFF2-40B4-BE49-F238E27FC236}">
+                <a16:creationId xmlns:a16="http://schemas.microsoft.com/office/drawing/2014/main" id="{6F77E0AD-D824-6B6E-5453-12456358687B}"/>
+              </a:ext>
+            </a:extLst>
+          </p:cNvPr>
+          <p:cNvSpPr>
+            <a:spLocks noGrp="1"/>
+          </p:cNvSpPr>
+          <p:nvPr>
+            <p:ph type="title"/>
+          </p:nvPr>
+        </p:nvSpPr>
+        <p:spPr/>
+        <p:txBody>
+          <a:bodyPr/>
+          <a:lstStyle/>
+          <a:p>
+            <a:r>
+              <a:rPr lang="en-US" dirty="0"/>
+              <a:t>Approach Overview</a:t>
+            </a:r>
+          </a:p>
+        </p:txBody>
+      </p:sp>
+      <p:sp>
+        <p:nvSpPr>
+          <p:cNvPr id="3" name="Content Placeholder 2">
+            <a:extLst>
+              <a:ext uri="{FF2B5EF4-FFF2-40B4-BE49-F238E27FC236}">
+                <a16:creationId xmlns:a16="http://schemas.microsoft.com/office/drawing/2014/main" id="{C5F98696-3B9B-AD74-9AC6-930A9AFECF41}"/>
+              </a:ext>
+            </a:extLst>
+          </p:cNvPr>
+          <p:cNvSpPr>
+            <a:spLocks noGrp="1"/>
+          </p:cNvSpPr>
+          <p:nvPr>
+            <p:ph idx="1"/>
+          </p:nvPr>
+        </p:nvSpPr>
+        <p:spPr/>
+        <p:txBody>
+          <a:bodyPr/>
+          <a:lstStyle/>
+          <a:p>
+            <a:r>
+              <a:rPr lang="en-US" dirty="0"/>
+              <a:t>Approach to achieve project goals:</a:t>
+            </a:r>
+          </a:p>
+          <a:p>
+            <a:pPr lvl="1"/>
+            <a:r>
+              <a:rPr lang="en-US" dirty="0"/>
+              <a:t>Initially, the team planned to scrape data from one API; however, this was cost prohibitive and had to be abandoned</a:t>
+            </a:r>
+          </a:p>
+          <a:p>
+            <a:pPr lvl="1"/>
+            <a:r>
+              <a:rPr lang="en-US" dirty="0"/>
+              <a:t>Also, there were more initial questions to answer, but ultimately decided which ones to pursue based on team discussion</a:t>
+            </a:r>
+          </a:p>
+          <a:p>
+            <a:r>
+              <a:rPr lang="en-US" dirty="0"/>
+              <a:t>Unexpected insights:</a:t>
+            </a:r>
+          </a:p>
+          <a:p>
+            <a:pPr lvl="1"/>
+            <a:r>
+              <a:rPr lang="en-US" dirty="0"/>
+              <a:t>Don’t pick an API with less free access that you require if you have a budgetary restriction</a:t>
+            </a:r>
+          </a:p>
+          <a:p>
+            <a:pPr lvl="1"/>
+            <a:r>
+              <a:rPr lang="en-US" dirty="0"/>
+              <a:t>Dataset was limited to information up to and including 2021</a:t>
+            </a:r>
+          </a:p>
+          <a:p>
+            <a:pPr lvl="1"/>
+            <a:r>
+              <a:rPr lang="en-US" dirty="0"/>
+              <a:t>The research questions may have more than one correct answer</a:t>
+            </a:r>
+          </a:p>
+        </p:txBody>
+      </p:sp>
+    </p:spTree>
+    <p:extLst>
+      <p:ext uri="{BB962C8B-B14F-4D97-AF65-F5344CB8AC3E}">
+        <p14:creationId xmlns:p14="http://schemas.microsoft.com/office/powerpoint/2010/main" val="2035357408"/>
+      </p:ext>
+    </p:extLst>
+  </p:cSld>
+  <p:clrMapOvr>
+    <a:masterClrMapping/>
+  </p:clrMapOvr>
+</p:sld>
+</file>
+
+<file path=ppt/slides/slide8.xml><?xml version="1.0" encoding="utf-8"?>
+<p:sld xmlns:a="http://schemas.openxmlformats.org/drawingml/2006/main" xmlns:r="http://schemas.openxmlformats.org/officeDocument/2006/relationships" xmlns:p="http://schemas.openxmlformats.org/presentationml/2006/main">
+  <p:cSld>
+    <p:spTree>
+      <p:nvGrpSpPr>
+        <p:cNvPr id="1" name=""/>
+        <p:cNvGrpSpPr/>
+        <p:nvPr/>
+      </p:nvGrpSpPr>
+      <p:grpSpPr>
+        <a:xfrm>
+          <a:off x="0" y="0"/>
+          <a:ext cx="0" cy="0"/>
+          <a:chOff x="0" y="0"/>
+          <a:chExt cx="0" cy="0"/>
+        </a:xfrm>
+      </p:grpSpPr>
+      <p:sp>
+        <p:nvSpPr>
+          <p:cNvPr id="9" name="Rectangle 1">
+            <a:extLst>
+              <a:ext uri="{FF2B5EF4-FFF2-40B4-BE49-F238E27FC236}">
+                <a16:creationId xmlns:a16="http://schemas.microsoft.com/office/drawing/2014/main" id="{9A3A5BC1-28C4-405D-9FF4-1EA93E88C494}"/>
+              </a:ext>
+            </a:extLst>
+          </p:cNvPr>
+          <p:cNvSpPr>
+            <a:spLocks noGrp="1" noChangeArrowheads="1"/>
+          </p:cNvSpPr>
+          <p:nvPr>
+            <p:ph type="title"/>
+          </p:nvPr>
+        </p:nvSpPr>
+        <p:spPr bwMode="auto">
+          <a:xfrm>
+            <a:off x="831850" y="2843719"/>
+            <a:ext cx="9052478" cy="584775"/>
+          </a:xfrm>
+          <a:prstGeom prst="rect">
+            <a:avLst/>
+          </a:prstGeom>
+          <a:noFill/>
+          <a:ln>
+            <a:noFill/>
+          </a:ln>
+          <a:effectLst/>
+          <a:extLst>
+            <a:ext uri="{909E8E84-426E-40DD-AFC4-6F175D3DCCD1}">
+              <a14:hiddenFill xmlns:a14="http://schemas.microsoft.com/office/drawing/2010/main">
+                <a:solidFill>
+                  <a:schemeClr val="accent1"/>
+                </a:solidFill>
+              </a14:hiddenFill>
+            </a:ext>
+            <a:ext uri="{91240B29-F687-4F45-9708-019B960494DF}">
+              <a14:hiddenLine xmlns:a14="http://schemas.microsoft.com/office/drawing/2010/main" w="9525">
+                <a:solidFill>
+                  <a:schemeClr val="tx1"/>
+                </a:solidFill>
+                <a:miter lim="800000"/>
+                <a:headEnd/>
+                <a:tailEnd/>
+              </a14:hiddenLine>
+            </a:ext>
+            <a:ext uri="{AF507438-7753-43E0-B8FC-AC1667EBCBE1}">
+              <a14:hiddenEffects xmlns:a14="http://schemas.microsoft.com/office/drawing/2010/main">
+                <a:effectLst>
+                  <a:outerShdw dist="35921" dir="2700000" algn="ctr" rotWithShape="0">
+                    <a:schemeClr val="bg2"/>
+                  </a:outerShdw>
+                </a:effectLst>
+              </a14:hiddenEffects>
+            </a:ext>
+          </a:extLst>
+        </p:spPr>
+        <p:txBody>
+          <a:bodyPr vert="horz" wrap="none" lIns="91440" tIns="45720" rIns="91440" bIns="45720" numCol="1" anchor="ctr" anchorCtr="0" compatLnSpc="1">
+            <a:prstTxWarp prst="textNoShape">
+              <a:avLst/>
+            </a:prstTxWarp>
+            <a:spAutoFit/>
+          </a:bodyPr>
+          <a:lstStyle/>
+          <a:p>
+            <a:pPr marL="0" marR="0" lvl="0" indent="0" algn="l" defTabSz="914400" rtl="0" eaLnBrk="0" fontAlgn="base" latinLnBrk="0" hangingPunct="0">
+              <a:lnSpc>
+                <a:spcPct val="100000"/>
+              </a:lnSpc>
+              <a:spcBef>
+                <a:spcPct val="0"/>
+              </a:spcBef>
+              <a:spcAft>
+                <a:spcPct val="0"/>
+              </a:spcAft>
+              <a:buClrTx/>
+              <a:buSzTx/>
+              <a:buFontTx/>
+              <a:buNone/>
+              <a:tabLst/>
+            </a:pPr>
+            <a:r>
+              <a:rPr kumimoji="0" lang="en-US" altLang="en-US" sz="3200" b="1" i="1" u="none" strike="noStrike" cap="none" normalizeH="0" baseline="0" dirty="0">
+                <a:ln>
+                  <a:noFill/>
+                </a:ln>
+                <a:effectLst/>
+                <a:latin typeface="Arial Unicode MS"/>
+              </a:rPr>
+              <a:t>Which </a:t>
+            </a:r>
+            <a:r>
+              <a:rPr lang="en-US" altLang="en-US" sz="3200" b="1" i="1" dirty="0">
+                <a:latin typeface="Arial Unicode MS"/>
+              </a:rPr>
+              <a:t>streaming service is best for families</a:t>
+            </a:r>
+            <a:r>
+              <a:rPr kumimoji="0" lang="en-US" altLang="en-US" sz="3200" b="1" i="1" u="none" strike="noStrike" cap="none" normalizeH="0" baseline="0" dirty="0">
+                <a:ln>
+                  <a:noFill/>
+                </a:ln>
+                <a:effectLst/>
+                <a:latin typeface="Arial Unicode MS"/>
+              </a:rPr>
+              <a:t>?</a:t>
+            </a:r>
+            <a:r>
+              <a:rPr kumimoji="0" lang="en-US" altLang="en-US" sz="3200" b="1" i="0" u="none" strike="noStrike" cap="none" normalizeH="0" baseline="0" dirty="0">
+                <a:ln>
+                  <a:noFill/>
+                </a:ln>
+                <a:effectLst/>
+              </a:rPr>
+              <a:t> </a:t>
+            </a:r>
+            <a:endParaRPr kumimoji="0" lang="en-US" altLang="en-US" sz="3200" b="1" i="0" u="none" strike="noStrike" cap="none" normalizeH="0" baseline="0" dirty="0">
+              <a:ln>
+                <a:noFill/>
+              </a:ln>
+              <a:effectLst/>
+              <a:latin typeface="Arial" panose="020B0604020202020204" pitchFamily="34" charset="0"/>
+            </a:endParaRPr>
+          </a:p>
+        </p:txBody>
+      </p:sp>
+    </p:spTree>
+    <p:extLst>
+      <p:ext uri="{BB962C8B-B14F-4D97-AF65-F5344CB8AC3E}">
+        <p14:creationId xmlns:p14="http://schemas.microsoft.com/office/powerpoint/2010/main" val="2270192941"/>
+      </p:ext>
+    </p:extLst>
+  </p:cSld>
+  <p:clrMapOvr>
+    <a:masterClrMapping/>
+  </p:clrMapOvr>
+</p:sld>
+</file>
+
+<file path=ppt/slides/slide9.xml><?xml version="1.0" encoding="utf-8"?>
+<p:sld xmlns:a="http://schemas.openxmlformats.org/drawingml/2006/main" xmlns:r="http://schemas.openxmlformats.org/officeDocument/2006/relationships" xmlns:p="http://schemas.openxmlformats.org/presentationml/2006/main">
+  <p:cSld>
+    <p:spTree>
+      <p:nvGrpSpPr>
+        <p:cNvPr id="1" name=""/>
+        <p:cNvGrpSpPr/>
+        <p:nvPr/>
+      </p:nvGrpSpPr>
+      <p:grpSpPr>
+        <a:xfrm>
+          <a:off x="0" y="0"/>
+          <a:ext cx="0" cy="0"/>
+          <a:chOff x="0" y="0"/>
+          <a:chExt cx="0" cy="0"/>
+        </a:xfrm>
+      </p:grpSpPr>
+      <p:sp>
+        <p:nvSpPr>
+          <p:cNvPr id="2" name="Title 1">
+            <a:extLst>
+              <a:ext uri="{FF2B5EF4-FFF2-40B4-BE49-F238E27FC236}">
+                <a16:creationId xmlns:a16="http://schemas.microsoft.com/office/drawing/2014/main" id="{6F77E0AD-D824-6B6E-5453-12456358687B}"/>
+              </a:ext>
+            </a:extLst>
+          </p:cNvPr>
+          <p:cNvSpPr>
+            <a:spLocks noGrp="1"/>
+          </p:cNvSpPr>
+          <p:nvPr>
+            <p:ph type="title"/>
+          </p:nvPr>
+        </p:nvSpPr>
+        <p:spPr/>
+        <p:txBody>
+          <a:bodyPr/>
+          <a:lstStyle/>
+          <a:p>
+            <a:r>
+              <a:rPr lang="en-US" dirty="0"/>
+              <a:t>Approach-</a:t>
+            </a:r>
+          </a:p>
+        </p:txBody>
+      </p:sp>
+      <p:sp>
+        <p:nvSpPr>
+          <p:cNvPr id="3" name="Content Placeholder 2">
+            <a:extLst>
+              <a:ext uri="{FF2B5EF4-FFF2-40B4-BE49-F238E27FC236}">
+                <a16:creationId xmlns:a16="http://schemas.microsoft.com/office/drawing/2014/main" id="{C5F98696-3B9B-AD74-9AC6-930A9AFECF41}"/>
+              </a:ext>
+            </a:extLst>
+          </p:cNvPr>
+          <p:cNvSpPr>
+            <a:spLocks noGrp="1"/>
+          </p:cNvSpPr>
+          <p:nvPr>
+            <p:ph idx="1"/>
+          </p:nvPr>
+        </p:nvSpPr>
+        <p:spPr>
+          <a:xfrm>
+            <a:off x="322729" y="1476001"/>
+            <a:ext cx="11031071" cy="1879039"/>
+          </a:xfrm>
+        </p:spPr>
+        <p:txBody>
+          <a:bodyPr>
+            <a:normAutofit fontScale="92500" lnSpcReduction="10000"/>
+          </a:bodyPr>
+          <a:lstStyle/>
+          <a:p>
+            <a:pPr marL="514350" indent="-514350">
+              <a:buFont typeface="+mj-lt"/>
+              <a:buAutoNum type="arabicPeriod"/>
+            </a:pPr>
+            <a:r>
+              <a:rPr lang="en-US" dirty="0"/>
+              <a:t>Clean up </a:t>
+            </a:r>
+            <a:r>
+              <a:rPr lang="en-US" dirty="0" err="1"/>
+              <a:t>dataframe</a:t>
+            </a:r>
+            <a:r>
+              <a:rPr lang="en-US" dirty="0"/>
+              <a:t> after pulling it from CSV file by dropping entries with no “Age” value</a:t>
+            </a:r>
+          </a:p>
+          <a:p>
+            <a:pPr marL="514350" indent="-514350">
+              <a:buFont typeface="+mj-lt"/>
+              <a:buAutoNum type="arabicPeriod"/>
+            </a:pPr>
+            <a:r>
+              <a:rPr lang="en-US" dirty="0"/>
+              <a:t>Create dictionaries to hold counters and loop through </a:t>
+            </a:r>
+            <a:r>
+              <a:rPr lang="en-US" dirty="0" err="1"/>
+              <a:t>dataframe</a:t>
+            </a:r>
+            <a:r>
+              <a:rPr lang="en-US" dirty="0"/>
+              <a:t>, counting the total number of shows and how many are for ages “all” or “7+”</a:t>
+            </a:r>
+          </a:p>
+        </p:txBody>
+      </p:sp>
+      <p:pic>
+        <p:nvPicPr>
+          <p:cNvPr id="5" name="Picture 4" descr="A screen shot of a computer program&#10;&#10;Description automatically generated">
+            <a:extLst>
+              <a:ext uri="{FF2B5EF4-FFF2-40B4-BE49-F238E27FC236}">
+                <a16:creationId xmlns:a16="http://schemas.microsoft.com/office/drawing/2014/main" id="{09945C50-E577-5A28-D2B2-045863EC8CA1}"/>
+              </a:ext>
+            </a:extLst>
+          </p:cNvPr>
+          <p:cNvPicPr>
+            <a:picLocks noChangeAspect="1"/>
+          </p:cNvPicPr>
+          <p:nvPr/>
+        </p:nvPicPr>
+        <p:blipFill>
+          <a:blip r:embed="rId3">
+            <a:extLst>
+              <a:ext uri="{28A0092B-C50C-407E-A947-70E740481C1C}">
+                <a14:useLocalDpi xmlns:a14="http://schemas.microsoft.com/office/drawing/2010/main" val="0"/>
+              </a:ext>
+            </a:extLst>
+          </a:blip>
+          <a:stretch>
+            <a:fillRect/>
+          </a:stretch>
+        </p:blipFill>
+        <p:spPr>
+          <a:xfrm>
+            <a:off x="3818715" y="3029455"/>
+            <a:ext cx="7889614" cy="3605660"/>
+          </a:xfrm>
+          <a:prstGeom prst="rect">
+            <a:avLst/>
+          </a:prstGeom>
+        </p:spPr>
+      </p:pic>
+      <p:sp>
+        <p:nvSpPr>
+          <p:cNvPr id="6" name="TextBox 5">
+            <a:extLst>
+              <a:ext uri="{FF2B5EF4-FFF2-40B4-BE49-F238E27FC236}">
+                <a16:creationId xmlns:a16="http://schemas.microsoft.com/office/drawing/2014/main" id="{C6A57549-4EF7-AC39-9342-71DC151802C8}"/>
+              </a:ext>
+            </a:extLst>
+          </p:cNvPr>
+          <p:cNvSpPr txBox="1"/>
+          <p:nvPr/>
+        </p:nvSpPr>
+        <p:spPr>
+          <a:xfrm>
+            <a:off x="322729" y="3220571"/>
+            <a:ext cx="3529853" cy="3570208"/>
+          </a:xfrm>
+          <a:prstGeom prst="rect">
+            <a:avLst/>
+          </a:prstGeom>
+          <a:noFill/>
+        </p:spPr>
+        <p:txBody>
+          <a:bodyPr wrap="square" rtlCol="0">
+            <a:spAutoFit/>
+          </a:bodyPr>
+          <a:lstStyle/>
+          <a:p>
+            <a:pPr marL="514350" marR="0" lvl="0" indent="-514350" algn="l" defTabSz="914400" rtl="0" eaLnBrk="1" fontAlgn="auto" latinLnBrk="0" hangingPunct="1">
+              <a:lnSpc>
+                <a:spcPct val="100000"/>
+              </a:lnSpc>
+              <a:spcBef>
+                <a:spcPts val="0"/>
+              </a:spcBef>
+              <a:spcAft>
+                <a:spcPts val="0"/>
+              </a:spcAft>
+              <a:buClrTx/>
+              <a:buSzTx/>
+              <a:buFont typeface="+mj-lt"/>
+              <a:buAutoNum type="arabicPeriod" startAt="3"/>
+              <a:tabLst/>
+              <a:defRPr/>
+            </a:pPr>
+            <a:r>
+              <a:rPr kumimoji="0" lang="en-US" sz="2600" b="0" i="0" u="none" strike="noStrike" kern="1200" cap="none" spc="0" normalizeH="0" baseline="0" noProof="0" dirty="0">
+                <a:ln>
+                  <a:noFill/>
+                </a:ln>
+                <a:solidFill>
+                  <a:prstClr val="black"/>
+                </a:solidFill>
+                <a:effectLst/>
+                <a:uLnTx/>
+                <a:uFillTx/>
+                <a:latin typeface="Aptos" panose="02110004020202020204"/>
+                <a:ea typeface="+mn-ea"/>
+                <a:cs typeface="+mn-cs"/>
+              </a:rPr>
+              <a:t>Calculate percentage of shows that are family friendly per service</a:t>
+            </a:r>
+          </a:p>
+          <a:p>
+            <a:pPr marL="514350" marR="0" lvl="0" indent="-514350" algn="l" defTabSz="914400" rtl="0" eaLnBrk="1" fontAlgn="auto" latinLnBrk="0" hangingPunct="1">
+              <a:lnSpc>
+                <a:spcPct val="100000"/>
+              </a:lnSpc>
+              <a:spcBef>
+                <a:spcPts val="0"/>
+              </a:spcBef>
+              <a:spcAft>
+                <a:spcPts val="0"/>
+              </a:spcAft>
+              <a:buClrTx/>
+              <a:buSzTx/>
+              <a:buFont typeface="+mj-lt"/>
+              <a:buAutoNum type="arabicPeriod" startAt="3"/>
+              <a:tabLst/>
+              <a:defRPr/>
+            </a:pPr>
+            <a:r>
+              <a:rPr kumimoji="0" lang="en-US" sz="2600" b="0" i="0" u="none" strike="noStrike" kern="1200" cap="none" spc="0" normalizeH="0" baseline="0" noProof="0" dirty="0">
+                <a:ln>
+                  <a:noFill/>
+                </a:ln>
+                <a:solidFill>
+                  <a:prstClr val="black"/>
+                </a:solidFill>
+                <a:effectLst/>
+                <a:uLnTx/>
+                <a:uFillTx/>
+                <a:latin typeface="Aptos" panose="02110004020202020204"/>
+                <a:ea typeface="+mn-ea"/>
+                <a:cs typeface="+mn-cs"/>
+              </a:rPr>
+              <a:t>Create visualizations using bar charts</a:t>
+            </a:r>
+          </a:p>
+          <a:p>
+            <a:pPr marL="0" marR="0" lvl="0" indent="0" algn="l" defTabSz="914400" rtl="0" eaLnBrk="1" fontAlgn="auto" latinLnBrk="0" hangingPunct="1">
+              <a:lnSpc>
+                <a:spcPct val="100000"/>
+              </a:lnSpc>
+              <a:spcBef>
+                <a:spcPts val="0"/>
+              </a:spcBef>
+              <a:spcAft>
+                <a:spcPts val="0"/>
+              </a:spcAft>
+              <a:buClrTx/>
+              <a:buSzTx/>
+              <a:buFontTx/>
+              <a:buNone/>
+              <a:tabLst/>
+              <a:defRPr/>
+            </a:pPr>
+            <a:endParaRPr kumimoji="0" lang="en-US" sz="1800" b="0" i="0" u="none" strike="noStrike" kern="1200" cap="none" spc="0" normalizeH="0" baseline="0" noProof="0" dirty="0">
+              <a:ln>
+                <a:noFill/>
+              </a:ln>
+              <a:solidFill>
+                <a:prstClr val="black"/>
+              </a:solidFill>
+              <a:effectLst/>
+              <a:uLnTx/>
+              <a:uFillTx/>
+              <a:latin typeface="Aptos" panose="02110004020202020204"/>
+              <a:ea typeface="+mn-ea"/>
+              <a:cs typeface="+mn-cs"/>
+            </a:endParaRPr>
+          </a:p>
+        </p:txBody>
+      </p:sp>
+    </p:spTree>
+    <p:extLst>
+      <p:ext uri="{BB962C8B-B14F-4D97-AF65-F5344CB8AC3E}">
+        <p14:creationId xmlns:p14="http://schemas.microsoft.com/office/powerpoint/2010/main" val="2546708889"/>
       </p:ext>
     </p:extLst>
   </p:cSld>

--- a/what_are_we_watching_tonight final.pptx
+++ b/what_are_we_watching_tonight final.pptx
@@ -221,7 +221,7 @@
           <a:p>
             <a:fld id="{71BD10CF-F22E-4F66-9E77-E9638DB18C5A}" type="datetimeFigureOut">
               <a:rPr lang="en-US" smtClean="0"/>
-              <a:t>5/15/2024</a:t>
+              <a:t>5/16/2024</a:t>
             </a:fld>
             <a:endParaRPr lang="en-US"/>
           </a:p>
@@ -1183,7 +1183,7 @@
           <a:p>
             <a:fld id="{01DB1436-ED8F-4574-8D2D-21F8FB310577}" type="datetimeFigureOut">
               <a:rPr lang="en-US" smtClean="0"/>
-              <a:t>5/15/2024</a:t>
+              <a:t>5/16/2024</a:t>
             </a:fld>
             <a:endParaRPr lang="en-US"/>
           </a:p>
@@ -1353,7 +1353,7 @@
           <a:p>
             <a:fld id="{01DB1436-ED8F-4574-8D2D-21F8FB310577}" type="datetimeFigureOut">
               <a:rPr lang="en-US" smtClean="0"/>
-              <a:t>5/15/2024</a:t>
+              <a:t>5/16/2024</a:t>
             </a:fld>
             <a:endParaRPr lang="en-US"/>
           </a:p>
@@ -1533,7 +1533,7 @@
           <a:p>
             <a:fld id="{01DB1436-ED8F-4574-8D2D-21F8FB310577}" type="datetimeFigureOut">
               <a:rPr lang="en-US" smtClean="0"/>
-              <a:t>5/15/2024</a:t>
+              <a:t>5/16/2024</a:t>
             </a:fld>
             <a:endParaRPr lang="en-US"/>
           </a:p>
@@ -1703,7 +1703,7 @@
           <a:p>
             <a:fld id="{01DB1436-ED8F-4574-8D2D-21F8FB310577}" type="datetimeFigureOut">
               <a:rPr lang="en-US" smtClean="0"/>
-              <a:t>5/15/2024</a:t>
+              <a:t>5/16/2024</a:t>
             </a:fld>
             <a:endParaRPr lang="en-US"/>
           </a:p>
@@ -1949,7 +1949,7 @@
           <a:p>
             <a:fld id="{01DB1436-ED8F-4574-8D2D-21F8FB310577}" type="datetimeFigureOut">
               <a:rPr lang="en-US" smtClean="0"/>
-              <a:t>5/15/2024</a:t>
+              <a:t>5/16/2024</a:t>
             </a:fld>
             <a:endParaRPr lang="en-US"/>
           </a:p>
@@ -2181,7 +2181,7 @@
           <a:p>
             <a:fld id="{01DB1436-ED8F-4574-8D2D-21F8FB310577}" type="datetimeFigureOut">
               <a:rPr lang="en-US" smtClean="0"/>
-              <a:t>5/15/2024</a:t>
+              <a:t>5/16/2024</a:t>
             </a:fld>
             <a:endParaRPr lang="en-US"/>
           </a:p>
@@ -2548,7 +2548,7 @@
           <a:p>
             <a:fld id="{01DB1436-ED8F-4574-8D2D-21F8FB310577}" type="datetimeFigureOut">
               <a:rPr lang="en-US" smtClean="0"/>
-              <a:t>5/15/2024</a:t>
+              <a:t>5/16/2024</a:t>
             </a:fld>
             <a:endParaRPr lang="en-US"/>
           </a:p>
@@ -2666,7 +2666,7 @@
           <a:p>
             <a:fld id="{01DB1436-ED8F-4574-8D2D-21F8FB310577}" type="datetimeFigureOut">
               <a:rPr lang="en-US" smtClean="0"/>
-              <a:t>5/15/2024</a:t>
+              <a:t>5/16/2024</a:t>
             </a:fld>
             <a:endParaRPr lang="en-US"/>
           </a:p>
@@ -2761,7 +2761,7 @@
           <a:p>
             <a:fld id="{01DB1436-ED8F-4574-8D2D-21F8FB310577}" type="datetimeFigureOut">
               <a:rPr lang="en-US" smtClean="0"/>
-              <a:t>5/15/2024</a:t>
+              <a:t>5/16/2024</a:t>
             </a:fld>
             <a:endParaRPr lang="en-US"/>
           </a:p>
@@ -3038,7 +3038,7 @@
           <a:p>
             <a:fld id="{01DB1436-ED8F-4574-8D2D-21F8FB310577}" type="datetimeFigureOut">
               <a:rPr lang="en-US" smtClean="0"/>
-              <a:t>5/15/2024</a:t>
+              <a:t>5/16/2024</a:t>
             </a:fld>
             <a:endParaRPr lang="en-US"/>
           </a:p>
@@ -3295,7 +3295,7 @@
           <a:p>
             <a:fld id="{01DB1436-ED8F-4574-8D2D-21F8FB310577}" type="datetimeFigureOut">
               <a:rPr lang="en-US" smtClean="0"/>
-              <a:t>5/15/2024</a:t>
+              <a:t>5/16/2024</a:t>
             </a:fld>
             <a:endParaRPr lang="en-US"/>
           </a:p>
@@ -3508,7 +3508,7 @@
           <a:p>
             <a:fld id="{01DB1436-ED8F-4574-8D2D-21F8FB310577}" type="datetimeFigureOut">
               <a:rPr lang="en-US" smtClean="0"/>
-              <a:t>5/15/2024</a:t>
+              <a:t>5/16/2024</a:t>
             </a:fld>
             <a:endParaRPr lang="en-US"/>
           </a:p>
@@ -7455,7 +7455,7 @@
                 </a:solidFill>
                 <a:latin typeface="Aptos" panose="02110004020202020204"/>
               </a:rPr>
-              <a:t>in case they had 23 unique shows with a Rotten Tomatoes rating &gt; 8.0/10</a:t>
+              <a:t>in which they had 23 unique shows with a Rotten Tomatoes rating &gt; 8.0/10</a:t>
             </a:r>
           </a:p>
           <a:p>
@@ -8819,7 +8819,7 @@
             <a:pPr lvl="1"/>
             <a:r>
               <a:rPr lang="en-US" dirty="0"/>
-              <a:t>Don’t pick an API with less free access that you require if you have a budgetary restriction</a:t>
+              <a:t>Don’t pick an API with less free access than you require if you have a budgetary restriction</a:t>
             </a:r>
           </a:p>
           <a:p>
@@ -9286,6 +9286,58 @@
               <a:ea typeface="+mn-ea"/>
               <a:cs typeface="+mn-cs"/>
             </a:endParaRPr>
+          </a:p>
+        </p:txBody>
+      </p:sp>
+      <p:sp>
+        <p:nvSpPr>
+          <p:cNvPr id="4" name="TextBox 3">
+            <a:extLst>
+              <a:ext uri="{FF2B5EF4-FFF2-40B4-BE49-F238E27FC236}">
+                <a16:creationId xmlns:a16="http://schemas.microsoft.com/office/drawing/2014/main" id="{A70F1EF0-E376-68CF-9968-660E7A7B1E90}"/>
+              </a:ext>
+            </a:extLst>
+          </p:cNvPr>
+          <p:cNvSpPr txBox="1"/>
+          <p:nvPr/>
+        </p:nvSpPr>
+        <p:spPr>
+          <a:xfrm>
+            <a:off x="322729" y="3142739"/>
+            <a:ext cx="3529853" cy="3570208"/>
+          </a:xfrm>
+          <a:prstGeom prst="rect">
+            <a:avLst/>
+          </a:prstGeom>
+          <a:noFill/>
+        </p:spPr>
+        <p:txBody>
+          <a:bodyPr wrap="square" rtlCol="0">
+            <a:spAutoFit/>
+          </a:bodyPr>
+          <a:lstStyle/>
+          <a:p>
+            <a:pPr marL="514350" indent="-514350">
+              <a:buFont typeface="+mj-lt"/>
+              <a:buAutoNum type="arabicPeriod" startAt="3"/>
+            </a:pPr>
+            <a:r>
+              <a:rPr lang="en-US" sz="2600" dirty="0"/>
+              <a:t>Calculate percentage of shows that are family friendly per service</a:t>
+            </a:r>
+          </a:p>
+          <a:p>
+            <a:pPr marL="514350" indent="-514350">
+              <a:buFont typeface="+mj-lt"/>
+              <a:buAutoNum type="arabicPeriod" startAt="3"/>
+            </a:pPr>
+            <a:r>
+              <a:rPr lang="en-US" sz="2600" dirty="0"/>
+              <a:t>Create visualizations using bar charts</a:t>
+            </a:r>
+          </a:p>
+          <a:p>
+            <a:endParaRPr lang="en-US" dirty="0"/>
           </a:p>
         </p:txBody>
       </p:sp>

--- a/what_are_we_watching_tonight final.pptx
+++ b/what_are_we_watching_tonight final.pptx
@@ -5,7 +5,7 @@
     <p:sldMasterId id="2147483660" r:id="rId1"/>
   </p:sldMasterIdLst>
   <p:notesMasterIdLst>
-    <p:notesMasterId r:id="rId27"/>
+    <p:notesMasterId r:id="rId26"/>
   </p:notesMasterIdLst>
   <p:sldIdLst>
     <p:sldId id="256" r:id="rId2"/>
@@ -21,18 +21,17 @@
     <p:sldId id="273" r:id="rId12"/>
     <p:sldId id="276" r:id="rId13"/>
     <p:sldId id="267" r:id="rId14"/>
-    <p:sldId id="277" r:id="rId15"/>
-    <p:sldId id="278" r:id="rId16"/>
-    <p:sldId id="279" r:id="rId17"/>
-    <p:sldId id="280" r:id="rId18"/>
-    <p:sldId id="281" r:id="rId19"/>
-    <p:sldId id="282" r:id="rId20"/>
-    <p:sldId id="271" r:id="rId21"/>
-    <p:sldId id="266" r:id="rId22"/>
-    <p:sldId id="269" r:id="rId23"/>
-    <p:sldId id="274" r:id="rId24"/>
-    <p:sldId id="275" r:id="rId25"/>
-    <p:sldId id="270" r:id="rId26"/>
+    <p:sldId id="278" r:id="rId15"/>
+    <p:sldId id="279" r:id="rId16"/>
+    <p:sldId id="280" r:id="rId17"/>
+    <p:sldId id="281" r:id="rId18"/>
+    <p:sldId id="282" r:id="rId19"/>
+    <p:sldId id="271" r:id="rId20"/>
+    <p:sldId id="266" r:id="rId21"/>
+    <p:sldId id="269" r:id="rId22"/>
+    <p:sldId id="274" r:id="rId23"/>
+    <p:sldId id="275" r:id="rId24"/>
+    <p:sldId id="270" r:id="rId25"/>
   </p:sldIdLst>
   <p:sldSz cx="12192000" cy="6858000"/>
   <p:notesSz cx="6858000" cy="9144000"/>
@@ -949,91 +948,7 @@
           <a:p>
             <a:fld id="{921AF3DF-4AF8-436B-A96F-8A28546A46DA}" type="slidenum">
               <a:rPr lang="en-US" smtClean="0"/>
-              <a:t>14</a:t>
-            </a:fld>
-            <a:endParaRPr lang="en-US"/>
-          </a:p>
-        </p:txBody>
-      </p:sp>
-    </p:spTree>
-    <p:extLst>
-      <p:ext uri="{BB962C8B-B14F-4D97-AF65-F5344CB8AC3E}">
-        <p14:creationId xmlns:p14="http://schemas.microsoft.com/office/powerpoint/2010/main" val="3306252767"/>
-      </p:ext>
-    </p:extLst>
-  </p:cSld>
-  <p:clrMapOvr>
-    <a:masterClrMapping/>
-  </p:clrMapOvr>
-</p:notes>
-</file>
-
-<file path=ppt/notesSlides/notesSlide6.xml><?xml version="1.0" encoding="utf-8"?>
-<p:notes xmlns:a="http://schemas.openxmlformats.org/drawingml/2006/main" xmlns:r="http://schemas.openxmlformats.org/officeDocument/2006/relationships" xmlns:p="http://schemas.openxmlformats.org/presentationml/2006/main">
-  <p:cSld>
-    <p:spTree>
-      <p:nvGrpSpPr>
-        <p:cNvPr id="1" name=""/>
-        <p:cNvGrpSpPr/>
-        <p:nvPr/>
-      </p:nvGrpSpPr>
-      <p:grpSpPr>
-        <a:xfrm>
-          <a:off x="0" y="0"/>
-          <a:ext cx="0" cy="0"/>
-          <a:chOff x="0" y="0"/>
-          <a:chExt cx="0" cy="0"/>
-        </a:xfrm>
-      </p:grpSpPr>
-      <p:sp>
-        <p:nvSpPr>
-          <p:cNvPr id="2" name="Slide Image Placeholder 1"/>
-          <p:cNvSpPr>
-            <a:spLocks noGrp="1" noRot="1" noChangeAspect="1"/>
-          </p:cNvSpPr>
-          <p:nvPr>
-            <p:ph type="sldImg"/>
-          </p:nvPr>
-        </p:nvSpPr>
-        <p:spPr/>
-      </p:sp>
-      <p:sp>
-        <p:nvSpPr>
-          <p:cNvPr id="3" name="Notes Placeholder 2"/>
-          <p:cNvSpPr>
-            <a:spLocks noGrp="1"/>
-          </p:cNvSpPr>
-          <p:nvPr>
-            <p:ph type="body" idx="1"/>
-          </p:nvPr>
-        </p:nvSpPr>
-        <p:spPr/>
-        <p:txBody>
-          <a:bodyPr/>
-          <a:lstStyle/>
-          <a:p>
-            <a:endParaRPr lang="en-US" dirty="0"/>
-          </a:p>
-        </p:txBody>
-      </p:sp>
-      <p:sp>
-        <p:nvSpPr>
-          <p:cNvPr id="4" name="Slide Number Placeholder 3"/>
-          <p:cNvSpPr>
-            <a:spLocks noGrp="1"/>
-          </p:cNvSpPr>
-          <p:nvPr>
-            <p:ph type="sldNum" sz="quarter" idx="5"/>
-          </p:nvPr>
-        </p:nvSpPr>
-        <p:spPr/>
-        <p:txBody>
-          <a:bodyPr/>
-          <a:lstStyle/>
-          <a:p>
-            <a:fld id="{921AF3DF-4AF8-436B-A96F-8A28546A46DA}" type="slidenum">
-              <a:rPr lang="en-US" smtClean="0"/>
-              <a:t>19</a:t>
+              <a:t>18</a:t>
             </a:fld>
             <a:endParaRPr lang="en-US"/>
           </a:p>
@@ -5108,171 +5023,6 @@
           <p:cNvPr id="2" name="Title 1">
             <a:extLst>
               <a:ext uri="{FF2B5EF4-FFF2-40B4-BE49-F238E27FC236}">
-                <a16:creationId xmlns:a16="http://schemas.microsoft.com/office/drawing/2014/main" id="{6F77E0AD-D824-6B6E-5453-12456358687B}"/>
-              </a:ext>
-            </a:extLst>
-          </p:cNvPr>
-          <p:cNvSpPr>
-            <a:spLocks noGrp="1"/>
-          </p:cNvSpPr>
-          <p:nvPr>
-            <p:ph type="title"/>
-          </p:nvPr>
-        </p:nvSpPr>
-        <p:spPr>
-          <a:xfrm>
-            <a:off x="838200" y="365126"/>
-            <a:ext cx="10515600" cy="1082370"/>
-          </a:xfrm>
-        </p:spPr>
-        <p:txBody>
-          <a:bodyPr/>
-          <a:lstStyle/>
-          <a:p>
-            <a:r>
-              <a:rPr lang="en-US" dirty="0"/>
-              <a:t>IMDb</a:t>
-            </a:r>
-          </a:p>
-        </p:txBody>
-      </p:sp>
-      <p:sp>
-        <p:nvSpPr>
-          <p:cNvPr id="3" name="Content Placeholder 2">
-            <a:extLst>
-              <a:ext uri="{FF2B5EF4-FFF2-40B4-BE49-F238E27FC236}">
-                <a16:creationId xmlns:a16="http://schemas.microsoft.com/office/drawing/2014/main" id="{C5F98696-3B9B-AD74-9AC6-930A9AFECF41}"/>
-              </a:ext>
-            </a:extLst>
-          </p:cNvPr>
-          <p:cNvSpPr>
-            <a:spLocks noGrp="1"/>
-          </p:cNvSpPr>
-          <p:nvPr>
-            <p:ph idx="1"/>
-          </p:nvPr>
-        </p:nvSpPr>
-        <p:spPr>
-          <a:xfrm>
-            <a:off x="838200" y="1447496"/>
-            <a:ext cx="10515600" cy="4729467"/>
-          </a:xfrm>
-        </p:spPr>
-        <p:txBody>
-          <a:bodyPr/>
-          <a:lstStyle/>
-          <a:p>
-            <a:pPr marL="0" indent="0">
-              <a:buNone/>
-            </a:pPr>
-            <a:r>
-              <a:rPr lang="en-US" dirty="0"/>
-              <a:t>Only pull data that greater than or equal to 80 on IMDb column:</a:t>
-            </a:r>
-          </a:p>
-          <a:p>
-            <a:pPr marL="0" indent="0">
-              <a:buNone/>
-            </a:pPr>
-            <a:endParaRPr lang="en-US" dirty="0"/>
-          </a:p>
-        </p:txBody>
-      </p:sp>
-      <p:pic>
-        <p:nvPicPr>
-          <p:cNvPr id="4" name="Picture 3">
-            <a:extLst>
-              <a:ext uri="{FF2B5EF4-FFF2-40B4-BE49-F238E27FC236}">
-                <a16:creationId xmlns:a16="http://schemas.microsoft.com/office/drawing/2014/main" id="{DDB7CAA9-04B7-54AA-E731-11A9229875CD}"/>
-              </a:ext>
-            </a:extLst>
-          </p:cNvPr>
-          <p:cNvPicPr>
-            <a:picLocks noChangeAspect="1"/>
-          </p:cNvPicPr>
-          <p:nvPr/>
-        </p:nvPicPr>
-        <p:blipFill>
-          <a:blip r:embed="rId3"/>
-          <a:stretch>
-            <a:fillRect/>
-          </a:stretch>
-        </p:blipFill>
-        <p:spPr>
-          <a:xfrm>
-            <a:off x="1021080" y="2160814"/>
-            <a:ext cx="9489141" cy="1181447"/>
-          </a:xfrm>
-          <a:prstGeom prst="rect">
-            <a:avLst/>
-          </a:prstGeom>
-        </p:spPr>
-      </p:pic>
-      <p:pic>
-        <p:nvPicPr>
-          <p:cNvPr id="5" name="Picture 4">
-            <a:extLst>
-              <a:ext uri="{FF2B5EF4-FFF2-40B4-BE49-F238E27FC236}">
-                <a16:creationId xmlns:a16="http://schemas.microsoft.com/office/drawing/2014/main" id="{37CC5A4A-B2E6-3FC8-9564-CBEB55DF2A5E}"/>
-              </a:ext>
-            </a:extLst>
-          </p:cNvPr>
-          <p:cNvPicPr>
-            <a:picLocks noChangeAspect="1"/>
-          </p:cNvPicPr>
-          <p:nvPr/>
-        </p:nvPicPr>
-        <p:blipFill>
-          <a:blip r:embed="rId4"/>
-          <a:stretch>
-            <a:fillRect/>
-          </a:stretch>
-        </p:blipFill>
-        <p:spPr>
-          <a:xfrm>
-            <a:off x="932802" y="3515741"/>
-            <a:ext cx="9324909" cy="3162452"/>
-          </a:xfrm>
-          <a:prstGeom prst="rect">
-            <a:avLst/>
-          </a:prstGeom>
-        </p:spPr>
-      </p:pic>
-    </p:spTree>
-    <p:extLst>
-      <p:ext uri="{BB962C8B-B14F-4D97-AF65-F5344CB8AC3E}">
-        <p14:creationId xmlns:p14="http://schemas.microsoft.com/office/powerpoint/2010/main" val="4240056639"/>
-      </p:ext>
-    </p:extLst>
-  </p:cSld>
-  <p:clrMapOvr>
-    <a:masterClrMapping/>
-  </p:clrMapOvr>
-</p:sld>
-</file>
-
-<file path=ppt/slides/slide15.xml><?xml version="1.0" encoding="utf-8"?>
-<p:sld xmlns:a="http://schemas.openxmlformats.org/drawingml/2006/main" xmlns:r="http://schemas.openxmlformats.org/officeDocument/2006/relationships" xmlns:p="http://schemas.openxmlformats.org/presentationml/2006/main">
-  <p:cSld>
-    <p:spTree>
-      <p:nvGrpSpPr>
-        <p:cNvPr id="1" name=""/>
-        <p:cNvGrpSpPr/>
-        <p:nvPr/>
-      </p:nvGrpSpPr>
-      <p:grpSpPr>
-        <a:xfrm>
-          <a:off x="0" y="0"/>
-          <a:ext cx="0" cy="0"/>
-          <a:chOff x="0" y="0"/>
-          <a:chExt cx="0" cy="0"/>
-        </a:xfrm>
-      </p:grpSpPr>
-      <p:sp>
-        <p:nvSpPr>
-          <p:cNvPr id="2" name="Title 1">
-            <a:extLst>
-              <a:ext uri="{FF2B5EF4-FFF2-40B4-BE49-F238E27FC236}">
                 <a16:creationId xmlns:a16="http://schemas.microsoft.com/office/drawing/2014/main" id="{16AF27ED-EDDB-2E5E-F46B-6C56CF7FB713}"/>
               </a:ext>
             </a:extLst>
@@ -5369,7 +5119,7 @@
 </p:sld>
 </file>
 
-<file path=ppt/slides/slide16.xml><?xml version="1.0" encoding="utf-8"?>
+<file path=ppt/slides/slide15.xml><?xml version="1.0" encoding="utf-8"?>
 <p:sld xmlns:a="http://schemas.openxmlformats.org/drawingml/2006/main" xmlns:r="http://schemas.openxmlformats.org/officeDocument/2006/relationships" xmlns:p="http://schemas.openxmlformats.org/presentationml/2006/main">
   <p:cSld>
     <p:spTree>
@@ -5521,7 +5271,7 @@
 </p:sld>
 </file>
 
-<file path=ppt/slides/slide17.xml><?xml version="1.0" encoding="utf-8"?>
+<file path=ppt/slides/slide16.xml><?xml version="1.0" encoding="utf-8"?>
 <p:sld xmlns:a="http://schemas.openxmlformats.org/drawingml/2006/main" xmlns:r="http://schemas.openxmlformats.org/officeDocument/2006/relationships" xmlns:p="http://schemas.openxmlformats.org/presentationml/2006/main">
   <p:cSld>
     <p:spTree>
@@ -5861,7 +5611,7 @@
 </p:sld>
 </file>
 
-<file path=ppt/slides/slide18.xml><?xml version="1.0" encoding="utf-8"?>
+<file path=ppt/slides/slide17.xml><?xml version="1.0" encoding="utf-8"?>
 <p:sld xmlns:a="http://schemas.openxmlformats.org/drawingml/2006/main" xmlns:r="http://schemas.openxmlformats.org/officeDocument/2006/relationships" xmlns:p="http://schemas.openxmlformats.org/presentationml/2006/main">
   <p:cSld>
     <p:spTree>
@@ -6006,7 +5756,7 @@
 </p:sld>
 </file>
 
-<file path=ppt/slides/slide19.xml><?xml version="1.0" encoding="utf-8"?>
+<file path=ppt/slides/slide18.xml><?xml version="1.0" encoding="utf-8"?>
 <p:sld xmlns:a="http://schemas.openxmlformats.org/drawingml/2006/main" xmlns:r="http://schemas.openxmlformats.org/officeDocument/2006/relationships" xmlns:p="http://schemas.openxmlformats.org/presentationml/2006/main">
   <p:cSld>
     <p:spTree>
@@ -6152,163 +5902,7 @@
 </p:sld>
 </file>
 
-<file path=ppt/slides/slide2.xml><?xml version="1.0" encoding="utf-8"?>
-<p:sld xmlns:a="http://schemas.openxmlformats.org/drawingml/2006/main" xmlns:r="http://schemas.openxmlformats.org/officeDocument/2006/relationships" xmlns:p="http://schemas.openxmlformats.org/presentationml/2006/main">
-  <p:cSld>
-    <p:spTree>
-      <p:nvGrpSpPr>
-        <p:cNvPr id="1" name=""/>
-        <p:cNvGrpSpPr/>
-        <p:nvPr/>
-      </p:nvGrpSpPr>
-      <p:grpSpPr>
-        <a:xfrm>
-          <a:off x="0" y="0"/>
-          <a:ext cx="0" cy="0"/>
-          <a:chOff x="0" y="0"/>
-          <a:chExt cx="0" cy="0"/>
-        </a:xfrm>
-      </p:grpSpPr>
-      <p:sp>
-        <p:nvSpPr>
-          <p:cNvPr id="2" name="Title 1">
-            <a:extLst>
-              <a:ext uri="{FF2B5EF4-FFF2-40B4-BE49-F238E27FC236}">
-                <a16:creationId xmlns:a16="http://schemas.microsoft.com/office/drawing/2014/main" id="{46408683-B22D-3A70-9BB8-42088EC5BD7A}"/>
-              </a:ext>
-            </a:extLst>
-          </p:cNvPr>
-          <p:cNvSpPr>
-            <a:spLocks noGrp="1"/>
-          </p:cNvSpPr>
-          <p:nvPr>
-            <p:ph type="title"/>
-          </p:nvPr>
-        </p:nvSpPr>
-        <p:spPr/>
-        <p:txBody>
-          <a:bodyPr/>
-          <a:lstStyle/>
-          <a:p>
-            <a:r>
-              <a:rPr lang="en-US" dirty="0"/>
-              <a:t>Executive Summary</a:t>
-            </a:r>
-          </a:p>
-        </p:txBody>
-      </p:sp>
-      <p:sp>
-        <p:nvSpPr>
-          <p:cNvPr id="3" name="Content Placeholder 2">
-            <a:extLst>
-              <a:ext uri="{FF2B5EF4-FFF2-40B4-BE49-F238E27FC236}">
-                <a16:creationId xmlns:a16="http://schemas.microsoft.com/office/drawing/2014/main" id="{2A4AB622-10C2-BCAD-4D9C-935E257C73D5}"/>
-              </a:ext>
-            </a:extLst>
-          </p:cNvPr>
-          <p:cNvSpPr>
-            <a:spLocks noGrp="1"/>
-          </p:cNvSpPr>
-          <p:nvPr>
-            <p:ph idx="1"/>
-          </p:nvPr>
-        </p:nvSpPr>
-        <p:spPr/>
-        <p:txBody>
-          <a:bodyPr>
-            <a:normAutofit lnSpcReduction="10000"/>
-          </a:bodyPr>
-          <a:lstStyle/>
-          <a:p>
-            <a:r>
-              <a:rPr lang="en-US" dirty="0"/>
-              <a:t>Do you ever wonder which streaming service is right for your needs?</a:t>
-            </a:r>
-          </a:p>
-          <a:p>
-            <a:pPr lvl="1"/>
-            <a:r>
-              <a:rPr lang="en-US" dirty="0"/>
-              <a:t>Kids?</a:t>
-            </a:r>
-          </a:p>
-          <a:p>
-            <a:pPr lvl="1"/>
-            <a:r>
-              <a:rPr lang="en-US" dirty="0"/>
-              <a:t>Quality of content?</a:t>
-            </a:r>
-          </a:p>
-          <a:p>
-            <a:pPr lvl="1"/>
-            <a:r>
-              <a:rPr lang="en-US" dirty="0"/>
-              <a:t>Newest content?</a:t>
-            </a:r>
-          </a:p>
-          <a:p>
-            <a:r>
-              <a:rPr lang="en-US" dirty="0"/>
-              <a:t>Our project was reviewing data from streaming services to identify data trends-</a:t>
-            </a:r>
-          </a:p>
-          <a:p>
-            <a:pPr lvl="1"/>
-            <a:r>
-              <a:rPr lang="en-US" dirty="0"/>
-              <a:t>The focus was on four primary services:</a:t>
-            </a:r>
-          </a:p>
-          <a:p>
-            <a:pPr lvl="2"/>
-            <a:r>
-              <a:rPr lang="en-US" dirty="0"/>
-              <a:t>Netflix</a:t>
-            </a:r>
-          </a:p>
-          <a:p>
-            <a:pPr lvl="2"/>
-            <a:r>
-              <a:rPr lang="en-US" dirty="0"/>
-              <a:t>Hulu</a:t>
-            </a:r>
-          </a:p>
-          <a:p>
-            <a:pPr lvl="2"/>
-            <a:r>
-              <a:rPr lang="en-US" dirty="0"/>
-              <a:t>Amazon Prime</a:t>
-            </a:r>
-          </a:p>
-          <a:p>
-            <a:pPr lvl="2"/>
-            <a:r>
-              <a:rPr lang="en-US" dirty="0"/>
-              <a:t>Disney Plus</a:t>
-            </a:r>
-          </a:p>
-          <a:p>
-            <a:pPr marL="0" indent="0">
-              <a:buNone/>
-            </a:pPr>
-            <a:endParaRPr lang="en-US" dirty="0"/>
-          </a:p>
-        </p:txBody>
-      </p:sp>
-    </p:spTree>
-    <p:extLst>
-      <p:ext uri="{BB962C8B-B14F-4D97-AF65-F5344CB8AC3E}">
-        <p14:creationId xmlns:p14="http://schemas.microsoft.com/office/powerpoint/2010/main" val="1733622319"/>
-      </p:ext>
-    </p:extLst>
-  </p:cSld>
-  <p:clrMapOvr>
-    <a:masterClrMapping/>
-  </p:clrMapOvr>
-</p:sld>
-</file>
-
-<file path=ppt/slides/slide20.xml><?xml version="1.0" encoding="utf-8"?>
+<file path=ppt/slides/slide19.xml><?xml version="1.0" encoding="utf-8"?>
 <p:sld xmlns:a="http://schemas.openxmlformats.org/drawingml/2006/main" xmlns:r="http://schemas.openxmlformats.org/officeDocument/2006/relationships" xmlns:p="http://schemas.openxmlformats.org/presentationml/2006/main">
   <p:cSld>
     <p:spTree>
@@ -6450,7 +6044,163 @@
 </p:sld>
 </file>
 
-<file path=ppt/slides/slide21.xml><?xml version="1.0" encoding="utf-8"?>
+<file path=ppt/slides/slide2.xml><?xml version="1.0" encoding="utf-8"?>
+<p:sld xmlns:a="http://schemas.openxmlformats.org/drawingml/2006/main" xmlns:r="http://schemas.openxmlformats.org/officeDocument/2006/relationships" xmlns:p="http://schemas.openxmlformats.org/presentationml/2006/main">
+  <p:cSld>
+    <p:spTree>
+      <p:nvGrpSpPr>
+        <p:cNvPr id="1" name=""/>
+        <p:cNvGrpSpPr/>
+        <p:nvPr/>
+      </p:nvGrpSpPr>
+      <p:grpSpPr>
+        <a:xfrm>
+          <a:off x="0" y="0"/>
+          <a:ext cx="0" cy="0"/>
+          <a:chOff x="0" y="0"/>
+          <a:chExt cx="0" cy="0"/>
+        </a:xfrm>
+      </p:grpSpPr>
+      <p:sp>
+        <p:nvSpPr>
+          <p:cNvPr id="2" name="Title 1">
+            <a:extLst>
+              <a:ext uri="{FF2B5EF4-FFF2-40B4-BE49-F238E27FC236}">
+                <a16:creationId xmlns:a16="http://schemas.microsoft.com/office/drawing/2014/main" id="{46408683-B22D-3A70-9BB8-42088EC5BD7A}"/>
+              </a:ext>
+            </a:extLst>
+          </p:cNvPr>
+          <p:cNvSpPr>
+            <a:spLocks noGrp="1"/>
+          </p:cNvSpPr>
+          <p:nvPr>
+            <p:ph type="title"/>
+          </p:nvPr>
+        </p:nvSpPr>
+        <p:spPr/>
+        <p:txBody>
+          <a:bodyPr/>
+          <a:lstStyle/>
+          <a:p>
+            <a:r>
+              <a:rPr lang="en-US" dirty="0"/>
+              <a:t>Executive Summary</a:t>
+            </a:r>
+          </a:p>
+        </p:txBody>
+      </p:sp>
+      <p:sp>
+        <p:nvSpPr>
+          <p:cNvPr id="3" name="Content Placeholder 2">
+            <a:extLst>
+              <a:ext uri="{FF2B5EF4-FFF2-40B4-BE49-F238E27FC236}">
+                <a16:creationId xmlns:a16="http://schemas.microsoft.com/office/drawing/2014/main" id="{2A4AB622-10C2-BCAD-4D9C-935E257C73D5}"/>
+              </a:ext>
+            </a:extLst>
+          </p:cNvPr>
+          <p:cNvSpPr>
+            <a:spLocks noGrp="1"/>
+          </p:cNvSpPr>
+          <p:nvPr>
+            <p:ph idx="1"/>
+          </p:nvPr>
+        </p:nvSpPr>
+        <p:spPr/>
+        <p:txBody>
+          <a:bodyPr>
+            <a:normAutofit lnSpcReduction="10000"/>
+          </a:bodyPr>
+          <a:lstStyle/>
+          <a:p>
+            <a:r>
+              <a:rPr lang="en-US" dirty="0"/>
+              <a:t>Do you ever wonder which streaming service is right for your needs?</a:t>
+            </a:r>
+          </a:p>
+          <a:p>
+            <a:pPr lvl="1"/>
+            <a:r>
+              <a:rPr lang="en-US" dirty="0"/>
+              <a:t>Kids?</a:t>
+            </a:r>
+          </a:p>
+          <a:p>
+            <a:pPr lvl="1"/>
+            <a:r>
+              <a:rPr lang="en-US" dirty="0"/>
+              <a:t>Quality of content?</a:t>
+            </a:r>
+          </a:p>
+          <a:p>
+            <a:pPr lvl="1"/>
+            <a:r>
+              <a:rPr lang="en-US" dirty="0"/>
+              <a:t>Newest content?</a:t>
+            </a:r>
+          </a:p>
+          <a:p>
+            <a:r>
+              <a:rPr lang="en-US" dirty="0"/>
+              <a:t>Our project was reviewing data from streaming services to identify data trends-</a:t>
+            </a:r>
+          </a:p>
+          <a:p>
+            <a:pPr lvl="1"/>
+            <a:r>
+              <a:rPr lang="en-US" dirty="0"/>
+              <a:t>The focus was on four primary services:</a:t>
+            </a:r>
+          </a:p>
+          <a:p>
+            <a:pPr lvl="2"/>
+            <a:r>
+              <a:rPr lang="en-US" dirty="0"/>
+              <a:t>Netflix</a:t>
+            </a:r>
+          </a:p>
+          <a:p>
+            <a:pPr lvl="2"/>
+            <a:r>
+              <a:rPr lang="en-US" dirty="0"/>
+              <a:t>Hulu</a:t>
+            </a:r>
+          </a:p>
+          <a:p>
+            <a:pPr lvl="2"/>
+            <a:r>
+              <a:rPr lang="en-US" dirty="0"/>
+              <a:t>Amazon Prime</a:t>
+            </a:r>
+          </a:p>
+          <a:p>
+            <a:pPr lvl="2"/>
+            <a:r>
+              <a:rPr lang="en-US" dirty="0"/>
+              <a:t>Disney Plus</a:t>
+            </a:r>
+          </a:p>
+          <a:p>
+            <a:pPr marL="0" indent="0">
+              <a:buNone/>
+            </a:pPr>
+            <a:endParaRPr lang="en-US" dirty="0"/>
+          </a:p>
+        </p:txBody>
+      </p:sp>
+    </p:spTree>
+    <p:extLst>
+      <p:ext uri="{BB962C8B-B14F-4D97-AF65-F5344CB8AC3E}">
+        <p14:creationId xmlns:p14="http://schemas.microsoft.com/office/powerpoint/2010/main" val="1733622319"/>
+      </p:ext>
+    </p:extLst>
+  </p:cSld>
+  <p:clrMapOvr>
+    <a:masterClrMapping/>
+  </p:clrMapOvr>
+</p:sld>
+</file>
+
+<file path=ppt/slides/slide20.xml><?xml version="1.0" encoding="utf-8"?>
 <p:sld xmlns:a="http://schemas.openxmlformats.org/drawingml/2006/main" xmlns:r="http://schemas.openxmlformats.org/officeDocument/2006/relationships" xmlns:p="http://schemas.openxmlformats.org/presentationml/2006/main">
   <p:cSld>
     <p:bg>
@@ -7027,7 +6777,7 @@
 </p:sld>
 </file>
 
-<file path=ppt/slides/slide22.xml><?xml version="1.0" encoding="utf-8"?>
+<file path=ppt/slides/slide21.xml><?xml version="1.0" encoding="utf-8"?>
 <p:sld xmlns:a="http://schemas.openxmlformats.org/drawingml/2006/main" xmlns:r="http://schemas.openxmlformats.org/officeDocument/2006/relationships" xmlns:p="http://schemas.openxmlformats.org/presentationml/2006/main">
   <p:cSld>
     <p:spTree>
@@ -7174,7 +6924,7 @@
 </p:sld>
 </file>
 
-<file path=ppt/slides/slide23.xml><?xml version="1.0" encoding="utf-8"?>
+<file path=ppt/slides/slide22.xml><?xml version="1.0" encoding="utf-8"?>
 <p:sld xmlns:a="http://schemas.openxmlformats.org/drawingml/2006/main" xmlns:r="http://schemas.openxmlformats.org/officeDocument/2006/relationships" xmlns:p="http://schemas.openxmlformats.org/presentationml/2006/main">
   <p:cSld>
     <p:bg>
@@ -7695,7 +7445,7 @@
 </p:sld>
 </file>
 
-<file path=ppt/slides/slide24.xml><?xml version="1.0" encoding="utf-8"?>
+<file path=ppt/slides/slide23.xml><?xml version="1.0" encoding="utf-8"?>
 <p:sld xmlns:a="http://schemas.openxmlformats.org/drawingml/2006/main" xmlns:r="http://schemas.openxmlformats.org/officeDocument/2006/relationships" xmlns:p="http://schemas.openxmlformats.org/presentationml/2006/main">
   <p:cSld>
     <p:bg>
@@ -8070,7 +7820,7 @@
 </p:sld>
 </file>
 
-<file path=ppt/slides/slide25.xml><?xml version="1.0" encoding="utf-8"?>
+<file path=ppt/slides/slide24.xml><?xml version="1.0" encoding="utf-8"?>
 <p:sld xmlns:a="http://schemas.openxmlformats.org/drawingml/2006/main" xmlns:r="http://schemas.openxmlformats.org/officeDocument/2006/relationships" xmlns:p="http://schemas.openxmlformats.org/presentationml/2006/main">
   <p:cSld>
     <p:spTree>

--- a/what_are_we_watching_tonight final.pptx
+++ b/what_are_we_watching_tonight final.pptx
@@ -5,7 +5,7 @@
     <p:sldMasterId id="2147483660" r:id="rId1"/>
   </p:sldMasterIdLst>
   <p:notesMasterIdLst>
-    <p:notesMasterId r:id="rId26"/>
+    <p:notesMasterId r:id="rId27"/>
   </p:notesMasterIdLst>
   <p:sldIdLst>
     <p:sldId id="256" r:id="rId2"/>
@@ -21,17 +21,18 @@
     <p:sldId id="273" r:id="rId12"/>
     <p:sldId id="276" r:id="rId13"/>
     <p:sldId id="267" r:id="rId14"/>
-    <p:sldId id="278" r:id="rId15"/>
-    <p:sldId id="279" r:id="rId16"/>
-    <p:sldId id="280" r:id="rId17"/>
-    <p:sldId id="281" r:id="rId18"/>
-    <p:sldId id="282" r:id="rId19"/>
-    <p:sldId id="271" r:id="rId20"/>
-    <p:sldId id="266" r:id="rId21"/>
-    <p:sldId id="269" r:id="rId22"/>
-    <p:sldId id="274" r:id="rId23"/>
-    <p:sldId id="275" r:id="rId24"/>
-    <p:sldId id="270" r:id="rId25"/>
+    <p:sldId id="283" r:id="rId15"/>
+    <p:sldId id="278" r:id="rId16"/>
+    <p:sldId id="279" r:id="rId17"/>
+    <p:sldId id="280" r:id="rId18"/>
+    <p:sldId id="281" r:id="rId19"/>
+    <p:sldId id="282" r:id="rId20"/>
+    <p:sldId id="271" r:id="rId21"/>
+    <p:sldId id="266" r:id="rId22"/>
+    <p:sldId id="269" r:id="rId23"/>
+    <p:sldId id="274" r:id="rId24"/>
+    <p:sldId id="275" r:id="rId25"/>
+    <p:sldId id="270" r:id="rId26"/>
   </p:sldIdLst>
   <p:sldSz cx="12192000" cy="6858000"/>
   <p:notesSz cx="6858000" cy="9144000"/>
@@ -948,7 +949,7 @@
           <a:p>
             <a:fld id="{921AF3DF-4AF8-436B-A96F-8A28546A46DA}" type="slidenum">
               <a:rPr lang="en-US" smtClean="0"/>
-              <a:t>18</a:t>
+              <a:t>19</a:t>
             </a:fld>
             <a:endParaRPr lang="en-US"/>
           </a:p>
@@ -5020,280 +5021,10 @@
       </p:grpSpPr>
       <p:sp>
         <p:nvSpPr>
-          <p:cNvPr id="2" name="Title 1">
+          <p:cNvPr id="2" name="Content Placeholder 2">
             <a:extLst>
               <a:ext uri="{FF2B5EF4-FFF2-40B4-BE49-F238E27FC236}">
-                <a16:creationId xmlns:a16="http://schemas.microsoft.com/office/drawing/2014/main" id="{16AF27ED-EDDB-2E5E-F46B-6C56CF7FB713}"/>
-              </a:ext>
-            </a:extLst>
-          </p:cNvPr>
-          <p:cNvSpPr>
-            <a:spLocks noGrp="1"/>
-          </p:cNvSpPr>
-          <p:nvPr>
-            <p:ph type="title"/>
-          </p:nvPr>
-        </p:nvSpPr>
-        <p:spPr/>
-        <p:txBody>
-          <a:bodyPr/>
-          <a:lstStyle/>
-          <a:p>
-            <a:r>
-              <a:rPr lang="en-US" dirty="0"/>
-              <a:t>IMDb</a:t>
-            </a:r>
-          </a:p>
-        </p:txBody>
-      </p:sp>
-      <p:pic>
-        <p:nvPicPr>
-          <p:cNvPr id="3" name="Content Placeholder 4">
-            <a:extLst>
-              <a:ext uri="{FF2B5EF4-FFF2-40B4-BE49-F238E27FC236}">
-                <a16:creationId xmlns:a16="http://schemas.microsoft.com/office/drawing/2014/main" id="{02BFCE09-3C5B-7BCD-655C-A25376F0CE83}"/>
-              </a:ext>
-            </a:extLst>
-          </p:cNvPr>
-          <p:cNvPicPr>
-            <a:picLocks noChangeAspect="1"/>
-          </p:cNvPicPr>
-          <p:nvPr/>
-        </p:nvPicPr>
-        <p:blipFill>
-          <a:blip r:embed="rId2"/>
-          <a:stretch>
-            <a:fillRect/>
-          </a:stretch>
-        </p:blipFill>
-        <p:spPr>
-          <a:xfrm>
-            <a:off x="595934" y="1690688"/>
-            <a:ext cx="4928566" cy="4748212"/>
-          </a:xfrm>
-          <a:prstGeom prst="rect">
-            <a:avLst/>
-          </a:prstGeom>
-        </p:spPr>
-      </p:pic>
-      <p:pic>
-        <p:nvPicPr>
-          <p:cNvPr id="5" name="Picture 4">
-            <a:extLst>
-              <a:ext uri="{FF2B5EF4-FFF2-40B4-BE49-F238E27FC236}">
-                <a16:creationId xmlns:a16="http://schemas.microsoft.com/office/drawing/2014/main" id="{962A7796-1D5F-9BF9-9516-9B15CD6D6E55}"/>
-              </a:ext>
-            </a:extLst>
-          </p:cNvPr>
-          <p:cNvPicPr>
-            <a:picLocks noChangeAspect="1"/>
-          </p:cNvPicPr>
-          <p:nvPr/>
-        </p:nvPicPr>
-        <p:blipFill>
-          <a:blip r:embed="rId3"/>
-          <a:stretch>
-            <a:fillRect/>
-          </a:stretch>
-        </p:blipFill>
-        <p:spPr>
-          <a:xfrm>
-            <a:off x="5237154" y="1545771"/>
-            <a:ext cx="7089071" cy="4844271"/>
-          </a:xfrm>
-          <a:prstGeom prst="rect">
-            <a:avLst/>
-          </a:prstGeom>
-        </p:spPr>
-      </p:pic>
-    </p:spTree>
-    <p:extLst>
-      <p:ext uri="{BB962C8B-B14F-4D97-AF65-F5344CB8AC3E}">
-        <p14:creationId xmlns:p14="http://schemas.microsoft.com/office/powerpoint/2010/main" val="3107476628"/>
-      </p:ext>
-    </p:extLst>
-  </p:cSld>
-  <p:clrMapOvr>
-    <a:masterClrMapping/>
-  </p:clrMapOvr>
-</p:sld>
-</file>
-
-<file path=ppt/slides/slide15.xml><?xml version="1.0" encoding="utf-8"?>
-<p:sld xmlns:a="http://schemas.openxmlformats.org/drawingml/2006/main" xmlns:r="http://schemas.openxmlformats.org/officeDocument/2006/relationships" xmlns:p="http://schemas.openxmlformats.org/presentationml/2006/main">
-  <p:cSld>
-    <p:spTree>
-      <p:nvGrpSpPr>
-        <p:cNvPr id="1" name=""/>
-        <p:cNvGrpSpPr/>
-        <p:nvPr/>
-      </p:nvGrpSpPr>
-      <p:grpSpPr>
-        <a:xfrm>
-          <a:off x="0" y="0"/>
-          <a:ext cx="0" cy="0"/>
-          <a:chOff x="0" y="0"/>
-          <a:chExt cx="0" cy="0"/>
-        </a:xfrm>
-      </p:grpSpPr>
-      <p:sp>
-        <p:nvSpPr>
-          <p:cNvPr id="2" name="Title 1">
-            <a:extLst>
-              <a:ext uri="{FF2B5EF4-FFF2-40B4-BE49-F238E27FC236}">
-                <a16:creationId xmlns:a16="http://schemas.microsoft.com/office/drawing/2014/main" id="{2863DA95-0437-ABA5-780A-BCA53F46030F}"/>
-              </a:ext>
-            </a:extLst>
-          </p:cNvPr>
-          <p:cNvSpPr>
-            <a:spLocks noGrp="1"/>
-          </p:cNvSpPr>
-          <p:nvPr>
-            <p:ph type="title"/>
-          </p:nvPr>
-        </p:nvSpPr>
-        <p:spPr/>
-        <p:txBody>
-          <a:bodyPr/>
-          <a:lstStyle/>
-          <a:p>
-            <a:r>
-              <a:rPr lang="en-US" sz="4400" dirty="0"/>
-              <a:t>Rotten Tomatoes</a:t>
-            </a:r>
-            <a:endParaRPr lang="en-US" dirty="0"/>
-          </a:p>
-        </p:txBody>
-      </p:sp>
-      <p:sp>
-        <p:nvSpPr>
-          <p:cNvPr id="3" name="Content Placeholder 2">
-            <a:extLst>
-              <a:ext uri="{FF2B5EF4-FFF2-40B4-BE49-F238E27FC236}">
-                <a16:creationId xmlns:a16="http://schemas.microsoft.com/office/drawing/2014/main" id="{E681FB12-1D6D-5298-E03C-CB13B80B937B}"/>
-              </a:ext>
-            </a:extLst>
-          </p:cNvPr>
-          <p:cNvSpPr>
-            <a:spLocks noGrp="1"/>
-          </p:cNvSpPr>
-          <p:nvPr>
-            <p:ph idx="1"/>
-          </p:nvPr>
-        </p:nvSpPr>
-        <p:spPr>
-          <a:xfrm>
-            <a:off x="838200" y="1646011"/>
-            <a:ext cx="10515600" cy="4351338"/>
-          </a:xfrm>
-        </p:spPr>
-        <p:txBody>
-          <a:bodyPr/>
-          <a:lstStyle/>
-          <a:p>
-            <a:r>
-              <a:rPr lang="en-US" dirty="0"/>
-              <a:t>Calculate the total TV shows on each service</a:t>
-            </a:r>
-          </a:p>
-        </p:txBody>
-      </p:sp>
-      <p:pic>
-        <p:nvPicPr>
-          <p:cNvPr id="4" name="Picture 3">
-            <a:extLst>
-              <a:ext uri="{FF2B5EF4-FFF2-40B4-BE49-F238E27FC236}">
-                <a16:creationId xmlns:a16="http://schemas.microsoft.com/office/drawing/2014/main" id="{87B58A4C-7A3E-5671-F3CB-3BE7CF1EFB1B}"/>
-              </a:ext>
-            </a:extLst>
-          </p:cNvPr>
-          <p:cNvPicPr>
-            <a:picLocks noChangeAspect="1"/>
-          </p:cNvPicPr>
-          <p:nvPr/>
-        </p:nvPicPr>
-        <p:blipFill>
-          <a:blip r:embed="rId2"/>
-          <a:stretch>
-            <a:fillRect/>
-          </a:stretch>
-        </p:blipFill>
-        <p:spPr>
-          <a:xfrm>
-            <a:off x="967355" y="2302025"/>
-            <a:ext cx="8982187" cy="1078822"/>
-          </a:xfrm>
-          <a:prstGeom prst="rect">
-            <a:avLst/>
-          </a:prstGeom>
-        </p:spPr>
-      </p:pic>
-      <p:pic>
-        <p:nvPicPr>
-          <p:cNvPr id="5" name="Picture 4">
-            <a:extLst>
-              <a:ext uri="{FF2B5EF4-FFF2-40B4-BE49-F238E27FC236}">
-                <a16:creationId xmlns:a16="http://schemas.microsoft.com/office/drawing/2014/main" id="{1BF98F28-14F2-F27F-2338-C54FA0B27F45}"/>
-              </a:ext>
-            </a:extLst>
-          </p:cNvPr>
-          <p:cNvPicPr>
-            <a:picLocks noChangeAspect="1"/>
-          </p:cNvPicPr>
-          <p:nvPr/>
-        </p:nvPicPr>
-        <p:blipFill>
-          <a:blip r:embed="rId3"/>
-          <a:stretch>
-            <a:fillRect/>
-          </a:stretch>
-        </p:blipFill>
-        <p:spPr>
-          <a:xfrm>
-            <a:off x="1054442" y="3596000"/>
-            <a:ext cx="8982187" cy="3062336"/>
-          </a:xfrm>
-          <a:prstGeom prst="rect">
-            <a:avLst/>
-          </a:prstGeom>
-        </p:spPr>
-      </p:pic>
-    </p:spTree>
-    <p:extLst>
-      <p:ext uri="{BB962C8B-B14F-4D97-AF65-F5344CB8AC3E}">
-        <p14:creationId xmlns:p14="http://schemas.microsoft.com/office/powerpoint/2010/main" val="765938102"/>
-      </p:ext>
-    </p:extLst>
-  </p:cSld>
-  <p:clrMapOvr>
-    <a:masterClrMapping/>
-  </p:clrMapOvr>
-</p:sld>
-</file>
-
-<file path=ppt/slides/slide16.xml><?xml version="1.0" encoding="utf-8"?>
-<p:sld xmlns:a="http://schemas.openxmlformats.org/drawingml/2006/main" xmlns:r="http://schemas.openxmlformats.org/officeDocument/2006/relationships" xmlns:p="http://schemas.openxmlformats.org/presentationml/2006/main">
-  <p:cSld>
-    <p:spTree>
-      <p:nvGrpSpPr>
-        <p:cNvPr id="1" name=""/>
-        <p:cNvGrpSpPr/>
-        <p:nvPr/>
-      </p:nvGrpSpPr>
-      <p:grpSpPr>
-        <a:xfrm>
-          <a:off x="0" y="0"/>
-          <a:ext cx="0" cy="0"/>
-          <a:chOff x="0" y="0"/>
-          <a:chExt cx="0" cy="0"/>
-        </a:xfrm>
-      </p:grpSpPr>
-      <p:sp>
-        <p:nvSpPr>
-          <p:cNvPr id="6" name="Content Placeholder 2">
-            <a:extLst>
-              <a:ext uri="{FF2B5EF4-FFF2-40B4-BE49-F238E27FC236}">
-                <a16:creationId xmlns:a16="http://schemas.microsoft.com/office/drawing/2014/main" id="{1C5B3B9E-8C6D-3857-4465-5588A4A829B0}"/>
+                <a16:creationId xmlns:a16="http://schemas.microsoft.com/office/drawing/2014/main" id="{B76F6EBE-8ED9-BA49-750D-9BD13140A6A7}"/>
               </a:ext>
             </a:extLst>
           </p:cNvPr>
@@ -5304,8 +5035,8 @@
         </p:nvSpPr>
         <p:spPr>
           <a:xfrm>
-            <a:off x="838200" y="688489"/>
-            <a:ext cx="10515600" cy="5488474"/>
+            <a:off x="838200" y="387275"/>
+            <a:ext cx="10515600" cy="6121101"/>
           </a:xfrm>
           <a:prstGeom prst="rect">
             <a:avLst/>
@@ -5499,6 +5230,661 @@
             <a:endParaRPr lang="en-US" dirty="0"/>
           </a:p>
           <a:p>
+            <a:pPr marL="457200" lvl="1" indent="0">
+              <a:buNone/>
+            </a:pPr>
+            <a:endParaRPr lang="en-US" dirty="0"/>
+          </a:p>
+          <a:p>
+            <a:pPr lvl="1"/>
+            <a:endParaRPr lang="en-US" dirty="0"/>
+          </a:p>
+          <a:p>
+            <a:pPr lvl="1"/>
+            <a:endParaRPr lang="en-US" dirty="0"/>
+          </a:p>
+          <a:p>
+            <a:pPr lvl="1"/>
+            <a:endParaRPr lang="en-US" dirty="0"/>
+          </a:p>
+          <a:p>
+            <a:pPr lvl="1"/>
+            <a:endParaRPr lang="en-US" dirty="0"/>
+          </a:p>
+          <a:p>
+            <a:pPr lvl="1"/>
+            <a:endParaRPr lang="en-US" dirty="0"/>
+          </a:p>
+          <a:p>
+            <a:pPr marL="457200" lvl="1" indent="0">
+              <a:buNone/>
+            </a:pPr>
+            <a:endParaRPr lang="en-US" dirty="0"/>
+          </a:p>
+          <a:p>
+            <a:pPr lvl="1"/>
+            <a:r>
+              <a:rPr lang="en-US" dirty="0"/>
+              <a:t>Result:  </a:t>
+            </a:r>
+          </a:p>
+          <a:p>
+            <a:pPr lvl="1"/>
+            <a:endParaRPr lang="en-US" dirty="0"/>
+          </a:p>
+          <a:p>
+            <a:endParaRPr lang="en-US" dirty="0"/>
+          </a:p>
+          <a:p>
+            <a:endParaRPr lang="en-US" dirty="0"/>
+          </a:p>
+          <a:p>
+            <a:endParaRPr lang="en-US" dirty="0"/>
+          </a:p>
+          <a:p>
+            <a:endParaRPr lang="en-US" dirty="0"/>
+          </a:p>
+          <a:p>
+            <a:endParaRPr lang="en-US" dirty="0"/>
+          </a:p>
+          <a:p>
+            <a:endParaRPr lang="en-US" dirty="0"/>
+          </a:p>
+          <a:p>
+            <a:endParaRPr lang="en-US" dirty="0"/>
+          </a:p>
+          <a:p>
+            <a:pPr marL="0" indent="0">
+              <a:buFont typeface="Arial" panose="020B0604020202020204" pitchFamily="34" charset="0"/>
+              <a:buNone/>
+            </a:pPr>
+            <a:endParaRPr lang="en-US" dirty="0"/>
+          </a:p>
+          <a:p>
+            <a:endParaRPr lang="en-US" dirty="0"/>
+          </a:p>
+          <a:p>
+            <a:endParaRPr lang="en-US" dirty="0"/>
+          </a:p>
+          <a:p>
+            <a:endParaRPr lang="en-US" dirty="0"/>
+          </a:p>
+          <a:p>
+            <a:endParaRPr lang="en-US" dirty="0"/>
+          </a:p>
+        </p:txBody>
+      </p:sp>
+      <p:pic>
+        <p:nvPicPr>
+          <p:cNvPr id="4" name="Picture 3">
+            <a:extLst>
+              <a:ext uri="{FF2B5EF4-FFF2-40B4-BE49-F238E27FC236}">
+                <a16:creationId xmlns:a16="http://schemas.microsoft.com/office/drawing/2014/main" id="{84FB44BB-B46B-8784-8120-12D8C0C329DD}"/>
+              </a:ext>
+            </a:extLst>
+          </p:cNvPr>
+          <p:cNvPicPr>
+            <a:picLocks noChangeAspect="1"/>
+          </p:cNvPicPr>
+          <p:nvPr/>
+        </p:nvPicPr>
+        <p:blipFill>
+          <a:blip r:embed="rId2"/>
+          <a:stretch>
+            <a:fillRect/>
+          </a:stretch>
+        </p:blipFill>
+        <p:spPr>
+          <a:xfrm>
+            <a:off x="1237128" y="1239454"/>
+            <a:ext cx="10515601" cy="3238781"/>
+          </a:xfrm>
+          <a:prstGeom prst="rect">
+            <a:avLst/>
+          </a:prstGeom>
+        </p:spPr>
+      </p:pic>
+      <p:pic>
+        <p:nvPicPr>
+          <p:cNvPr id="5" name="Picture 4">
+            <a:extLst>
+              <a:ext uri="{FF2B5EF4-FFF2-40B4-BE49-F238E27FC236}">
+                <a16:creationId xmlns:a16="http://schemas.microsoft.com/office/drawing/2014/main" id="{846F98F9-46A3-ED9C-23A0-DC35F87505DB}"/>
+              </a:ext>
+            </a:extLst>
+          </p:cNvPr>
+          <p:cNvPicPr>
+            <a:picLocks noChangeAspect="1"/>
+          </p:cNvPicPr>
+          <p:nvPr/>
+        </p:nvPicPr>
+        <p:blipFill>
+          <a:blip r:embed="rId3"/>
+          <a:stretch>
+            <a:fillRect/>
+          </a:stretch>
+        </p:blipFill>
+        <p:spPr>
+          <a:xfrm>
+            <a:off x="1237127" y="5193811"/>
+            <a:ext cx="3275001" cy="1392917"/>
+          </a:xfrm>
+          <a:prstGeom prst="rect">
+            <a:avLst/>
+          </a:prstGeom>
+        </p:spPr>
+      </p:pic>
+    </p:spTree>
+    <p:extLst>
+      <p:ext uri="{BB962C8B-B14F-4D97-AF65-F5344CB8AC3E}">
+        <p14:creationId xmlns:p14="http://schemas.microsoft.com/office/powerpoint/2010/main" val="1048414928"/>
+      </p:ext>
+    </p:extLst>
+  </p:cSld>
+  <p:clrMapOvr>
+    <a:masterClrMapping/>
+  </p:clrMapOvr>
+</p:sld>
+</file>
+
+<file path=ppt/slides/slide15.xml><?xml version="1.0" encoding="utf-8"?>
+<p:sld xmlns:a="http://schemas.openxmlformats.org/drawingml/2006/main" xmlns:r="http://schemas.openxmlformats.org/officeDocument/2006/relationships" xmlns:p="http://schemas.openxmlformats.org/presentationml/2006/main">
+  <p:cSld>
+    <p:spTree>
+      <p:nvGrpSpPr>
+        <p:cNvPr id="1" name=""/>
+        <p:cNvGrpSpPr/>
+        <p:nvPr/>
+      </p:nvGrpSpPr>
+      <p:grpSpPr>
+        <a:xfrm>
+          <a:off x="0" y="0"/>
+          <a:ext cx="0" cy="0"/>
+          <a:chOff x="0" y="0"/>
+          <a:chExt cx="0" cy="0"/>
+        </a:xfrm>
+      </p:grpSpPr>
+      <p:sp>
+        <p:nvSpPr>
+          <p:cNvPr id="2" name="Title 1">
+            <a:extLst>
+              <a:ext uri="{FF2B5EF4-FFF2-40B4-BE49-F238E27FC236}">
+                <a16:creationId xmlns:a16="http://schemas.microsoft.com/office/drawing/2014/main" id="{16AF27ED-EDDB-2E5E-F46B-6C56CF7FB713}"/>
+              </a:ext>
+            </a:extLst>
+          </p:cNvPr>
+          <p:cNvSpPr>
+            <a:spLocks noGrp="1"/>
+          </p:cNvSpPr>
+          <p:nvPr>
+            <p:ph type="title"/>
+          </p:nvPr>
+        </p:nvSpPr>
+        <p:spPr/>
+        <p:txBody>
+          <a:bodyPr/>
+          <a:lstStyle/>
+          <a:p>
+            <a:r>
+              <a:rPr lang="en-US" dirty="0"/>
+              <a:t>IMDb</a:t>
+            </a:r>
+          </a:p>
+        </p:txBody>
+      </p:sp>
+      <p:pic>
+        <p:nvPicPr>
+          <p:cNvPr id="3" name="Content Placeholder 4">
+            <a:extLst>
+              <a:ext uri="{FF2B5EF4-FFF2-40B4-BE49-F238E27FC236}">
+                <a16:creationId xmlns:a16="http://schemas.microsoft.com/office/drawing/2014/main" id="{02BFCE09-3C5B-7BCD-655C-A25376F0CE83}"/>
+              </a:ext>
+            </a:extLst>
+          </p:cNvPr>
+          <p:cNvPicPr>
+            <a:picLocks noChangeAspect="1"/>
+          </p:cNvPicPr>
+          <p:nvPr/>
+        </p:nvPicPr>
+        <p:blipFill>
+          <a:blip r:embed="rId2"/>
+          <a:stretch>
+            <a:fillRect/>
+          </a:stretch>
+        </p:blipFill>
+        <p:spPr>
+          <a:xfrm>
+            <a:off x="595934" y="1690688"/>
+            <a:ext cx="4928566" cy="4748212"/>
+          </a:xfrm>
+          <a:prstGeom prst="rect">
+            <a:avLst/>
+          </a:prstGeom>
+        </p:spPr>
+      </p:pic>
+      <p:pic>
+        <p:nvPicPr>
+          <p:cNvPr id="5" name="Picture 4">
+            <a:extLst>
+              <a:ext uri="{FF2B5EF4-FFF2-40B4-BE49-F238E27FC236}">
+                <a16:creationId xmlns:a16="http://schemas.microsoft.com/office/drawing/2014/main" id="{962A7796-1D5F-9BF9-9516-9B15CD6D6E55}"/>
+              </a:ext>
+            </a:extLst>
+          </p:cNvPr>
+          <p:cNvPicPr>
+            <a:picLocks noChangeAspect="1"/>
+          </p:cNvPicPr>
+          <p:nvPr/>
+        </p:nvPicPr>
+        <p:blipFill>
+          <a:blip r:embed="rId3"/>
+          <a:stretch>
+            <a:fillRect/>
+          </a:stretch>
+        </p:blipFill>
+        <p:spPr>
+          <a:xfrm>
+            <a:off x="5237154" y="1545771"/>
+            <a:ext cx="7089071" cy="4844271"/>
+          </a:xfrm>
+          <a:prstGeom prst="rect">
+            <a:avLst/>
+          </a:prstGeom>
+        </p:spPr>
+      </p:pic>
+    </p:spTree>
+    <p:extLst>
+      <p:ext uri="{BB962C8B-B14F-4D97-AF65-F5344CB8AC3E}">
+        <p14:creationId xmlns:p14="http://schemas.microsoft.com/office/powerpoint/2010/main" val="3107476628"/>
+      </p:ext>
+    </p:extLst>
+  </p:cSld>
+  <p:clrMapOvr>
+    <a:masterClrMapping/>
+  </p:clrMapOvr>
+</p:sld>
+</file>
+
+<file path=ppt/slides/slide16.xml><?xml version="1.0" encoding="utf-8"?>
+<p:sld xmlns:a="http://schemas.openxmlformats.org/drawingml/2006/main" xmlns:r="http://schemas.openxmlformats.org/officeDocument/2006/relationships" xmlns:p="http://schemas.openxmlformats.org/presentationml/2006/main">
+  <p:cSld>
+    <p:spTree>
+      <p:nvGrpSpPr>
+        <p:cNvPr id="1" name=""/>
+        <p:cNvGrpSpPr/>
+        <p:nvPr/>
+      </p:nvGrpSpPr>
+      <p:grpSpPr>
+        <a:xfrm>
+          <a:off x="0" y="0"/>
+          <a:ext cx="0" cy="0"/>
+          <a:chOff x="0" y="0"/>
+          <a:chExt cx="0" cy="0"/>
+        </a:xfrm>
+      </p:grpSpPr>
+      <p:sp>
+        <p:nvSpPr>
+          <p:cNvPr id="2" name="Title 1">
+            <a:extLst>
+              <a:ext uri="{FF2B5EF4-FFF2-40B4-BE49-F238E27FC236}">
+                <a16:creationId xmlns:a16="http://schemas.microsoft.com/office/drawing/2014/main" id="{2863DA95-0437-ABA5-780A-BCA53F46030F}"/>
+              </a:ext>
+            </a:extLst>
+          </p:cNvPr>
+          <p:cNvSpPr>
+            <a:spLocks noGrp="1"/>
+          </p:cNvSpPr>
+          <p:nvPr>
+            <p:ph type="title"/>
+          </p:nvPr>
+        </p:nvSpPr>
+        <p:spPr/>
+        <p:txBody>
+          <a:bodyPr/>
+          <a:lstStyle/>
+          <a:p>
+            <a:r>
+              <a:rPr lang="en-US" sz="4400" dirty="0"/>
+              <a:t>Rotten Tomatoes</a:t>
+            </a:r>
+            <a:endParaRPr lang="en-US" dirty="0"/>
+          </a:p>
+        </p:txBody>
+      </p:sp>
+      <p:sp>
+        <p:nvSpPr>
+          <p:cNvPr id="3" name="Content Placeholder 2">
+            <a:extLst>
+              <a:ext uri="{FF2B5EF4-FFF2-40B4-BE49-F238E27FC236}">
+                <a16:creationId xmlns:a16="http://schemas.microsoft.com/office/drawing/2014/main" id="{E681FB12-1D6D-5298-E03C-CB13B80B937B}"/>
+              </a:ext>
+            </a:extLst>
+          </p:cNvPr>
+          <p:cNvSpPr>
+            <a:spLocks noGrp="1"/>
+          </p:cNvSpPr>
+          <p:nvPr>
+            <p:ph idx="1"/>
+          </p:nvPr>
+        </p:nvSpPr>
+        <p:spPr>
+          <a:xfrm>
+            <a:off x="838200" y="1646011"/>
+            <a:ext cx="10515600" cy="4351338"/>
+          </a:xfrm>
+        </p:spPr>
+        <p:txBody>
+          <a:bodyPr/>
+          <a:lstStyle/>
+          <a:p>
+            <a:r>
+              <a:rPr lang="en-US" dirty="0"/>
+              <a:t>Calculate the total TV shows on each service</a:t>
+            </a:r>
+          </a:p>
+        </p:txBody>
+      </p:sp>
+      <p:pic>
+        <p:nvPicPr>
+          <p:cNvPr id="4" name="Picture 3">
+            <a:extLst>
+              <a:ext uri="{FF2B5EF4-FFF2-40B4-BE49-F238E27FC236}">
+                <a16:creationId xmlns:a16="http://schemas.microsoft.com/office/drawing/2014/main" id="{87B58A4C-7A3E-5671-F3CB-3BE7CF1EFB1B}"/>
+              </a:ext>
+            </a:extLst>
+          </p:cNvPr>
+          <p:cNvPicPr>
+            <a:picLocks noChangeAspect="1"/>
+          </p:cNvPicPr>
+          <p:nvPr/>
+        </p:nvPicPr>
+        <p:blipFill>
+          <a:blip r:embed="rId2"/>
+          <a:stretch>
+            <a:fillRect/>
+          </a:stretch>
+        </p:blipFill>
+        <p:spPr>
+          <a:xfrm>
+            <a:off x="967355" y="2302025"/>
+            <a:ext cx="8982187" cy="1078822"/>
+          </a:xfrm>
+          <a:prstGeom prst="rect">
+            <a:avLst/>
+          </a:prstGeom>
+        </p:spPr>
+      </p:pic>
+      <p:pic>
+        <p:nvPicPr>
+          <p:cNvPr id="5" name="Picture 4">
+            <a:extLst>
+              <a:ext uri="{FF2B5EF4-FFF2-40B4-BE49-F238E27FC236}">
+                <a16:creationId xmlns:a16="http://schemas.microsoft.com/office/drawing/2014/main" id="{1BF98F28-14F2-F27F-2338-C54FA0B27F45}"/>
+              </a:ext>
+            </a:extLst>
+          </p:cNvPr>
+          <p:cNvPicPr>
+            <a:picLocks noChangeAspect="1"/>
+          </p:cNvPicPr>
+          <p:nvPr/>
+        </p:nvPicPr>
+        <p:blipFill>
+          <a:blip r:embed="rId3"/>
+          <a:stretch>
+            <a:fillRect/>
+          </a:stretch>
+        </p:blipFill>
+        <p:spPr>
+          <a:xfrm>
+            <a:off x="1054442" y="3596000"/>
+            <a:ext cx="8982187" cy="3062336"/>
+          </a:xfrm>
+          <a:prstGeom prst="rect">
+            <a:avLst/>
+          </a:prstGeom>
+        </p:spPr>
+      </p:pic>
+    </p:spTree>
+    <p:extLst>
+      <p:ext uri="{BB962C8B-B14F-4D97-AF65-F5344CB8AC3E}">
+        <p14:creationId xmlns:p14="http://schemas.microsoft.com/office/powerpoint/2010/main" val="765938102"/>
+      </p:ext>
+    </p:extLst>
+  </p:cSld>
+  <p:clrMapOvr>
+    <a:masterClrMapping/>
+  </p:clrMapOvr>
+</p:sld>
+</file>
+
+<file path=ppt/slides/slide17.xml><?xml version="1.0" encoding="utf-8"?>
+<p:sld xmlns:a="http://schemas.openxmlformats.org/drawingml/2006/main" xmlns:r="http://schemas.openxmlformats.org/officeDocument/2006/relationships" xmlns:p="http://schemas.openxmlformats.org/presentationml/2006/main">
+  <p:cSld>
+    <p:spTree>
+      <p:nvGrpSpPr>
+        <p:cNvPr id="1" name=""/>
+        <p:cNvGrpSpPr/>
+        <p:nvPr/>
+      </p:nvGrpSpPr>
+      <p:grpSpPr>
+        <a:xfrm>
+          <a:off x="0" y="0"/>
+          <a:ext cx="0" cy="0"/>
+          <a:chOff x="0" y="0"/>
+          <a:chExt cx="0" cy="0"/>
+        </a:xfrm>
+      </p:grpSpPr>
+      <p:sp>
+        <p:nvSpPr>
+          <p:cNvPr id="6" name="Content Placeholder 2">
+            <a:extLst>
+              <a:ext uri="{FF2B5EF4-FFF2-40B4-BE49-F238E27FC236}">
+                <a16:creationId xmlns:a16="http://schemas.microsoft.com/office/drawing/2014/main" id="{1C5B3B9E-8C6D-3857-4465-5588A4A829B0}"/>
+              </a:ext>
+            </a:extLst>
+          </p:cNvPr>
+          <p:cNvSpPr txBox="1">
+            <a:spLocks/>
+          </p:cNvSpPr>
+          <p:nvPr/>
+        </p:nvSpPr>
+        <p:spPr>
+          <a:xfrm>
+            <a:off x="838200" y="688489"/>
+            <a:ext cx="10515600" cy="5488474"/>
+          </a:xfrm>
+          <a:prstGeom prst="rect">
+            <a:avLst/>
+          </a:prstGeom>
+        </p:spPr>
+        <p:txBody>
+          <a:bodyPr/>
+          <a:lstStyle>
+            <a:lvl1pPr marL="228600" indent="-228600" algn="l" defTabSz="914400" rtl="0" eaLnBrk="1" latinLnBrk="0" hangingPunct="1">
+              <a:lnSpc>
+                <a:spcPct val="90000"/>
+              </a:lnSpc>
+              <a:spcBef>
+                <a:spcPts val="1000"/>
+              </a:spcBef>
+              <a:buFont typeface="Arial" panose="020B0604020202020204" pitchFamily="34" charset="0"/>
+              <a:buChar char="•"/>
+              <a:defRPr sz="2800" kern="1200">
+                <a:solidFill>
+                  <a:schemeClr val="tx1"/>
+                </a:solidFill>
+                <a:latin typeface="+mn-lt"/>
+                <a:ea typeface="+mn-ea"/>
+                <a:cs typeface="+mn-cs"/>
+              </a:defRPr>
+            </a:lvl1pPr>
+            <a:lvl2pPr marL="685800" indent="-228600" algn="l" defTabSz="914400" rtl="0" eaLnBrk="1" latinLnBrk="0" hangingPunct="1">
+              <a:lnSpc>
+                <a:spcPct val="90000"/>
+              </a:lnSpc>
+              <a:spcBef>
+                <a:spcPts val="500"/>
+              </a:spcBef>
+              <a:buFont typeface="Arial" panose="020B0604020202020204" pitchFamily="34" charset="0"/>
+              <a:buChar char="•"/>
+              <a:defRPr sz="2400" kern="1200">
+                <a:solidFill>
+                  <a:schemeClr val="tx1"/>
+                </a:solidFill>
+                <a:latin typeface="+mn-lt"/>
+                <a:ea typeface="+mn-ea"/>
+                <a:cs typeface="+mn-cs"/>
+              </a:defRPr>
+            </a:lvl2pPr>
+            <a:lvl3pPr marL="1143000" indent="-228600" algn="l" defTabSz="914400" rtl="0" eaLnBrk="1" latinLnBrk="0" hangingPunct="1">
+              <a:lnSpc>
+                <a:spcPct val="90000"/>
+              </a:lnSpc>
+              <a:spcBef>
+                <a:spcPts val="500"/>
+              </a:spcBef>
+              <a:buFont typeface="Arial" panose="020B0604020202020204" pitchFamily="34" charset="0"/>
+              <a:buChar char="•"/>
+              <a:defRPr sz="2000" kern="1200">
+                <a:solidFill>
+                  <a:schemeClr val="tx1"/>
+                </a:solidFill>
+                <a:latin typeface="+mn-lt"/>
+                <a:ea typeface="+mn-ea"/>
+                <a:cs typeface="+mn-cs"/>
+              </a:defRPr>
+            </a:lvl3pPr>
+            <a:lvl4pPr marL="1600200" indent="-228600" algn="l" defTabSz="914400" rtl="0" eaLnBrk="1" latinLnBrk="0" hangingPunct="1">
+              <a:lnSpc>
+                <a:spcPct val="90000"/>
+              </a:lnSpc>
+              <a:spcBef>
+                <a:spcPts val="500"/>
+              </a:spcBef>
+              <a:buFont typeface="Arial" panose="020B0604020202020204" pitchFamily="34" charset="0"/>
+              <a:buChar char="•"/>
+              <a:defRPr sz="1800" kern="1200">
+                <a:solidFill>
+                  <a:schemeClr val="tx1"/>
+                </a:solidFill>
+                <a:latin typeface="+mn-lt"/>
+                <a:ea typeface="+mn-ea"/>
+                <a:cs typeface="+mn-cs"/>
+              </a:defRPr>
+            </a:lvl4pPr>
+            <a:lvl5pPr marL="2057400" indent="-228600" algn="l" defTabSz="914400" rtl="0" eaLnBrk="1" latinLnBrk="0" hangingPunct="1">
+              <a:lnSpc>
+                <a:spcPct val="90000"/>
+              </a:lnSpc>
+              <a:spcBef>
+                <a:spcPts val="500"/>
+              </a:spcBef>
+              <a:buFont typeface="Arial" panose="020B0604020202020204" pitchFamily="34" charset="0"/>
+              <a:buChar char="•"/>
+              <a:defRPr sz="1800" kern="1200">
+                <a:solidFill>
+                  <a:schemeClr val="tx1"/>
+                </a:solidFill>
+                <a:latin typeface="+mn-lt"/>
+                <a:ea typeface="+mn-ea"/>
+                <a:cs typeface="+mn-cs"/>
+              </a:defRPr>
+            </a:lvl5pPr>
+            <a:lvl6pPr marL="2514600" indent="-228600" algn="l" defTabSz="914400" rtl="0" eaLnBrk="1" latinLnBrk="0" hangingPunct="1">
+              <a:lnSpc>
+                <a:spcPct val="90000"/>
+              </a:lnSpc>
+              <a:spcBef>
+                <a:spcPts val="500"/>
+              </a:spcBef>
+              <a:buFont typeface="Arial" panose="020B0604020202020204" pitchFamily="34" charset="0"/>
+              <a:buChar char="•"/>
+              <a:defRPr sz="1800" kern="1200">
+                <a:solidFill>
+                  <a:schemeClr val="tx1"/>
+                </a:solidFill>
+                <a:latin typeface="+mn-lt"/>
+                <a:ea typeface="+mn-ea"/>
+                <a:cs typeface="+mn-cs"/>
+              </a:defRPr>
+            </a:lvl6pPr>
+            <a:lvl7pPr marL="2971800" indent="-228600" algn="l" defTabSz="914400" rtl="0" eaLnBrk="1" latinLnBrk="0" hangingPunct="1">
+              <a:lnSpc>
+                <a:spcPct val="90000"/>
+              </a:lnSpc>
+              <a:spcBef>
+                <a:spcPts val="500"/>
+              </a:spcBef>
+              <a:buFont typeface="Arial" panose="020B0604020202020204" pitchFamily="34" charset="0"/>
+              <a:buChar char="•"/>
+              <a:defRPr sz="1800" kern="1200">
+                <a:solidFill>
+                  <a:schemeClr val="tx1"/>
+                </a:solidFill>
+                <a:latin typeface="+mn-lt"/>
+                <a:ea typeface="+mn-ea"/>
+                <a:cs typeface="+mn-cs"/>
+              </a:defRPr>
+            </a:lvl7pPr>
+            <a:lvl8pPr marL="3429000" indent="-228600" algn="l" defTabSz="914400" rtl="0" eaLnBrk="1" latinLnBrk="0" hangingPunct="1">
+              <a:lnSpc>
+                <a:spcPct val="90000"/>
+              </a:lnSpc>
+              <a:spcBef>
+                <a:spcPts val="500"/>
+              </a:spcBef>
+              <a:buFont typeface="Arial" panose="020B0604020202020204" pitchFamily="34" charset="0"/>
+              <a:buChar char="•"/>
+              <a:defRPr sz="1800" kern="1200">
+                <a:solidFill>
+                  <a:schemeClr val="tx1"/>
+                </a:solidFill>
+                <a:latin typeface="+mn-lt"/>
+                <a:ea typeface="+mn-ea"/>
+                <a:cs typeface="+mn-cs"/>
+              </a:defRPr>
+            </a:lvl8pPr>
+            <a:lvl9pPr marL="3886200" indent="-228600" algn="l" defTabSz="914400" rtl="0" eaLnBrk="1" latinLnBrk="0" hangingPunct="1">
+              <a:lnSpc>
+                <a:spcPct val="90000"/>
+              </a:lnSpc>
+              <a:spcBef>
+                <a:spcPts val="500"/>
+              </a:spcBef>
+              <a:buFont typeface="Arial" panose="020B0604020202020204" pitchFamily="34" charset="0"/>
+              <a:buChar char="•"/>
+              <a:defRPr sz="1800" kern="1200">
+                <a:solidFill>
+                  <a:schemeClr val="tx1"/>
+                </a:solidFill>
+                <a:latin typeface="+mn-lt"/>
+                <a:ea typeface="+mn-ea"/>
+                <a:cs typeface="+mn-cs"/>
+              </a:defRPr>
+            </a:lvl9pPr>
+          </a:lstStyle>
+          <a:p>
+            <a:r>
+              <a:rPr lang="en-US" dirty="0"/>
+              <a:t>Calculate the total TV shows on each service</a:t>
+            </a:r>
+          </a:p>
+          <a:p>
+            <a:pPr lvl="1"/>
+            <a:r>
+              <a:rPr lang="en-US" dirty="0"/>
+              <a:t>Coding:</a:t>
+            </a:r>
+          </a:p>
+          <a:p>
+            <a:pPr lvl="1"/>
+            <a:endParaRPr lang="en-US" dirty="0"/>
+          </a:p>
+          <a:p>
+            <a:pPr lvl="1"/>
+            <a:endParaRPr lang="en-US" dirty="0"/>
+          </a:p>
+          <a:p>
             <a:pPr lvl="1"/>
             <a:endParaRPr lang="en-US" dirty="0"/>
           </a:p>
@@ -5611,7 +5997,7 @@
 </p:sld>
 </file>
 
-<file path=ppt/slides/slide17.xml><?xml version="1.0" encoding="utf-8"?>
+<file path=ppt/slides/slide18.xml><?xml version="1.0" encoding="utf-8"?>
 <p:sld xmlns:a="http://schemas.openxmlformats.org/drawingml/2006/main" xmlns:r="http://schemas.openxmlformats.org/officeDocument/2006/relationships" xmlns:p="http://schemas.openxmlformats.org/presentationml/2006/main">
   <p:cSld>
     <p:spTree>
@@ -5756,7 +6142,7 @@
 </p:sld>
 </file>
 
-<file path=ppt/slides/slide18.xml><?xml version="1.0" encoding="utf-8"?>
+<file path=ppt/slides/slide19.xml><?xml version="1.0" encoding="utf-8"?>
 <p:sld xmlns:a="http://schemas.openxmlformats.org/drawingml/2006/main" xmlns:r="http://schemas.openxmlformats.org/officeDocument/2006/relationships" xmlns:p="http://schemas.openxmlformats.org/presentationml/2006/main">
   <p:cSld>
     <p:spTree>
@@ -5902,7 +6288,163 @@
 </p:sld>
 </file>
 
-<file path=ppt/slides/slide19.xml><?xml version="1.0" encoding="utf-8"?>
+<file path=ppt/slides/slide2.xml><?xml version="1.0" encoding="utf-8"?>
+<p:sld xmlns:a="http://schemas.openxmlformats.org/drawingml/2006/main" xmlns:r="http://schemas.openxmlformats.org/officeDocument/2006/relationships" xmlns:p="http://schemas.openxmlformats.org/presentationml/2006/main">
+  <p:cSld>
+    <p:spTree>
+      <p:nvGrpSpPr>
+        <p:cNvPr id="1" name=""/>
+        <p:cNvGrpSpPr/>
+        <p:nvPr/>
+      </p:nvGrpSpPr>
+      <p:grpSpPr>
+        <a:xfrm>
+          <a:off x="0" y="0"/>
+          <a:ext cx="0" cy="0"/>
+          <a:chOff x="0" y="0"/>
+          <a:chExt cx="0" cy="0"/>
+        </a:xfrm>
+      </p:grpSpPr>
+      <p:sp>
+        <p:nvSpPr>
+          <p:cNvPr id="2" name="Title 1">
+            <a:extLst>
+              <a:ext uri="{FF2B5EF4-FFF2-40B4-BE49-F238E27FC236}">
+                <a16:creationId xmlns:a16="http://schemas.microsoft.com/office/drawing/2014/main" id="{46408683-B22D-3A70-9BB8-42088EC5BD7A}"/>
+              </a:ext>
+            </a:extLst>
+          </p:cNvPr>
+          <p:cNvSpPr>
+            <a:spLocks noGrp="1"/>
+          </p:cNvSpPr>
+          <p:nvPr>
+            <p:ph type="title"/>
+          </p:nvPr>
+        </p:nvSpPr>
+        <p:spPr/>
+        <p:txBody>
+          <a:bodyPr/>
+          <a:lstStyle/>
+          <a:p>
+            <a:r>
+              <a:rPr lang="en-US" dirty="0"/>
+              <a:t>Executive Summary</a:t>
+            </a:r>
+          </a:p>
+        </p:txBody>
+      </p:sp>
+      <p:sp>
+        <p:nvSpPr>
+          <p:cNvPr id="3" name="Content Placeholder 2">
+            <a:extLst>
+              <a:ext uri="{FF2B5EF4-FFF2-40B4-BE49-F238E27FC236}">
+                <a16:creationId xmlns:a16="http://schemas.microsoft.com/office/drawing/2014/main" id="{2A4AB622-10C2-BCAD-4D9C-935E257C73D5}"/>
+              </a:ext>
+            </a:extLst>
+          </p:cNvPr>
+          <p:cNvSpPr>
+            <a:spLocks noGrp="1"/>
+          </p:cNvSpPr>
+          <p:nvPr>
+            <p:ph idx="1"/>
+          </p:nvPr>
+        </p:nvSpPr>
+        <p:spPr/>
+        <p:txBody>
+          <a:bodyPr>
+            <a:normAutofit lnSpcReduction="10000"/>
+          </a:bodyPr>
+          <a:lstStyle/>
+          <a:p>
+            <a:r>
+              <a:rPr lang="en-US" dirty="0"/>
+              <a:t>Do you ever wonder which streaming service is right for your needs?</a:t>
+            </a:r>
+          </a:p>
+          <a:p>
+            <a:pPr lvl="1"/>
+            <a:r>
+              <a:rPr lang="en-US" dirty="0"/>
+              <a:t>Kids?</a:t>
+            </a:r>
+          </a:p>
+          <a:p>
+            <a:pPr lvl="1"/>
+            <a:r>
+              <a:rPr lang="en-US" dirty="0"/>
+              <a:t>Quality of content?</a:t>
+            </a:r>
+          </a:p>
+          <a:p>
+            <a:pPr lvl="1"/>
+            <a:r>
+              <a:rPr lang="en-US" dirty="0"/>
+              <a:t>Newest content?</a:t>
+            </a:r>
+          </a:p>
+          <a:p>
+            <a:r>
+              <a:rPr lang="en-US" dirty="0"/>
+              <a:t>Our project was reviewing data from streaming services to identify data trends-</a:t>
+            </a:r>
+          </a:p>
+          <a:p>
+            <a:pPr lvl="1"/>
+            <a:r>
+              <a:rPr lang="en-US" dirty="0"/>
+              <a:t>The focus was on four primary services:</a:t>
+            </a:r>
+          </a:p>
+          <a:p>
+            <a:pPr lvl="2"/>
+            <a:r>
+              <a:rPr lang="en-US" dirty="0"/>
+              <a:t>Netflix</a:t>
+            </a:r>
+          </a:p>
+          <a:p>
+            <a:pPr lvl="2"/>
+            <a:r>
+              <a:rPr lang="en-US" dirty="0"/>
+              <a:t>Hulu</a:t>
+            </a:r>
+          </a:p>
+          <a:p>
+            <a:pPr lvl="2"/>
+            <a:r>
+              <a:rPr lang="en-US" dirty="0"/>
+              <a:t>Amazon Prime</a:t>
+            </a:r>
+          </a:p>
+          <a:p>
+            <a:pPr lvl="2"/>
+            <a:r>
+              <a:rPr lang="en-US" dirty="0"/>
+              <a:t>Disney Plus</a:t>
+            </a:r>
+          </a:p>
+          <a:p>
+            <a:pPr marL="0" indent="0">
+              <a:buNone/>
+            </a:pPr>
+            <a:endParaRPr lang="en-US" dirty="0"/>
+          </a:p>
+        </p:txBody>
+      </p:sp>
+    </p:spTree>
+    <p:extLst>
+      <p:ext uri="{BB962C8B-B14F-4D97-AF65-F5344CB8AC3E}">
+        <p14:creationId xmlns:p14="http://schemas.microsoft.com/office/powerpoint/2010/main" val="1733622319"/>
+      </p:ext>
+    </p:extLst>
+  </p:cSld>
+  <p:clrMapOvr>
+    <a:masterClrMapping/>
+  </p:clrMapOvr>
+</p:sld>
+</file>
+
+<file path=ppt/slides/slide20.xml><?xml version="1.0" encoding="utf-8"?>
 <p:sld xmlns:a="http://schemas.openxmlformats.org/drawingml/2006/main" xmlns:r="http://schemas.openxmlformats.org/officeDocument/2006/relationships" xmlns:p="http://schemas.openxmlformats.org/presentationml/2006/main">
   <p:cSld>
     <p:spTree>
@@ -6044,163 +6586,7 @@
 </p:sld>
 </file>
 
-<file path=ppt/slides/slide2.xml><?xml version="1.0" encoding="utf-8"?>
-<p:sld xmlns:a="http://schemas.openxmlformats.org/drawingml/2006/main" xmlns:r="http://schemas.openxmlformats.org/officeDocument/2006/relationships" xmlns:p="http://schemas.openxmlformats.org/presentationml/2006/main">
-  <p:cSld>
-    <p:spTree>
-      <p:nvGrpSpPr>
-        <p:cNvPr id="1" name=""/>
-        <p:cNvGrpSpPr/>
-        <p:nvPr/>
-      </p:nvGrpSpPr>
-      <p:grpSpPr>
-        <a:xfrm>
-          <a:off x="0" y="0"/>
-          <a:ext cx="0" cy="0"/>
-          <a:chOff x="0" y="0"/>
-          <a:chExt cx="0" cy="0"/>
-        </a:xfrm>
-      </p:grpSpPr>
-      <p:sp>
-        <p:nvSpPr>
-          <p:cNvPr id="2" name="Title 1">
-            <a:extLst>
-              <a:ext uri="{FF2B5EF4-FFF2-40B4-BE49-F238E27FC236}">
-                <a16:creationId xmlns:a16="http://schemas.microsoft.com/office/drawing/2014/main" id="{46408683-B22D-3A70-9BB8-42088EC5BD7A}"/>
-              </a:ext>
-            </a:extLst>
-          </p:cNvPr>
-          <p:cNvSpPr>
-            <a:spLocks noGrp="1"/>
-          </p:cNvSpPr>
-          <p:nvPr>
-            <p:ph type="title"/>
-          </p:nvPr>
-        </p:nvSpPr>
-        <p:spPr/>
-        <p:txBody>
-          <a:bodyPr/>
-          <a:lstStyle/>
-          <a:p>
-            <a:r>
-              <a:rPr lang="en-US" dirty="0"/>
-              <a:t>Executive Summary</a:t>
-            </a:r>
-          </a:p>
-        </p:txBody>
-      </p:sp>
-      <p:sp>
-        <p:nvSpPr>
-          <p:cNvPr id="3" name="Content Placeholder 2">
-            <a:extLst>
-              <a:ext uri="{FF2B5EF4-FFF2-40B4-BE49-F238E27FC236}">
-                <a16:creationId xmlns:a16="http://schemas.microsoft.com/office/drawing/2014/main" id="{2A4AB622-10C2-BCAD-4D9C-935E257C73D5}"/>
-              </a:ext>
-            </a:extLst>
-          </p:cNvPr>
-          <p:cNvSpPr>
-            <a:spLocks noGrp="1"/>
-          </p:cNvSpPr>
-          <p:nvPr>
-            <p:ph idx="1"/>
-          </p:nvPr>
-        </p:nvSpPr>
-        <p:spPr/>
-        <p:txBody>
-          <a:bodyPr>
-            <a:normAutofit lnSpcReduction="10000"/>
-          </a:bodyPr>
-          <a:lstStyle/>
-          <a:p>
-            <a:r>
-              <a:rPr lang="en-US" dirty="0"/>
-              <a:t>Do you ever wonder which streaming service is right for your needs?</a:t>
-            </a:r>
-          </a:p>
-          <a:p>
-            <a:pPr lvl="1"/>
-            <a:r>
-              <a:rPr lang="en-US" dirty="0"/>
-              <a:t>Kids?</a:t>
-            </a:r>
-          </a:p>
-          <a:p>
-            <a:pPr lvl="1"/>
-            <a:r>
-              <a:rPr lang="en-US" dirty="0"/>
-              <a:t>Quality of content?</a:t>
-            </a:r>
-          </a:p>
-          <a:p>
-            <a:pPr lvl="1"/>
-            <a:r>
-              <a:rPr lang="en-US" dirty="0"/>
-              <a:t>Newest content?</a:t>
-            </a:r>
-          </a:p>
-          <a:p>
-            <a:r>
-              <a:rPr lang="en-US" dirty="0"/>
-              <a:t>Our project was reviewing data from streaming services to identify data trends-</a:t>
-            </a:r>
-          </a:p>
-          <a:p>
-            <a:pPr lvl="1"/>
-            <a:r>
-              <a:rPr lang="en-US" dirty="0"/>
-              <a:t>The focus was on four primary services:</a:t>
-            </a:r>
-          </a:p>
-          <a:p>
-            <a:pPr lvl="2"/>
-            <a:r>
-              <a:rPr lang="en-US" dirty="0"/>
-              <a:t>Netflix</a:t>
-            </a:r>
-          </a:p>
-          <a:p>
-            <a:pPr lvl="2"/>
-            <a:r>
-              <a:rPr lang="en-US" dirty="0"/>
-              <a:t>Hulu</a:t>
-            </a:r>
-          </a:p>
-          <a:p>
-            <a:pPr lvl="2"/>
-            <a:r>
-              <a:rPr lang="en-US" dirty="0"/>
-              <a:t>Amazon Prime</a:t>
-            </a:r>
-          </a:p>
-          <a:p>
-            <a:pPr lvl="2"/>
-            <a:r>
-              <a:rPr lang="en-US" dirty="0"/>
-              <a:t>Disney Plus</a:t>
-            </a:r>
-          </a:p>
-          <a:p>
-            <a:pPr marL="0" indent="0">
-              <a:buNone/>
-            </a:pPr>
-            <a:endParaRPr lang="en-US" dirty="0"/>
-          </a:p>
-        </p:txBody>
-      </p:sp>
-    </p:spTree>
-    <p:extLst>
-      <p:ext uri="{BB962C8B-B14F-4D97-AF65-F5344CB8AC3E}">
-        <p14:creationId xmlns:p14="http://schemas.microsoft.com/office/powerpoint/2010/main" val="1733622319"/>
-      </p:ext>
-    </p:extLst>
-  </p:cSld>
-  <p:clrMapOvr>
-    <a:masterClrMapping/>
-  </p:clrMapOvr>
-</p:sld>
-</file>
-
-<file path=ppt/slides/slide20.xml><?xml version="1.0" encoding="utf-8"?>
+<file path=ppt/slides/slide21.xml><?xml version="1.0" encoding="utf-8"?>
 <p:sld xmlns:a="http://schemas.openxmlformats.org/drawingml/2006/main" xmlns:r="http://schemas.openxmlformats.org/officeDocument/2006/relationships" xmlns:p="http://schemas.openxmlformats.org/presentationml/2006/main">
   <p:cSld>
     <p:bg>
@@ -6777,7 +7163,7 @@
 </p:sld>
 </file>
 
-<file path=ppt/slides/slide21.xml><?xml version="1.0" encoding="utf-8"?>
+<file path=ppt/slides/slide22.xml><?xml version="1.0" encoding="utf-8"?>
 <p:sld xmlns:a="http://schemas.openxmlformats.org/drawingml/2006/main" xmlns:r="http://schemas.openxmlformats.org/officeDocument/2006/relationships" xmlns:p="http://schemas.openxmlformats.org/presentationml/2006/main">
   <p:cSld>
     <p:spTree>
@@ -6924,7 +7310,7 @@
 </p:sld>
 </file>
 
-<file path=ppt/slides/slide22.xml><?xml version="1.0" encoding="utf-8"?>
+<file path=ppt/slides/slide23.xml><?xml version="1.0" encoding="utf-8"?>
 <p:sld xmlns:a="http://schemas.openxmlformats.org/drawingml/2006/main" xmlns:r="http://schemas.openxmlformats.org/officeDocument/2006/relationships" xmlns:p="http://schemas.openxmlformats.org/presentationml/2006/main">
   <p:cSld>
     <p:bg>
@@ -7445,7 +7831,7 @@
 </p:sld>
 </file>
 
-<file path=ppt/slides/slide23.xml><?xml version="1.0" encoding="utf-8"?>
+<file path=ppt/slides/slide24.xml><?xml version="1.0" encoding="utf-8"?>
 <p:sld xmlns:a="http://schemas.openxmlformats.org/drawingml/2006/main" xmlns:r="http://schemas.openxmlformats.org/officeDocument/2006/relationships" xmlns:p="http://schemas.openxmlformats.org/presentationml/2006/main">
   <p:cSld>
     <p:bg>
@@ -7820,7 +8206,7 @@
 </p:sld>
 </file>
 
-<file path=ppt/slides/slide24.xml><?xml version="1.0" encoding="utf-8"?>
+<file path=ppt/slides/slide25.xml><?xml version="1.0" encoding="utf-8"?>
 <p:sld xmlns:a="http://schemas.openxmlformats.org/drawingml/2006/main" xmlns:r="http://schemas.openxmlformats.org/officeDocument/2006/relationships" xmlns:p="http://schemas.openxmlformats.org/presentationml/2006/main">
   <p:cSld>
     <p:spTree>

--- a/what_are_we_watching_tonight final.pptx
+++ b/what_are_we_watching_tonight final.pptx
@@ -21,10 +21,10 @@
     <p:sldId id="273" r:id="rId12"/>
     <p:sldId id="276" r:id="rId13"/>
     <p:sldId id="267" r:id="rId14"/>
-    <p:sldId id="283" r:id="rId15"/>
-    <p:sldId id="278" r:id="rId16"/>
-    <p:sldId id="279" r:id="rId17"/>
-    <p:sldId id="280" r:id="rId18"/>
+    <p:sldId id="279" r:id="rId15"/>
+    <p:sldId id="283" r:id="rId16"/>
+    <p:sldId id="280" r:id="rId17"/>
+    <p:sldId id="278" r:id="rId18"/>
     <p:sldId id="281" r:id="rId19"/>
     <p:sldId id="282" r:id="rId20"/>
     <p:sldId id="271" r:id="rId21"/>
@@ -5021,6 +5021,158 @@
       </p:grpSpPr>
       <p:sp>
         <p:nvSpPr>
+          <p:cNvPr id="2" name="Title 1">
+            <a:extLst>
+              <a:ext uri="{FF2B5EF4-FFF2-40B4-BE49-F238E27FC236}">
+                <a16:creationId xmlns:a16="http://schemas.microsoft.com/office/drawing/2014/main" id="{2863DA95-0437-ABA5-780A-BCA53F46030F}"/>
+              </a:ext>
+            </a:extLst>
+          </p:cNvPr>
+          <p:cNvSpPr>
+            <a:spLocks noGrp="1"/>
+          </p:cNvSpPr>
+          <p:nvPr>
+            <p:ph type="title"/>
+          </p:nvPr>
+        </p:nvSpPr>
+        <p:spPr/>
+        <p:txBody>
+          <a:bodyPr/>
+          <a:lstStyle/>
+          <a:p>
+            <a:r>
+              <a:rPr lang="en-US" sz="4400" dirty="0"/>
+              <a:t>Rotten Tomatoes</a:t>
+            </a:r>
+            <a:endParaRPr lang="en-US" dirty="0"/>
+          </a:p>
+        </p:txBody>
+      </p:sp>
+      <p:sp>
+        <p:nvSpPr>
+          <p:cNvPr id="3" name="Content Placeholder 2">
+            <a:extLst>
+              <a:ext uri="{FF2B5EF4-FFF2-40B4-BE49-F238E27FC236}">
+                <a16:creationId xmlns:a16="http://schemas.microsoft.com/office/drawing/2014/main" id="{E681FB12-1D6D-5298-E03C-CB13B80B937B}"/>
+              </a:ext>
+            </a:extLst>
+          </p:cNvPr>
+          <p:cNvSpPr>
+            <a:spLocks noGrp="1"/>
+          </p:cNvSpPr>
+          <p:nvPr>
+            <p:ph idx="1"/>
+          </p:nvPr>
+        </p:nvSpPr>
+        <p:spPr>
+          <a:xfrm>
+            <a:off x="838200" y="1646011"/>
+            <a:ext cx="10515600" cy="4351338"/>
+          </a:xfrm>
+        </p:spPr>
+        <p:txBody>
+          <a:bodyPr/>
+          <a:lstStyle/>
+          <a:p>
+            <a:r>
+              <a:rPr lang="en-US" dirty="0"/>
+              <a:t>Calculate the total TV shows on each service</a:t>
+            </a:r>
+          </a:p>
+        </p:txBody>
+      </p:sp>
+      <p:pic>
+        <p:nvPicPr>
+          <p:cNvPr id="4" name="Picture 3">
+            <a:extLst>
+              <a:ext uri="{FF2B5EF4-FFF2-40B4-BE49-F238E27FC236}">
+                <a16:creationId xmlns:a16="http://schemas.microsoft.com/office/drawing/2014/main" id="{87B58A4C-7A3E-5671-F3CB-3BE7CF1EFB1B}"/>
+              </a:ext>
+            </a:extLst>
+          </p:cNvPr>
+          <p:cNvPicPr>
+            <a:picLocks noChangeAspect="1"/>
+          </p:cNvPicPr>
+          <p:nvPr/>
+        </p:nvPicPr>
+        <p:blipFill>
+          <a:blip r:embed="rId2"/>
+          <a:stretch>
+            <a:fillRect/>
+          </a:stretch>
+        </p:blipFill>
+        <p:spPr>
+          <a:xfrm>
+            <a:off x="967355" y="2302025"/>
+            <a:ext cx="8982187" cy="1078822"/>
+          </a:xfrm>
+          <a:prstGeom prst="rect">
+            <a:avLst/>
+          </a:prstGeom>
+        </p:spPr>
+      </p:pic>
+      <p:pic>
+        <p:nvPicPr>
+          <p:cNvPr id="5" name="Picture 4">
+            <a:extLst>
+              <a:ext uri="{FF2B5EF4-FFF2-40B4-BE49-F238E27FC236}">
+                <a16:creationId xmlns:a16="http://schemas.microsoft.com/office/drawing/2014/main" id="{1BF98F28-14F2-F27F-2338-C54FA0B27F45}"/>
+              </a:ext>
+            </a:extLst>
+          </p:cNvPr>
+          <p:cNvPicPr>
+            <a:picLocks noChangeAspect="1"/>
+          </p:cNvPicPr>
+          <p:nvPr/>
+        </p:nvPicPr>
+        <p:blipFill>
+          <a:blip r:embed="rId3"/>
+          <a:stretch>
+            <a:fillRect/>
+          </a:stretch>
+        </p:blipFill>
+        <p:spPr>
+          <a:xfrm>
+            <a:off x="1054442" y="3596000"/>
+            <a:ext cx="8982187" cy="3062336"/>
+          </a:xfrm>
+          <a:prstGeom prst="rect">
+            <a:avLst/>
+          </a:prstGeom>
+        </p:spPr>
+      </p:pic>
+    </p:spTree>
+    <p:extLst>
+      <p:ext uri="{BB962C8B-B14F-4D97-AF65-F5344CB8AC3E}">
+        <p14:creationId xmlns:p14="http://schemas.microsoft.com/office/powerpoint/2010/main" val="765938102"/>
+      </p:ext>
+    </p:extLst>
+  </p:cSld>
+  <p:clrMapOvr>
+    <a:masterClrMapping/>
+  </p:clrMapOvr>
+</p:sld>
+</file>
+
+<file path=ppt/slides/slide15.xml><?xml version="1.0" encoding="utf-8"?>
+<p:sld xmlns:a="http://schemas.openxmlformats.org/drawingml/2006/main" xmlns:r="http://schemas.openxmlformats.org/officeDocument/2006/relationships" xmlns:p="http://schemas.openxmlformats.org/presentationml/2006/main">
+  <p:cSld>
+    <p:spTree>
+      <p:nvGrpSpPr>
+        <p:cNvPr id="1" name=""/>
+        <p:cNvGrpSpPr/>
+        <p:nvPr/>
+      </p:nvGrpSpPr>
+      <p:grpSpPr>
+        <a:xfrm>
+          <a:off x="0" y="0"/>
+          <a:ext cx="0" cy="0"/>
+          <a:chOff x="0" y="0"/>
+          <a:chExt cx="0" cy="0"/>
+        </a:xfrm>
+      </p:grpSpPr>
+      <p:sp>
+        <p:nvSpPr>
           <p:cNvPr id="2" name="Content Placeholder 2">
             <a:extLst>
               <a:ext uri="{FF2B5EF4-FFF2-40B4-BE49-F238E27FC236}">
@@ -5211,7 +5363,7 @@
           <a:p>
             <a:r>
               <a:rPr lang="en-US" dirty="0"/>
-              <a:t>Calculate the total TV shows on each service</a:t>
+              <a:t>Calculate the total TV shows on each service based on IMDb</a:t>
             </a:r>
           </a:p>
           <a:p>
@@ -5387,124 +5539,6 @@
 </p:sld>
 </file>
 
-<file path=ppt/slides/slide15.xml><?xml version="1.0" encoding="utf-8"?>
-<p:sld xmlns:a="http://schemas.openxmlformats.org/drawingml/2006/main" xmlns:r="http://schemas.openxmlformats.org/officeDocument/2006/relationships" xmlns:p="http://schemas.openxmlformats.org/presentationml/2006/main">
-  <p:cSld>
-    <p:spTree>
-      <p:nvGrpSpPr>
-        <p:cNvPr id="1" name=""/>
-        <p:cNvGrpSpPr/>
-        <p:nvPr/>
-      </p:nvGrpSpPr>
-      <p:grpSpPr>
-        <a:xfrm>
-          <a:off x="0" y="0"/>
-          <a:ext cx="0" cy="0"/>
-          <a:chOff x="0" y="0"/>
-          <a:chExt cx="0" cy="0"/>
-        </a:xfrm>
-      </p:grpSpPr>
-      <p:sp>
-        <p:nvSpPr>
-          <p:cNvPr id="2" name="Title 1">
-            <a:extLst>
-              <a:ext uri="{FF2B5EF4-FFF2-40B4-BE49-F238E27FC236}">
-                <a16:creationId xmlns:a16="http://schemas.microsoft.com/office/drawing/2014/main" id="{16AF27ED-EDDB-2E5E-F46B-6C56CF7FB713}"/>
-              </a:ext>
-            </a:extLst>
-          </p:cNvPr>
-          <p:cNvSpPr>
-            <a:spLocks noGrp="1"/>
-          </p:cNvSpPr>
-          <p:nvPr>
-            <p:ph type="title"/>
-          </p:nvPr>
-        </p:nvSpPr>
-        <p:spPr/>
-        <p:txBody>
-          <a:bodyPr/>
-          <a:lstStyle/>
-          <a:p>
-            <a:r>
-              <a:rPr lang="en-US" dirty="0"/>
-              <a:t>IMDb</a:t>
-            </a:r>
-          </a:p>
-        </p:txBody>
-      </p:sp>
-      <p:pic>
-        <p:nvPicPr>
-          <p:cNvPr id="3" name="Content Placeholder 4">
-            <a:extLst>
-              <a:ext uri="{FF2B5EF4-FFF2-40B4-BE49-F238E27FC236}">
-                <a16:creationId xmlns:a16="http://schemas.microsoft.com/office/drawing/2014/main" id="{02BFCE09-3C5B-7BCD-655C-A25376F0CE83}"/>
-              </a:ext>
-            </a:extLst>
-          </p:cNvPr>
-          <p:cNvPicPr>
-            <a:picLocks noChangeAspect="1"/>
-          </p:cNvPicPr>
-          <p:nvPr/>
-        </p:nvPicPr>
-        <p:blipFill>
-          <a:blip r:embed="rId2"/>
-          <a:stretch>
-            <a:fillRect/>
-          </a:stretch>
-        </p:blipFill>
-        <p:spPr>
-          <a:xfrm>
-            <a:off x="595934" y="1690688"/>
-            <a:ext cx="4928566" cy="4748212"/>
-          </a:xfrm>
-          <a:prstGeom prst="rect">
-            <a:avLst/>
-          </a:prstGeom>
-        </p:spPr>
-      </p:pic>
-      <p:pic>
-        <p:nvPicPr>
-          <p:cNvPr id="5" name="Picture 4">
-            <a:extLst>
-              <a:ext uri="{FF2B5EF4-FFF2-40B4-BE49-F238E27FC236}">
-                <a16:creationId xmlns:a16="http://schemas.microsoft.com/office/drawing/2014/main" id="{962A7796-1D5F-9BF9-9516-9B15CD6D6E55}"/>
-              </a:ext>
-            </a:extLst>
-          </p:cNvPr>
-          <p:cNvPicPr>
-            <a:picLocks noChangeAspect="1"/>
-          </p:cNvPicPr>
-          <p:nvPr/>
-        </p:nvPicPr>
-        <p:blipFill>
-          <a:blip r:embed="rId3"/>
-          <a:stretch>
-            <a:fillRect/>
-          </a:stretch>
-        </p:blipFill>
-        <p:spPr>
-          <a:xfrm>
-            <a:off x="5237154" y="1545771"/>
-            <a:ext cx="7089071" cy="4844271"/>
-          </a:xfrm>
-          <a:prstGeom prst="rect">
-            <a:avLst/>
-          </a:prstGeom>
-        </p:spPr>
-      </p:pic>
-    </p:spTree>
-    <p:extLst>
-      <p:ext uri="{BB962C8B-B14F-4D97-AF65-F5344CB8AC3E}">
-        <p14:creationId xmlns:p14="http://schemas.microsoft.com/office/powerpoint/2010/main" val="3107476628"/>
-      </p:ext>
-    </p:extLst>
-  </p:cSld>
-  <p:clrMapOvr>
-    <a:masterClrMapping/>
-  </p:clrMapOvr>
-</p:sld>
-</file>
-
 <file path=ppt/slides/slide16.xml><?xml version="1.0" encoding="utf-8"?>
 <p:sld xmlns:a="http://schemas.openxmlformats.org/drawingml/2006/main" xmlns:r="http://schemas.openxmlformats.org/officeDocument/2006/relationships" xmlns:p="http://schemas.openxmlformats.org/presentationml/2006/main">
   <p:cSld>
@@ -5524,158 +5558,6 @@
       </p:grpSpPr>
       <p:sp>
         <p:nvSpPr>
-          <p:cNvPr id="2" name="Title 1">
-            <a:extLst>
-              <a:ext uri="{FF2B5EF4-FFF2-40B4-BE49-F238E27FC236}">
-                <a16:creationId xmlns:a16="http://schemas.microsoft.com/office/drawing/2014/main" id="{2863DA95-0437-ABA5-780A-BCA53F46030F}"/>
-              </a:ext>
-            </a:extLst>
-          </p:cNvPr>
-          <p:cNvSpPr>
-            <a:spLocks noGrp="1"/>
-          </p:cNvSpPr>
-          <p:nvPr>
-            <p:ph type="title"/>
-          </p:nvPr>
-        </p:nvSpPr>
-        <p:spPr/>
-        <p:txBody>
-          <a:bodyPr/>
-          <a:lstStyle/>
-          <a:p>
-            <a:r>
-              <a:rPr lang="en-US" sz="4400" dirty="0"/>
-              <a:t>Rotten Tomatoes</a:t>
-            </a:r>
-            <a:endParaRPr lang="en-US" dirty="0"/>
-          </a:p>
-        </p:txBody>
-      </p:sp>
-      <p:sp>
-        <p:nvSpPr>
-          <p:cNvPr id="3" name="Content Placeholder 2">
-            <a:extLst>
-              <a:ext uri="{FF2B5EF4-FFF2-40B4-BE49-F238E27FC236}">
-                <a16:creationId xmlns:a16="http://schemas.microsoft.com/office/drawing/2014/main" id="{E681FB12-1D6D-5298-E03C-CB13B80B937B}"/>
-              </a:ext>
-            </a:extLst>
-          </p:cNvPr>
-          <p:cNvSpPr>
-            <a:spLocks noGrp="1"/>
-          </p:cNvSpPr>
-          <p:nvPr>
-            <p:ph idx="1"/>
-          </p:nvPr>
-        </p:nvSpPr>
-        <p:spPr>
-          <a:xfrm>
-            <a:off x="838200" y="1646011"/>
-            <a:ext cx="10515600" cy="4351338"/>
-          </a:xfrm>
-        </p:spPr>
-        <p:txBody>
-          <a:bodyPr/>
-          <a:lstStyle/>
-          <a:p>
-            <a:r>
-              <a:rPr lang="en-US" dirty="0"/>
-              <a:t>Calculate the total TV shows on each service</a:t>
-            </a:r>
-          </a:p>
-        </p:txBody>
-      </p:sp>
-      <p:pic>
-        <p:nvPicPr>
-          <p:cNvPr id="4" name="Picture 3">
-            <a:extLst>
-              <a:ext uri="{FF2B5EF4-FFF2-40B4-BE49-F238E27FC236}">
-                <a16:creationId xmlns:a16="http://schemas.microsoft.com/office/drawing/2014/main" id="{87B58A4C-7A3E-5671-F3CB-3BE7CF1EFB1B}"/>
-              </a:ext>
-            </a:extLst>
-          </p:cNvPr>
-          <p:cNvPicPr>
-            <a:picLocks noChangeAspect="1"/>
-          </p:cNvPicPr>
-          <p:nvPr/>
-        </p:nvPicPr>
-        <p:blipFill>
-          <a:blip r:embed="rId2"/>
-          <a:stretch>
-            <a:fillRect/>
-          </a:stretch>
-        </p:blipFill>
-        <p:spPr>
-          <a:xfrm>
-            <a:off x="967355" y="2302025"/>
-            <a:ext cx="8982187" cy="1078822"/>
-          </a:xfrm>
-          <a:prstGeom prst="rect">
-            <a:avLst/>
-          </a:prstGeom>
-        </p:spPr>
-      </p:pic>
-      <p:pic>
-        <p:nvPicPr>
-          <p:cNvPr id="5" name="Picture 4">
-            <a:extLst>
-              <a:ext uri="{FF2B5EF4-FFF2-40B4-BE49-F238E27FC236}">
-                <a16:creationId xmlns:a16="http://schemas.microsoft.com/office/drawing/2014/main" id="{1BF98F28-14F2-F27F-2338-C54FA0B27F45}"/>
-              </a:ext>
-            </a:extLst>
-          </p:cNvPr>
-          <p:cNvPicPr>
-            <a:picLocks noChangeAspect="1"/>
-          </p:cNvPicPr>
-          <p:nvPr/>
-        </p:nvPicPr>
-        <p:blipFill>
-          <a:blip r:embed="rId3"/>
-          <a:stretch>
-            <a:fillRect/>
-          </a:stretch>
-        </p:blipFill>
-        <p:spPr>
-          <a:xfrm>
-            <a:off x="1054442" y="3596000"/>
-            <a:ext cx="8982187" cy="3062336"/>
-          </a:xfrm>
-          <a:prstGeom prst="rect">
-            <a:avLst/>
-          </a:prstGeom>
-        </p:spPr>
-      </p:pic>
-    </p:spTree>
-    <p:extLst>
-      <p:ext uri="{BB962C8B-B14F-4D97-AF65-F5344CB8AC3E}">
-        <p14:creationId xmlns:p14="http://schemas.microsoft.com/office/powerpoint/2010/main" val="765938102"/>
-      </p:ext>
-    </p:extLst>
-  </p:cSld>
-  <p:clrMapOvr>
-    <a:masterClrMapping/>
-  </p:clrMapOvr>
-</p:sld>
-</file>
-
-<file path=ppt/slides/slide17.xml><?xml version="1.0" encoding="utf-8"?>
-<p:sld xmlns:a="http://schemas.openxmlformats.org/drawingml/2006/main" xmlns:r="http://schemas.openxmlformats.org/officeDocument/2006/relationships" xmlns:p="http://schemas.openxmlformats.org/presentationml/2006/main">
-  <p:cSld>
-    <p:spTree>
-      <p:nvGrpSpPr>
-        <p:cNvPr id="1" name=""/>
-        <p:cNvGrpSpPr/>
-        <p:nvPr/>
-      </p:nvGrpSpPr>
-      <p:grpSpPr>
-        <a:xfrm>
-          <a:off x="0" y="0"/>
-          <a:ext cx="0" cy="0"/>
-          <a:chOff x="0" y="0"/>
-          <a:chExt cx="0" cy="0"/>
-        </a:xfrm>
-      </p:grpSpPr>
-      <p:sp>
-        <p:nvSpPr>
           <p:cNvPr id="6" name="Content Placeholder 2">
             <a:extLst>
               <a:ext uri="{FF2B5EF4-FFF2-40B4-BE49-F238E27FC236}">
@@ -5690,8 +5572,8 @@
         </p:nvSpPr>
         <p:spPr>
           <a:xfrm>
-            <a:off x="838200" y="688489"/>
-            <a:ext cx="10515600" cy="5488474"/>
+            <a:off x="838200" y="328773"/>
+            <a:ext cx="10515600" cy="5848190"/>
           </a:xfrm>
           <a:prstGeom prst="rect">
             <a:avLst/>
@@ -5866,7 +5748,7 @@
           <a:p>
             <a:r>
               <a:rPr lang="en-US" dirty="0"/>
-              <a:t>Calculate the total TV shows on each service</a:t>
+              <a:t>Calculate the total TV shows on each service based on Rotten Tomatoes</a:t>
             </a:r>
           </a:p>
           <a:p>
@@ -5988,6 +5870,124 @@
     <p:extLst>
       <p:ext uri="{BB962C8B-B14F-4D97-AF65-F5344CB8AC3E}">
         <p14:creationId xmlns:p14="http://schemas.microsoft.com/office/powerpoint/2010/main" val="4191402482"/>
+      </p:ext>
+    </p:extLst>
+  </p:cSld>
+  <p:clrMapOvr>
+    <a:masterClrMapping/>
+  </p:clrMapOvr>
+</p:sld>
+</file>
+
+<file path=ppt/slides/slide17.xml><?xml version="1.0" encoding="utf-8"?>
+<p:sld xmlns:a="http://schemas.openxmlformats.org/drawingml/2006/main" xmlns:r="http://schemas.openxmlformats.org/officeDocument/2006/relationships" xmlns:p="http://schemas.openxmlformats.org/presentationml/2006/main">
+  <p:cSld>
+    <p:spTree>
+      <p:nvGrpSpPr>
+        <p:cNvPr id="1" name=""/>
+        <p:cNvGrpSpPr/>
+        <p:nvPr/>
+      </p:nvGrpSpPr>
+      <p:grpSpPr>
+        <a:xfrm>
+          <a:off x="0" y="0"/>
+          <a:ext cx="0" cy="0"/>
+          <a:chOff x="0" y="0"/>
+          <a:chExt cx="0" cy="0"/>
+        </a:xfrm>
+      </p:grpSpPr>
+      <p:sp>
+        <p:nvSpPr>
+          <p:cNvPr id="2" name="Title 1">
+            <a:extLst>
+              <a:ext uri="{FF2B5EF4-FFF2-40B4-BE49-F238E27FC236}">
+                <a16:creationId xmlns:a16="http://schemas.microsoft.com/office/drawing/2014/main" id="{16AF27ED-EDDB-2E5E-F46B-6C56CF7FB713}"/>
+              </a:ext>
+            </a:extLst>
+          </p:cNvPr>
+          <p:cNvSpPr>
+            <a:spLocks noGrp="1"/>
+          </p:cNvSpPr>
+          <p:nvPr>
+            <p:ph type="title"/>
+          </p:nvPr>
+        </p:nvSpPr>
+        <p:spPr/>
+        <p:txBody>
+          <a:bodyPr/>
+          <a:lstStyle/>
+          <a:p>
+            <a:r>
+              <a:rPr lang="en-US" dirty="0"/>
+              <a:t>IMDb</a:t>
+            </a:r>
+          </a:p>
+        </p:txBody>
+      </p:sp>
+      <p:pic>
+        <p:nvPicPr>
+          <p:cNvPr id="3" name="Content Placeholder 4">
+            <a:extLst>
+              <a:ext uri="{FF2B5EF4-FFF2-40B4-BE49-F238E27FC236}">
+                <a16:creationId xmlns:a16="http://schemas.microsoft.com/office/drawing/2014/main" id="{02BFCE09-3C5B-7BCD-655C-A25376F0CE83}"/>
+              </a:ext>
+            </a:extLst>
+          </p:cNvPr>
+          <p:cNvPicPr>
+            <a:picLocks noChangeAspect="1"/>
+          </p:cNvPicPr>
+          <p:nvPr/>
+        </p:nvPicPr>
+        <p:blipFill>
+          <a:blip r:embed="rId2"/>
+          <a:stretch>
+            <a:fillRect/>
+          </a:stretch>
+        </p:blipFill>
+        <p:spPr>
+          <a:xfrm>
+            <a:off x="595934" y="1690688"/>
+            <a:ext cx="4928566" cy="4748212"/>
+          </a:xfrm>
+          <a:prstGeom prst="rect">
+            <a:avLst/>
+          </a:prstGeom>
+        </p:spPr>
+      </p:pic>
+      <p:pic>
+        <p:nvPicPr>
+          <p:cNvPr id="5" name="Picture 4">
+            <a:extLst>
+              <a:ext uri="{FF2B5EF4-FFF2-40B4-BE49-F238E27FC236}">
+                <a16:creationId xmlns:a16="http://schemas.microsoft.com/office/drawing/2014/main" id="{962A7796-1D5F-9BF9-9516-9B15CD6D6E55}"/>
+              </a:ext>
+            </a:extLst>
+          </p:cNvPr>
+          <p:cNvPicPr>
+            <a:picLocks noChangeAspect="1"/>
+          </p:cNvPicPr>
+          <p:nvPr/>
+        </p:nvPicPr>
+        <p:blipFill>
+          <a:blip r:embed="rId3"/>
+          <a:stretch>
+            <a:fillRect/>
+          </a:stretch>
+        </p:blipFill>
+        <p:spPr>
+          <a:xfrm>
+            <a:off x="5237154" y="1545771"/>
+            <a:ext cx="7089071" cy="4844271"/>
+          </a:xfrm>
+          <a:prstGeom prst="rect">
+            <a:avLst/>
+          </a:prstGeom>
+        </p:spPr>
+      </p:pic>
+    </p:spTree>
+    <p:extLst>
+      <p:ext uri="{BB962C8B-B14F-4D97-AF65-F5344CB8AC3E}">
+        <p14:creationId xmlns:p14="http://schemas.microsoft.com/office/powerpoint/2010/main" val="3107476628"/>
       </p:ext>
     </p:extLst>
   </p:cSld>
